--- a/Textbook/第13章-人工智能优化计算机系统/figs.pptx
+++ b/Textbook/第13章-人工智能优化计算机系统/figs.pptx
@@ -4,9 +4,13 @@
   <p:sldMasterIdLst>
     <p:sldMasterId id="2147483648" r:id="rId1"/>
   </p:sldMasterIdLst>
+  <p:notesMasterIdLst>
+    <p:notesMasterId r:id="rId5"/>
+  </p:notesMasterIdLst>
   <p:sldIdLst>
     <p:sldId id="256" r:id="rId2"/>
     <p:sldId id="257" r:id="rId3"/>
+    <p:sldId id="301" r:id="rId4"/>
   </p:sldIdLst>
   <p:sldSz cx="12192000" cy="6858000"/>
   <p:notesSz cx="6858000" cy="9144000"/>
@@ -118,7 +122,7 @@
   <pc:docChgLst>
     <pc:chgData name="Mike Liang" userId="a4ba47076be7b4ad" providerId="LiveId" clId="{27CE8788-593A-452B-9F57-261E2FC1E8BB}"/>
     <pc:docChg chg="undo custSel addSld modSld">
-      <pc:chgData name="Mike Liang" userId="a4ba47076be7b4ad" providerId="LiveId" clId="{27CE8788-593A-452B-9F57-261E2FC1E8BB}" dt="2022-05-14T12:41:09.940" v="1858" actId="403"/>
+      <pc:chgData name="Mike Liang" userId="a4ba47076be7b4ad" providerId="LiveId" clId="{27CE8788-593A-452B-9F57-261E2FC1E8BB}" dt="2022-05-22T07:10:43.328" v="1983" actId="1037"/>
       <pc:docMkLst>
         <pc:docMk/>
       </pc:docMkLst>
@@ -1272,9 +1276,558 @@
           </ac:cxnSpMkLst>
         </pc:cxnChg>
       </pc:sldChg>
+      <pc:sldChg chg="addSp delSp modSp add mod modClrScheme chgLayout">
+        <pc:chgData name="Mike Liang" userId="a4ba47076be7b4ad" providerId="LiveId" clId="{27CE8788-593A-452B-9F57-261E2FC1E8BB}" dt="2022-05-22T07:10:43.328" v="1983" actId="1037"/>
+        <pc:sldMkLst>
+          <pc:docMk/>
+          <pc:sldMk cId="3204610422" sldId="301"/>
+        </pc:sldMkLst>
+        <pc:spChg chg="del">
+          <ac:chgData name="Mike Liang" userId="a4ba47076be7b4ad" providerId="LiveId" clId="{27CE8788-593A-452B-9F57-261E2FC1E8BB}" dt="2022-05-22T07:03:07.077" v="1861" actId="478"/>
+          <ac:spMkLst>
+            <pc:docMk/>
+            <pc:sldMk cId="3204610422" sldId="301"/>
+            <ac:spMk id="2" creationId="{30A3ABDD-005B-4F0B-B7BE-8042B69DF2F0}"/>
+          </ac:spMkLst>
+        </pc:spChg>
+        <pc:spChg chg="add del mod">
+          <ac:chgData name="Mike Liang" userId="a4ba47076be7b4ad" providerId="LiveId" clId="{27CE8788-593A-452B-9F57-261E2FC1E8BB}" dt="2022-05-22T07:03:09.654" v="1862" actId="700"/>
+          <ac:spMkLst>
+            <pc:docMk/>
+            <pc:sldMk cId="3204610422" sldId="301"/>
+            <ac:spMk id="10" creationId="{95199BD1-B4FF-9723-79EA-E49E5671CCEB}"/>
+          </ac:spMkLst>
+        </pc:spChg>
+        <pc:spChg chg="del">
+          <ac:chgData name="Mike Liang" userId="a4ba47076be7b4ad" providerId="LiveId" clId="{27CE8788-593A-452B-9F57-261E2FC1E8BB}" dt="2022-05-22T06:59:48.092" v="1860" actId="478"/>
+          <ac:spMkLst>
+            <pc:docMk/>
+            <pc:sldMk cId="3204610422" sldId="301"/>
+            <ac:spMk id="13" creationId="{0557128B-A065-4DB5-A17C-DCD76DC4B842}"/>
+          </ac:spMkLst>
+        </pc:spChg>
+        <pc:spChg chg="mod">
+          <ac:chgData name="Mike Liang" userId="a4ba47076be7b4ad" providerId="LiveId" clId="{27CE8788-593A-452B-9F57-261E2FC1E8BB}" dt="2022-05-22T07:06:20.215" v="1868" actId="14100"/>
+          <ac:spMkLst>
+            <pc:docMk/>
+            <pc:sldMk cId="3204610422" sldId="301"/>
+            <ac:spMk id="15" creationId="{DAEB84AC-7526-4C51-ACB2-AA0C3E2D89D8}"/>
+          </ac:spMkLst>
+        </pc:spChg>
+        <pc:spChg chg="mod">
+          <ac:chgData name="Mike Liang" userId="a4ba47076be7b4ad" providerId="LiveId" clId="{27CE8788-593A-452B-9F57-261E2FC1E8BB}" dt="2022-05-22T07:09:53.502" v="1960" actId="2711"/>
+          <ac:spMkLst>
+            <pc:docMk/>
+            <pc:sldMk cId="3204610422" sldId="301"/>
+            <ac:spMk id="16" creationId="{E730482A-3DFC-4A85-BD52-95DB9DFF0B3F}"/>
+          </ac:spMkLst>
+        </pc:spChg>
+        <pc:spChg chg="mod">
+          <ac:chgData name="Mike Liang" userId="a4ba47076be7b4ad" providerId="LiveId" clId="{27CE8788-593A-452B-9F57-261E2FC1E8BB}" dt="2022-05-22T07:06:20.215" v="1868" actId="14100"/>
+          <ac:spMkLst>
+            <pc:docMk/>
+            <pc:sldMk cId="3204610422" sldId="301"/>
+            <ac:spMk id="21" creationId="{0DFD2308-B6BF-4B75-B3A7-DF53D88A880D}"/>
+          </ac:spMkLst>
+        </pc:spChg>
+        <pc:spChg chg="mod">
+          <ac:chgData name="Mike Liang" userId="a4ba47076be7b4ad" providerId="LiveId" clId="{27CE8788-593A-452B-9F57-261E2FC1E8BB}" dt="2022-05-22T07:09:57.389" v="1961" actId="2711"/>
+          <ac:spMkLst>
+            <pc:docMk/>
+            <pc:sldMk cId="3204610422" sldId="301"/>
+            <ac:spMk id="22" creationId="{7471FB5F-2088-4800-BA8B-828613FD88CF}"/>
+          </ac:spMkLst>
+        </pc:spChg>
+        <pc:spChg chg="mod">
+          <ac:chgData name="Mike Liang" userId="a4ba47076be7b4ad" providerId="LiveId" clId="{27CE8788-593A-452B-9F57-261E2FC1E8BB}" dt="2022-05-22T07:10:43.328" v="1983" actId="1037"/>
+          <ac:spMkLst>
+            <pc:docMk/>
+            <pc:sldMk cId="3204610422" sldId="301"/>
+            <ac:spMk id="27" creationId="{1A6EB1FE-42FB-40C7-945E-0C176B39F293}"/>
+          </ac:spMkLst>
+        </pc:spChg>
+        <pc:spChg chg="mod">
+          <ac:chgData name="Mike Liang" userId="a4ba47076be7b4ad" providerId="LiveId" clId="{27CE8788-593A-452B-9F57-261E2FC1E8BB}" dt="2022-05-22T07:10:23.425" v="1971" actId="1035"/>
+          <ac:spMkLst>
+            <pc:docMk/>
+            <pc:sldMk cId="3204610422" sldId="301"/>
+            <ac:spMk id="28" creationId="{AB659491-369F-45DD-95A8-F2C10763126F}"/>
+          </ac:spMkLst>
+        </pc:spChg>
+        <pc:spChg chg="add del mod">
+          <ac:chgData name="Mike Liang" userId="a4ba47076be7b4ad" providerId="LiveId" clId="{27CE8788-593A-452B-9F57-261E2FC1E8BB}" dt="2022-05-22T07:09:44.475" v="1958" actId="478"/>
+          <ac:spMkLst>
+            <pc:docMk/>
+            <pc:sldMk cId="3204610422" sldId="301"/>
+            <ac:spMk id="31" creationId="{FE65172A-3121-9604-5621-4815D235BB1D}"/>
+          </ac:spMkLst>
+        </pc:spChg>
+        <pc:spChg chg="mod">
+          <ac:chgData name="Mike Liang" userId="a4ba47076be7b4ad" providerId="LiveId" clId="{27CE8788-593A-452B-9F57-261E2FC1E8BB}" dt="2022-05-22T07:09:39.300" v="1956" actId="1038"/>
+          <ac:spMkLst>
+            <pc:docMk/>
+            <pc:sldMk cId="3204610422" sldId="301"/>
+            <ac:spMk id="42" creationId="{22CE26F3-B71F-41A7-9CDB-58B80A3398A4}"/>
+          </ac:spMkLst>
+        </pc:spChg>
+        <pc:cxnChg chg="mod">
+          <ac:chgData name="Mike Liang" userId="a4ba47076be7b4ad" providerId="LiveId" clId="{27CE8788-593A-452B-9F57-261E2FC1E8BB}" dt="2022-05-22T07:09:49.348" v="1959" actId="14100"/>
+          <ac:cxnSpMkLst>
+            <pc:docMk/>
+            <pc:sldMk cId="3204610422" sldId="301"/>
+            <ac:cxnSpMk id="17" creationId="{BFE858EE-DB32-4204-8D50-ED6E97279AEB}"/>
+          </ac:cxnSpMkLst>
+        </pc:cxnChg>
+        <pc:cxnChg chg="mod">
+          <ac:chgData name="Mike Liang" userId="a4ba47076be7b4ad" providerId="LiveId" clId="{27CE8788-593A-452B-9F57-261E2FC1E8BB}" dt="2022-05-22T07:06:45.892" v="1870" actId="14100"/>
+          <ac:cxnSpMkLst>
+            <pc:docMk/>
+            <pc:sldMk cId="3204610422" sldId="301"/>
+            <ac:cxnSpMk id="23" creationId="{E02547E6-0DF9-4003-AEB7-6217209AF88B}"/>
+          </ac:cxnSpMkLst>
+        </pc:cxnChg>
+        <pc:cxnChg chg="mod">
+          <ac:chgData name="Mike Liang" userId="a4ba47076be7b4ad" providerId="LiveId" clId="{27CE8788-593A-452B-9F57-261E2FC1E8BB}" dt="2022-05-22T07:09:39.300" v="1956" actId="1038"/>
+          <ac:cxnSpMkLst>
+            <pc:docMk/>
+            <pc:sldMk cId="3204610422" sldId="301"/>
+            <ac:cxnSpMk id="37" creationId="{8516B85C-1C1E-454F-B0E8-98F041348555}"/>
+          </ac:cxnSpMkLst>
+        </pc:cxnChg>
+      </pc:sldChg>
     </pc:docChg>
   </pc:docChgLst>
 </pc:chgInfo>
+</file>
+
+<file path=ppt/notesMasters/notesMaster1.xml><?xml version="1.0" encoding="utf-8"?>
+<p:notesMaster xmlns:a="http://schemas.openxmlformats.org/drawingml/2006/main" xmlns:r="http://schemas.openxmlformats.org/officeDocument/2006/relationships" xmlns:p="http://schemas.openxmlformats.org/presentationml/2006/main">
+  <p:cSld>
+    <p:bg>
+      <p:bgRef idx="1001">
+        <a:schemeClr val="bg1"/>
+      </p:bgRef>
+    </p:bg>
+    <p:spTree>
+      <p:nvGrpSpPr>
+        <p:cNvPr id="1" name=""/>
+        <p:cNvGrpSpPr/>
+        <p:nvPr/>
+      </p:nvGrpSpPr>
+      <p:grpSpPr>
+        <a:xfrm>
+          <a:off x="0" y="0"/>
+          <a:ext cx="0" cy="0"/>
+          <a:chOff x="0" y="0"/>
+          <a:chExt cx="0" cy="0"/>
+        </a:xfrm>
+      </p:grpSpPr>
+      <p:sp>
+        <p:nvSpPr>
+          <p:cNvPr id="2" name="Header Placeholder 1"/>
+          <p:cNvSpPr>
+            <a:spLocks noGrp="1"/>
+          </p:cNvSpPr>
+          <p:nvPr>
+            <p:ph type="hdr" sz="quarter"/>
+          </p:nvPr>
+        </p:nvSpPr>
+        <p:spPr>
+          <a:xfrm>
+            <a:off x="0" y="0"/>
+            <a:ext cx="2971800" cy="458788"/>
+          </a:xfrm>
+          <a:prstGeom prst="rect">
+            <a:avLst/>
+          </a:prstGeom>
+        </p:spPr>
+        <p:txBody>
+          <a:bodyPr vert="horz" lIns="91440" tIns="45720" rIns="91440" bIns="45720" rtlCol="0"/>
+          <a:lstStyle>
+            <a:lvl1pPr algn="l">
+              <a:defRPr sz="1200"/>
+            </a:lvl1pPr>
+          </a:lstStyle>
+          <a:p>
+            <a:endParaRPr lang="en-US"/>
+          </a:p>
+        </p:txBody>
+      </p:sp>
+      <p:sp>
+        <p:nvSpPr>
+          <p:cNvPr id="3" name="Date Placeholder 2"/>
+          <p:cNvSpPr>
+            <a:spLocks noGrp="1"/>
+          </p:cNvSpPr>
+          <p:nvPr>
+            <p:ph type="dt" idx="1"/>
+          </p:nvPr>
+        </p:nvSpPr>
+        <p:spPr>
+          <a:xfrm>
+            <a:off x="3884613" y="0"/>
+            <a:ext cx="2971800" cy="458788"/>
+          </a:xfrm>
+          <a:prstGeom prst="rect">
+            <a:avLst/>
+          </a:prstGeom>
+        </p:spPr>
+        <p:txBody>
+          <a:bodyPr vert="horz" lIns="91440" tIns="45720" rIns="91440" bIns="45720" rtlCol="0"/>
+          <a:lstStyle>
+            <a:lvl1pPr algn="r">
+              <a:defRPr sz="1200"/>
+            </a:lvl1pPr>
+          </a:lstStyle>
+          <a:p>
+            <a:fld id="{484972FE-F591-4D94-B556-3B00138EDB82}" type="datetimeFigureOut">
+              <a:rPr lang="en-US" smtClean="0"/>
+              <a:t>5/22/2022</a:t>
+            </a:fld>
+            <a:endParaRPr lang="en-US"/>
+          </a:p>
+        </p:txBody>
+      </p:sp>
+      <p:sp>
+        <p:nvSpPr>
+          <p:cNvPr id="4" name="Slide Image Placeholder 3"/>
+          <p:cNvSpPr>
+            <a:spLocks noGrp="1" noRot="1" noChangeAspect="1"/>
+          </p:cNvSpPr>
+          <p:nvPr>
+            <p:ph type="sldImg" idx="2"/>
+          </p:nvPr>
+        </p:nvSpPr>
+        <p:spPr>
+          <a:xfrm>
+            <a:off x="685800" y="1143000"/>
+            <a:ext cx="5486400" cy="3086100"/>
+          </a:xfrm>
+          <a:prstGeom prst="rect">
+            <a:avLst/>
+          </a:prstGeom>
+          <a:noFill/>
+          <a:ln w="12700">
+            <a:solidFill>
+              <a:prstClr val="black"/>
+            </a:solidFill>
+          </a:ln>
+        </p:spPr>
+        <p:txBody>
+          <a:bodyPr vert="horz" lIns="91440" tIns="45720" rIns="91440" bIns="45720" rtlCol="0" anchor="ctr"/>
+          <a:lstStyle/>
+          <a:p>
+            <a:endParaRPr lang="en-US"/>
+          </a:p>
+        </p:txBody>
+      </p:sp>
+      <p:sp>
+        <p:nvSpPr>
+          <p:cNvPr id="5" name="Notes Placeholder 4"/>
+          <p:cNvSpPr>
+            <a:spLocks noGrp="1"/>
+          </p:cNvSpPr>
+          <p:nvPr>
+            <p:ph type="body" sz="quarter" idx="3"/>
+          </p:nvPr>
+        </p:nvSpPr>
+        <p:spPr>
+          <a:xfrm>
+            <a:off x="685800" y="4400550"/>
+            <a:ext cx="5486400" cy="3600450"/>
+          </a:xfrm>
+          <a:prstGeom prst="rect">
+            <a:avLst/>
+          </a:prstGeom>
+        </p:spPr>
+        <p:txBody>
+          <a:bodyPr vert="horz" lIns="91440" tIns="45720" rIns="91440" bIns="45720" rtlCol="0"/>
+          <a:lstStyle/>
+          <a:p>
+            <a:pPr lvl="0"/>
+            <a:r>
+              <a:rPr lang="en-US"/>
+              <a:t>Click to edit Master text styles</a:t>
+            </a:r>
+          </a:p>
+          <a:p>
+            <a:pPr lvl="1"/>
+            <a:r>
+              <a:rPr lang="en-US"/>
+              <a:t>Second level</a:t>
+            </a:r>
+          </a:p>
+          <a:p>
+            <a:pPr lvl="2"/>
+            <a:r>
+              <a:rPr lang="en-US"/>
+              <a:t>Third level</a:t>
+            </a:r>
+          </a:p>
+          <a:p>
+            <a:pPr lvl="3"/>
+            <a:r>
+              <a:rPr lang="en-US"/>
+              <a:t>Fourth level</a:t>
+            </a:r>
+          </a:p>
+          <a:p>
+            <a:pPr lvl="4"/>
+            <a:r>
+              <a:rPr lang="en-US"/>
+              <a:t>Fifth level</a:t>
+            </a:r>
+          </a:p>
+        </p:txBody>
+      </p:sp>
+      <p:sp>
+        <p:nvSpPr>
+          <p:cNvPr id="6" name="Footer Placeholder 5"/>
+          <p:cNvSpPr>
+            <a:spLocks noGrp="1"/>
+          </p:cNvSpPr>
+          <p:nvPr>
+            <p:ph type="ftr" sz="quarter" idx="4"/>
+          </p:nvPr>
+        </p:nvSpPr>
+        <p:spPr>
+          <a:xfrm>
+            <a:off x="0" y="8685213"/>
+            <a:ext cx="2971800" cy="458787"/>
+          </a:xfrm>
+          <a:prstGeom prst="rect">
+            <a:avLst/>
+          </a:prstGeom>
+        </p:spPr>
+        <p:txBody>
+          <a:bodyPr vert="horz" lIns="91440" tIns="45720" rIns="91440" bIns="45720" rtlCol="0" anchor="b"/>
+          <a:lstStyle>
+            <a:lvl1pPr algn="l">
+              <a:defRPr sz="1200"/>
+            </a:lvl1pPr>
+          </a:lstStyle>
+          <a:p>
+            <a:endParaRPr lang="en-US"/>
+          </a:p>
+        </p:txBody>
+      </p:sp>
+      <p:sp>
+        <p:nvSpPr>
+          <p:cNvPr id="7" name="Slide Number Placeholder 6"/>
+          <p:cNvSpPr>
+            <a:spLocks noGrp="1"/>
+          </p:cNvSpPr>
+          <p:nvPr>
+            <p:ph type="sldNum" sz="quarter" idx="5"/>
+          </p:nvPr>
+        </p:nvSpPr>
+        <p:spPr>
+          <a:xfrm>
+            <a:off x="3884613" y="8685213"/>
+            <a:ext cx="2971800" cy="458787"/>
+          </a:xfrm>
+          <a:prstGeom prst="rect">
+            <a:avLst/>
+          </a:prstGeom>
+        </p:spPr>
+        <p:txBody>
+          <a:bodyPr vert="horz" lIns="91440" tIns="45720" rIns="91440" bIns="45720" rtlCol="0" anchor="b"/>
+          <a:lstStyle>
+            <a:lvl1pPr algn="r">
+              <a:defRPr sz="1200"/>
+            </a:lvl1pPr>
+          </a:lstStyle>
+          <a:p>
+            <a:fld id="{02610DAF-6085-4C40-9BC1-29E0830C4E19}" type="slidenum">
+              <a:rPr lang="en-US" smtClean="0"/>
+              <a:t>‹#›</a:t>
+            </a:fld>
+            <a:endParaRPr lang="en-US"/>
+          </a:p>
+        </p:txBody>
+      </p:sp>
+    </p:spTree>
+    <p:extLst>
+      <p:ext uri="{BB962C8B-B14F-4D97-AF65-F5344CB8AC3E}">
+        <p14:creationId xmlns:p14="http://schemas.microsoft.com/office/powerpoint/2010/main" val="4265259408"/>
+      </p:ext>
+    </p:extLst>
+  </p:cSld>
+  <p:clrMap bg1="lt1" tx1="dk1" bg2="lt2" tx2="dk2" accent1="accent1" accent2="accent2" accent3="accent3" accent4="accent4" accent5="accent5" accent6="accent6" hlink="hlink" folHlink="folHlink"/>
+  <p:notesStyle>
+    <a:lvl1pPr marL="0" algn="l" defTabSz="914400" rtl="0" eaLnBrk="1" latinLnBrk="0" hangingPunct="1">
+      <a:defRPr sz="1200" kern="1200">
+        <a:solidFill>
+          <a:schemeClr val="tx1"/>
+        </a:solidFill>
+        <a:latin typeface="+mn-lt"/>
+        <a:ea typeface="+mn-ea"/>
+        <a:cs typeface="+mn-cs"/>
+      </a:defRPr>
+    </a:lvl1pPr>
+    <a:lvl2pPr marL="457200" algn="l" defTabSz="914400" rtl="0" eaLnBrk="1" latinLnBrk="0" hangingPunct="1">
+      <a:defRPr sz="1200" kern="1200">
+        <a:solidFill>
+          <a:schemeClr val="tx1"/>
+        </a:solidFill>
+        <a:latin typeface="+mn-lt"/>
+        <a:ea typeface="+mn-ea"/>
+        <a:cs typeface="+mn-cs"/>
+      </a:defRPr>
+    </a:lvl2pPr>
+    <a:lvl3pPr marL="914400" algn="l" defTabSz="914400" rtl="0" eaLnBrk="1" latinLnBrk="0" hangingPunct="1">
+      <a:defRPr sz="1200" kern="1200">
+        <a:solidFill>
+          <a:schemeClr val="tx1"/>
+        </a:solidFill>
+        <a:latin typeface="+mn-lt"/>
+        <a:ea typeface="+mn-ea"/>
+        <a:cs typeface="+mn-cs"/>
+      </a:defRPr>
+    </a:lvl3pPr>
+    <a:lvl4pPr marL="1371600" algn="l" defTabSz="914400" rtl="0" eaLnBrk="1" latinLnBrk="0" hangingPunct="1">
+      <a:defRPr sz="1200" kern="1200">
+        <a:solidFill>
+          <a:schemeClr val="tx1"/>
+        </a:solidFill>
+        <a:latin typeface="+mn-lt"/>
+        <a:ea typeface="+mn-ea"/>
+        <a:cs typeface="+mn-cs"/>
+      </a:defRPr>
+    </a:lvl4pPr>
+    <a:lvl5pPr marL="1828800" algn="l" defTabSz="914400" rtl="0" eaLnBrk="1" latinLnBrk="0" hangingPunct="1">
+      <a:defRPr sz="1200" kern="1200">
+        <a:solidFill>
+          <a:schemeClr val="tx1"/>
+        </a:solidFill>
+        <a:latin typeface="+mn-lt"/>
+        <a:ea typeface="+mn-ea"/>
+        <a:cs typeface="+mn-cs"/>
+      </a:defRPr>
+    </a:lvl5pPr>
+    <a:lvl6pPr marL="2286000" algn="l" defTabSz="914400" rtl="0" eaLnBrk="1" latinLnBrk="0" hangingPunct="1">
+      <a:defRPr sz="1200" kern="1200">
+        <a:solidFill>
+          <a:schemeClr val="tx1"/>
+        </a:solidFill>
+        <a:latin typeface="+mn-lt"/>
+        <a:ea typeface="+mn-ea"/>
+        <a:cs typeface="+mn-cs"/>
+      </a:defRPr>
+    </a:lvl6pPr>
+    <a:lvl7pPr marL="2743200" algn="l" defTabSz="914400" rtl="0" eaLnBrk="1" latinLnBrk="0" hangingPunct="1">
+      <a:defRPr sz="1200" kern="1200">
+        <a:solidFill>
+          <a:schemeClr val="tx1"/>
+        </a:solidFill>
+        <a:latin typeface="+mn-lt"/>
+        <a:ea typeface="+mn-ea"/>
+        <a:cs typeface="+mn-cs"/>
+      </a:defRPr>
+    </a:lvl7pPr>
+    <a:lvl8pPr marL="3200400" algn="l" defTabSz="914400" rtl="0" eaLnBrk="1" latinLnBrk="0" hangingPunct="1">
+      <a:defRPr sz="1200" kern="1200">
+        <a:solidFill>
+          <a:schemeClr val="tx1"/>
+        </a:solidFill>
+        <a:latin typeface="+mn-lt"/>
+        <a:ea typeface="+mn-ea"/>
+        <a:cs typeface="+mn-cs"/>
+      </a:defRPr>
+    </a:lvl8pPr>
+    <a:lvl9pPr marL="3657600" algn="l" defTabSz="914400" rtl="0" eaLnBrk="1" latinLnBrk="0" hangingPunct="1">
+      <a:defRPr sz="1200" kern="1200">
+        <a:solidFill>
+          <a:schemeClr val="tx1"/>
+        </a:solidFill>
+        <a:latin typeface="+mn-lt"/>
+        <a:ea typeface="+mn-ea"/>
+        <a:cs typeface="+mn-cs"/>
+      </a:defRPr>
+    </a:lvl9pPr>
+  </p:notesStyle>
+</p:notesMaster>
+</file>
+
+<file path=ppt/notesSlides/notesSlide1.xml><?xml version="1.0" encoding="utf-8"?>
+<p:notes xmlns:a="http://schemas.openxmlformats.org/drawingml/2006/main" xmlns:r="http://schemas.openxmlformats.org/officeDocument/2006/relationships" xmlns:p="http://schemas.openxmlformats.org/presentationml/2006/main">
+  <p:cSld>
+    <p:spTree>
+      <p:nvGrpSpPr>
+        <p:cNvPr id="1" name=""/>
+        <p:cNvGrpSpPr/>
+        <p:nvPr/>
+      </p:nvGrpSpPr>
+      <p:grpSpPr>
+        <a:xfrm>
+          <a:off x="0" y="0"/>
+          <a:ext cx="0" cy="0"/>
+          <a:chOff x="0" y="0"/>
+          <a:chExt cx="0" cy="0"/>
+        </a:xfrm>
+      </p:grpSpPr>
+      <p:sp>
+        <p:nvSpPr>
+          <p:cNvPr id="2" name="Slide Image Placeholder 1"/>
+          <p:cNvSpPr>
+            <a:spLocks noGrp="1" noRot="1" noChangeAspect="1"/>
+          </p:cNvSpPr>
+          <p:nvPr>
+            <p:ph type="sldImg"/>
+          </p:nvPr>
+        </p:nvSpPr>
+        <p:spPr/>
+      </p:sp>
+      <p:sp>
+        <p:nvSpPr>
+          <p:cNvPr id="3" name="Notes Placeholder 2"/>
+          <p:cNvSpPr>
+            <a:spLocks noGrp="1"/>
+          </p:cNvSpPr>
+          <p:nvPr>
+            <p:ph type="body" idx="1"/>
+          </p:nvPr>
+        </p:nvSpPr>
+        <p:spPr/>
+        <p:txBody>
+          <a:bodyPr/>
+          <a:lstStyle/>
+          <a:p>
+            <a:r>
+              <a:rPr lang="zh-CN" altLang="en-US" dirty="0"/>
+              <a:t>在做两类决策的过程中</a:t>
+            </a:r>
+            <a:r>
+              <a:rPr lang="en-US" altLang="zh-CN" dirty="0"/>
+              <a:t>,</a:t>
+            </a:r>
+            <a:r>
+              <a:rPr lang="zh-CN" altLang="en-US" dirty="0"/>
+              <a:t>不断更新对所有决策的不确定性的认知</a:t>
+            </a:r>
+            <a:r>
+              <a:rPr lang="en-US" altLang="zh-CN" dirty="0"/>
+              <a:t>,</a:t>
+            </a:r>
+            <a:r>
+              <a:rPr lang="zh-CN" altLang="en-US" dirty="0"/>
+              <a:t>优化长期的目标函数</a:t>
+            </a:r>
+            <a:endParaRPr lang="en-US" dirty="0"/>
+          </a:p>
+        </p:txBody>
+      </p:sp>
+    </p:spTree>
+    <p:extLst>
+      <p:ext uri="{BB962C8B-B14F-4D97-AF65-F5344CB8AC3E}">
+        <p14:creationId xmlns:p14="http://schemas.microsoft.com/office/powerpoint/2010/main" val="3465429878"/>
+      </p:ext>
+    </p:extLst>
+  </p:cSld>
+  <p:clrMapOvr>
+    <a:masterClrMapping/>
+  </p:clrMapOvr>
+</p:notes>
 </file>
 
 <file path=ppt/slideLayouts/slideLayout1.xml><?xml version="1.0" encoding="utf-8"?>
@@ -1424,7 +1977,7 @@
           <a:p>
             <a:fld id="{4DA09656-46F4-4146-A27D-7000B1141342}" type="datetimeFigureOut">
               <a:rPr lang="en-US" smtClean="0"/>
-              <a:t>5/14/2022</a:t>
+              <a:t>5/22/2022</a:t>
             </a:fld>
             <a:endParaRPr lang="en-US"/>
           </a:p>
@@ -1622,7 +2175,7 @@
           <a:p>
             <a:fld id="{4DA09656-46F4-4146-A27D-7000B1141342}" type="datetimeFigureOut">
               <a:rPr lang="en-US" smtClean="0"/>
-              <a:t>5/14/2022</a:t>
+              <a:t>5/22/2022</a:t>
             </a:fld>
             <a:endParaRPr lang="en-US"/>
           </a:p>
@@ -1830,7 +2383,7 @@
           <a:p>
             <a:fld id="{4DA09656-46F4-4146-A27D-7000B1141342}" type="datetimeFigureOut">
               <a:rPr lang="en-US" smtClean="0"/>
-              <a:t>5/14/2022</a:t>
+              <a:t>5/22/2022</a:t>
             </a:fld>
             <a:endParaRPr lang="en-US"/>
           </a:p>
@@ -2028,7 +2581,7 @@
           <a:p>
             <a:fld id="{4DA09656-46F4-4146-A27D-7000B1141342}" type="datetimeFigureOut">
               <a:rPr lang="en-US" smtClean="0"/>
-              <a:t>5/14/2022</a:t>
+              <a:t>5/22/2022</a:t>
             </a:fld>
             <a:endParaRPr lang="en-US"/>
           </a:p>
@@ -2303,7 +2856,7 @@
           <a:p>
             <a:fld id="{4DA09656-46F4-4146-A27D-7000B1141342}" type="datetimeFigureOut">
               <a:rPr lang="en-US" smtClean="0"/>
-              <a:t>5/14/2022</a:t>
+              <a:t>5/22/2022</a:t>
             </a:fld>
             <a:endParaRPr lang="en-US"/>
           </a:p>
@@ -2568,7 +3121,7 @@
           <a:p>
             <a:fld id="{4DA09656-46F4-4146-A27D-7000B1141342}" type="datetimeFigureOut">
               <a:rPr lang="en-US" smtClean="0"/>
-              <a:t>5/14/2022</a:t>
+              <a:t>5/22/2022</a:t>
             </a:fld>
             <a:endParaRPr lang="en-US"/>
           </a:p>
@@ -2980,7 +3533,7 @@
           <a:p>
             <a:fld id="{4DA09656-46F4-4146-A27D-7000B1141342}" type="datetimeFigureOut">
               <a:rPr lang="en-US" smtClean="0"/>
-              <a:t>5/14/2022</a:t>
+              <a:t>5/22/2022</a:t>
             </a:fld>
             <a:endParaRPr lang="en-US"/>
           </a:p>
@@ -3121,7 +3674,7 @@
           <a:p>
             <a:fld id="{4DA09656-46F4-4146-A27D-7000B1141342}" type="datetimeFigureOut">
               <a:rPr lang="en-US" smtClean="0"/>
-              <a:t>5/14/2022</a:t>
+              <a:t>5/22/2022</a:t>
             </a:fld>
             <a:endParaRPr lang="en-US"/>
           </a:p>
@@ -3234,7 +3787,7 @@
           <a:p>
             <a:fld id="{4DA09656-46F4-4146-A27D-7000B1141342}" type="datetimeFigureOut">
               <a:rPr lang="en-US" smtClean="0"/>
-              <a:t>5/14/2022</a:t>
+              <a:t>5/22/2022</a:t>
             </a:fld>
             <a:endParaRPr lang="en-US"/>
           </a:p>
@@ -3545,7 +4098,7 @@
           <a:p>
             <a:fld id="{4DA09656-46F4-4146-A27D-7000B1141342}" type="datetimeFigureOut">
               <a:rPr lang="en-US" smtClean="0"/>
-              <a:t>5/14/2022</a:t>
+              <a:t>5/22/2022</a:t>
             </a:fld>
             <a:endParaRPr lang="en-US"/>
           </a:p>
@@ -3833,7 +4386,7 @@
           <a:p>
             <a:fld id="{4DA09656-46F4-4146-A27D-7000B1141342}" type="datetimeFigureOut">
               <a:rPr lang="en-US" smtClean="0"/>
-              <a:t>5/14/2022</a:t>
+              <a:t>5/22/2022</a:t>
             </a:fld>
             <a:endParaRPr lang="en-US"/>
           </a:p>
@@ -4074,7 +4627,7 @@
           <a:p>
             <a:fld id="{4DA09656-46F4-4146-A27D-7000B1141342}" type="datetimeFigureOut">
               <a:rPr lang="en-US" smtClean="0"/>
-              <a:t>5/14/2022</a:t>
+              <a:t>5/22/2022</a:t>
             </a:fld>
             <a:endParaRPr lang="en-US"/>
           </a:p>
@@ -11061,6 +11614,1103 @@
 </p:sld>
 </file>
 
+<file path=ppt/slides/slide3.xml><?xml version="1.0" encoding="utf-8"?>
+<p:sld xmlns:a="http://schemas.openxmlformats.org/drawingml/2006/main" xmlns:r="http://schemas.openxmlformats.org/officeDocument/2006/relationships" xmlns:p="http://schemas.openxmlformats.org/presentationml/2006/main">
+  <p:cSld>
+    <p:spTree>
+      <p:nvGrpSpPr>
+        <p:cNvPr id="1" name=""/>
+        <p:cNvGrpSpPr/>
+        <p:nvPr/>
+      </p:nvGrpSpPr>
+      <p:grpSpPr>
+        <a:xfrm>
+          <a:off x="0" y="0"/>
+          <a:ext cx="0" cy="0"/>
+          <a:chOff x="0" y="0"/>
+          <a:chExt cx="0" cy="0"/>
+        </a:xfrm>
+      </p:grpSpPr>
+      <p:pic>
+        <p:nvPicPr>
+          <p:cNvPr id="3" name="Graphic 2">
+            <a:extLst>
+              <a:ext uri="{FF2B5EF4-FFF2-40B4-BE49-F238E27FC236}">
+                <a16:creationId xmlns:a16="http://schemas.microsoft.com/office/drawing/2014/main" id="{FB608AEF-5477-4830-B945-6F8A96DDE280}"/>
+              </a:ext>
+            </a:extLst>
+          </p:cNvPr>
+          <p:cNvPicPr>
+            <a:picLocks noChangeAspect="1"/>
+          </p:cNvPicPr>
+          <p:nvPr/>
+        </p:nvPicPr>
+        <p:blipFill rotWithShape="1">
+          <a:blip r:embed="rId3">
+            <a:extLst>
+              <a:ext uri="{96DAC541-7B7A-43D3-8B79-37D633B846F1}">
+                <asvg:svgBlip xmlns:asvg="http://schemas.microsoft.com/office/drawing/2016/SVG/main" r:embed="rId4"/>
+              </a:ext>
+            </a:extLst>
+          </a:blip>
+          <a:srcRect l="9524" t="11011" r="5506" b="12203"/>
+          <a:stretch/>
+        </p:blipFill>
+        <p:spPr>
+          <a:xfrm>
+            <a:off x="2467926" y="2451766"/>
+            <a:ext cx="4372186" cy="2779515"/>
+          </a:xfrm>
+          <a:prstGeom prst="rect">
+            <a:avLst/>
+          </a:prstGeom>
+        </p:spPr>
+      </p:pic>
+      <p:sp>
+        <p:nvSpPr>
+          <p:cNvPr id="4" name="Oval 3">
+            <a:extLst>
+              <a:ext uri="{FF2B5EF4-FFF2-40B4-BE49-F238E27FC236}">
+                <a16:creationId xmlns:a16="http://schemas.microsoft.com/office/drawing/2014/main" id="{F8DC3714-4083-423E-8A4D-A2CD20065545}"/>
+              </a:ext>
+            </a:extLst>
+          </p:cNvPr>
+          <p:cNvSpPr/>
+          <p:nvPr/>
+        </p:nvSpPr>
+        <p:spPr>
+          <a:xfrm>
+            <a:off x="5071252" y="3175155"/>
+            <a:ext cx="182880" cy="182880"/>
+          </a:xfrm>
+          <a:prstGeom prst="ellipse">
+            <a:avLst/>
+          </a:prstGeom>
+          <a:solidFill>
+            <a:srgbClr val="FF0000"/>
+          </a:solidFill>
+          <a:ln>
+            <a:solidFill>
+              <a:srgbClr val="FF0000"/>
+            </a:solidFill>
+          </a:ln>
+        </p:spPr>
+        <p:style>
+          <a:lnRef idx="2">
+            <a:schemeClr val="accent1">
+              <a:shade val="50000"/>
+            </a:schemeClr>
+          </a:lnRef>
+          <a:fillRef idx="1">
+            <a:schemeClr val="accent1"/>
+          </a:fillRef>
+          <a:effectRef idx="0">
+            <a:schemeClr val="accent1"/>
+          </a:effectRef>
+          <a:fontRef idx="minor">
+            <a:schemeClr val="lt1"/>
+          </a:fontRef>
+        </p:style>
+        <p:txBody>
+          <a:bodyPr rtlCol="0" anchor="ctr"/>
+          <a:lstStyle/>
+          <a:p>
+            <a:pPr algn="ctr"/>
+            <a:endParaRPr lang="en-US">
+              <a:latin typeface="Segoe UI" panose="020B0502040204020203" pitchFamily="34" charset="0"/>
+              <a:cs typeface="Segoe UI" panose="020B0502040204020203" pitchFamily="34" charset="0"/>
+            </a:endParaRPr>
+          </a:p>
+        </p:txBody>
+      </p:sp>
+      <p:sp>
+        <p:nvSpPr>
+          <p:cNvPr id="5" name="Oval 4">
+            <a:extLst>
+              <a:ext uri="{FF2B5EF4-FFF2-40B4-BE49-F238E27FC236}">
+                <a16:creationId xmlns:a16="http://schemas.microsoft.com/office/drawing/2014/main" id="{A81C8405-E714-4F0E-85CC-AEBAE0FEB6BF}"/>
+              </a:ext>
+            </a:extLst>
+          </p:cNvPr>
+          <p:cNvSpPr/>
+          <p:nvPr/>
+        </p:nvSpPr>
+        <p:spPr>
+          <a:xfrm>
+            <a:off x="5251606" y="3114796"/>
+            <a:ext cx="182880" cy="182880"/>
+          </a:xfrm>
+          <a:prstGeom prst="ellipse">
+            <a:avLst/>
+          </a:prstGeom>
+          <a:solidFill>
+            <a:srgbClr val="FF0000"/>
+          </a:solidFill>
+          <a:ln>
+            <a:solidFill>
+              <a:srgbClr val="FF0000"/>
+            </a:solidFill>
+          </a:ln>
+        </p:spPr>
+        <p:style>
+          <a:lnRef idx="2">
+            <a:schemeClr val="accent1">
+              <a:shade val="50000"/>
+            </a:schemeClr>
+          </a:lnRef>
+          <a:fillRef idx="1">
+            <a:schemeClr val="accent1"/>
+          </a:fillRef>
+          <a:effectRef idx="0">
+            <a:schemeClr val="accent1"/>
+          </a:effectRef>
+          <a:fontRef idx="minor">
+            <a:schemeClr val="lt1"/>
+          </a:fontRef>
+        </p:style>
+        <p:txBody>
+          <a:bodyPr rtlCol="0" anchor="ctr"/>
+          <a:lstStyle/>
+          <a:p>
+            <a:pPr algn="ctr"/>
+            <a:endParaRPr lang="en-US">
+              <a:latin typeface="Segoe UI" panose="020B0502040204020203" pitchFamily="34" charset="0"/>
+              <a:cs typeface="Segoe UI" panose="020B0502040204020203" pitchFamily="34" charset="0"/>
+            </a:endParaRPr>
+          </a:p>
+        </p:txBody>
+      </p:sp>
+      <p:sp>
+        <p:nvSpPr>
+          <p:cNvPr id="6" name="Oval 5">
+            <a:extLst>
+              <a:ext uri="{FF2B5EF4-FFF2-40B4-BE49-F238E27FC236}">
+                <a16:creationId xmlns:a16="http://schemas.microsoft.com/office/drawing/2014/main" id="{1831A0C2-85A1-4D45-A32A-9A3904FEB466}"/>
+              </a:ext>
+            </a:extLst>
+          </p:cNvPr>
+          <p:cNvSpPr/>
+          <p:nvPr/>
+        </p:nvSpPr>
+        <p:spPr>
+          <a:xfrm>
+            <a:off x="5450629" y="3193946"/>
+            <a:ext cx="182880" cy="182880"/>
+          </a:xfrm>
+          <a:prstGeom prst="ellipse">
+            <a:avLst/>
+          </a:prstGeom>
+          <a:solidFill>
+            <a:srgbClr val="FF0000"/>
+          </a:solidFill>
+          <a:ln>
+            <a:solidFill>
+              <a:srgbClr val="FF0000"/>
+            </a:solidFill>
+          </a:ln>
+        </p:spPr>
+        <p:style>
+          <a:lnRef idx="2">
+            <a:schemeClr val="accent1">
+              <a:shade val="50000"/>
+            </a:schemeClr>
+          </a:lnRef>
+          <a:fillRef idx="1">
+            <a:schemeClr val="accent1"/>
+          </a:fillRef>
+          <a:effectRef idx="0">
+            <a:schemeClr val="accent1"/>
+          </a:effectRef>
+          <a:fontRef idx="minor">
+            <a:schemeClr val="lt1"/>
+          </a:fontRef>
+        </p:style>
+        <p:txBody>
+          <a:bodyPr rtlCol="0" anchor="ctr"/>
+          <a:lstStyle/>
+          <a:p>
+            <a:pPr algn="ctr"/>
+            <a:endParaRPr lang="en-US">
+              <a:latin typeface="Segoe UI" panose="020B0502040204020203" pitchFamily="34" charset="0"/>
+              <a:cs typeface="Segoe UI" panose="020B0502040204020203" pitchFamily="34" charset="0"/>
+            </a:endParaRPr>
+          </a:p>
+        </p:txBody>
+      </p:sp>
+      <p:sp>
+        <p:nvSpPr>
+          <p:cNvPr id="7" name="Oval 6">
+            <a:extLst>
+              <a:ext uri="{FF2B5EF4-FFF2-40B4-BE49-F238E27FC236}">
+                <a16:creationId xmlns:a16="http://schemas.microsoft.com/office/drawing/2014/main" id="{B1FE639A-31E0-42E2-824A-3D18A35F6C9D}"/>
+              </a:ext>
+            </a:extLst>
+          </p:cNvPr>
+          <p:cNvSpPr/>
+          <p:nvPr/>
+        </p:nvSpPr>
+        <p:spPr>
+          <a:xfrm>
+            <a:off x="3768785" y="4272005"/>
+            <a:ext cx="182880" cy="182880"/>
+          </a:xfrm>
+          <a:prstGeom prst="ellipse">
+            <a:avLst/>
+          </a:prstGeom>
+          <a:solidFill>
+            <a:srgbClr val="FF0000"/>
+          </a:solidFill>
+          <a:ln>
+            <a:solidFill>
+              <a:srgbClr val="FF0000"/>
+            </a:solidFill>
+          </a:ln>
+        </p:spPr>
+        <p:style>
+          <a:lnRef idx="2">
+            <a:schemeClr val="accent1">
+              <a:shade val="50000"/>
+            </a:schemeClr>
+          </a:lnRef>
+          <a:fillRef idx="1">
+            <a:schemeClr val="accent1"/>
+          </a:fillRef>
+          <a:effectRef idx="0">
+            <a:schemeClr val="accent1"/>
+          </a:effectRef>
+          <a:fontRef idx="minor">
+            <a:schemeClr val="lt1"/>
+          </a:fontRef>
+        </p:style>
+        <p:txBody>
+          <a:bodyPr rtlCol="0" anchor="ctr"/>
+          <a:lstStyle/>
+          <a:p>
+            <a:pPr algn="ctr"/>
+            <a:endParaRPr lang="en-US">
+              <a:latin typeface="Segoe UI" panose="020B0502040204020203" pitchFamily="34" charset="0"/>
+              <a:cs typeface="Segoe UI" panose="020B0502040204020203" pitchFamily="34" charset="0"/>
+            </a:endParaRPr>
+          </a:p>
+        </p:txBody>
+      </p:sp>
+      <p:sp>
+        <p:nvSpPr>
+          <p:cNvPr id="8" name="Oval 7">
+            <a:extLst>
+              <a:ext uri="{FF2B5EF4-FFF2-40B4-BE49-F238E27FC236}">
+                <a16:creationId xmlns:a16="http://schemas.microsoft.com/office/drawing/2014/main" id="{9F60ED85-0D2E-49C0-8F10-A1936A48F7DE}"/>
+              </a:ext>
+            </a:extLst>
+          </p:cNvPr>
+          <p:cNvSpPr/>
+          <p:nvPr/>
+        </p:nvSpPr>
+        <p:spPr>
+          <a:xfrm>
+            <a:off x="3141025" y="3538385"/>
+            <a:ext cx="182880" cy="182880"/>
+          </a:xfrm>
+          <a:prstGeom prst="ellipse">
+            <a:avLst/>
+          </a:prstGeom>
+          <a:solidFill>
+            <a:srgbClr val="FF0000"/>
+          </a:solidFill>
+          <a:ln>
+            <a:solidFill>
+              <a:srgbClr val="FF0000"/>
+            </a:solidFill>
+          </a:ln>
+        </p:spPr>
+        <p:style>
+          <a:lnRef idx="2">
+            <a:schemeClr val="accent1">
+              <a:shade val="50000"/>
+            </a:schemeClr>
+          </a:lnRef>
+          <a:fillRef idx="1">
+            <a:schemeClr val="accent1"/>
+          </a:fillRef>
+          <a:effectRef idx="0">
+            <a:schemeClr val="accent1"/>
+          </a:effectRef>
+          <a:fontRef idx="minor">
+            <a:schemeClr val="lt1"/>
+          </a:fontRef>
+        </p:style>
+        <p:txBody>
+          <a:bodyPr rtlCol="0" anchor="ctr"/>
+          <a:lstStyle/>
+          <a:p>
+            <a:pPr algn="ctr"/>
+            <a:endParaRPr lang="en-US">
+              <a:latin typeface="Segoe UI" panose="020B0502040204020203" pitchFamily="34" charset="0"/>
+              <a:cs typeface="Segoe UI" panose="020B0502040204020203" pitchFamily="34" charset="0"/>
+            </a:endParaRPr>
+          </a:p>
+        </p:txBody>
+      </p:sp>
+      <p:sp>
+        <p:nvSpPr>
+          <p:cNvPr id="15" name="TextBox 14">
+            <a:extLst>
+              <a:ext uri="{FF2B5EF4-FFF2-40B4-BE49-F238E27FC236}">
+                <a16:creationId xmlns:a16="http://schemas.microsoft.com/office/drawing/2014/main" id="{DAEB84AC-7526-4C51-ACB2-AA0C3E2D89D8}"/>
+              </a:ext>
+            </a:extLst>
+          </p:cNvPr>
+          <p:cNvSpPr txBox="1"/>
+          <p:nvPr/>
+        </p:nvSpPr>
+        <p:spPr>
+          <a:xfrm>
+            <a:off x="6504226" y="3524190"/>
+            <a:ext cx="205184" cy="182880"/>
+          </a:xfrm>
+          <a:prstGeom prst="rect">
+            <a:avLst/>
+          </a:prstGeom>
+          <a:noFill/>
+        </p:spPr>
+        <p:txBody>
+          <a:bodyPr wrap="square" lIns="0" tIns="0" rIns="0" bIns="0" rtlCol="0">
+            <a:spAutoFit/>
+          </a:bodyPr>
+          <a:lstStyle/>
+          <a:p>
+            <a:r>
+              <a:rPr lang="en-US" sz="3200" b="1" dirty="0">
+                <a:solidFill>
+                  <a:srgbClr val="FF0000"/>
+                </a:solidFill>
+                <a:latin typeface="Segoe UI" panose="020B0502040204020203" pitchFamily="34" charset="0"/>
+                <a:cs typeface="Segoe UI" panose="020B0502040204020203" pitchFamily="34" charset="0"/>
+              </a:rPr>
+              <a:t>×</a:t>
+            </a:r>
+            <a:endParaRPr lang="en-US" sz="2800" b="1" dirty="0">
+              <a:solidFill>
+                <a:srgbClr val="FF0000"/>
+              </a:solidFill>
+              <a:latin typeface="Segoe UI" panose="020B0502040204020203" pitchFamily="34" charset="0"/>
+              <a:cs typeface="Segoe UI" panose="020B0502040204020203" pitchFamily="34" charset="0"/>
+            </a:endParaRPr>
+          </a:p>
+        </p:txBody>
+      </p:sp>
+      <p:sp>
+        <p:nvSpPr>
+          <p:cNvPr id="16" name="TextBox 15">
+            <a:extLst>
+              <a:ext uri="{FF2B5EF4-FFF2-40B4-BE49-F238E27FC236}">
+                <a16:creationId xmlns:a16="http://schemas.microsoft.com/office/drawing/2014/main" id="{E730482A-3DFC-4A85-BD52-95DB9DFF0B3F}"/>
+              </a:ext>
+            </a:extLst>
+          </p:cNvPr>
+          <p:cNvSpPr txBox="1"/>
+          <p:nvPr/>
+        </p:nvSpPr>
+        <p:spPr>
+          <a:xfrm>
+            <a:off x="7186702" y="2761104"/>
+            <a:ext cx="2320370" cy="923330"/>
+          </a:xfrm>
+          <a:prstGeom prst="rect">
+            <a:avLst/>
+          </a:prstGeom>
+          <a:solidFill>
+            <a:schemeClr val="bg1"/>
+          </a:solidFill>
+        </p:spPr>
+        <p:txBody>
+          <a:bodyPr wrap="square" rtlCol="0">
+            <a:spAutoFit/>
+          </a:bodyPr>
+          <a:lstStyle/>
+          <a:p>
+            <a:r>
+              <a:rPr lang="zh-TW" altLang="en-US" b="1" dirty="0">
+                <a:solidFill>
+                  <a:srgbClr val="FF0000"/>
+                </a:solidFill>
+                <a:latin typeface="DengXian" panose="02010600030101010101" pitchFamily="2" charset="-122"/>
+                <a:ea typeface="DengXian" panose="02010600030101010101" pitchFamily="2" charset="-122"/>
+                <a:cs typeface="Segoe UI" panose="020B0502040204020203" pitchFamily="34" charset="0"/>
+              </a:rPr>
+              <a:t>探索</a:t>
+            </a:r>
+            <a:r>
+              <a:rPr lang="en-US" b="1" dirty="0">
+                <a:solidFill>
+                  <a:srgbClr val="FF0000"/>
+                </a:solidFill>
+                <a:latin typeface="DengXian" panose="02010600030101010101" pitchFamily="2" charset="-122"/>
+                <a:ea typeface="DengXian" panose="02010600030101010101" pitchFamily="2" charset="-122"/>
+                <a:cs typeface="Segoe UI" panose="020B0502040204020203" pitchFamily="34" charset="0"/>
+              </a:rPr>
+              <a:t>: </a:t>
+            </a:r>
+            <a:r>
+              <a:rPr lang="zh-CN" altLang="en-US" dirty="0">
+                <a:solidFill>
+                  <a:srgbClr val="FF0000"/>
+                </a:solidFill>
+                <a:latin typeface="DengXian" panose="02010600030101010101" pitchFamily="2" charset="-122"/>
+                <a:ea typeface="DengXian" panose="02010600030101010101" pitchFamily="2" charset="-122"/>
+                <a:cs typeface="Segoe UI" panose="020B0502040204020203" pitchFamily="34" charset="0"/>
+              </a:rPr>
+              <a:t>选择现在不确定但未来可能会有高收益的点来采样</a:t>
+            </a:r>
+            <a:endParaRPr lang="en-US" dirty="0">
+              <a:solidFill>
+                <a:srgbClr val="FF0000"/>
+              </a:solidFill>
+              <a:latin typeface="DengXian" panose="02010600030101010101" pitchFamily="2" charset="-122"/>
+              <a:ea typeface="DengXian" panose="02010600030101010101" pitchFamily="2" charset="-122"/>
+              <a:cs typeface="Segoe UI" panose="020B0502040204020203" pitchFamily="34" charset="0"/>
+            </a:endParaRPr>
+          </a:p>
+        </p:txBody>
+      </p:sp>
+      <p:cxnSp>
+        <p:nvCxnSpPr>
+          <p:cNvPr id="17" name="Straight Connector 16">
+            <a:extLst>
+              <a:ext uri="{FF2B5EF4-FFF2-40B4-BE49-F238E27FC236}">
+                <a16:creationId xmlns:a16="http://schemas.microsoft.com/office/drawing/2014/main" id="{BFE858EE-DB32-4204-8D50-ED6E97279AEB}"/>
+              </a:ext>
+            </a:extLst>
+          </p:cNvPr>
+          <p:cNvCxnSpPr>
+            <a:cxnSpLocks/>
+            <a:stCxn id="15" idx="3"/>
+            <a:endCxn id="16" idx="1"/>
+          </p:cNvCxnSpPr>
+          <p:nvPr/>
+        </p:nvCxnSpPr>
+        <p:spPr>
+          <a:xfrm flipV="1">
+            <a:off x="6709410" y="3222769"/>
+            <a:ext cx="477292" cy="392861"/>
+          </a:xfrm>
+          <a:prstGeom prst="line">
+            <a:avLst/>
+          </a:prstGeom>
+          <a:ln w="19050">
+            <a:solidFill>
+              <a:srgbClr val="FF0000"/>
+            </a:solidFill>
+          </a:ln>
+        </p:spPr>
+        <p:style>
+          <a:lnRef idx="1">
+            <a:schemeClr val="accent1"/>
+          </a:lnRef>
+          <a:fillRef idx="0">
+            <a:schemeClr val="accent1"/>
+          </a:fillRef>
+          <a:effectRef idx="0">
+            <a:schemeClr val="accent1"/>
+          </a:effectRef>
+          <a:fontRef idx="minor">
+            <a:schemeClr val="tx1"/>
+          </a:fontRef>
+        </p:style>
+      </p:cxnSp>
+      <p:sp>
+        <p:nvSpPr>
+          <p:cNvPr id="21" name="TextBox 20">
+            <a:extLst>
+              <a:ext uri="{FF2B5EF4-FFF2-40B4-BE49-F238E27FC236}">
+                <a16:creationId xmlns:a16="http://schemas.microsoft.com/office/drawing/2014/main" id="{0DFD2308-B6BF-4B75-B3A7-DF53D88A880D}"/>
+              </a:ext>
+            </a:extLst>
+          </p:cNvPr>
+          <p:cNvSpPr txBox="1"/>
+          <p:nvPr/>
+        </p:nvSpPr>
+        <p:spPr>
+          <a:xfrm>
+            <a:off x="3912115" y="4094014"/>
+            <a:ext cx="205184" cy="182880"/>
+          </a:xfrm>
+          <a:prstGeom prst="rect">
+            <a:avLst/>
+          </a:prstGeom>
+          <a:noFill/>
+        </p:spPr>
+        <p:txBody>
+          <a:bodyPr wrap="square" lIns="0" tIns="0" rIns="0" bIns="0" rtlCol="0">
+            <a:spAutoFit/>
+          </a:bodyPr>
+          <a:lstStyle/>
+          <a:p>
+            <a:r>
+              <a:rPr lang="en-US" sz="3200" b="1" dirty="0">
+                <a:solidFill>
+                  <a:srgbClr val="FF0000"/>
+                </a:solidFill>
+                <a:latin typeface="Segoe UI" panose="020B0502040204020203" pitchFamily="34" charset="0"/>
+                <a:cs typeface="Segoe UI" panose="020B0502040204020203" pitchFamily="34" charset="0"/>
+              </a:rPr>
+              <a:t>×</a:t>
+            </a:r>
+            <a:endParaRPr lang="en-US" sz="2800" b="1" dirty="0">
+              <a:solidFill>
+                <a:srgbClr val="FF0000"/>
+              </a:solidFill>
+              <a:latin typeface="Segoe UI" panose="020B0502040204020203" pitchFamily="34" charset="0"/>
+              <a:cs typeface="Segoe UI" panose="020B0502040204020203" pitchFamily="34" charset="0"/>
+            </a:endParaRPr>
+          </a:p>
+        </p:txBody>
+      </p:sp>
+      <p:sp>
+        <p:nvSpPr>
+          <p:cNvPr id="22" name="TextBox 21">
+            <a:extLst>
+              <a:ext uri="{FF2B5EF4-FFF2-40B4-BE49-F238E27FC236}">
+                <a16:creationId xmlns:a16="http://schemas.microsoft.com/office/drawing/2014/main" id="{7471FB5F-2088-4800-BA8B-828613FD88CF}"/>
+              </a:ext>
+            </a:extLst>
+          </p:cNvPr>
+          <p:cNvSpPr txBox="1"/>
+          <p:nvPr/>
+        </p:nvSpPr>
+        <p:spPr>
+          <a:xfrm>
+            <a:off x="993011" y="1754346"/>
+            <a:ext cx="4983413" cy="369332"/>
+          </a:xfrm>
+          <a:prstGeom prst="rect">
+            <a:avLst/>
+          </a:prstGeom>
+          <a:solidFill>
+            <a:schemeClr val="bg1"/>
+          </a:solidFill>
+        </p:spPr>
+        <p:txBody>
+          <a:bodyPr wrap="square" rtlCol="0">
+            <a:spAutoFit/>
+          </a:bodyPr>
+          <a:lstStyle/>
+          <a:p>
+            <a:r>
+              <a:rPr lang="zh-CN" altLang="en-US" b="1" dirty="0">
+                <a:solidFill>
+                  <a:srgbClr val="FF0000"/>
+                </a:solidFill>
+                <a:latin typeface="DengXian" panose="02010600030101010101" pitchFamily="2" charset="-122"/>
+                <a:ea typeface="DengXian" panose="02010600030101010101" pitchFamily="2" charset="-122"/>
+                <a:cs typeface="Segoe UI" panose="020B0502040204020203" pitchFamily="34" charset="0"/>
+              </a:rPr>
+              <a:t>利用</a:t>
+            </a:r>
+            <a:r>
+              <a:rPr lang="en-US" b="1" dirty="0">
+                <a:solidFill>
+                  <a:srgbClr val="FF0000"/>
+                </a:solidFill>
+                <a:latin typeface="DengXian" panose="02010600030101010101" pitchFamily="2" charset="-122"/>
+                <a:ea typeface="DengXian" panose="02010600030101010101" pitchFamily="2" charset="-122"/>
+                <a:cs typeface="Segoe UI" panose="020B0502040204020203" pitchFamily="34" charset="0"/>
+              </a:rPr>
+              <a:t>: </a:t>
+            </a:r>
+            <a:r>
+              <a:rPr lang="zh-CN" altLang="en-US" dirty="0">
+                <a:solidFill>
+                  <a:srgbClr val="FF0000"/>
+                </a:solidFill>
+                <a:latin typeface="DengXian" panose="02010600030101010101" pitchFamily="2" charset="-122"/>
+                <a:ea typeface="DengXian" panose="02010600030101010101" pitchFamily="2" charset="-122"/>
+                <a:cs typeface="Segoe UI" panose="020B0502040204020203" pitchFamily="34" charset="0"/>
+              </a:rPr>
+              <a:t>选择现在可能最佳的点来采样</a:t>
+            </a:r>
+            <a:endParaRPr lang="en-US" dirty="0">
+              <a:solidFill>
+                <a:srgbClr val="FF0000"/>
+              </a:solidFill>
+              <a:latin typeface="DengXian" panose="02010600030101010101" pitchFamily="2" charset="-122"/>
+              <a:ea typeface="DengXian" panose="02010600030101010101" pitchFamily="2" charset="-122"/>
+              <a:cs typeface="Segoe UI" panose="020B0502040204020203" pitchFamily="34" charset="0"/>
+            </a:endParaRPr>
+          </a:p>
+        </p:txBody>
+      </p:sp>
+      <p:cxnSp>
+        <p:nvCxnSpPr>
+          <p:cNvPr id="23" name="Straight Connector 22">
+            <a:extLst>
+              <a:ext uri="{FF2B5EF4-FFF2-40B4-BE49-F238E27FC236}">
+                <a16:creationId xmlns:a16="http://schemas.microsoft.com/office/drawing/2014/main" id="{E02547E6-0DF9-4003-AEB7-6217209AF88B}"/>
+              </a:ext>
+            </a:extLst>
+          </p:cNvPr>
+          <p:cNvCxnSpPr>
+            <a:cxnSpLocks/>
+            <a:stCxn id="21" idx="2"/>
+            <a:endCxn id="22" idx="2"/>
+          </p:cNvCxnSpPr>
+          <p:nvPr/>
+        </p:nvCxnSpPr>
+        <p:spPr>
+          <a:xfrm flipH="1" flipV="1">
+            <a:off x="3484718" y="2123678"/>
+            <a:ext cx="529989" cy="2153216"/>
+          </a:xfrm>
+          <a:prstGeom prst="line">
+            <a:avLst/>
+          </a:prstGeom>
+          <a:ln w="19050">
+            <a:solidFill>
+              <a:srgbClr val="FF0000"/>
+            </a:solidFill>
+          </a:ln>
+        </p:spPr>
+        <p:style>
+          <a:lnRef idx="1">
+            <a:schemeClr val="accent1"/>
+          </a:lnRef>
+          <a:fillRef idx="0">
+            <a:schemeClr val="accent1"/>
+          </a:fillRef>
+          <a:effectRef idx="0">
+            <a:schemeClr val="accent1"/>
+          </a:effectRef>
+          <a:fontRef idx="minor">
+            <a:schemeClr val="tx1"/>
+          </a:fontRef>
+        </p:style>
+      </p:cxnSp>
+      <p:sp>
+        <p:nvSpPr>
+          <p:cNvPr id="27" name="TextBox 26">
+            <a:extLst>
+              <a:ext uri="{FF2B5EF4-FFF2-40B4-BE49-F238E27FC236}">
+                <a16:creationId xmlns:a16="http://schemas.microsoft.com/office/drawing/2014/main" id="{1A6EB1FE-42FB-40C7-945E-0C176B39F293}"/>
+              </a:ext>
+            </a:extLst>
+          </p:cNvPr>
+          <p:cNvSpPr txBox="1"/>
+          <p:nvPr/>
+        </p:nvSpPr>
+        <p:spPr>
+          <a:xfrm>
+            <a:off x="2555882" y="5587577"/>
+            <a:ext cx="4264058" cy="369332"/>
+          </a:xfrm>
+          <a:prstGeom prst="rect">
+            <a:avLst/>
+          </a:prstGeom>
+          <a:noFill/>
+        </p:spPr>
+        <p:txBody>
+          <a:bodyPr wrap="square" rtlCol="0">
+            <a:spAutoFit/>
+          </a:bodyPr>
+          <a:lstStyle/>
+          <a:p>
+            <a:pPr algn="ctr"/>
+            <a:r>
+              <a:rPr lang="zh-CN" altLang="en-US" b="1" dirty="0">
+                <a:latin typeface="+mn-ea"/>
+                <a:cs typeface="Segoe UI" panose="020B0502040204020203" pitchFamily="34" charset="0"/>
+              </a:rPr>
+              <a:t>系统参数值</a:t>
+            </a:r>
+            <a:endParaRPr lang="en-US" b="1" dirty="0">
+              <a:latin typeface="+mn-ea"/>
+              <a:cs typeface="Segoe UI" panose="020B0502040204020203" pitchFamily="34" charset="0"/>
+            </a:endParaRPr>
+          </a:p>
+        </p:txBody>
+      </p:sp>
+      <p:sp>
+        <p:nvSpPr>
+          <p:cNvPr id="28" name="TextBox 27">
+            <a:extLst>
+              <a:ext uri="{FF2B5EF4-FFF2-40B4-BE49-F238E27FC236}">
+                <a16:creationId xmlns:a16="http://schemas.microsoft.com/office/drawing/2014/main" id="{AB659491-369F-45DD-95A8-F2C10763126F}"/>
+              </a:ext>
+            </a:extLst>
+          </p:cNvPr>
+          <p:cNvSpPr txBox="1"/>
+          <p:nvPr/>
+        </p:nvSpPr>
+        <p:spPr>
+          <a:xfrm>
+            <a:off x="1172190" y="3324415"/>
+            <a:ext cx="731936" cy="923330"/>
+          </a:xfrm>
+          <a:prstGeom prst="rect">
+            <a:avLst/>
+          </a:prstGeom>
+          <a:noFill/>
+        </p:spPr>
+        <p:txBody>
+          <a:bodyPr wrap="square" rtlCol="0">
+            <a:spAutoFit/>
+          </a:bodyPr>
+          <a:lstStyle/>
+          <a:p>
+            <a:r>
+              <a:rPr lang="zh-CN" altLang="en-US" b="1" dirty="0">
+                <a:latin typeface="+mn-ea"/>
+                <a:cs typeface="Segoe UI" panose="020B0502040204020203" pitchFamily="34" charset="0"/>
+              </a:rPr>
+              <a:t>系统</a:t>
+            </a:r>
+            <a:endParaRPr lang="en-US" altLang="zh-CN" b="1" dirty="0">
+              <a:latin typeface="+mn-ea"/>
+              <a:cs typeface="Segoe UI" panose="020B0502040204020203" pitchFamily="34" charset="0"/>
+            </a:endParaRPr>
+          </a:p>
+          <a:p>
+            <a:r>
+              <a:rPr lang="zh-CN" altLang="en-US" b="1" dirty="0">
+                <a:latin typeface="+mn-ea"/>
+                <a:cs typeface="Segoe UI" panose="020B0502040204020203" pitchFamily="34" charset="0"/>
+              </a:rPr>
+              <a:t>性能</a:t>
+            </a:r>
+            <a:endParaRPr lang="en-US" altLang="zh-CN" b="1" dirty="0">
+              <a:latin typeface="+mn-ea"/>
+              <a:cs typeface="Segoe UI" panose="020B0502040204020203" pitchFamily="34" charset="0"/>
+            </a:endParaRPr>
+          </a:p>
+          <a:p>
+            <a:r>
+              <a:rPr lang="zh-CN" altLang="en-US" b="1" dirty="0">
+                <a:latin typeface="+mn-ea"/>
+                <a:cs typeface="Segoe UI" panose="020B0502040204020203" pitchFamily="34" charset="0"/>
+              </a:rPr>
+              <a:t>指标</a:t>
+            </a:r>
+            <a:endParaRPr lang="en-US" b="1" dirty="0">
+              <a:latin typeface="+mn-ea"/>
+              <a:cs typeface="Segoe UI" panose="020B0502040204020203" pitchFamily="34" charset="0"/>
+            </a:endParaRPr>
+          </a:p>
+        </p:txBody>
+      </p:sp>
+      <p:sp>
+        <p:nvSpPr>
+          <p:cNvPr id="29" name="TextBox 28">
+            <a:extLst>
+              <a:ext uri="{FF2B5EF4-FFF2-40B4-BE49-F238E27FC236}">
+                <a16:creationId xmlns:a16="http://schemas.microsoft.com/office/drawing/2014/main" id="{82B511E5-AF8D-47C8-B267-2C0513EF0F96}"/>
+              </a:ext>
+            </a:extLst>
+          </p:cNvPr>
+          <p:cNvSpPr txBox="1"/>
+          <p:nvPr/>
+        </p:nvSpPr>
+        <p:spPr>
+          <a:xfrm>
+            <a:off x="2576054" y="5275651"/>
+            <a:ext cx="4264058" cy="307777"/>
+          </a:xfrm>
+          <a:prstGeom prst="rect">
+            <a:avLst/>
+          </a:prstGeom>
+          <a:noFill/>
+        </p:spPr>
+        <p:txBody>
+          <a:bodyPr wrap="square" rtlCol="0">
+            <a:spAutoFit/>
+          </a:bodyPr>
+          <a:lstStyle/>
+          <a:p>
+            <a:pPr>
+              <a:tabLst>
+                <a:tab pos="344488" algn="ctr"/>
+                <a:tab pos="1200150" algn="ctr"/>
+                <a:tab pos="1995488" algn="ctr"/>
+                <a:tab pos="2860675" algn="ctr"/>
+                <a:tab pos="3716338" algn="ctr"/>
+                <a:tab pos="4630738" algn="ctr"/>
+              </a:tabLst>
+            </a:pPr>
+            <a:r>
+              <a:rPr lang="en-US" sz="1400" dirty="0">
+                <a:latin typeface="Segoe UI" panose="020B0502040204020203" pitchFamily="34" charset="0"/>
+                <a:cs typeface="Segoe UI" panose="020B0502040204020203" pitchFamily="34" charset="0"/>
+              </a:rPr>
+              <a:t>	50	100	150	200	250</a:t>
+            </a:r>
+          </a:p>
+        </p:txBody>
+      </p:sp>
+      <p:sp>
+        <p:nvSpPr>
+          <p:cNvPr id="30" name="TextBox 29">
+            <a:extLst>
+              <a:ext uri="{FF2B5EF4-FFF2-40B4-BE49-F238E27FC236}">
+                <a16:creationId xmlns:a16="http://schemas.microsoft.com/office/drawing/2014/main" id="{E53B1296-78C9-4BF6-9F48-707B0A63FD03}"/>
+              </a:ext>
+            </a:extLst>
+          </p:cNvPr>
+          <p:cNvSpPr txBox="1"/>
+          <p:nvPr/>
+        </p:nvSpPr>
+        <p:spPr>
+          <a:xfrm>
+            <a:off x="1733117" y="2408903"/>
+            <a:ext cx="681097" cy="2800767"/>
+          </a:xfrm>
+          <a:prstGeom prst="rect">
+            <a:avLst/>
+          </a:prstGeom>
+          <a:noFill/>
+        </p:spPr>
+        <p:txBody>
+          <a:bodyPr wrap="square" lIns="0" tIns="0" rIns="0" bIns="0" rtlCol="0">
+            <a:spAutoFit/>
+          </a:bodyPr>
+          <a:lstStyle/>
+          <a:p>
+            <a:pPr algn="r"/>
+            <a:r>
+              <a:rPr lang="en-US" sz="1400" dirty="0">
+                <a:latin typeface="Segoe UI" panose="020B0502040204020203" pitchFamily="34" charset="0"/>
+                <a:cs typeface="Segoe UI" panose="020B0502040204020203" pitchFamily="34" charset="0"/>
+              </a:rPr>
+              <a:t>5000</a:t>
+            </a:r>
+          </a:p>
+          <a:p>
+            <a:pPr algn="r"/>
+            <a:endParaRPr lang="en-US" sz="1400" dirty="0">
+              <a:latin typeface="Segoe UI" panose="020B0502040204020203" pitchFamily="34" charset="0"/>
+              <a:cs typeface="Segoe UI" panose="020B0502040204020203" pitchFamily="34" charset="0"/>
+            </a:endParaRPr>
+          </a:p>
+          <a:p>
+            <a:pPr algn="r"/>
+            <a:endParaRPr lang="en-US" sz="1400" dirty="0">
+              <a:latin typeface="Segoe UI" panose="020B0502040204020203" pitchFamily="34" charset="0"/>
+              <a:cs typeface="Segoe UI" panose="020B0502040204020203" pitchFamily="34" charset="0"/>
+            </a:endParaRPr>
+          </a:p>
+          <a:p>
+            <a:pPr algn="r"/>
+            <a:r>
+              <a:rPr lang="en-US" sz="1400" dirty="0">
+                <a:latin typeface="Segoe UI" panose="020B0502040204020203" pitchFamily="34" charset="0"/>
+                <a:cs typeface="Segoe UI" panose="020B0502040204020203" pitchFamily="34" charset="0"/>
+              </a:rPr>
+              <a:t>4000</a:t>
+            </a:r>
+          </a:p>
+          <a:p>
+            <a:pPr algn="r"/>
+            <a:endParaRPr lang="en-US" sz="1400" dirty="0">
+              <a:latin typeface="Segoe UI" panose="020B0502040204020203" pitchFamily="34" charset="0"/>
+              <a:cs typeface="Segoe UI" panose="020B0502040204020203" pitchFamily="34" charset="0"/>
+            </a:endParaRPr>
+          </a:p>
+          <a:p>
+            <a:pPr algn="r"/>
+            <a:endParaRPr lang="en-US" sz="1400" dirty="0">
+              <a:latin typeface="Segoe UI" panose="020B0502040204020203" pitchFamily="34" charset="0"/>
+              <a:cs typeface="Segoe UI" panose="020B0502040204020203" pitchFamily="34" charset="0"/>
+            </a:endParaRPr>
+          </a:p>
+          <a:p>
+            <a:pPr algn="r"/>
+            <a:r>
+              <a:rPr lang="en-US" sz="1400" dirty="0">
+                <a:latin typeface="Segoe UI" panose="020B0502040204020203" pitchFamily="34" charset="0"/>
+                <a:cs typeface="Segoe UI" panose="020B0502040204020203" pitchFamily="34" charset="0"/>
+              </a:rPr>
+              <a:t>3000</a:t>
+            </a:r>
+          </a:p>
+          <a:p>
+            <a:pPr algn="r"/>
+            <a:endParaRPr lang="en-US" sz="1400" dirty="0">
+              <a:latin typeface="Segoe UI" panose="020B0502040204020203" pitchFamily="34" charset="0"/>
+              <a:cs typeface="Segoe UI" panose="020B0502040204020203" pitchFamily="34" charset="0"/>
+            </a:endParaRPr>
+          </a:p>
+          <a:p>
+            <a:pPr algn="r"/>
+            <a:endParaRPr lang="en-US" sz="1400" dirty="0">
+              <a:latin typeface="Segoe UI" panose="020B0502040204020203" pitchFamily="34" charset="0"/>
+              <a:cs typeface="Segoe UI" panose="020B0502040204020203" pitchFamily="34" charset="0"/>
+            </a:endParaRPr>
+          </a:p>
+          <a:p>
+            <a:pPr algn="r"/>
+            <a:r>
+              <a:rPr lang="en-US" sz="1400" dirty="0">
+                <a:latin typeface="Segoe UI" panose="020B0502040204020203" pitchFamily="34" charset="0"/>
+                <a:cs typeface="Segoe UI" panose="020B0502040204020203" pitchFamily="34" charset="0"/>
+              </a:rPr>
+              <a:t>2000</a:t>
+            </a:r>
+          </a:p>
+          <a:p>
+            <a:pPr algn="r"/>
+            <a:endParaRPr lang="en-US" sz="1400" dirty="0">
+              <a:latin typeface="Segoe UI" panose="020B0502040204020203" pitchFamily="34" charset="0"/>
+              <a:cs typeface="Segoe UI" panose="020B0502040204020203" pitchFamily="34" charset="0"/>
+            </a:endParaRPr>
+          </a:p>
+          <a:p>
+            <a:pPr algn="r"/>
+            <a:endParaRPr lang="en-US" sz="1400" dirty="0">
+              <a:latin typeface="Segoe UI" panose="020B0502040204020203" pitchFamily="34" charset="0"/>
+              <a:cs typeface="Segoe UI" panose="020B0502040204020203" pitchFamily="34" charset="0"/>
+            </a:endParaRPr>
+          </a:p>
+          <a:p>
+            <a:pPr algn="r"/>
+            <a:r>
+              <a:rPr lang="en-US" sz="1400" dirty="0">
+                <a:latin typeface="Segoe UI" panose="020B0502040204020203" pitchFamily="34" charset="0"/>
+                <a:cs typeface="Segoe UI" panose="020B0502040204020203" pitchFamily="34" charset="0"/>
+              </a:rPr>
+              <a:t>1000</a:t>
+            </a:r>
+          </a:p>
+        </p:txBody>
+      </p:sp>
+      <p:cxnSp>
+        <p:nvCxnSpPr>
+          <p:cNvPr id="37" name="Straight Connector 36">
+            <a:extLst>
+              <a:ext uri="{FF2B5EF4-FFF2-40B4-BE49-F238E27FC236}">
+                <a16:creationId xmlns:a16="http://schemas.microsoft.com/office/drawing/2014/main" id="{8516B85C-1C1E-454F-B0E8-98F041348555}"/>
+              </a:ext>
+            </a:extLst>
+          </p:cNvPr>
+          <p:cNvCxnSpPr>
+            <a:cxnSpLocks/>
+            <a:stCxn id="5" idx="0"/>
+            <a:endCxn id="42" idx="1"/>
+          </p:cNvCxnSpPr>
+          <p:nvPr/>
+        </p:nvCxnSpPr>
+        <p:spPr>
+          <a:xfrm flipV="1">
+            <a:off x="5343046" y="2080517"/>
+            <a:ext cx="719102" cy="1034279"/>
+          </a:xfrm>
+          <a:prstGeom prst="line">
+            <a:avLst/>
+          </a:prstGeom>
+          <a:ln w="19050">
+            <a:solidFill>
+              <a:srgbClr val="FF0000"/>
+            </a:solidFill>
+          </a:ln>
+        </p:spPr>
+        <p:style>
+          <a:lnRef idx="1">
+            <a:schemeClr val="accent1"/>
+          </a:lnRef>
+          <a:fillRef idx="0">
+            <a:schemeClr val="accent1"/>
+          </a:fillRef>
+          <a:effectRef idx="0">
+            <a:schemeClr val="accent1"/>
+          </a:effectRef>
+          <a:fontRef idx="minor">
+            <a:schemeClr val="tx1"/>
+          </a:fontRef>
+        </p:style>
+      </p:cxnSp>
+      <p:sp>
+        <p:nvSpPr>
+          <p:cNvPr id="42" name="TextBox 41">
+            <a:extLst>
+              <a:ext uri="{FF2B5EF4-FFF2-40B4-BE49-F238E27FC236}">
+                <a16:creationId xmlns:a16="http://schemas.microsoft.com/office/drawing/2014/main" id="{22CE26F3-B71F-41A7-9CDB-58B80A3398A4}"/>
+              </a:ext>
+            </a:extLst>
+          </p:cNvPr>
+          <p:cNvSpPr txBox="1"/>
+          <p:nvPr/>
+        </p:nvSpPr>
+        <p:spPr>
+          <a:xfrm>
+            <a:off x="6062148" y="1757351"/>
+            <a:ext cx="3283550" cy="646331"/>
+          </a:xfrm>
+          <a:prstGeom prst="rect">
+            <a:avLst/>
+          </a:prstGeom>
+          <a:solidFill>
+            <a:schemeClr val="bg1"/>
+          </a:solidFill>
+        </p:spPr>
+        <p:txBody>
+          <a:bodyPr wrap="square" rtlCol="0">
+            <a:spAutoFit/>
+          </a:bodyPr>
+          <a:lstStyle/>
+          <a:p>
+            <a:r>
+              <a:rPr lang="zh-TW" altLang="en-US" b="1" dirty="0">
+                <a:solidFill>
+                  <a:srgbClr val="FF0000"/>
+                </a:solidFill>
+                <a:latin typeface="DengXian" panose="02010600030101010101" pitchFamily="2" charset="-122"/>
+                <a:ea typeface="DengXian" panose="02010600030101010101" pitchFamily="2" charset="-122"/>
+                <a:cs typeface="Segoe UI" panose="020B0502040204020203" pitchFamily="34" charset="0"/>
+              </a:rPr>
+              <a:t>重采样</a:t>
+            </a:r>
+            <a:r>
+              <a:rPr lang="en-US" b="1" dirty="0">
+                <a:solidFill>
+                  <a:srgbClr val="FF0000"/>
+                </a:solidFill>
+                <a:latin typeface="DengXian" panose="02010600030101010101" pitchFamily="2" charset="-122"/>
+                <a:ea typeface="DengXian" panose="02010600030101010101" pitchFamily="2" charset="-122"/>
+                <a:cs typeface="Segoe UI" panose="020B0502040204020203" pitchFamily="34" charset="0"/>
+              </a:rPr>
+              <a:t>: </a:t>
+            </a:r>
+            <a:r>
+              <a:rPr lang="zh-CN" altLang="en-US" dirty="0">
+                <a:solidFill>
+                  <a:srgbClr val="FF0000"/>
+                </a:solidFill>
+                <a:latin typeface="DengXian" panose="02010600030101010101" pitchFamily="2" charset="-122"/>
+                <a:ea typeface="DengXian" panose="02010600030101010101" pitchFamily="2" charset="-122"/>
+                <a:cs typeface="Segoe UI" panose="020B0502040204020203" pitchFamily="34" charset="0"/>
+              </a:rPr>
+              <a:t>选择有可能有噪声或异常值的点来重新采样</a:t>
+            </a:r>
+            <a:endParaRPr lang="en-US" dirty="0">
+              <a:solidFill>
+                <a:srgbClr val="FF0000"/>
+              </a:solidFill>
+              <a:latin typeface="DengXian" panose="02010600030101010101" pitchFamily="2" charset="-122"/>
+              <a:ea typeface="DengXian" panose="02010600030101010101" pitchFamily="2" charset="-122"/>
+              <a:cs typeface="Segoe UI" panose="020B0502040204020203" pitchFamily="34" charset="0"/>
+            </a:endParaRPr>
+          </a:p>
+        </p:txBody>
+      </p:sp>
+    </p:spTree>
+    <p:extLst>
+      <p:ext uri="{BB962C8B-B14F-4D97-AF65-F5344CB8AC3E}">
+        <p14:creationId xmlns:p14="http://schemas.microsoft.com/office/powerpoint/2010/main" val="3204610422"/>
+      </p:ext>
+    </p:extLst>
+  </p:cSld>
+  <p:clrMapOvr>
+    <a:masterClrMapping/>
+  </p:clrMapOvr>
+</p:sld>
+</file>
+
 <file path=ppt/theme/theme1.xml><?xml version="1.0" encoding="utf-8"?>
 <a:theme xmlns:a="http://schemas.openxmlformats.org/drawingml/2006/main" name="Office Theme">
   <a:themeElements>
@@ -11354,4 +13004,299 @@
     </a:ext>
   </a:extLst>
 </a:theme>
+</file>
+
+<file path=ppt/theme/theme2.xml><?xml version="1.0" encoding="utf-8"?>
+<a:theme xmlns:a="http://schemas.openxmlformats.org/drawingml/2006/main" name="Office Theme">
+  <a:themeElements>
+    <a:clrScheme name="Office">
+      <a:dk1>
+        <a:sysClr val="windowText" lastClr="000000"/>
+      </a:dk1>
+      <a:lt1>
+        <a:sysClr val="window" lastClr="FFFFFF"/>
+      </a:lt1>
+      <a:dk2>
+        <a:srgbClr val="44546A"/>
+      </a:dk2>
+      <a:lt2>
+        <a:srgbClr val="E7E6E6"/>
+      </a:lt2>
+      <a:accent1>
+        <a:srgbClr val="4472C4"/>
+      </a:accent1>
+      <a:accent2>
+        <a:srgbClr val="ED7D31"/>
+      </a:accent2>
+      <a:accent3>
+        <a:srgbClr val="A5A5A5"/>
+      </a:accent3>
+      <a:accent4>
+        <a:srgbClr val="FFC000"/>
+      </a:accent4>
+      <a:accent5>
+        <a:srgbClr val="5B9BD5"/>
+      </a:accent5>
+      <a:accent6>
+        <a:srgbClr val="70AD47"/>
+      </a:accent6>
+      <a:hlink>
+        <a:srgbClr val="0563C1"/>
+      </a:hlink>
+      <a:folHlink>
+        <a:srgbClr val="954F72"/>
+      </a:folHlink>
+    </a:clrScheme>
+    <a:fontScheme name="Office">
+      <a:majorFont>
+        <a:latin typeface="Calibri Light" panose="020F0302020204030204"/>
+        <a:ea typeface=""/>
+        <a:cs typeface=""/>
+        <a:font script="Jpan" typeface="游ゴシック Light"/>
+        <a:font script="Hang" typeface="맑은 고딕"/>
+        <a:font script="Hans" typeface="等线 Light"/>
+        <a:font script="Hant" typeface="新細明體"/>
+        <a:font script="Arab" typeface="Times New Roman"/>
+        <a:font script="Hebr" typeface="Times New Roman"/>
+        <a:font script="Thai" typeface="Angsana New"/>
+        <a:font script="Ethi" typeface="Nyala"/>
+        <a:font script="Beng" typeface="Vrinda"/>
+        <a:font script="Gujr" typeface="Shruti"/>
+        <a:font script="Khmr" typeface="MoolBoran"/>
+        <a:font script="Knda" typeface="Tunga"/>
+        <a:font script="Guru" typeface="Raavi"/>
+        <a:font script="Cans" typeface="Euphemia"/>
+        <a:font script="Cher" typeface="Plantagenet Cherokee"/>
+        <a:font script="Yiii" typeface="Microsoft Yi Baiti"/>
+        <a:font script="Tibt" typeface="Microsoft Himalaya"/>
+        <a:font script="Thaa" typeface="MV Boli"/>
+        <a:font script="Deva" typeface="Mangal"/>
+        <a:font script="Telu" typeface="Gautami"/>
+        <a:font script="Taml" typeface="Latha"/>
+        <a:font script="Syrc" typeface="Estrangelo Edessa"/>
+        <a:font script="Orya" typeface="Kalinga"/>
+        <a:font script="Mlym" typeface="Kartika"/>
+        <a:font script="Laoo" typeface="DokChampa"/>
+        <a:font script="Sinh" typeface="Iskoola Pota"/>
+        <a:font script="Mong" typeface="Mongolian Baiti"/>
+        <a:font script="Viet" typeface="Times New Roman"/>
+        <a:font script="Uigh" typeface="Microsoft Uighur"/>
+        <a:font script="Geor" typeface="Sylfaen"/>
+        <a:font script="Armn" typeface="Arial"/>
+        <a:font script="Bugi" typeface="Leelawadee UI"/>
+        <a:font script="Bopo" typeface="Microsoft JhengHei"/>
+        <a:font script="Java" typeface="Javanese Text"/>
+        <a:font script="Lisu" typeface="Segoe UI"/>
+        <a:font script="Mymr" typeface="Myanmar Text"/>
+        <a:font script="Nkoo" typeface="Ebrima"/>
+        <a:font script="Olck" typeface="Nirmala UI"/>
+        <a:font script="Osma" typeface="Ebrima"/>
+        <a:font script="Phag" typeface="Phagspa"/>
+        <a:font script="Syrn" typeface="Estrangelo Edessa"/>
+        <a:font script="Syrj" typeface="Estrangelo Edessa"/>
+        <a:font script="Syre" typeface="Estrangelo Edessa"/>
+        <a:font script="Sora" typeface="Nirmala UI"/>
+        <a:font script="Tale" typeface="Microsoft Tai Le"/>
+        <a:font script="Talu" typeface="Microsoft New Tai Lue"/>
+        <a:font script="Tfng" typeface="Ebrima"/>
+      </a:majorFont>
+      <a:minorFont>
+        <a:latin typeface="Calibri" panose="020F0502020204030204"/>
+        <a:ea typeface=""/>
+        <a:cs typeface=""/>
+        <a:font script="Jpan" typeface="游ゴシック"/>
+        <a:font script="Hang" typeface="맑은 고딕"/>
+        <a:font script="Hans" typeface="等线"/>
+        <a:font script="Hant" typeface="新細明體"/>
+        <a:font script="Arab" typeface="Arial"/>
+        <a:font script="Hebr" typeface="Arial"/>
+        <a:font script="Thai" typeface="Cordia New"/>
+        <a:font script="Ethi" typeface="Nyala"/>
+        <a:font script="Beng" typeface="Vrinda"/>
+        <a:font script="Gujr" typeface="Shruti"/>
+        <a:font script="Khmr" typeface="DaunPenh"/>
+        <a:font script="Knda" typeface="Tunga"/>
+        <a:font script="Guru" typeface="Raavi"/>
+        <a:font script="Cans" typeface="Euphemia"/>
+        <a:font script="Cher" typeface="Plantagenet Cherokee"/>
+        <a:font script="Yiii" typeface="Microsoft Yi Baiti"/>
+        <a:font script="Tibt" typeface="Microsoft Himalaya"/>
+        <a:font script="Thaa" typeface="MV Boli"/>
+        <a:font script="Deva" typeface="Mangal"/>
+        <a:font script="Telu" typeface="Gautami"/>
+        <a:font script="Taml" typeface="Latha"/>
+        <a:font script="Syrc" typeface="Estrangelo Edessa"/>
+        <a:font script="Orya" typeface="Kalinga"/>
+        <a:font script="Mlym" typeface="Kartika"/>
+        <a:font script="Laoo" typeface="DokChampa"/>
+        <a:font script="Sinh" typeface="Iskoola Pota"/>
+        <a:font script="Mong" typeface="Mongolian Baiti"/>
+        <a:font script="Viet" typeface="Arial"/>
+        <a:font script="Uigh" typeface="Microsoft Uighur"/>
+        <a:font script="Geor" typeface="Sylfaen"/>
+        <a:font script="Armn" typeface="Arial"/>
+        <a:font script="Bugi" typeface="Leelawadee UI"/>
+        <a:font script="Bopo" typeface="Microsoft JhengHei"/>
+        <a:font script="Java" typeface="Javanese Text"/>
+        <a:font script="Lisu" typeface="Segoe UI"/>
+        <a:font script="Mymr" typeface="Myanmar Text"/>
+        <a:font script="Nkoo" typeface="Ebrima"/>
+        <a:font script="Olck" typeface="Nirmala UI"/>
+        <a:font script="Osma" typeface="Ebrima"/>
+        <a:font script="Phag" typeface="Phagspa"/>
+        <a:font script="Syrn" typeface="Estrangelo Edessa"/>
+        <a:font script="Syrj" typeface="Estrangelo Edessa"/>
+        <a:font script="Syre" typeface="Estrangelo Edessa"/>
+        <a:font script="Sora" typeface="Nirmala UI"/>
+        <a:font script="Tale" typeface="Microsoft Tai Le"/>
+        <a:font script="Talu" typeface="Microsoft New Tai Lue"/>
+        <a:font script="Tfng" typeface="Ebrima"/>
+      </a:minorFont>
+    </a:fontScheme>
+    <a:fmtScheme name="Office">
+      <a:fillStyleLst>
+        <a:solidFill>
+          <a:schemeClr val="phClr"/>
+        </a:solidFill>
+        <a:gradFill rotWithShape="1">
+          <a:gsLst>
+            <a:gs pos="0">
+              <a:schemeClr val="phClr">
+                <a:lumMod val="110000"/>
+                <a:satMod val="105000"/>
+                <a:tint val="67000"/>
+              </a:schemeClr>
+            </a:gs>
+            <a:gs pos="50000">
+              <a:schemeClr val="phClr">
+                <a:lumMod val="105000"/>
+                <a:satMod val="103000"/>
+                <a:tint val="73000"/>
+              </a:schemeClr>
+            </a:gs>
+            <a:gs pos="100000">
+              <a:schemeClr val="phClr">
+                <a:lumMod val="105000"/>
+                <a:satMod val="109000"/>
+                <a:tint val="81000"/>
+              </a:schemeClr>
+            </a:gs>
+          </a:gsLst>
+          <a:lin ang="5400000" scaled="0"/>
+        </a:gradFill>
+        <a:gradFill rotWithShape="1">
+          <a:gsLst>
+            <a:gs pos="0">
+              <a:schemeClr val="phClr">
+                <a:satMod val="103000"/>
+                <a:lumMod val="102000"/>
+                <a:tint val="94000"/>
+              </a:schemeClr>
+            </a:gs>
+            <a:gs pos="50000">
+              <a:schemeClr val="phClr">
+                <a:satMod val="110000"/>
+                <a:lumMod val="100000"/>
+                <a:shade val="100000"/>
+              </a:schemeClr>
+            </a:gs>
+            <a:gs pos="100000">
+              <a:schemeClr val="phClr">
+                <a:lumMod val="99000"/>
+                <a:satMod val="120000"/>
+                <a:shade val="78000"/>
+              </a:schemeClr>
+            </a:gs>
+          </a:gsLst>
+          <a:lin ang="5400000" scaled="0"/>
+        </a:gradFill>
+      </a:fillStyleLst>
+      <a:lnStyleLst>
+        <a:ln w="6350" cap="flat" cmpd="sng" algn="ctr">
+          <a:solidFill>
+            <a:schemeClr val="phClr"/>
+          </a:solidFill>
+          <a:prstDash val="solid"/>
+          <a:miter lim="800000"/>
+        </a:ln>
+        <a:ln w="12700" cap="flat" cmpd="sng" algn="ctr">
+          <a:solidFill>
+            <a:schemeClr val="phClr"/>
+          </a:solidFill>
+          <a:prstDash val="solid"/>
+          <a:miter lim="800000"/>
+        </a:ln>
+        <a:ln w="19050" cap="flat" cmpd="sng" algn="ctr">
+          <a:solidFill>
+            <a:schemeClr val="phClr"/>
+          </a:solidFill>
+          <a:prstDash val="solid"/>
+          <a:miter lim="800000"/>
+        </a:ln>
+      </a:lnStyleLst>
+      <a:effectStyleLst>
+        <a:effectStyle>
+          <a:effectLst/>
+        </a:effectStyle>
+        <a:effectStyle>
+          <a:effectLst/>
+        </a:effectStyle>
+        <a:effectStyle>
+          <a:effectLst>
+            <a:outerShdw blurRad="57150" dist="19050" dir="5400000" algn="ctr" rotWithShape="0">
+              <a:srgbClr val="000000">
+                <a:alpha val="63000"/>
+              </a:srgbClr>
+            </a:outerShdw>
+          </a:effectLst>
+        </a:effectStyle>
+      </a:effectStyleLst>
+      <a:bgFillStyleLst>
+        <a:solidFill>
+          <a:schemeClr val="phClr"/>
+        </a:solidFill>
+        <a:solidFill>
+          <a:schemeClr val="phClr">
+            <a:tint val="95000"/>
+            <a:satMod val="170000"/>
+          </a:schemeClr>
+        </a:solidFill>
+        <a:gradFill rotWithShape="1">
+          <a:gsLst>
+            <a:gs pos="0">
+              <a:schemeClr val="phClr">
+                <a:tint val="93000"/>
+                <a:satMod val="150000"/>
+                <a:shade val="98000"/>
+                <a:lumMod val="102000"/>
+              </a:schemeClr>
+            </a:gs>
+            <a:gs pos="50000">
+              <a:schemeClr val="phClr">
+                <a:tint val="98000"/>
+                <a:satMod val="130000"/>
+                <a:shade val="90000"/>
+                <a:lumMod val="103000"/>
+              </a:schemeClr>
+            </a:gs>
+            <a:gs pos="100000">
+              <a:schemeClr val="phClr">
+                <a:shade val="63000"/>
+                <a:satMod val="120000"/>
+              </a:schemeClr>
+            </a:gs>
+          </a:gsLst>
+          <a:lin ang="5400000" scaled="0"/>
+        </a:gradFill>
+      </a:bgFillStyleLst>
+    </a:fmtScheme>
+  </a:themeElements>
+  <a:objectDefaults/>
+  <a:extraClrSchemeLst/>
+  <a:extLst>
+    <a:ext uri="{05A4C25C-085E-4340-85A3-A5531E510DB2}">
+      <thm15:themeFamily xmlns:thm15="http://schemas.microsoft.com/office/thememl/2012/main" name="Office Theme" id="{62F939B6-93AF-4DB8-9C6B-D6C7DFDC589F}" vid="{4A3C46E8-61CC-4603-A589-7422A47A8E4A}"/>
+    </a:ext>
+  </a:extLst>
+</a:theme>
 </file>
--- a/Textbook/第13章-人工智能优化计算机系统/figs.pptx
+++ b/Textbook/第13章-人工智能优化计算机系统/figs.pptx
@@ -121,19 +121,19 @@
 <pc:chgInfo xmlns:a="http://schemas.openxmlformats.org/drawingml/2006/main" xmlns:r="http://schemas.openxmlformats.org/officeDocument/2006/relationships" xmlns:ac="http://schemas.microsoft.com/office/drawing/2013/main/command" xmlns:pc="http://schemas.microsoft.com/office/powerpoint/2013/main/command">
   <pc:docChgLst>
     <pc:chgData name="Mike Liang" userId="a4ba47076be7b4ad" providerId="LiveId" clId="{27CE8788-593A-452B-9F57-261E2FC1E8BB}"/>
-    <pc:docChg chg="undo custSel addSld modSld">
-      <pc:chgData name="Mike Liang" userId="a4ba47076be7b4ad" providerId="LiveId" clId="{27CE8788-593A-452B-9F57-261E2FC1E8BB}" dt="2022-05-22T07:10:43.328" v="1983" actId="1037"/>
+    <pc:docChg chg="undo custSel addSld delSld modSld sldOrd">
+      <pc:chgData name="Mike Liang" userId="a4ba47076be7b4ad" providerId="LiveId" clId="{27CE8788-593A-452B-9F57-261E2FC1E8BB}" dt="2022-06-04T13:30:41.279" v="2232" actId="113"/>
       <pc:docMkLst>
         <pc:docMk/>
       </pc:docMkLst>
       <pc:sldChg chg="addSp delSp modSp mod">
-        <pc:chgData name="Mike Liang" userId="a4ba47076be7b4ad" providerId="LiveId" clId="{27CE8788-593A-452B-9F57-261E2FC1E8BB}" dt="2022-05-13T14:17:40.468" v="781" actId="20577"/>
+        <pc:chgData name="Mike Liang" userId="a4ba47076be7b4ad" providerId="LiveId" clId="{27CE8788-593A-452B-9F57-261E2FC1E8BB}" dt="2022-06-04T13:28:28.790" v="2220" actId="403"/>
         <pc:sldMkLst>
           <pc:docMk/>
           <pc:sldMk cId="206850494" sldId="256"/>
         </pc:sldMkLst>
         <pc:spChg chg="mod">
-          <ac:chgData name="Mike Liang" userId="a4ba47076be7b4ad" providerId="LiveId" clId="{27CE8788-593A-452B-9F57-261E2FC1E8BB}" dt="2022-05-13T14:02:07.274" v="636" actId="1035"/>
+          <ac:chgData name="Mike Liang" userId="a4ba47076be7b4ad" providerId="LiveId" clId="{27CE8788-593A-452B-9F57-261E2FC1E8BB}" dt="2022-06-04T10:19:20.719" v="2179" actId="2711"/>
           <ac:spMkLst>
             <pc:docMk/>
             <pc:sldMk cId="206850494" sldId="256"/>
@@ -141,7 +141,7 @@
           </ac:spMkLst>
         </pc:spChg>
         <pc:spChg chg="mod">
-          <ac:chgData name="Mike Liang" userId="a4ba47076be7b4ad" providerId="LiveId" clId="{27CE8788-593A-452B-9F57-261E2FC1E8BB}" dt="2022-05-13T14:02:07.274" v="636" actId="1035"/>
+          <ac:chgData name="Mike Liang" userId="a4ba47076be7b4ad" providerId="LiveId" clId="{27CE8788-593A-452B-9F57-261E2FC1E8BB}" dt="2022-06-04T10:19:20.719" v="2179" actId="2711"/>
           <ac:spMkLst>
             <pc:docMk/>
             <pc:sldMk cId="206850494" sldId="256"/>
@@ -149,7 +149,7 @@
           </ac:spMkLst>
         </pc:spChg>
         <pc:spChg chg="mod">
-          <ac:chgData name="Mike Liang" userId="a4ba47076be7b4ad" providerId="LiveId" clId="{27CE8788-593A-452B-9F57-261E2FC1E8BB}" dt="2022-05-13T14:02:07.274" v="636" actId="1035"/>
+          <ac:chgData name="Mike Liang" userId="a4ba47076be7b4ad" providerId="LiveId" clId="{27CE8788-593A-452B-9F57-261E2FC1E8BB}" dt="2022-06-04T10:19:20.719" v="2179" actId="2711"/>
           <ac:spMkLst>
             <pc:docMk/>
             <pc:sldMk cId="206850494" sldId="256"/>
@@ -157,7 +157,7 @@
           </ac:spMkLst>
         </pc:spChg>
         <pc:spChg chg="add mod">
-          <ac:chgData name="Mike Liang" userId="a4ba47076be7b4ad" providerId="LiveId" clId="{27CE8788-593A-452B-9F57-261E2FC1E8BB}" dt="2022-05-13T14:02:07.274" v="636" actId="1035"/>
+          <ac:chgData name="Mike Liang" userId="a4ba47076be7b4ad" providerId="LiveId" clId="{27CE8788-593A-452B-9F57-261E2FC1E8BB}" dt="2022-06-04T10:04:34.507" v="2061" actId="2711"/>
           <ac:spMkLst>
             <pc:docMk/>
             <pc:sldMk cId="206850494" sldId="256"/>
@@ -165,7 +165,7 @@
           </ac:spMkLst>
         </pc:spChg>
         <pc:spChg chg="add mod">
-          <ac:chgData name="Mike Liang" userId="a4ba47076be7b4ad" providerId="LiveId" clId="{27CE8788-593A-452B-9F57-261E2FC1E8BB}" dt="2022-05-13T14:02:07.274" v="636" actId="1035"/>
+          <ac:chgData name="Mike Liang" userId="a4ba47076be7b4ad" providerId="LiveId" clId="{27CE8788-593A-452B-9F57-261E2FC1E8BB}" dt="2022-06-04T10:04:34.507" v="2061" actId="2711"/>
           <ac:spMkLst>
             <pc:docMk/>
             <pc:sldMk cId="206850494" sldId="256"/>
@@ -173,7 +173,7 @@
           </ac:spMkLst>
         </pc:spChg>
         <pc:spChg chg="add mod">
-          <ac:chgData name="Mike Liang" userId="a4ba47076be7b4ad" providerId="LiveId" clId="{27CE8788-593A-452B-9F57-261E2FC1E8BB}" dt="2022-05-13T14:02:07.274" v="636" actId="1035"/>
+          <ac:chgData name="Mike Liang" userId="a4ba47076be7b4ad" providerId="LiveId" clId="{27CE8788-593A-452B-9F57-261E2FC1E8BB}" dt="2022-06-04T10:04:34.507" v="2061" actId="2711"/>
           <ac:spMkLst>
             <pc:docMk/>
             <pc:sldMk cId="206850494" sldId="256"/>
@@ -181,7 +181,7 @@
           </ac:spMkLst>
         </pc:spChg>
         <pc:spChg chg="add mod">
-          <ac:chgData name="Mike Liang" userId="a4ba47076be7b4ad" providerId="LiveId" clId="{27CE8788-593A-452B-9F57-261E2FC1E8BB}" dt="2022-05-13T14:02:16.674" v="652" actId="1035"/>
+          <ac:chgData name="Mike Liang" userId="a4ba47076be7b4ad" providerId="LiveId" clId="{27CE8788-593A-452B-9F57-261E2FC1E8BB}" dt="2022-06-04T10:04:34.507" v="2061" actId="2711"/>
           <ac:spMkLst>
             <pc:docMk/>
             <pc:sldMk cId="206850494" sldId="256"/>
@@ -189,7 +189,7 @@
           </ac:spMkLst>
         </pc:spChg>
         <pc:spChg chg="add mod">
-          <ac:chgData name="Mike Liang" userId="a4ba47076be7b4ad" providerId="LiveId" clId="{27CE8788-593A-452B-9F57-261E2FC1E8BB}" dt="2022-05-13T14:02:16.674" v="652" actId="1035"/>
+          <ac:chgData name="Mike Liang" userId="a4ba47076be7b4ad" providerId="LiveId" clId="{27CE8788-593A-452B-9F57-261E2FC1E8BB}" dt="2022-06-04T10:04:34.507" v="2061" actId="2711"/>
           <ac:spMkLst>
             <pc:docMk/>
             <pc:sldMk cId="206850494" sldId="256"/>
@@ -197,7 +197,7 @@
           </ac:spMkLst>
         </pc:spChg>
         <pc:spChg chg="add mod">
-          <ac:chgData name="Mike Liang" userId="a4ba47076be7b4ad" providerId="LiveId" clId="{27CE8788-593A-452B-9F57-261E2FC1E8BB}" dt="2022-05-13T14:02:16.674" v="652" actId="1035"/>
+          <ac:chgData name="Mike Liang" userId="a4ba47076be7b4ad" providerId="LiveId" clId="{27CE8788-593A-452B-9F57-261E2FC1E8BB}" dt="2022-06-04T10:04:34.507" v="2061" actId="2711"/>
           <ac:spMkLst>
             <pc:docMk/>
             <pc:sldMk cId="206850494" sldId="256"/>
@@ -205,7 +205,7 @@
           </ac:spMkLst>
         </pc:spChg>
         <pc:spChg chg="add mod">
-          <ac:chgData name="Mike Liang" userId="a4ba47076be7b4ad" providerId="LiveId" clId="{27CE8788-593A-452B-9F57-261E2FC1E8BB}" dt="2022-05-13T14:02:36.111" v="686" actId="1035"/>
+          <ac:chgData name="Mike Liang" userId="a4ba47076be7b4ad" providerId="LiveId" clId="{27CE8788-593A-452B-9F57-261E2FC1E8BB}" dt="2022-06-04T10:04:34.507" v="2061" actId="2711"/>
           <ac:spMkLst>
             <pc:docMk/>
             <pc:sldMk cId="206850494" sldId="256"/>
@@ -213,7 +213,7 @@
           </ac:spMkLst>
         </pc:spChg>
         <pc:spChg chg="add mod">
-          <ac:chgData name="Mike Liang" userId="a4ba47076be7b4ad" providerId="LiveId" clId="{27CE8788-593A-452B-9F57-261E2FC1E8BB}" dt="2022-05-13T14:02:36.111" v="686" actId="1035"/>
+          <ac:chgData name="Mike Liang" userId="a4ba47076be7b4ad" providerId="LiveId" clId="{27CE8788-593A-452B-9F57-261E2FC1E8BB}" dt="2022-06-04T10:04:34.507" v="2061" actId="2711"/>
           <ac:spMkLst>
             <pc:docMk/>
             <pc:sldMk cId="206850494" sldId="256"/>
@@ -221,7 +221,7 @@
           </ac:spMkLst>
         </pc:spChg>
         <pc:spChg chg="add mod">
-          <ac:chgData name="Mike Liang" userId="a4ba47076be7b4ad" providerId="LiveId" clId="{27CE8788-593A-452B-9F57-261E2FC1E8BB}" dt="2022-05-13T14:02:36.111" v="686" actId="1035"/>
+          <ac:chgData name="Mike Liang" userId="a4ba47076be7b4ad" providerId="LiveId" clId="{27CE8788-593A-452B-9F57-261E2FC1E8BB}" dt="2022-06-04T10:04:34.507" v="2061" actId="2711"/>
           <ac:spMkLst>
             <pc:docMk/>
             <pc:sldMk cId="206850494" sldId="256"/>
@@ -229,7 +229,7 @@
           </ac:spMkLst>
         </pc:spChg>
         <pc:spChg chg="add mod">
-          <ac:chgData name="Mike Liang" userId="a4ba47076be7b4ad" providerId="LiveId" clId="{27CE8788-593A-452B-9F57-261E2FC1E8BB}" dt="2022-05-13T14:02:36.111" v="686" actId="1035"/>
+          <ac:chgData name="Mike Liang" userId="a4ba47076be7b4ad" providerId="LiveId" clId="{27CE8788-593A-452B-9F57-261E2FC1E8BB}" dt="2022-06-04T10:04:34.507" v="2061" actId="2711"/>
           <ac:spMkLst>
             <pc:docMk/>
             <pc:sldMk cId="206850494" sldId="256"/>
@@ -237,7 +237,7 @@
           </ac:spMkLst>
         </pc:spChg>
         <pc:spChg chg="add mod">
-          <ac:chgData name="Mike Liang" userId="a4ba47076be7b4ad" providerId="LiveId" clId="{27CE8788-593A-452B-9F57-261E2FC1E8BB}" dt="2022-05-13T14:17:33.685" v="780" actId="20577"/>
+          <ac:chgData name="Mike Liang" userId="a4ba47076be7b4ad" providerId="LiveId" clId="{27CE8788-593A-452B-9F57-261E2FC1E8BB}" dt="2022-06-04T13:28:13.535" v="2216" actId="14100"/>
           <ac:spMkLst>
             <pc:docMk/>
             <pc:sldMk cId="206850494" sldId="256"/>
@@ -245,7 +245,7 @@
           </ac:spMkLst>
         </pc:spChg>
         <pc:spChg chg="add mod">
-          <ac:chgData name="Mike Liang" userId="a4ba47076be7b4ad" providerId="LiveId" clId="{27CE8788-593A-452B-9F57-261E2FC1E8BB}" dt="2022-05-13T14:17:31.430" v="779" actId="20577"/>
+          <ac:chgData name="Mike Liang" userId="a4ba47076be7b4ad" providerId="LiveId" clId="{27CE8788-593A-452B-9F57-261E2FC1E8BB}" dt="2022-06-04T13:28:13.535" v="2216" actId="14100"/>
           <ac:spMkLst>
             <pc:docMk/>
             <pc:sldMk cId="206850494" sldId="256"/>
@@ -253,7 +253,7 @@
           </ac:spMkLst>
         </pc:spChg>
         <pc:spChg chg="add mod">
-          <ac:chgData name="Mike Liang" userId="a4ba47076be7b4ad" providerId="LiveId" clId="{27CE8788-593A-452B-9F57-261E2FC1E8BB}" dt="2022-05-13T14:17:40.468" v="781" actId="20577"/>
+          <ac:chgData name="Mike Liang" userId="a4ba47076be7b4ad" providerId="LiveId" clId="{27CE8788-593A-452B-9F57-261E2FC1E8BB}" dt="2022-06-04T13:28:13.535" v="2216" actId="14100"/>
           <ac:spMkLst>
             <pc:docMk/>
             <pc:sldMk cId="206850494" sldId="256"/>
@@ -261,7 +261,7 @@
           </ac:spMkLst>
         </pc:spChg>
         <pc:spChg chg="add mod">
-          <ac:chgData name="Mike Liang" userId="a4ba47076be7b4ad" providerId="LiveId" clId="{27CE8788-593A-452B-9F57-261E2FC1E8BB}" dt="2022-05-13T14:05:56.212" v="705" actId="1036"/>
+          <ac:chgData name="Mike Liang" userId="a4ba47076be7b4ad" providerId="LiveId" clId="{27CE8788-593A-452B-9F57-261E2FC1E8BB}" dt="2022-06-04T13:28:13.535" v="2216" actId="14100"/>
           <ac:spMkLst>
             <pc:docMk/>
             <pc:sldMk cId="206850494" sldId="256"/>
@@ -269,7 +269,7 @@
           </ac:spMkLst>
         </pc:spChg>
         <pc:spChg chg="add mod">
-          <ac:chgData name="Mike Liang" userId="a4ba47076be7b4ad" providerId="LiveId" clId="{27CE8788-593A-452B-9F57-261E2FC1E8BB}" dt="2022-05-13T14:05:56.212" v="705" actId="1036"/>
+          <ac:chgData name="Mike Liang" userId="a4ba47076be7b4ad" providerId="LiveId" clId="{27CE8788-593A-452B-9F57-261E2FC1E8BB}" dt="2022-06-04T13:28:13.535" v="2216" actId="14100"/>
           <ac:spMkLst>
             <pc:docMk/>
             <pc:sldMk cId="206850494" sldId="256"/>
@@ -277,7 +277,7 @@
           </ac:spMkLst>
         </pc:spChg>
         <pc:spChg chg="add mod">
-          <ac:chgData name="Mike Liang" userId="a4ba47076be7b4ad" providerId="LiveId" clId="{27CE8788-593A-452B-9F57-261E2FC1E8BB}" dt="2022-05-13T14:05:56.212" v="705" actId="1036"/>
+          <ac:chgData name="Mike Liang" userId="a4ba47076be7b4ad" providerId="LiveId" clId="{27CE8788-593A-452B-9F57-261E2FC1E8BB}" dt="2022-06-04T13:28:13.535" v="2216" actId="14100"/>
           <ac:spMkLst>
             <pc:docMk/>
             <pc:sldMk cId="206850494" sldId="256"/>
@@ -309,7 +309,7 @@
           </ac:spMkLst>
         </pc:spChg>
         <pc:spChg chg="add mod">
-          <ac:chgData name="Mike Liang" userId="a4ba47076be7b4ad" providerId="LiveId" clId="{27CE8788-593A-452B-9F57-261E2FC1E8BB}" dt="2022-05-13T14:02:00.478" v="631" actId="1036"/>
+          <ac:chgData name="Mike Liang" userId="a4ba47076be7b4ad" providerId="LiveId" clId="{27CE8788-593A-452B-9F57-261E2FC1E8BB}" dt="2022-06-04T10:19:20.719" v="2179" actId="2711"/>
           <ac:spMkLst>
             <pc:docMk/>
             <pc:sldMk cId="206850494" sldId="256"/>
@@ -317,7 +317,7 @@
           </ac:spMkLst>
         </pc:spChg>
         <pc:spChg chg="add mod">
-          <ac:chgData name="Mike Liang" userId="a4ba47076be7b4ad" providerId="LiveId" clId="{27CE8788-593A-452B-9F57-261E2FC1E8BB}" dt="2022-05-13T14:02:00.478" v="631" actId="1036"/>
+          <ac:chgData name="Mike Liang" userId="a4ba47076be7b4ad" providerId="LiveId" clId="{27CE8788-593A-452B-9F57-261E2FC1E8BB}" dt="2022-06-04T10:19:20.719" v="2179" actId="2711"/>
           <ac:spMkLst>
             <pc:docMk/>
             <pc:sldMk cId="206850494" sldId="256"/>
@@ -325,7 +325,7 @@
           </ac:spMkLst>
         </pc:spChg>
         <pc:spChg chg="add mod">
-          <ac:chgData name="Mike Liang" userId="a4ba47076be7b4ad" providerId="LiveId" clId="{27CE8788-593A-452B-9F57-261E2FC1E8BB}" dt="2022-05-13T14:02:00.478" v="631" actId="1036"/>
+          <ac:chgData name="Mike Liang" userId="a4ba47076be7b4ad" providerId="LiveId" clId="{27CE8788-593A-452B-9F57-261E2FC1E8BB}" dt="2022-06-04T10:19:20.719" v="2179" actId="2711"/>
           <ac:spMkLst>
             <pc:docMk/>
             <pc:sldMk cId="206850494" sldId="256"/>
@@ -333,7 +333,7 @@
           </ac:spMkLst>
         </pc:spChg>
         <pc:spChg chg="add mod">
-          <ac:chgData name="Mike Liang" userId="a4ba47076be7b4ad" providerId="LiveId" clId="{27CE8788-593A-452B-9F57-261E2FC1E8BB}" dt="2022-05-13T14:02:00.478" v="631" actId="1036"/>
+          <ac:chgData name="Mike Liang" userId="a4ba47076be7b4ad" providerId="LiveId" clId="{27CE8788-593A-452B-9F57-261E2FC1E8BB}" dt="2022-06-04T10:04:34.507" v="2061" actId="2711"/>
           <ac:spMkLst>
             <pc:docMk/>
             <pc:sldMk cId="206850494" sldId="256"/>
@@ -341,7 +341,7 @@
           </ac:spMkLst>
         </pc:spChg>
         <pc:spChg chg="add mod">
-          <ac:chgData name="Mike Liang" userId="a4ba47076be7b4ad" providerId="LiveId" clId="{27CE8788-593A-452B-9F57-261E2FC1E8BB}" dt="2022-05-13T14:02:00.478" v="631" actId="1036"/>
+          <ac:chgData name="Mike Liang" userId="a4ba47076be7b4ad" providerId="LiveId" clId="{27CE8788-593A-452B-9F57-261E2FC1E8BB}" dt="2022-06-04T10:04:34.507" v="2061" actId="2711"/>
           <ac:spMkLst>
             <pc:docMk/>
             <pc:sldMk cId="206850494" sldId="256"/>
@@ -349,7 +349,7 @@
           </ac:spMkLst>
         </pc:spChg>
         <pc:spChg chg="add mod">
-          <ac:chgData name="Mike Liang" userId="a4ba47076be7b4ad" providerId="LiveId" clId="{27CE8788-593A-452B-9F57-261E2FC1E8BB}" dt="2022-05-13T14:02:00.478" v="631" actId="1036"/>
+          <ac:chgData name="Mike Liang" userId="a4ba47076be7b4ad" providerId="LiveId" clId="{27CE8788-593A-452B-9F57-261E2FC1E8BB}" dt="2022-06-04T10:04:34.507" v="2061" actId="2711"/>
           <ac:spMkLst>
             <pc:docMk/>
             <pc:sldMk cId="206850494" sldId="256"/>
@@ -357,7 +357,7 @@
           </ac:spMkLst>
         </pc:spChg>
         <pc:spChg chg="add mod">
-          <ac:chgData name="Mike Liang" userId="a4ba47076be7b4ad" providerId="LiveId" clId="{27CE8788-593A-452B-9F57-261E2FC1E8BB}" dt="2022-05-13T14:02:24.723" v="665" actId="1036"/>
+          <ac:chgData name="Mike Liang" userId="a4ba47076be7b4ad" providerId="LiveId" clId="{27CE8788-593A-452B-9F57-261E2FC1E8BB}" dt="2022-06-04T10:04:34.507" v="2061" actId="2711"/>
           <ac:spMkLst>
             <pc:docMk/>
             <pc:sldMk cId="206850494" sldId="256"/>
@@ -365,7 +365,7 @@
           </ac:spMkLst>
         </pc:spChg>
         <pc:spChg chg="add mod">
-          <ac:chgData name="Mike Liang" userId="a4ba47076be7b4ad" providerId="LiveId" clId="{27CE8788-593A-452B-9F57-261E2FC1E8BB}" dt="2022-05-13T14:02:24.723" v="665" actId="1036"/>
+          <ac:chgData name="Mike Liang" userId="a4ba47076be7b4ad" providerId="LiveId" clId="{27CE8788-593A-452B-9F57-261E2FC1E8BB}" dt="2022-06-04T10:04:34.507" v="2061" actId="2711"/>
           <ac:spMkLst>
             <pc:docMk/>
             <pc:sldMk cId="206850494" sldId="256"/>
@@ -373,7 +373,7 @@
           </ac:spMkLst>
         </pc:spChg>
         <pc:spChg chg="add mod">
-          <ac:chgData name="Mike Liang" userId="a4ba47076be7b4ad" providerId="LiveId" clId="{27CE8788-593A-452B-9F57-261E2FC1E8BB}" dt="2022-05-13T14:02:24.723" v="665" actId="1036"/>
+          <ac:chgData name="Mike Liang" userId="a4ba47076be7b4ad" providerId="LiveId" clId="{27CE8788-593A-452B-9F57-261E2FC1E8BB}" dt="2022-06-04T10:04:34.507" v="2061" actId="2711"/>
           <ac:spMkLst>
             <pc:docMk/>
             <pc:sldMk cId="206850494" sldId="256"/>
@@ -381,7 +381,7 @@
           </ac:spMkLst>
         </pc:spChg>
         <pc:spChg chg="add mod">
-          <ac:chgData name="Mike Liang" userId="a4ba47076be7b4ad" providerId="LiveId" clId="{27CE8788-593A-452B-9F57-261E2FC1E8BB}" dt="2022-05-13T14:02:36.111" v="686" actId="1035"/>
+          <ac:chgData name="Mike Liang" userId="a4ba47076be7b4ad" providerId="LiveId" clId="{27CE8788-593A-452B-9F57-261E2FC1E8BB}" dt="2022-06-04T10:04:34.507" v="2061" actId="2711"/>
           <ac:spMkLst>
             <pc:docMk/>
             <pc:sldMk cId="206850494" sldId="256"/>
@@ -389,7 +389,7 @@
           </ac:spMkLst>
         </pc:spChg>
         <pc:spChg chg="add mod">
-          <ac:chgData name="Mike Liang" userId="a4ba47076be7b4ad" providerId="LiveId" clId="{27CE8788-593A-452B-9F57-261E2FC1E8BB}" dt="2022-05-13T14:02:36.111" v="686" actId="1035"/>
+          <ac:chgData name="Mike Liang" userId="a4ba47076be7b4ad" providerId="LiveId" clId="{27CE8788-593A-452B-9F57-261E2FC1E8BB}" dt="2022-06-04T10:04:34.507" v="2061" actId="2711"/>
           <ac:spMkLst>
             <pc:docMk/>
             <pc:sldMk cId="206850494" sldId="256"/>
@@ -397,7 +397,7 @@
           </ac:spMkLst>
         </pc:spChg>
         <pc:spChg chg="add mod">
-          <ac:chgData name="Mike Liang" userId="a4ba47076be7b4ad" providerId="LiveId" clId="{27CE8788-593A-452B-9F57-261E2FC1E8BB}" dt="2022-05-13T14:02:36.111" v="686" actId="1035"/>
+          <ac:chgData name="Mike Liang" userId="a4ba47076be7b4ad" providerId="LiveId" clId="{27CE8788-593A-452B-9F57-261E2FC1E8BB}" dt="2022-06-04T10:04:34.507" v="2061" actId="2711"/>
           <ac:spMkLst>
             <pc:docMk/>
             <pc:sldMk cId="206850494" sldId="256"/>
@@ -405,7 +405,7 @@
           </ac:spMkLst>
         </pc:spChg>
         <pc:spChg chg="add mod">
-          <ac:chgData name="Mike Liang" userId="a4ba47076be7b4ad" providerId="LiveId" clId="{27CE8788-593A-452B-9F57-261E2FC1E8BB}" dt="2022-05-13T14:02:36.111" v="686" actId="1035"/>
+          <ac:chgData name="Mike Liang" userId="a4ba47076be7b4ad" providerId="LiveId" clId="{27CE8788-593A-452B-9F57-261E2FC1E8BB}" dt="2022-06-04T10:04:34.507" v="2061" actId="2711"/>
           <ac:spMkLst>
             <pc:docMk/>
             <pc:sldMk cId="206850494" sldId="256"/>
@@ -413,7 +413,7 @@
           </ac:spMkLst>
         </pc:spChg>
         <pc:spChg chg="add mod">
-          <ac:chgData name="Mike Liang" userId="a4ba47076be7b4ad" providerId="LiveId" clId="{27CE8788-593A-452B-9F57-261E2FC1E8BB}" dt="2022-05-13T14:06:41.359" v="735" actId="1036"/>
+          <ac:chgData name="Mike Liang" userId="a4ba47076be7b4ad" providerId="LiveId" clId="{27CE8788-593A-452B-9F57-261E2FC1E8BB}" dt="2022-06-04T13:28:28.790" v="2220" actId="403"/>
           <ac:spMkLst>
             <pc:docMk/>
             <pc:sldMk cId="206850494" sldId="256"/>
@@ -421,7 +421,7 @@
           </ac:spMkLst>
         </pc:spChg>
         <pc:spChg chg="add mod">
-          <ac:chgData name="Mike Liang" userId="a4ba47076be7b4ad" providerId="LiveId" clId="{27CE8788-593A-452B-9F57-261E2FC1E8BB}" dt="2022-05-13T14:17:14.304" v="778" actId="1036"/>
+          <ac:chgData name="Mike Liang" userId="a4ba47076be7b4ad" providerId="LiveId" clId="{27CE8788-593A-452B-9F57-261E2FC1E8BB}" dt="2022-06-04T13:28:28.790" v="2220" actId="403"/>
           <ac:spMkLst>
             <pc:docMk/>
             <pc:sldMk cId="206850494" sldId="256"/>
@@ -429,7 +429,7 @@
           </ac:spMkLst>
         </pc:spChg>
         <pc:spChg chg="add mod">
-          <ac:chgData name="Mike Liang" userId="a4ba47076be7b4ad" providerId="LiveId" clId="{27CE8788-593A-452B-9F57-261E2FC1E8BB}" dt="2022-05-13T14:17:08.080" v="768" actId="1035"/>
+          <ac:chgData name="Mike Liang" userId="a4ba47076be7b4ad" providerId="LiveId" clId="{27CE8788-593A-452B-9F57-261E2FC1E8BB}" dt="2022-06-04T13:28:28.790" v="2220" actId="403"/>
           <ac:spMkLst>
             <pc:docMk/>
             <pc:sldMk cId="206850494" sldId="256"/>
@@ -437,7 +437,7 @@
           </ac:spMkLst>
         </pc:spChg>
         <pc:cxnChg chg="add mod">
-          <ac:chgData name="Mike Liang" userId="a4ba47076be7b4ad" providerId="LiveId" clId="{27CE8788-593A-452B-9F57-261E2FC1E8BB}" dt="2022-05-13T14:02:16.674" v="652" actId="1035"/>
+          <ac:chgData name="Mike Liang" userId="a4ba47076be7b4ad" providerId="LiveId" clId="{27CE8788-593A-452B-9F57-261E2FC1E8BB}" dt="2022-06-04T06:01:48.145" v="2060" actId="1036"/>
           <ac:cxnSpMkLst>
             <pc:docMk/>
             <pc:sldMk cId="206850494" sldId="256"/>
@@ -445,7 +445,7 @@
           </ac:cxnSpMkLst>
         </pc:cxnChg>
         <pc:cxnChg chg="add mod">
-          <ac:chgData name="Mike Liang" userId="a4ba47076be7b4ad" providerId="LiveId" clId="{27CE8788-593A-452B-9F57-261E2FC1E8BB}" dt="2022-05-13T14:02:16.674" v="652" actId="1035"/>
+          <ac:chgData name="Mike Liang" userId="a4ba47076be7b4ad" providerId="LiveId" clId="{27CE8788-593A-452B-9F57-261E2FC1E8BB}" dt="2022-06-04T06:01:48.145" v="2060" actId="1036"/>
           <ac:cxnSpMkLst>
             <pc:docMk/>
             <pc:sldMk cId="206850494" sldId="256"/>
@@ -453,7 +453,7 @@
           </ac:cxnSpMkLst>
         </pc:cxnChg>
         <pc:cxnChg chg="add mod">
-          <ac:chgData name="Mike Liang" userId="a4ba47076be7b4ad" providerId="LiveId" clId="{27CE8788-593A-452B-9F57-261E2FC1E8BB}" dt="2022-05-13T14:02:36.111" v="686" actId="1035"/>
+          <ac:chgData name="Mike Liang" userId="a4ba47076be7b4ad" providerId="LiveId" clId="{27CE8788-593A-452B-9F57-261E2FC1E8BB}" dt="2022-06-04T06:01:48.145" v="2060" actId="1036"/>
           <ac:cxnSpMkLst>
             <pc:docMk/>
             <pc:sldMk cId="206850494" sldId="256"/>
@@ -461,7 +461,7 @@
           </ac:cxnSpMkLst>
         </pc:cxnChg>
         <pc:cxnChg chg="add mod">
-          <ac:chgData name="Mike Liang" userId="a4ba47076be7b4ad" providerId="LiveId" clId="{27CE8788-593A-452B-9F57-261E2FC1E8BB}" dt="2022-05-13T14:02:36.111" v="686" actId="1035"/>
+          <ac:chgData name="Mike Liang" userId="a4ba47076be7b4ad" providerId="LiveId" clId="{27CE8788-593A-452B-9F57-261E2FC1E8BB}" dt="2022-06-04T06:01:48.145" v="2060" actId="1036"/>
           <ac:cxnSpMkLst>
             <pc:docMk/>
             <pc:sldMk cId="206850494" sldId="256"/>
@@ -469,7 +469,7 @@
           </ac:cxnSpMkLst>
         </pc:cxnChg>
         <pc:cxnChg chg="add mod">
-          <ac:chgData name="Mike Liang" userId="a4ba47076be7b4ad" providerId="LiveId" clId="{27CE8788-593A-452B-9F57-261E2FC1E8BB}" dt="2022-05-13T14:02:36.111" v="686" actId="1035"/>
+          <ac:chgData name="Mike Liang" userId="a4ba47076be7b4ad" providerId="LiveId" clId="{27CE8788-593A-452B-9F57-261E2FC1E8BB}" dt="2022-06-04T06:01:48.145" v="2060" actId="1036"/>
           <ac:cxnSpMkLst>
             <pc:docMk/>
             <pc:sldMk cId="206850494" sldId="256"/>
@@ -477,7 +477,7 @@
           </ac:cxnSpMkLst>
         </pc:cxnChg>
         <pc:cxnChg chg="add mod">
-          <ac:chgData name="Mike Liang" userId="a4ba47076be7b4ad" providerId="LiveId" clId="{27CE8788-593A-452B-9F57-261E2FC1E8BB}" dt="2022-05-13T14:02:16.674" v="652" actId="1035"/>
+          <ac:chgData name="Mike Liang" userId="a4ba47076be7b4ad" providerId="LiveId" clId="{27CE8788-593A-452B-9F57-261E2FC1E8BB}" dt="2022-06-04T06:01:48.145" v="2060" actId="1036"/>
           <ac:cxnSpMkLst>
             <pc:docMk/>
             <pc:sldMk cId="206850494" sldId="256"/>
@@ -485,7 +485,7 @@
           </ac:cxnSpMkLst>
         </pc:cxnChg>
         <pc:cxnChg chg="add mod">
-          <ac:chgData name="Mike Liang" userId="a4ba47076be7b4ad" providerId="LiveId" clId="{27CE8788-593A-452B-9F57-261E2FC1E8BB}" dt="2022-05-13T14:02:16.674" v="652" actId="1035"/>
+          <ac:chgData name="Mike Liang" userId="a4ba47076be7b4ad" providerId="LiveId" clId="{27CE8788-593A-452B-9F57-261E2FC1E8BB}" dt="2022-06-04T06:01:48.145" v="2060" actId="1036"/>
           <ac:cxnSpMkLst>
             <pc:docMk/>
             <pc:sldMk cId="206850494" sldId="256"/>
@@ -493,7 +493,7 @@
           </ac:cxnSpMkLst>
         </pc:cxnChg>
         <pc:cxnChg chg="add mod">
-          <ac:chgData name="Mike Liang" userId="a4ba47076be7b4ad" providerId="LiveId" clId="{27CE8788-593A-452B-9F57-261E2FC1E8BB}" dt="2022-05-13T14:02:16.674" v="652" actId="1035"/>
+          <ac:chgData name="Mike Liang" userId="a4ba47076be7b4ad" providerId="LiveId" clId="{27CE8788-593A-452B-9F57-261E2FC1E8BB}" dt="2022-06-04T06:01:48.145" v="2060" actId="1036"/>
           <ac:cxnSpMkLst>
             <pc:docMk/>
             <pc:sldMk cId="206850494" sldId="256"/>
@@ -501,7 +501,7 @@
           </ac:cxnSpMkLst>
         </pc:cxnChg>
         <pc:cxnChg chg="add mod">
-          <ac:chgData name="Mike Liang" userId="a4ba47076be7b4ad" providerId="LiveId" clId="{27CE8788-593A-452B-9F57-261E2FC1E8BB}" dt="2022-05-13T14:02:16.674" v="652" actId="1035"/>
+          <ac:chgData name="Mike Liang" userId="a4ba47076be7b4ad" providerId="LiveId" clId="{27CE8788-593A-452B-9F57-261E2FC1E8BB}" dt="2022-06-04T06:01:48.145" v="2060" actId="1036"/>
           <ac:cxnSpMkLst>
             <pc:docMk/>
             <pc:sldMk cId="206850494" sldId="256"/>
@@ -509,7 +509,7 @@
           </ac:cxnSpMkLst>
         </pc:cxnChg>
         <pc:cxnChg chg="add mod">
-          <ac:chgData name="Mike Liang" userId="a4ba47076be7b4ad" providerId="LiveId" clId="{27CE8788-593A-452B-9F57-261E2FC1E8BB}" dt="2022-05-13T14:02:16.674" v="652" actId="1035"/>
+          <ac:chgData name="Mike Liang" userId="a4ba47076be7b4ad" providerId="LiveId" clId="{27CE8788-593A-452B-9F57-261E2FC1E8BB}" dt="2022-06-04T06:01:48.145" v="2060" actId="1036"/>
           <ac:cxnSpMkLst>
             <pc:docMk/>
             <pc:sldMk cId="206850494" sldId="256"/>
@@ -517,7 +517,7 @@
           </ac:cxnSpMkLst>
         </pc:cxnChg>
         <pc:cxnChg chg="add mod">
-          <ac:chgData name="Mike Liang" userId="a4ba47076be7b4ad" providerId="LiveId" clId="{27CE8788-593A-452B-9F57-261E2FC1E8BB}" dt="2022-05-13T14:02:16.674" v="652" actId="1035"/>
+          <ac:chgData name="Mike Liang" userId="a4ba47076be7b4ad" providerId="LiveId" clId="{27CE8788-593A-452B-9F57-261E2FC1E8BB}" dt="2022-06-04T06:01:48.145" v="2060" actId="1036"/>
           <ac:cxnSpMkLst>
             <pc:docMk/>
             <pc:sldMk cId="206850494" sldId="256"/>
@@ -525,7 +525,7 @@
           </ac:cxnSpMkLst>
         </pc:cxnChg>
         <pc:cxnChg chg="add mod">
-          <ac:chgData name="Mike Liang" userId="a4ba47076be7b4ad" providerId="LiveId" clId="{27CE8788-593A-452B-9F57-261E2FC1E8BB}" dt="2022-05-13T14:02:16.674" v="652" actId="1035"/>
+          <ac:chgData name="Mike Liang" userId="a4ba47076be7b4ad" providerId="LiveId" clId="{27CE8788-593A-452B-9F57-261E2FC1E8BB}" dt="2022-06-04T06:01:48.145" v="2060" actId="1036"/>
           <ac:cxnSpMkLst>
             <pc:docMk/>
             <pc:sldMk cId="206850494" sldId="256"/>
@@ -533,7 +533,7 @@
           </ac:cxnSpMkLst>
         </pc:cxnChg>
         <pc:cxnChg chg="add mod">
-          <ac:chgData name="Mike Liang" userId="a4ba47076be7b4ad" providerId="LiveId" clId="{27CE8788-593A-452B-9F57-261E2FC1E8BB}" dt="2022-05-13T14:02:16.674" v="652" actId="1035"/>
+          <ac:chgData name="Mike Liang" userId="a4ba47076be7b4ad" providerId="LiveId" clId="{27CE8788-593A-452B-9F57-261E2FC1E8BB}" dt="2022-06-04T06:01:48.145" v="2060" actId="1036"/>
           <ac:cxnSpMkLst>
             <pc:docMk/>
             <pc:sldMk cId="206850494" sldId="256"/>
@@ -541,7 +541,7 @@
           </ac:cxnSpMkLst>
         </pc:cxnChg>
         <pc:cxnChg chg="add mod">
-          <ac:chgData name="Mike Liang" userId="a4ba47076be7b4ad" providerId="LiveId" clId="{27CE8788-593A-452B-9F57-261E2FC1E8BB}" dt="2022-05-13T14:02:16.674" v="652" actId="1035"/>
+          <ac:chgData name="Mike Liang" userId="a4ba47076be7b4ad" providerId="LiveId" clId="{27CE8788-593A-452B-9F57-261E2FC1E8BB}" dt="2022-06-04T06:01:48.145" v="2060" actId="1036"/>
           <ac:cxnSpMkLst>
             <pc:docMk/>
             <pc:sldMk cId="206850494" sldId="256"/>
@@ -549,7 +549,7 @@
           </ac:cxnSpMkLst>
         </pc:cxnChg>
         <pc:cxnChg chg="add mod">
-          <ac:chgData name="Mike Liang" userId="a4ba47076be7b4ad" providerId="LiveId" clId="{27CE8788-593A-452B-9F57-261E2FC1E8BB}" dt="2022-05-13T14:02:16.674" v="652" actId="1035"/>
+          <ac:chgData name="Mike Liang" userId="a4ba47076be7b4ad" providerId="LiveId" clId="{27CE8788-593A-452B-9F57-261E2FC1E8BB}" dt="2022-06-04T06:01:48.145" v="2060" actId="1036"/>
           <ac:cxnSpMkLst>
             <pc:docMk/>
             <pc:sldMk cId="206850494" sldId="256"/>
@@ -557,7 +557,7 @@
           </ac:cxnSpMkLst>
         </pc:cxnChg>
         <pc:cxnChg chg="add mod">
-          <ac:chgData name="Mike Liang" userId="a4ba47076be7b4ad" providerId="LiveId" clId="{27CE8788-593A-452B-9F57-261E2FC1E8BB}" dt="2022-05-13T14:02:16.674" v="652" actId="1035"/>
+          <ac:chgData name="Mike Liang" userId="a4ba47076be7b4ad" providerId="LiveId" clId="{27CE8788-593A-452B-9F57-261E2FC1E8BB}" dt="2022-06-04T06:01:48.145" v="2060" actId="1036"/>
           <ac:cxnSpMkLst>
             <pc:docMk/>
             <pc:sldMk cId="206850494" sldId="256"/>
@@ -565,7 +565,7 @@
           </ac:cxnSpMkLst>
         </pc:cxnChg>
         <pc:cxnChg chg="add mod">
-          <ac:chgData name="Mike Liang" userId="a4ba47076be7b4ad" providerId="LiveId" clId="{27CE8788-593A-452B-9F57-261E2FC1E8BB}" dt="2022-05-13T14:02:16.674" v="652" actId="1035"/>
+          <ac:chgData name="Mike Liang" userId="a4ba47076be7b4ad" providerId="LiveId" clId="{27CE8788-593A-452B-9F57-261E2FC1E8BB}" dt="2022-06-04T06:01:48.145" v="2060" actId="1036"/>
           <ac:cxnSpMkLst>
             <pc:docMk/>
             <pc:sldMk cId="206850494" sldId="256"/>
@@ -573,7 +573,7 @@
           </ac:cxnSpMkLst>
         </pc:cxnChg>
         <pc:cxnChg chg="add mod">
-          <ac:chgData name="Mike Liang" userId="a4ba47076be7b4ad" providerId="LiveId" clId="{27CE8788-593A-452B-9F57-261E2FC1E8BB}" dt="2022-05-13T14:02:16.674" v="652" actId="1035"/>
+          <ac:chgData name="Mike Liang" userId="a4ba47076be7b4ad" providerId="LiveId" clId="{27CE8788-593A-452B-9F57-261E2FC1E8BB}" dt="2022-06-04T06:01:48.145" v="2060" actId="1036"/>
           <ac:cxnSpMkLst>
             <pc:docMk/>
             <pc:sldMk cId="206850494" sldId="256"/>
@@ -581,7 +581,7 @@
           </ac:cxnSpMkLst>
         </pc:cxnChg>
         <pc:cxnChg chg="add mod">
-          <ac:chgData name="Mike Liang" userId="a4ba47076be7b4ad" providerId="LiveId" clId="{27CE8788-593A-452B-9F57-261E2FC1E8BB}" dt="2022-05-13T14:02:16.674" v="652" actId="1035"/>
+          <ac:chgData name="Mike Liang" userId="a4ba47076be7b4ad" providerId="LiveId" clId="{27CE8788-593A-452B-9F57-261E2FC1E8BB}" dt="2022-06-04T06:01:48.145" v="2060" actId="1036"/>
           <ac:cxnSpMkLst>
             <pc:docMk/>
             <pc:sldMk cId="206850494" sldId="256"/>
@@ -589,7 +589,7 @@
           </ac:cxnSpMkLst>
         </pc:cxnChg>
         <pc:cxnChg chg="add mod">
-          <ac:chgData name="Mike Liang" userId="a4ba47076be7b4ad" providerId="LiveId" clId="{27CE8788-593A-452B-9F57-261E2FC1E8BB}" dt="2022-05-13T14:02:16.674" v="652" actId="1035"/>
+          <ac:chgData name="Mike Liang" userId="a4ba47076be7b4ad" providerId="LiveId" clId="{27CE8788-593A-452B-9F57-261E2FC1E8BB}" dt="2022-06-04T06:01:48.145" v="2060" actId="1036"/>
           <ac:cxnSpMkLst>
             <pc:docMk/>
             <pc:sldMk cId="206850494" sldId="256"/>
@@ -597,7 +597,7 @@
           </ac:cxnSpMkLst>
         </pc:cxnChg>
         <pc:cxnChg chg="add mod">
-          <ac:chgData name="Mike Liang" userId="a4ba47076be7b4ad" providerId="LiveId" clId="{27CE8788-593A-452B-9F57-261E2FC1E8BB}" dt="2022-05-13T14:02:16.674" v="652" actId="1035"/>
+          <ac:chgData name="Mike Liang" userId="a4ba47076be7b4ad" providerId="LiveId" clId="{27CE8788-593A-452B-9F57-261E2FC1E8BB}" dt="2022-06-04T06:01:48.145" v="2060" actId="1036"/>
           <ac:cxnSpMkLst>
             <pc:docMk/>
             <pc:sldMk cId="206850494" sldId="256"/>
@@ -605,7 +605,7 @@
           </ac:cxnSpMkLst>
         </pc:cxnChg>
         <pc:cxnChg chg="add mod">
-          <ac:chgData name="Mike Liang" userId="a4ba47076be7b4ad" providerId="LiveId" clId="{27CE8788-593A-452B-9F57-261E2FC1E8BB}" dt="2022-05-13T14:02:36.111" v="686" actId="1035"/>
+          <ac:chgData name="Mike Liang" userId="a4ba47076be7b4ad" providerId="LiveId" clId="{27CE8788-593A-452B-9F57-261E2FC1E8BB}" dt="2022-06-04T06:01:48.145" v="2060" actId="1036"/>
           <ac:cxnSpMkLst>
             <pc:docMk/>
             <pc:sldMk cId="206850494" sldId="256"/>
@@ -613,7 +613,7 @@
           </ac:cxnSpMkLst>
         </pc:cxnChg>
         <pc:cxnChg chg="add mod">
-          <ac:chgData name="Mike Liang" userId="a4ba47076be7b4ad" providerId="LiveId" clId="{27CE8788-593A-452B-9F57-261E2FC1E8BB}" dt="2022-05-13T14:02:36.111" v="686" actId="1035"/>
+          <ac:chgData name="Mike Liang" userId="a4ba47076be7b4ad" providerId="LiveId" clId="{27CE8788-593A-452B-9F57-261E2FC1E8BB}" dt="2022-06-04T06:01:48.145" v="2060" actId="1036"/>
           <ac:cxnSpMkLst>
             <pc:docMk/>
             <pc:sldMk cId="206850494" sldId="256"/>
@@ -621,7 +621,7 @@
           </ac:cxnSpMkLst>
         </pc:cxnChg>
         <pc:cxnChg chg="add mod">
-          <ac:chgData name="Mike Liang" userId="a4ba47076be7b4ad" providerId="LiveId" clId="{27CE8788-593A-452B-9F57-261E2FC1E8BB}" dt="2022-05-13T14:02:36.111" v="686" actId="1035"/>
+          <ac:chgData name="Mike Liang" userId="a4ba47076be7b4ad" providerId="LiveId" clId="{27CE8788-593A-452B-9F57-261E2FC1E8BB}" dt="2022-06-04T06:01:48.145" v="2060" actId="1036"/>
           <ac:cxnSpMkLst>
             <pc:docMk/>
             <pc:sldMk cId="206850494" sldId="256"/>
@@ -629,7 +629,7 @@
           </ac:cxnSpMkLst>
         </pc:cxnChg>
         <pc:cxnChg chg="add mod">
-          <ac:chgData name="Mike Liang" userId="a4ba47076be7b4ad" providerId="LiveId" clId="{27CE8788-593A-452B-9F57-261E2FC1E8BB}" dt="2022-05-13T14:02:36.111" v="686" actId="1035"/>
+          <ac:chgData name="Mike Liang" userId="a4ba47076be7b4ad" providerId="LiveId" clId="{27CE8788-593A-452B-9F57-261E2FC1E8BB}" dt="2022-06-04T06:01:48.145" v="2060" actId="1036"/>
           <ac:cxnSpMkLst>
             <pc:docMk/>
             <pc:sldMk cId="206850494" sldId="256"/>
@@ -637,7 +637,7 @@
           </ac:cxnSpMkLst>
         </pc:cxnChg>
         <pc:cxnChg chg="add mod">
-          <ac:chgData name="Mike Liang" userId="a4ba47076be7b4ad" providerId="LiveId" clId="{27CE8788-593A-452B-9F57-261E2FC1E8BB}" dt="2022-05-13T14:02:36.111" v="686" actId="1035"/>
+          <ac:chgData name="Mike Liang" userId="a4ba47076be7b4ad" providerId="LiveId" clId="{27CE8788-593A-452B-9F57-261E2FC1E8BB}" dt="2022-06-04T06:01:48.145" v="2060" actId="1036"/>
           <ac:cxnSpMkLst>
             <pc:docMk/>
             <pc:sldMk cId="206850494" sldId="256"/>
@@ -645,7 +645,7 @@
           </ac:cxnSpMkLst>
         </pc:cxnChg>
         <pc:cxnChg chg="add mod">
-          <ac:chgData name="Mike Liang" userId="a4ba47076be7b4ad" providerId="LiveId" clId="{27CE8788-593A-452B-9F57-261E2FC1E8BB}" dt="2022-05-13T14:02:36.111" v="686" actId="1035"/>
+          <ac:chgData name="Mike Liang" userId="a4ba47076be7b4ad" providerId="LiveId" clId="{27CE8788-593A-452B-9F57-261E2FC1E8BB}" dt="2022-06-04T06:01:48.145" v="2060" actId="1036"/>
           <ac:cxnSpMkLst>
             <pc:docMk/>
             <pc:sldMk cId="206850494" sldId="256"/>
@@ -653,7 +653,7 @@
           </ac:cxnSpMkLst>
         </pc:cxnChg>
         <pc:cxnChg chg="add mod">
-          <ac:chgData name="Mike Liang" userId="a4ba47076be7b4ad" providerId="LiveId" clId="{27CE8788-593A-452B-9F57-261E2FC1E8BB}" dt="2022-05-13T14:02:36.111" v="686" actId="1035"/>
+          <ac:chgData name="Mike Liang" userId="a4ba47076be7b4ad" providerId="LiveId" clId="{27CE8788-593A-452B-9F57-261E2FC1E8BB}" dt="2022-06-04T06:01:48.145" v="2060" actId="1036"/>
           <ac:cxnSpMkLst>
             <pc:docMk/>
             <pc:sldMk cId="206850494" sldId="256"/>
@@ -661,7 +661,7 @@
           </ac:cxnSpMkLst>
         </pc:cxnChg>
         <pc:cxnChg chg="add mod">
-          <ac:chgData name="Mike Liang" userId="a4ba47076be7b4ad" providerId="LiveId" clId="{27CE8788-593A-452B-9F57-261E2FC1E8BB}" dt="2022-05-13T14:02:36.111" v="686" actId="1035"/>
+          <ac:chgData name="Mike Liang" userId="a4ba47076be7b4ad" providerId="LiveId" clId="{27CE8788-593A-452B-9F57-261E2FC1E8BB}" dt="2022-06-04T06:01:48.145" v="2060" actId="1036"/>
           <ac:cxnSpMkLst>
             <pc:docMk/>
             <pc:sldMk cId="206850494" sldId="256"/>
@@ -669,7 +669,7 @@
           </ac:cxnSpMkLst>
         </pc:cxnChg>
         <pc:cxnChg chg="add mod">
-          <ac:chgData name="Mike Liang" userId="a4ba47076be7b4ad" providerId="LiveId" clId="{27CE8788-593A-452B-9F57-261E2FC1E8BB}" dt="2022-05-13T14:02:36.111" v="686" actId="1035"/>
+          <ac:chgData name="Mike Liang" userId="a4ba47076be7b4ad" providerId="LiveId" clId="{27CE8788-593A-452B-9F57-261E2FC1E8BB}" dt="2022-06-04T06:01:48.145" v="2060" actId="1036"/>
           <ac:cxnSpMkLst>
             <pc:docMk/>
             <pc:sldMk cId="206850494" sldId="256"/>
@@ -677,7 +677,7 @@
           </ac:cxnSpMkLst>
         </pc:cxnChg>
         <pc:cxnChg chg="add mod">
-          <ac:chgData name="Mike Liang" userId="a4ba47076be7b4ad" providerId="LiveId" clId="{27CE8788-593A-452B-9F57-261E2FC1E8BB}" dt="2022-05-13T14:05:56.212" v="705" actId="1036"/>
+          <ac:chgData name="Mike Liang" userId="a4ba47076be7b4ad" providerId="LiveId" clId="{27CE8788-593A-452B-9F57-261E2FC1E8BB}" dt="2022-06-04T13:28:13.535" v="2216" actId="14100"/>
           <ac:cxnSpMkLst>
             <pc:docMk/>
             <pc:sldMk cId="206850494" sldId="256"/>
@@ -685,7 +685,7 @@
           </ac:cxnSpMkLst>
         </pc:cxnChg>
         <pc:cxnChg chg="add mod">
-          <ac:chgData name="Mike Liang" userId="a4ba47076be7b4ad" providerId="LiveId" clId="{27CE8788-593A-452B-9F57-261E2FC1E8BB}" dt="2022-05-13T14:05:56.212" v="705" actId="1036"/>
+          <ac:chgData name="Mike Liang" userId="a4ba47076be7b4ad" providerId="LiveId" clId="{27CE8788-593A-452B-9F57-261E2FC1E8BB}" dt="2022-06-04T13:28:13.535" v="2216" actId="14100"/>
           <ac:cxnSpMkLst>
             <pc:docMk/>
             <pc:sldMk cId="206850494" sldId="256"/>
@@ -693,7 +693,7 @@
           </ac:cxnSpMkLst>
         </pc:cxnChg>
         <pc:cxnChg chg="add mod">
-          <ac:chgData name="Mike Liang" userId="a4ba47076be7b4ad" providerId="LiveId" clId="{27CE8788-593A-452B-9F57-261E2FC1E8BB}" dt="2022-05-13T14:05:56.212" v="705" actId="1036"/>
+          <ac:chgData name="Mike Liang" userId="a4ba47076be7b4ad" providerId="LiveId" clId="{27CE8788-593A-452B-9F57-261E2FC1E8BB}" dt="2022-06-04T13:28:13.535" v="2216" actId="14100"/>
           <ac:cxnSpMkLst>
             <pc:docMk/>
             <pc:sldMk cId="206850494" sldId="256"/>
@@ -701,7 +701,7 @@
           </ac:cxnSpMkLst>
         </pc:cxnChg>
         <pc:cxnChg chg="add mod">
-          <ac:chgData name="Mike Liang" userId="a4ba47076be7b4ad" providerId="LiveId" clId="{27CE8788-593A-452B-9F57-261E2FC1E8BB}" dt="2022-05-13T14:05:56.212" v="705" actId="1036"/>
+          <ac:chgData name="Mike Liang" userId="a4ba47076be7b4ad" providerId="LiveId" clId="{27CE8788-593A-452B-9F57-261E2FC1E8BB}" dt="2022-06-04T13:28:13.535" v="2216" actId="14100"/>
           <ac:cxnSpMkLst>
             <pc:docMk/>
             <pc:sldMk cId="206850494" sldId="256"/>
@@ -709,7 +709,7 @@
           </ac:cxnSpMkLst>
         </pc:cxnChg>
         <pc:cxnChg chg="add mod">
-          <ac:chgData name="Mike Liang" userId="a4ba47076be7b4ad" providerId="LiveId" clId="{27CE8788-593A-452B-9F57-261E2FC1E8BB}" dt="2022-05-13T14:05:56.212" v="705" actId="1036"/>
+          <ac:chgData name="Mike Liang" userId="a4ba47076be7b4ad" providerId="LiveId" clId="{27CE8788-593A-452B-9F57-261E2FC1E8BB}" dt="2022-06-04T13:28:13.535" v="2216" actId="14100"/>
           <ac:cxnSpMkLst>
             <pc:docMk/>
             <pc:sldMk cId="206850494" sldId="256"/>
@@ -717,7 +717,7 @@
           </ac:cxnSpMkLst>
         </pc:cxnChg>
         <pc:cxnChg chg="add mod">
-          <ac:chgData name="Mike Liang" userId="a4ba47076be7b4ad" providerId="LiveId" clId="{27CE8788-593A-452B-9F57-261E2FC1E8BB}" dt="2022-05-13T14:05:56.212" v="705" actId="1036"/>
+          <ac:chgData name="Mike Liang" userId="a4ba47076be7b4ad" providerId="LiveId" clId="{27CE8788-593A-452B-9F57-261E2FC1E8BB}" dt="2022-06-04T13:28:13.535" v="2216" actId="14100"/>
           <ac:cxnSpMkLst>
             <pc:docMk/>
             <pc:sldMk cId="206850494" sldId="256"/>
@@ -725,7 +725,7 @@
           </ac:cxnSpMkLst>
         </pc:cxnChg>
         <pc:cxnChg chg="add mod">
-          <ac:chgData name="Mike Liang" userId="a4ba47076be7b4ad" providerId="LiveId" clId="{27CE8788-593A-452B-9F57-261E2FC1E8BB}" dt="2022-05-13T14:02:24.723" v="665" actId="1036"/>
+          <ac:chgData name="Mike Liang" userId="a4ba47076be7b4ad" providerId="LiveId" clId="{27CE8788-593A-452B-9F57-261E2FC1E8BB}" dt="2022-06-04T06:01:48.145" v="2060" actId="1036"/>
           <ac:cxnSpMkLst>
             <pc:docMk/>
             <pc:sldMk cId="206850494" sldId="256"/>
@@ -733,7 +733,7 @@
           </ac:cxnSpMkLst>
         </pc:cxnChg>
         <pc:cxnChg chg="add mod">
-          <ac:chgData name="Mike Liang" userId="a4ba47076be7b4ad" providerId="LiveId" clId="{27CE8788-593A-452B-9F57-261E2FC1E8BB}" dt="2022-05-13T14:02:24.723" v="665" actId="1036"/>
+          <ac:chgData name="Mike Liang" userId="a4ba47076be7b4ad" providerId="LiveId" clId="{27CE8788-593A-452B-9F57-261E2FC1E8BB}" dt="2022-06-04T06:01:48.145" v="2060" actId="1036"/>
           <ac:cxnSpMkLst>
             <pc:docMk/>
             <pc:sldMk cId="206850494" sldId="256"/>
@@ -741,7 +741,7 @@
           </ac:cxnSpMkLst>
         </pc:cxnChg>
         <pc:cxnChg chg="add mod">
-          <ac:chgData name="Mike Liang" userId="a4ba47076be7b4ad" providerId="LiveId" clId="{27CE8788-593A-452B-9F57-261E2FC1E8BB}" dt="2022-05-13T14:02:36.111" v="686" actId="1035"/>
+          <ac:chgData name="Mike Liang" userId="a4ba47076be7b4ad" providerId="LiveId" clId="{27CE8788-593A-452B-9F57-261E2FC1E8BB}" dt="2022-06-04T06:01:48.145" v="2060" actId="1036"/>
           <ac:cxnSpMkLst>
             <pc:docMk/>
             <pc:sldMk cId="206850494" sldId="256"/>
@@ -749,7 +749,7 @@
           </ac:cxnSpMkLst>
         </pc:cxnChg>
         <pc:cxnChg chg="add mod">
-          <ac:chgData name="Mike Liang" userId="a4ba47076be7b4ad" providerId="LiveId" clId="{27CE8788-593A-452B-9F57-261E2FC1E8BB}" dt="2022-05-13T14:02:36.111" v="686" actId="1035"/>
+          <ac:chgData name="Mike Liang" userId="a4ba47076be7b4ad" providerId="LiveId" clId="{27CE8788-593A-452B-9F57-261E2FC1E8BB}" dt="2022-06-04T06:01:48.145" v="2060" actId="1036"/>
           <ac:cxnSpMkLst>
             <pc:docMk/>
             <pc:sldMk cId="206850494" sldId="256"/>
@@ -757,7 +757,7 @@
           </ac:cxnSpMkLst>
         </pc:cxnChg>
         <pc:cxnChg chg="add mod">
-          <ac:chgData name="Mike Liang" userId="a4ba47076be7b4ad" providerId="LiveId" clId="{27CE8788-593A-452B-9F57-261E2FC1E8BB}" dt="2022-05-13T14:02:36.111" v="686" actId="1035"/>
+          <ac:chgData name="Mike Liang" userId="a4ba47076be7b4ad" providerId="LiveId" clId="{27CE8788-593A-452B-9F57-261E2FC1E8BB}" dt="2022-06-04T06:01:48.145" v="2060" actId="1036"/>
           <ac:cxnSpMkLst>
             <pc:docMk/>
             <pc:sldMk cId="206850494" sldId="256"/>
@@ -765,7 +765,7 @@
           </ac:cxnSpMkLst>
         </pc:cxnChg>
         <pc:cxnChg chg="add mod">
-          <ac:chgData name="Mike Liang" userId="a4ba47076be7b4ad" providerId="LiveId" clId="{27CE8788-593A-452B-9F57-261E2FC1E8BB}" dt="2022-05-13T14:02:24.723" v="665" actId="1036"/>
+          <ac:chgData name="Mike Liang" userId="a4ba47076be7b4ad" providerId="LiveId" clId="{27CE8788-593A-452B-9F57-261E2FC1E8BB}" dt="2022-06-04T06:01:48.145" v="2060" actId="1036"/>
           <ac:cxnSpMkLst>
             <pc:docMk/>
             <pc:sldMk cId="206850494" sldId="256"/>
@@ -773,7 +773,7 @@
           </ac:cxnSpMkLst>
         </pc:cxnChg>
         <pc:cxnChg chg="add mod">
-          <ac:chgData name="Mike Liang" userId="a4ba47076be7b4ad" providerId="LiveId" clId="{27CE8788-593A-452B-9F57-261E2FC1E8BB}" dt="2022-05-13T14:02:24.723" v="665" actId="1036"/>
+          <ac:chgData name="Mike Liang" userId="a4ba47076be7b4ad" providerId="LiveId" clId="{27CE8788-593A-452B-9F57-261E2FC1E8BB}" dt="2022-06-04T06:01:48.145" v="2060" actId="1036"/>
           <ac:cxnSpMkLst>
             <pc:docMk/>
             <pc:sldMk cId="206850494" sldId="256"/>
@@ -781,7 +781,7 @@
           </ac:cxnSpMkLst>
         </pc:cxnChg>
         <pc:cxnChg chg="add mod">
-          <ac:chgData name="Mike Liang" userId="a4ba47076be7b4ad" providerId="LiveId" clId="{27CE8788-593A-452B-9F57-261E2FC1E8BB}" dt="2022-05-13T14:02:24.723" v="665" actId="1036"/>
+          <ac:chgData name="Mike Liang" userId="a4ba47076be7b4ad" providerId="LiveId" clId="{27CE8788-593A-452B-9F57-261E2FC1E8BB}" dt="2022-06-04T06:01:48.145" v="2060" actId="1036"/>
           <ac:cxnSpMkLst>
             <pc:docMk/>
             <pc:sldMk cId="206850494" sldId="256"/>
@@ -789,7 +789,7 @@
           </ac:cxnSpMkLst>
         </pc:cxnChg>
         <pc:cxnChg chg="add mod">
-          <ac:chgData name="Mike Liang" userId="a4ba47076be7b4ad" providerId="LiveId" clId="{27CE8788-593A-452B-9F57-261E2FC1E8BB}" dt="2022-05-13T14:02:24.723" v="665" actId="1036"/>
+          <ac:chgData name="Mike Liang" userId="a4ba47076be7b4ad" providerId="LiveId" clId="{27CE8788-593A-452B-9F57-261E2FC1E8BB}" dt="2022-06-04T06:01:48.145" v="2060" actId="1036"/>
           <ac:cxnSpMkLst>
             <pc:docMk/>
             <pc:sldMk cId="206850494" sldId="256"/>
@@ -797,7 +797,7 @@
           </ac:cxnSpMkLst>
         </pc:cxnChg>
         <pc:cxnChg chg="add mod">
-          <ac:chgData name="Mike Liang" userId="a4ba47076be7b4ad" providerId="LiveId" clId="{27CE8788-593A-452B-9F57-261E2FC1E8BB}" dt="2022-05-13T14:02:24.723" v="665" actId="1036"/>
+          <ac:chgData name="Mike Liang" userId="a4ba47076be7b4ad" providerId="LiveId" clId="{27CE8788-593A-452B-9F57-261E2FC1E8BB}" dt="2022-06-04T06:01:48.145" v="2060" actId="1036"/>
           <ac:cxnSpMkLst>
             <pc:docMk/>
             <pc:sldMk cId="206850494" sldId="256"/>
@@ -805,7 +805,7 @@
           </ac:cxnSpMkLst>
         </pc:cxnChg>
         <pc:cxnChg chg="add mod">
-          <ac:chgData name="Mike Liang" userId="a4ba47076be7b4ad" providerId="LiveId" clId="{27CE8788-593A-452B-9F57-261E2FC1E8BB}" dt="2022-05-13T14:02:24.723" v="665" actId="1036"/>
+          <ac:chgData name="Mike Liang" userId="a4ba47076be7b4ad" providerId="LiveId" clId="{27CE8788-593A-452B-9F57-261E2FC1E8BB}" dt="2022-06-04T06:01:48.145" v="2060" actId="1036"/>
           <ac:cxnSpMkLst>
             <pc:docMk/>
             <pc:sldMk cId="206850494" sldId="256"/>
@@ -813,7 +813,7 @@
           </ac:cxnSpMkLst>
         </pc:cxnChg>
         <pc:cxnChg chg="add mod">
-          <ac:chgData name="Mike Liang" userId="a4ba47076be7b4ad" providerId="LiveId" clId="{27CE8788-593A-452B-9F57-261E2FC1E8BB}" dt="2022-05-13T14:02:24.723" v="665" actId="1036"/>
+          <ac:chgData name="Mike Liang" userId="a4ba47076be7b4ad" providerId="LiveId" clId="{27CE8788-593A-452B-9F57-261E2FC1E8BB}" dt="2022-06-04T06:01:48.145" v="2060" actId="1036"/>
           <ac:cxnSpMkLst>
             <pc:docMk/>
             <pc:sldMk cId="206850494" sldId="256"/>
@@ -821,7 +821,7 @@
           </ac:cxnSpMkLst>
         </pc:cxnChg>
         <pc:cxnChg chg="add mod">
-          <ac:chgData name="Mike Liang" userId="a4ba47076be7b4ad" providerId="LiveId" clId="{27CE8788-593A-452B-9F57-261E2FC1E8BB}" dt="2022-05-13T14:02:24.723" v="665" actId="1036"/>
+          <ac:chgData name="Mike Liang" userId="a4ba47076be7b4ad" providerId="LiveId" clId="{27CE8788-593A-452B-9F57-261E2FC1E8BB}" dt="2022-06-04T06:01:48.145" v="2060" actId="1036"/>
           <ac:cxnSpMkLst>
             <pc:docMk/>
             <pc:sldMk cId="206850494" sldId="256"/>
@@ -829,7 +829,7 @@
           </ac:cxnSpMkLst>
         </pc:cxnChg>
         <pc:cxnChg chg="add mod">
-          <ac:chgData name="Mike Liang" userId="a4ba47076be7b4ad" providerId="LiveId" clId="{27CE8788-593A-452B-9F57-261E2FC1E8BB}" dt="2022-05-13T14:02:24.723" v="665" actId="1036"/>
+          <ac:chgData name="Mike Liang" userId="a4ba47076be7b4ad" providerId="LiveId" clId="{27CE8788-593A-452B-9F57-261E2FC1E8BB}" dt="2022-06-04T06:01:48.145" v="2060" actId="1036"/>
           <ac:cxnSpMkLst>
             <pc:docMk/>
             <pc:sldMk cId="206850494" sldId="256"/>
@@ -837,7 +837,7 @@
           </ac:cxnSpMkLst>
         </pc:cxnChg>
         <pc:cxnChg chg="add mod">
-          <ac:chgData name="Mike Liang" userId="a4ba47076be7b4ad" providerId="LiveId" clId="{27CE8788-593A-452B-9F57-261E2FC1E8BB}" dt="2022-05-13T14:02:24.723" v="665" actId="1036"/>
+          <ac:chgData name="Mike Liang" userId="a4ba47076be7b4ad" providerId="LiveId" clId="{27CE8788-593A-452B-9F57-261E2FC1E8BB}" dt="2022-06-04T06:01:48.145" v="2060" actId="1036"/>
           <ac:cxnSpMkLst>
             <pc:docMk/>
             <pc:sldMk cId="206850494" sldId="256"/>
@@ -845,7 +845,7 @@
           </ac:cxnSpMkLst>
         </pc:cxnChg>
         <pc:cxnChg chg="add mod">
-          <ac:chgData name="Mike Liang" userId="a4ba47076be7b4ad" providerId="LiveId" clId="{27CE8788-593A-452B-9F57-261E2FC1E8BB}" dt="2022-05-13T14:02:24.723" v="665" actId="1036"/>
+          <ac:chgData name="Mike Liang" userId="a4ba47076be7b4ad" providerId="LiveId" clId="{27CE8788-593A-452B-9F57-261E2FC1E8BB}" dt="2022-06-04T06:01:48.145" v="2060" actId="1036"/>
           <ac:cxnSpMkLst>
             <pc:docMk/>
             <pc:sldMk cId="206850494" sldId="256"/>
@@ -853,7 +853,7 @@
           </ac:cxnSpMkLst>
         </pc:cxnChg>
         <pc:cxnChg chg="add mod">
-          <ac:chgData name="Mike Liang" userId="a4ba47076be7b4ad" providerId="LiveId" clId="{27CE8788-593A-452B-9F57-261E2FC1E8BB}" dt="2022-05-13T14:02:24.723" v="665" actId="1036"/>
+          <ac:chgData name="Mike Liang" userId="a4ba47076be7b4ad" providerId="LiveId" clId="{27CE8788-593A-452B-9F57-261E2FC1E8BB}" dt="2022-06-04T06:01:48.145" v="2060" actId="1036"/>
           <ac:cxnSpMkLst>
             <pc:docMk/>
             <pc:sldMk cId="206850494" sldId="256"/>
@@ -861,7 +861,7 @@
           </ac:cxnSpMkLst>
         </pc:cxnChg>
         <pc:cxnChg chg="add mod">
-          <ac:chgData name="Mike Liang" userId="a4ba47076be7b4ad" providerId="LiveId" clId="{27CE8788-593A-452B-9F57-261E2FC1E8BB}" dt="2022-05-13T14:02:24.723" v="665" actId="1036"/>
+          <ac:chgData name="Mike Liang" userId="a4ba47076be7b4ad" providerId="LiveId" clId="{27CE8788-593A-452B-9F57-261E2FC1E8BB}" dt="2022-06-04T06:01:48.145" v="2060" actId="1036"/>
           <ac:cxnSpMkLst>
             <pc:docMk/>
             <pc:sldMk cId="206850494" sldId="256"/>
@@ -869,7 +869,7 @@
           </ac:cxnSpMkLst>
         </pc:cxnChg>
         <pc:cxnChg chg="add mod">
-          <ac:chgData name="Mike Liang" userId="a4ba47076be7b4ad" providerId="LiveId" clId="{27CE8788-593A-452B-9F57-261E2FC1E8BB}" dt="2022-05-13T14:02:24.723" v="665" actId="1036"/>
+          <ac:chgData name="Mike Liang" userId="a4ba47076be7b4ad" providerId="LiveId" clId="{27CE8788-593A-452B-9F57-261E2FC1E8BB}" dt="2022-06-04T06:01:48.145" v="2060" actId="1036"/>
           <ac:cxnSpMkLst>
             <pc:docMk/>
             <pc:sldMk cId="206850494" sldId="256"/>
@@ -877,7 +877,7 @@
           </ac:cxnSpMkLst>
         </pc:cxnChg>
         <pc:cxnChg chg="add mod">
-          <ac:chgData name="Mike Liang" userId="a4ba47076be7b4ad" providerId="LiveId" clId="{27CE8788-593A-452B-9F57-261E2FC1E8BB}" dt="2022-05-13T14:02:24.723" v="665" actId="1036"/>
+          <ac:chgData name="Mike Liang" userId="a4ba47076be7b4ad" providerId="LiveId" clId="{27CE8788-593A-452B-9F57-261E2FC1E8BB}" dt="2022-06-04T06:01:48.145" v="2060" actId="1036"/>
           <ac:cxnSpMkLst>
             <pc:docMk/>
             <pc:sldMk cId="206850494" sldId="256"/>
@@ -885,7 +885,7 @@
           </ac:cxnSpMkLst>
         </pc:cxnChg>
         <pc:cxnChg chg="add mod">
-          <ac:chgData name="Mike Liang" userId="a4ba47076be7b4ad" providerId="LiveId" clId="{27CE8788-593A-452B-9F57-261E2FC1E8BB}" dt="2022-05-13T14:02:24.723" v="665" actId="1036"/>
+          <ac:chgData name="Mike Liang" userId="a4ba47076be7b4ad" providerId="LiveId" clId="{27CE8788-593A-452B-9F57-261E2FC1E8BB}" dt="2022-06-04T06:01:48.145" v="2060" actId="1036"/>
           <ac:cxnSpMkLst>
             <pc:docMk/>
             <pc:sldMk cId="206850494" sldId="256"/>
@@ -893,7 +893,7 @@
           </ac:cxnSpMkLst>
         </pc:cxnChg>
         <pc:cxnChg chg="add mod">
-          <ac:chgData name="Mike Liang" userId="a4ba47076be7b4ad" providerId="LiveId" clId="{27CE8788-593A-452B-9F57-261E2FC1E8BB}" dt="2022-05-13T14:02:36.111" v="686" actId="1035"/>
+          <ac:chgData name="Mike Liang" userId="a4ba47076be7b4ad" providerId="LiveId" clId="{27CE8788-593A-452B-9F57-261E2FC1E8BB}" dt="2022-06-04T06:01:48.145" v="2060" actId="1036"/>
           <ac:cxnSpMkLst>
             <pc:docMk/>
             <pc:sldMk cId="206850494" sldId="256"/>
@@ -901,7 +901,7 @@
           </ac:cxnSpMkLst>
         </pc:cxnChg>
         <pc:cxnChg chg="add mod">
-          <ac:chgData name="Mike Liang" userId="a4ba47076be7b4ad" providerId="LiveId" clId="{27CE8788-593A-452B-9F57-261E2FC1E8BB}" dt="2022-05-13T14:02:36.111" v="686" actId="1035"/>
+          <ac:chgData name="Mike Liang" userId="a4ba47076be7b4ad" providerId="LiveId" clId="{27CE8788-593A-452B-9F57-261E2FC1E8BB}" dt="2022-06-04T06:01:48.145" v="2060" actId="1036"/>
           <ac:cxnSpMkLst>
             <pc:docMk/>
             <pc:sldMk cId="206850494" sldId="256"/>
@@ -909,7 +909,7 @@
           </ac:cxnSpMkLst>
         </pc:cxnChg>
         <pc:cxnChg chg="add mod">
-          <ac:chgData name="Mike Liang" userId="a4ba47076be7b4ad" providerId="LiveId" clId="{27CE8788-593A-452B-9F57-261E2FC1E8BB}" dt="2022-05-13T14:02:36.111" v="686" actId="1035"/>
+          <ac:chgData name="Mike Liang" userId="a4ba47076be7b4ad" providerId="LiveId" clId="{27CE8788-593A-452B-9F57-261E2FC1E8BB}" dt="2022-06-04T06:01:48.145" v="2060" actId="1036"/>
           <ac:cxnSpMkLst>
             <pc:docMk/>
             <pc:sldMk cId="206850494" sldId="256"/>
@@ -917,7 +917,7 @@
           </ac:cxnSpMkLst>
         </pc:cxnChg>
         <pc:cxnChg chg="add mod">
-          <ac:chgData name="Mike Liang" userId="a4ba47076be7b4ad" providerId="LiveId" clId="{27CE8788-593A-452B-9F57-261E2FC1E8BB}" dt="2022-05-13T14:02:36.111" v="686" actId="1035"/>
+          <ac:chgData name="Mike Liang" userId="a4ba47076be7b4ad" providerId="LiveId" clId="{27CE8788-593A-452B-9F57-261E2FC1E8BB}" dt="2022-06-04T06:01:48.145" v="2060" actId="1036"/>
           <ac:cxnSpMkLst>
             <pc:docMk/>
             <pc:sldMk cId="206850494" sldId="256"/>
@@ -925,7 +925,7 @@
           </ac:cxnSpMkLst>
         </pc:cxnChg>
         <pc:cxnChg chg="add mod">
-          <ac:chgData name="Mike Liang" userId="a4ba47076be7b4ad" providerId="LiveId" clId="{27CE8788-593A-452B-9F57-261E2FC1E8BB}" dt="2022-05-13T14:02:36.111" v="686" actId="1035"/>
+          <ac:chgData name="Mike Liang" userId="a4ba47076be7b4ad" providerId="LiveId" clId="{27CE8788-593A-452B-9F57-261E2FC1E8BB}" dt="2022-06-04T06:01:48.145" v="2060" actId="1036"/>
           <ac:cxnSpMkLst>
             <pc:docMk/>
             <pc:sldMk cId="206850494" sldId="256"/>
@@ -933,7 +933,7 @@
           </ac:cxnSpMkLst>
         </pc:cxnChg>
         <pc:cxnChg chg="add mod">
-          <ac:chgData name="Mike Liang" userId="a4ba47076be7b4ad" providerId="LiveId" clId="{27CE8788-593A-452B-9F57-261E2FC1E8BB}" dt="2022-05-13T14:02:36.111" v="686" actId="1035"/>
+          <ac:chgData name="Mike Liang" userId="a4ba47076be7b4ad" providerId="LiveId" clId="{27CE8788-593A-452B-9F57-261E2FC1E8BB}" dt="2022-06-04T06:01:48.145" v="2060" actId="1036"/>
           <ac:cxnSpMkLst>
             <pc:docMk/>
             <pc:sldMk cId="206850494" sldId="256"/>
@@ -941,7 +941,7 @@
           </ac:cxnSpMkLst>
         </pc:cxnChg>
         <pc:cxnChg chg="add mod">
-          <ac:chgData name="Mike Liang" userId="a4ba47076be7b4ad" providerId="LiveId" clId="{27CE8788-593A-452B-9F57-261E2FC1E8BB}" dt="2022-05-13T14:02:36.111" v="686" actId="1035"/>
+          <ac:chgData name="Mike Liang" userId="a4ba47076be7b4ad" providerId="LiveId" clId="{27CE8788-593A-452B-9F57-261E2FC1E8BB}" dt="2022-06-04T06:01:48.145" v="2060" actId="1036"/>
           <ac:cxnSpMkLst>
             <pc:docMk/>
             <pc:sldMk cId="206850494" sldId="256"/>
@@ -949,7 +949,7 @@
           </ac:cxnSpMkLst>
         </pc:cxnChg>
         <pc:cxnChg chg="add mod">
-          <ac:chgData name="Mike Liang" userId="a4ba47076be7b4ad" providerId="LiveId" clId="{27CE8788-593A-452B-9F57-261E2FC1E8BB}" dt="2022-05-13T14:02:36.111" v="686" actId="1035"/>
+          <ac:chgData name="Mike Liang" userId="a4ba47076be7b4ad" providerId="LiveId" clId="{27CE8788-593A-452B-9F57-261E2FC1E8BB}" dt="2022-06-04T06:01:48.145" v="2060" actId="1036"/>
           <ac:cxnSpMkLst>
             <pc:docMk/>
             <pc:sldMk cId="206850494" sldId="256"/>
@@ -957,7 +957,7 @@
           </ac:cxnSpMkLst>
         </pc:cxnChg>
         <pc:cxnChg chg="add mod">
-          <ac:chgData name="Mike Liang" userId="a4ba47076be7b4ad" providerId="LiveId" clId="{27CE8788-593A-452B-9F57-261E2FC1E8BB}" dt="2022-05-13T14:02:36.111" v="686" actId="1035"/>
+          <ac:chgData name="Mike Liang" userId="a4ba47076be7b4ad" providerId="LiveId" clId="{27CE8788-593A-452B-9F57-261E2FC1E8BB}" dt="2022-06-04T06:01:48.145" v="2060" actId="1036"/>
           <ac:cxnSpMkLst>
             <pc:docMk/>
             <pc:sldMk cId="206850494" sldId="256"/>
@@ -965,7 +965,7 @@
           </ac:cxnSpMkLst>
         </pc:cxnChg>
         <pc:cxnChg chg="add mod">
-          <ac:chgData name="Mike Liang" userId="a4ba47076be7b4ad" providerId="LiveId" clId="{27CE8788-593A-452B-9F57-261E2FC1E8BB}" dt="2022-05-13T14:05:56.212" v="705" actId="1036"/>
+          <ac:chgData name="Mike Liang" userId="a4ba47076be7b4ad" providerId="LiveId" clId="{27CE8788-593A-452B-9F57-261E2FC1E8BB}" dt="2022-06-04T13:28:13.535" v="2216" actId="14100"/>
           <ac:cxnSpMkLst>
             <pc:docMk/>
             <pc:sldMk cId="206850494" sldId="256"/>
@@ -973,7 +973,7 @@
           </ac:cxnSpMkLst>
         </pc:cxnChg>
         <pc:cxnChg chg="add mod">
-          <ac:chgData name="Mike Liang" userId="a4ba47076be7b4ad" providerId="LiveId" clId="{27CE8788-593A-452B-9F57-261E2FC1E8BB}" dt="2022-05-13T14:05:56.212" v="705" actId="1036"/>
+          <ac:chgData name="Mike Liang" userId="a4ba47076be7b4ad" providerId="LiveId" clId="{27CE8788-593A-452B-9F57-261E2FC1E8BB}" dt="2022-06-04T13:28:13.535" v="2216" actId="14100"/>
           <ac:cxnSpMkLst>
             <pc:docMk/>
             <pc:sldMk cId="206850494" sldId="256"/>
@@ -981,7 +981,7 @@
           </ac:cxnSpMkLst>
         </pc:cxnChg>
         <pc:cxnChg chg="add mod">
-          <ac:chgData name="Mike Liang" userId="a4ba47076be7b4ad" providerId="LiveId" clId="{27CE8788-593A-452B-9F57-261E2FC1E8BB}" dt="2022-05-13T14:05:56.212" v="705" actId="1036"/>
+          <ac:chgData name="Mike Liang" userId="a4ba47076be7b4ad" providerId="LiveId" clId="{27CE8788-593A-452B-9F57-261E2FC1E8BB}" dt="2022-06-04T13:28:13.535" v="2216" actId="14100"/>
           <ac:cxnSpMkLst>
             <pc:docMk/>
             <pc:sldMk cId="206850494" sldId="256"/>
@@ -989,7 +989,7 @@
           </ac:cxnSpMkLst>
         </pc:cxnChg>
         <pc:cxnChg chg="add mod">
-          <ac:chgData name="Mike Liang" userId="a4ba47076be7b4ad" providerId="LiveId" clId="{27CE8788-593A-452B-9F57-261E2FC1E8BB}" dt="2022-05-13T14:05:56.212" v="705" actId="1036"/>
+          <ac:chgData name="Mike Liang" userId="a4ba47076be7b4ad" providerId="LiveId" clId="{27CE8788-593A-452B-9F57-261E2FC1E8BB}" dt="2022-06-04T13:28:13.535" v="2216" actId="14100"/>
           <ac:cxnSpMkLst>
             <pc:docMk/>
             <pc:sldMk cId="206850494" sldId="256"/>
@@ -997,7 +997,7 @@
           </ac:cxnSpMkLst>
         </pc:cxnChg>
         <pc:cxnChg chg="add mod">
-          <ac:chgData name="Mike Liang" userId="a4ba47076be7b4ad" providerId="LiveId" clId="{27CE8788-593A-452B-9F57-261E2FC1E8BB}" dt="2022-05-13T14:05:56.212" v="705" actId="1036"/>
+          <ac:chgData name="Mike Liang" userId="a4ba47076be7b4ad" providerId="LiveId" clId="{27CE8788-593A-452B-9F57-261E2FC1E8BB}" dt="2022-06-04T13:28:13.535" v="2216" actId="14100"/>
           <ac:cxnSpMkLst>
             <pc:docMk/>
             <pc:sldMk cId="206850494" sldId="256"/>
@@ -1005,7 +1005,7 @@
           </ac:cxnSpMkLst>
         </pc:cxnChg>
         <pc:cxnChg chg="add mod">
-          <ac:chgData name="Mike Liang" userId="a4ba47076be7b4ad" providerId="LiveId" clId="{27CE8788-593A-452B-9F57-261E2FC1E8BB}" dt="2022-05-13T14:05:56.212" v="705" actId="1036"/>
+          <ac:chgData name="Mike Liang" userId="a4ba47076be7b4ad" providerId="LiveId" clId="{27CE8788-593A-452B-9F57-261E2FC1E8BB}" dt="2022-06-04T13:28:13.535" v="2216" actId="14100"/>
           <ac:cxnSpMkLst>
             <pc:docMk/>
             <pc:sldMk cId="206850494" sldId="256"/>
@@ -1014,13 +1014,13 @@
         </pc:cxnChg>
       </pc:sldChg>
       <pc:sldChg chg="addSp delSp modSp new mod">
-        <pc:chgData name="Mike Liang" userId="a4ba47076be7b4ad" providerId="LiveId" clId="{27CE8788-593A-452B-9F57-261E2FC1E8BB}" dt="2022-05-14T12:41:09.940" v="1858" actId="403"/>
+        <pc:chgData name="Mike Liang" userId="a4ba47076be7b4ad" providerId="LiveId" clId="{27CE8788-593A-452B-9F57-261E2FC1E8BB}" dt="2022-06-04T10:21:12.958" v="2191" actId="207"/>
         <pc:sldMkLst>
           <pc:docMk/>
           <pc:sldMk cId="1212628853" sldId="257"/>
         </pc:sldMkLst>
         <pc:spChg chg="add mod">
-          <ac:chgData name="Mike Liang" userId="a4ba47076be7b4ad" providerId="LiveId" clId="{27CE8788-593A-452B-9F57-261E2FC1E8BB}" dt="2022-05-14T12:38:24.167" v="1750" actId="404"/>
+          <ac:chgData name="Mike Liang" userId="a4ba47076be7b4ad" providerId="LiveId" clId="{27CE8788-593A-452B-9F57-261E2FC1E8BB}" dt="2022-06-04T10:06:08.778" v="2151" actId="1037"/>
           <ac:spMkLst>
             <pc:docMk/>
             <pc:sldMk cId="1212628853" sldId="257"/>
@@ -1036,7 +1036,7 @@
           </ac:spMkLst>
         </pc:spChg>
         <pc:spChg chg="add mod">
-          <ac:chgData name="Mike Liang" userId="a4ba47076be7b4ad" providerId="LiveId" clId="{27CE8788-593A-452B-9F57-261E2FC1E8BB}" dt="2022-05-14T12:40:20.228" v="1848" actId="1035"/>
+          <ac:chgData name="Mike Liang" userId="a4ba47076be7b4ad" providerId="LiveId" clId="{27CE8788-593A-452B-9F57-261E2FC1E8BB}" dt="2022-06-04T10:06:08.778" v="2151" actId="1037"/>
           <ac:spMkLst>
             <pc:docMk/>
             <pc:sldMk cId="1212628853" sldId="257"/>
@@ -1044,7 +1044,7 @@
           </ac:spMkLst>
         </pc:spChg>
         <pc:spChg chg="add mod">
-          <ac:chgData name="Mike Liang" userId="a4ba47076be7b4ad" providerId="LiveId" clId="{27CE8788-593A-452B-9F57-261E2FC1E8BB}" dt="2022-05-14T12:40:20.228" v="1848" actId="1035"/>
+          <ac:chgData name="Mike Liang" userId="a4ba47076be7b4ad" providerId="LiveId" clId="{27CE8788-593A-452B-9F57-261E2FC1E8BB}" dt="2022-06-04T10:06:08.778" v="2151" actId="1037"/>
           <ac:spMkLst>
             <pc:docMk/>
             <pc:sldMk cId="1212628853" sldId="257"/>
@@ -1052,7 +1052,7 @@
           </ac:spMkLst>
         </pc:spChg>
         <pc:spChg chg="add mod">
-          <ac:chgData name="Mike Liang" userId="a4ba47076be7b4ad" providerId="LiveId" clId="{27CE8788-593A-452B-9F57-261E2FC1E8BB}" dt="2022-05-14T12:40:43.065" v="1853" actId="20577"/>
+          <ac:chgData name="Mike Liang" userId="a4ba47076be7b4ad" providerId="LiveId" clId="{27CE8788-593A-452B-9F57-261E2FC1E8BB}" dt="2022-06-04T10:06:08.778" v="2151" actId="1037"/>
           <ac:spMkLst>
             <pc:docMk/>
             <pc:sldMk cId="1212628853" sldId="257"/>
@@ -1060,7 +1060,7 @@
           </ac:spMkLst>
         </pc:spChg>
         <pc:spChg chg="add mod">
-          <ac:chgData name="Mike Liang" userId="a4ba47076be7b4ad" providerId="LiveId" clId="{27CE8788-593A-452B-9F57-261E2FC1E8BB}" dt="2022-05-14T12:40:48.536" v="1855" actId="20577"/>
+          <ac:chgData name="Mike Liang" userId="a4ba47076be7b4ad" providerId="LiveId" clId="{27CE8788-593A-452B-9F57-261E2FC1E8BB}" dt="2022-06-04T10:06:08.778" v="2151" actId="1037"/>
           <ac:spMkLst>
             <pc:docMk/>
             <pc:sldMk cId="1212628853" sldId="257"/>
@@ -1068,7 +1068,7 @@
           </ac:spMkLst>
         </pc:spChg>
         <pc:spChg chg="add mod">
-          <ac:chgData name="Mike Liang" userId="a4ba47076be7b4ad" providerId="LiveId" clId="{27CE8788-593A-452B-9F57-261E2FC1E8BB}" dt="2022-05-14T12:40:54.914" v="1857" actId="20577"/>
+          <ac:chgData name="Mike Liang" userId="a4ba47076be7b4ad" providerId="LiveId" clId="{27CE8788-593A-452B-9F57-261E2FC1E8BB}" dt="2022-06-04T10:06:08.778" v="2151" actId="1037"/>
           <ac:spMkLst>
             <pc:docMk/>
             <pc:sldMk cId="1212628853" sldId="257"/>
@@ -1076,7 +1076,7 @@
           </ac:spMkLst>
         </pc:spChg>
         <pc:spChg chg="add mod">
-          <ac:chgData name="Mike Liang" userId="a4ba47076be7b4ad" providerId="LiveId" clId="{27CE8788-593A-452B-9F57-261E2FC1E8BB}" dt="2022-05-14T12:38:15.129" v="1747" actId="2711"/>
+          <ac:chgData name="Mike Liang" userId="a4ba47076be7b4ad" providerId="LiveId" clId="{27CE8788-593A-452B-9F57-261E2FC1E8BB}" dt="2022-06-04T10:06:08.778" v="2151" actId="1037"/>
           <ac:spMkLst>
             <pc:docMk/>
             <pc:sldMk cId="1212628853" sldId="257"/>
@@ -1084,7 +1084,7 @@
           </ac:spMkLst>
         </pc:spChg>
         <pc:spChg chg="add mod">
-          <ac:chgData name="Mike Liang" userId="a4ba47076be7b4ad" providerId="LiveId" clId="{27CE8788-593A-452B-9F57-261E2FC1E8BB}" dt="2022-05-14T12:40:20.228" v="1848" actId="1035"/>
+          <ac:chgData name="Mike Liang" userId="a4ba47076be7b4ad" providerId="LiveId" clId="{27CE8788-593A-452B-9F57-261E2FC1E8BB}" dt="2022-06-04T10:06:08.778" v="2151" actId="1037"/>
           <ac:spMkLst>
             <pc:docMk/>
             <pc:sldMk cId="1212628853" sldId="257"/>
@@ -1092,7 +1092,7 @@
           </ac:spMkLst>
         </pc:spChg>
         <pc:spChg chg="add mod">
-          <ac:chgData name="Mike Liang" userId="a4ba47076be7b4ad" providerId="LiveId" clId="{27CE8788-593A-452B-9F57-261E2FC1E8BB}" dt="2022-05-14T12:40:20.228" v="1848" actId="1035"/>
+          <ac:chgData name="Mike Liang" userId="a4ba47076be7b4ad" providerId="LiveId" clId="{27CE8788-593A-452B-9F57-261E2FC1E8BB}" dt="2022-06-04T10:06:08.778" v="2151" actId="1037"/>
           <ac:spMkLst>
             <pc:docMk/>
             <pc:sldMk cId="1212628853" sldId="257"/>
@@ -1100,7 +1100,7 @@
           </ac:spMkLst>
         </pc:spChg>
         <pc:spChg chg="add mod">
-          <ac:chgData name="Mike Liang" userId="a4ba47076be7b4ad" providerId="LiveId" clId="{27CE8788-593A-452B-9F57-261E2FC1E8BB}" dt="2022-05-14T12:40:20.228" v="1848" actId="1035"/>
+          <ac:chgData name="Mike Liang" userId="a4ba47076be7b4ad" providerId="LiveId" clId="{27CE8788-593A-452B-9F57-261E2FC1E8BB}" dt="2022-06-04T10:06:08.778" v="2151" actId="1037"/>
           <ac:spMkLst>
             <pc:docMk/>
             <pc:sldMk cId="1212628853" sldId="257"/>
@@ -1108,7 +1108,7 @@
           </ac:spMkLst>
         </pc:spChg>
         <pc:spChg chg="add mod">
-          <ac:chgData name="Mike Liang" userId="a4ba47076be7b4ad" providerId="LiveId" clId="{27CE8788-593A-452B-9F57-261E2FC1E8BB}" dt="2022-05-14T12:40:20.228" v="1848" actId="1035"/>
+          <ac:chgData name="Mike Liang" userId="a4ba47076be7b4ad" providerId="LiveId" clId="{27CE8788-593A-452B-9F57-261E2FC1E8BB}" dt="2022-06-04T10:06:08.778" v="2151" actId="1037"/>
           <ac:spMkLst>
             <pc:docMk/>
             <pc:sldMk cId="1212628853" sldId="257"/>
@@ -1116,7 +1116,7 @@
           </ac:spMkLst>
         </pc:spChg>
         <pc:spChg chg="add mod">
-          <ac:chgData name="Mike Liang" userId="a4ba47076be7b4ad" providerId="LiveId" clId="{27CE8788-593A-452B-9F57-261E2FC1E8BB}" dt="2022-05-14T12:40:20.228" v="1848" actId="1035"/>
+          <ac:chgData name="Mike Liang" userId="a4ba47076be7b4ad" providerId="LiveId" clId="{27CE8788-593A-452B-9F57-261E2FC1E8BB}" dt="2022-06-04T10:06:08.778" v="2151" actId="1037"/>
           <ac:spMkLst>
             <pc:docMk/>
             <pc:sldMk cId="1212628853" sldId="257"/>
@@ -1124,7 +1124,7 @@
           </ac:spMkLst>
         </pc:spChg>
         <pc:spChg chg="add mod">
-          <ac:chgData name="Mike Liang" userId="a4ba47076be7b4ad" providerId="LiveId" clId="{27CE8788-593A-452B-9F57-261E2FC1E8BB}" dt="2022-05-14T12:41:09.940" v="1858" actId="403"/>
+          <ac:chgData name="Mike Liang" userId="a4ba47076be7b4ad" providerId="LiveId" clId="{27CE8788-593A-452B-9F57-261E2FC1E8BB}" dt="2022-06-04T10:06:08.778" v="2151" actId="1037"/>
           <ac:spMkLst>
             <pc:docMk/>
             <pc:sldMk cId="1212628853" sldId="257"/>
@@ -1132,7 +1132,7 @@
           </ac:spMkLst>
         </pc:spChg>
         <pc:spChg chg="add mod">
-          <ac:chgData name="Mike Liang" userId="a4ba47076be7b4ad" providerId="LiveId" clId="{27CE8788-593A-452B-9F57-261E2FC1E8BB}" dt="2022-05-14T12:41:09.940" v="1858" actId="403"/>
+          <ac:chgData name="Mike Liang" userId="a4ba47076be7b4ad" providerId="LiveId" clId="{27CE8788-593A-452B-9F57-261E2FC1E8BB}" dt="2022-06-04T10:06:08.778" v="2151" actId="1037"/>
           <ac:spMkLst>
             <pc:docMk/>
             <pc:sldMk cId="1212628853" sldId="257"/>
@@ -1140,7 +1140,7 @@
           </ac:spMkLst>
         </pc:spChg>
         <pc:graphicFrameChg chg="add mod modGraphic">
-          <ac:chgData name="Mike Liang" userId="a4ba47076be7b4ad" providerId="LiveId" clId="{27CE8788-593A-452B-9F57-261E2FC1E8BB}" dt="2022-05-14T12:35:27.591" v="1714" actId="113"/>
+          <ac:chgData name="Mike Liang" userId="a4ba47076be7b4ad" providerId="LiveId" clId="{27CE8788-593A-452B-9F57-261E2FC1E8BB}" dt="2022-06-04T10:20:06.591" v="2181" actId="207"/>
           <ac:graphicFrameMkLst>
             <pc:docMk/>
             <pc:sldMk cId="1212628853" sldId="257"/>
@@ -1148,7 +1148,7 @@
           </ac:graphicFrameMkLst>
         </pc:graphicFrameChg>
         <pc:graphicFrameChg chg="add mod modGraphic">
-          <ac:chgData name="Mike Liang" userId="a4ba47076be7b4ad" providerId="LiveId" clId="{27CE8788-593A-452B-9F57-261E2FC1E8BB}" dt="2022-05-14T12:40:20.228" v="1848" actId="1035"/>
+          <ac:chgData name="Mike Liang" userId="a4ba47076be7b4ad" providerId="LiveId" clId="{27CE8788-593A-452B-9F57-261E2FC1E8BB}" dt="2022-06-04T10:21:04.111" v="2188" actId="207"/>
           <ac:graphicFrameMkLst>
             <pc:docMk/>
             <pc:sldMk cId="1212628853" sldId="257"/>
@@ -1156,7 +1156,7 @@
           </ac:graphicFrameMkLst>
         </pc:graphicFrameChg>
         <pc:graphicFrameChg chg="add mod modGraphic">
-          <ac:chgData name="Mike Liang" userId="a4ba47076be7b4ad" providerId="LiveId" clId="{27CE8788-593A-452B-9F57-261E2FC1E8BB}" dt="2022-05-14T12:40:20.228" v="1848" actId="1035"/>
+          <ac:chgData name="Mike Liang" userId="a4ba47076be7b4ad" providerId="LiveId" clId="{27CE8788-593A-452B-9F57-261E2FC1E8BB}" dt="2022-06-04T10:21:01.053" v="2187" actId="207"/>
           <ac:graphicFrameMkLst>
             <pc:docMk/>
             <pc:sldMk cId="1212628853" sldId="257"/>
@@ -1164,7 +1164,7 @@
           </ac:graphicFrameMkLst>
         </pc:graphicFrameChg>
         <pc:graphicFrameChg chg="add mod modGraphic">
-          <ac:chgData name="Mike Liang" userId="a4ba47076be7b4ad" providerId="LiveId" clId="{27CE8788-593A-452B-9F57-261E2FC1E8BB}" dt="2022-05-14T12:40:33.268" v="1852" actId="1037"/>
+          <ac:chgData name="Mike Liang" userId="a4ba47076be7b4ad" providerId="LiveId" clId="{27CE8788-593A-452B-9F57-261E2FC1E8BB}" dt="2022-06-04T10:21:10.579" v="2190" actId="207"/>
           <ac:graphicFrameMkLst>
             <pc:docMk/>
             <pc:sldMk cId="1212628853" sldId="257"/>
@@ -1172,7 +1172,7 @@
           </ac:graphicFrameMkLst>
         </pc:graphicFrameChg>
         <pc:graphicFrameChg chg="add mod modGraphic">
-          <ac:chgData name="Mike Liang" userId="a4ba47076be7b4ad" providerId="LiveId" clId="{27CE8788-593A-452B-9F57-261E2FC1E8BB}" dt="2022-05-14T12:40:20.228" v="1848" actId="1035"/>
+          <ac:chgData name="Mike Liang" userId="a4ba47076be7b4ad" providerId="LiveId" clId="{27CE8788-593A-452B-9F57-261E2FC1E8BB}" dt="2022-06-04T10:21:07.246" v="2189" actId="207"/>
           <ac:graphicFrameMkLst>
             <pc:docMk/>
             <pc:sldMk cId="1212628853" sldId="257"/>
@@ -1188,7 +1188,7 @@
           </ac:graphicFrameMkLst>
         </pc:graphicFrameChg>
         <pc:graphicFrameChg chg="add mod modGraphic">
-          <ac:chgData name="Mike Liang" userId="a4ba47076be7b4ad" providerId="LiveId" clId="{27CE8788-593A-452B-9F57-261E2FC1E8BB}" dt="2022-05-14T12:40:20.228" v="1848" actId="1035"/>
+          <ac:chgData name="Mike Liang" userId="a4ba47076be7b4ad" providerId="LiveId" clId="{27CE8788-593A-452B-9F57-261E2FC1E8BB}" dt="2022-06-04T10:21:12.958" v="2191" actId="207"/>
           <ac:graphicFrameMkLst>
             <pc:docMk/>
             <pc:sldMk cId="1212628853" sldId="257"/>
@@ -1212,7 +1212,7 @@
           </ac:cxnSpMkLst>
         </pc:cxnChg>
         <pc:cxnChg chg="add mod">
-          <ac:chgData name="Mike Liang" userId="a4ba47076be7b4ad" providerId="LiveId" clId="{27CE8788-593A-452B-9F57-261E2FC1E8BB}" dt="2022-05-14T12:40:20.228" v="1848" actId="1035"/>
+          <ac:chgData name="Mike Liang" userId="a4ba47076be7b4ad" providerId="LiveId" clId="{27CE8788-593A-452B-9F57-261E2FC1E8BB}" dt="2022-06-04T10:15:43.151" v="2155" actId="108"/>
           <ac:cxnSpMkLst>
             <pc:docMk/>
             <pc:sldMk cId="1212628853" sldId="257"/>
@@ -1220,7 +1220,7 @@
           </ac:cxnSpMkLst>
         </pc:cxnChg>
         <pc:cxnChg chg="add mod">
-          <ac:chgData name="Mike Liang" userId="a4ba47076be7b4ad" providerId="LiveId" clId="{27CE8788-593A-452B-9F57-261E2FC1E8BB}" dt="2022-05-14T12:40:20.228" v="1848" actId="1035"/>
+          <ac:chgData name="Mike Liang" userId="a4ba47076be7b4ad" providerId="LiveId" clId="{27CE8788-593A-452B-9F57-261E2FC1E8BB}" dt="2022-06-04T10:17:13.241" v="2164" actId="692"/>
           <ac:cxnSpMkLst>
             <pc:docMk/>
             <pc:sldMk cId="1212628853" sldId="257"/>
@@ -1228,7 +1228,7 @@
           </ac:cxnSpMkLst>
         </pc:cxnChg>
         <pc:cxnChg chg="add mod">
-          <ac:chgData name="Mike Liang" userId="a4ba47076be7b4ad" providerId="LiveId" clId="{27CE8788-593A-452B-9F57-261E2FC1E8BB}" dt="2022-05-14T12:40:20.228" v="1848" actId="1035"/>
+          <ac:chgData name="Mike Liang" userId="a4ba47076be7b4ad" providerId="LiveId" clId="{27CE8788-593A-452B-9F57-261E2FC1E8BB}" dt="2022-06-04T10:17:35.159" v="2167" actId="108"/>
           <ac:cxnSpMkLst>
             <pc:docMk/>
             <pc:sldMk cId="1212628853" sldId="257"/>
@@ -1236,7 +1236,7 @@
           </ac:cxnSpMkLst>
         </pc:cxnChg>
         <pc:cxnChg chg="add mod">
-          <ac:chgData name="Mike Liang" userId="a4ba47076be7b4ad" providerId="LiveId" clId="{27CE8788-593A-452B-9F57-261E2FC1E8BB}" dt="2022-05-14T12:40:20.228" v="1848" actId="1035"/>
+          <ac:chgData name="Mike Liang" userId="a4ba47076be7b4ad" providerId="LiveId" clId="{27CE8788-593A-452B-9F57-261E2FC1E8BB}" dt="2022-06-04T10:16:01.830" v="2160" actId="108"/>
           <ac:cxnSpMkLst>
             <pc:docMk/>
             <pc:sldMk cId="1212628853" sldId="257"/>
@@ -1244,7 +1244,7 @@
           </ac:cxnSpMkLst>
         </pc:cxnChg>
         <pc:cxnChg chg="add mod">
-          <ac:chgData name="Mike Liang" userId="a4ba47076be7b4ad" providerId="LiveId" clId="{27CE8788-593A-452B-9F57-261E2FC1E8BB}" dt="2022-05-14T12:40:20.228" v="1848" actId="1035"/>
+          <ac:chgData name="Mike Liang" userId="a4ba47076be7b4ad" providerId="LiveId" clId="{27CE8788-593A-452B-9F57-261E2FC1E8BB}" dt="2022-06-04T10:17:25.918" v="2166" actId="108"/>
           <ac:cxnSpMkLst>
             <pc:docMk/>
             <pc:sldMk cId="1212628853" sldId="257"/>
@@ -1252,7 +1252,7 @@
           </ac:cxnSpMkLst>
         </pc:cxnChg>
         <pc:cxnChg chg="add mod">
-          <ac:chgData name="Mike Liang" userId="a4ba47076be7b4ad" providerId="LiveId" clId="{27CE8788-593A-452B-9F57-261E2FC1E8BB}" dt="2022-05-14T12:40:20.228" v="1848" actId="1035"/>
+          <ac:chgData name="Mike Liang" userId="a4ba47076be7b4ad" providerId="LiveId" clId="{27CE8788-593A-452B-9F57-261E2FC1E8BB}" dt="2022-06-04T10:17:22.263" v="2165" actId="108"/>
           <ac:cxnSpMkLst>
             <pc:docMk/>
             <pc:sldMk cId="1212628853" sldId="257"/>
@@ -1260,7 +1260,7 @@
           </ac:cxnSpMkLst>
         </pc:cxnChg>
         <pc:cxnChg chg="add mod">
-          <ac:chgData name="Mike Liang" userId="a4ba47076be7b4ad" providerId="LiveId" clId="{27CE8788-593A-452B-9F57-261E2FC1E8BB}" dt="2022-05-14T12:41:09.940" v="1858" actId="403"/>
+          <ac:chgData name="Mike Liang" userId="a4ba47076be7b4ad" providerId="LiveId" clId="{27CE8788-593A-452B-9F57-261E2FC1E8BB}" dt="2022-06-04T10:16:09.795" v="2161" actId="108"/>
           <ac:cxnSpMkLst>
             <pc:docMk/>
             <pc:sldMk cId="1212628853" sldId="257"/>
@@ -1268,7 +1268,7 @@
           </ac:cxnSpMkLst>
         </pc:cxnChg>
         <pc:cxnChg chg="add mod">
-          <ac:chgData name="Mike Liang" userId="a4ba47076be7b4ad" providerId="LiveId" clId="{27CE8788-593A-452B-9F57-261E2FC1E8BB}" dt="2022-05-14T12:41:09.940" v="1858" actId="403"/>
+          <ac:chgData name="Mike Liang" userId="a4ba47076be7b4ad" providerId="LiveId" clId="{27CE8788-593A-452B-9F57-261E2FC1E8BB}" dt="2022-06-04T10:15:34.538" v="2154" actId="108"/>
           <ac:cxnSpMkLst>
             <pc:docMk/>
             <pc:sldMk cId="1212628853" sldId="257"/>
@@ -1277,7 +1277,7 @@
         </pc:cxnChg>
       </pc:sldChg>
       <pc:sldChg chg="addSp delSp modSp add mod modClrScheme chgLayout">
-        <pc:chgData name="Mike Liang" userId="a4ba47076be7b4ad" providerId="LiveId" clId="{27CE8788-593A-452B-9F57-261E2FC1E8BB}" dt="2022-05-22T07:10:43.328" v="1983" actId="1037"/>
+        <pc:chgData name="Mike Liang" userId="a4ba47076be7b4ad" providerId="LiveId" clId="{27CE8788-593A-452B-9F57-261E2FC1E8BB}" dt="2022-06-04T13:30:41.279" v="2232" actId="113"/>
         <pc:sldMkLst>
           <pc:docMk/>
           <pc:sldMk cId="3204610422" sldId="301"/>
@@ -1290,6 +1290,46 @@
             <ac:spMk id="2" creationId="{30A3ABDD-005B-4F0B-B7BE-8042B69DF2F0}"/>
           </ac:spMkLst>
         </pc:spChg>
+        <pc:spChg chg="mod">
+          <ac:chgData name="Mike Liang" userId="a4ba47076be7b4ad" providerId="LiveId" clId="{27CE8788-593A-452B-9F57-261E2FC1E8BB}" dt="2022-06-04T13:28:44.668" v="2222" actId="1076"/>
+          <ac:spMkLst>
+            <pc:docMk/>
+            <pc:sldMk cId="3204610422" sldId="301"/>
+            <ac:spMk id="4" creationId="{F8DC3714-4083-423E-8A4D-A2CD20065545}"/>
+          </ac:spMkLst>
+        </pc:spChg>
+        <pc:spChg chg="mod">
+          <ac:chgData name="Mike Liang" userId="a4ba47076be7b4ad" providerId="LiveId" clId="{27CE8788-593A-452B-9F57-261E2FC1E8BB}" dt="2022-06-04T13:28:44.668" v="2222" actId="1076"/>
+          <ac:spMkLst>
+            <pc:docMk/>
+            <pc:sldMk cId="3204610422" sldId="301"/>
+            <ac:spMk id="5" creationId="{A81C8405-E714-4F0E-85CC-AEBAE0FEB6BF}"/>
+          </ac:spMkLst>
+        </pc:spChg>
+        <pc:spChg chg="mod">
+          <ac:chgData name="Mike Liang" userId="a4ba47076be7b4ad" providerId="LiveId" clId="{27CE8788-593A-452B-9F57-261E2FC1E8BB}" dt="2022-06-04T13:28:44.668" v="2222" actId="1076"/>
+          <ac:spMkLst>
+            <pc:docMk/>
+            <pc:sldMk cId="3204610422" sldId="301"/>
+            <ac:spMk id="6" creationId="{1831A0C2-85A1-4D45-A32A-9A3904FEB466}"/>
+          </ac:spMkLst>
+        </pc:spChg>
+        <pc:spChg chg="mod">
+          <ac:chgData name="Mike Liang" userId="a4ba47076be7b4ad" providerId="LiveId" clId="{27CE8788-593A-452B-9F57-261E2FC1E8BB}" dt="2022-06-04T13:28:44.668" v="2222" actId="1076"/>
+          <ac:spMkLst>
+            <pc:docMk/>
+            <pc:sldMk cId="3204610422" sldId="301"/>
+            <ac:spMk id="7" creationId="{B1FE639A-31E0-42E2-824A-3D18A35F6C9D}"/>
+          </ac:spMkLst>
+        </pc:spChg>
+        <pc:spChg chg="mod">
+          <ac:chgData name="Mike Liang" userId="a4ba47076be7b4ad" providerId="LiveId" clId="{27CE8788-593A-452B-9F57-261E2FC1E8BB}" dt="2022-06-04T13:28:44.668" v="2222" actId="1076"/>
+          <ac:spMkLst>
+            <pc:docMk/>
+            <pc:sldMk cId="3204610422" sldId="301"/>
+            <ac:spMk id="8" creationId="{9F60ED85-0D2E-49C0-8F10-A1936A48F7DE}"/>
+          </ac:spMkLst>
+        </pc:spChg>
         <pc:spChg chg="add del mod">
           <ac:chgData name="Mike Liang" userId="a4ba47076be7b4ad" providerId="LiveId" clId="{27CE8788-593A-452B-9F57-261E2FC1E8BB}" dt="2022-05-22T07:03:09.654" v="1862" actId="700"/>
           <ac:spMkLst>
@@ -1307,7 +1347,7 @@
           </ac:spMkLst>
         </pc:spChg>
         <pc:spChg chg="mod">
-          <ac:chgData name="Mike Liang" userId="a4ba47076be7b4ad" providerId="LiveId" clId="{27CE8788-593A-452B-9F57-261E2FC1E8BB}" dt="2022-05-22T07:06:20.215" v="1868" actId="14100"/>
+          <ac:chgData name="Mike Liang" userId="a4ba47076be7b4ad" providerId="LiveId" clId="{27CE8788-593A-452B-9F57-261E2FC1E8BB}" dt="2022-06-04T13:28:44.668" v="2222" actId="1076"/>
           <ac:spMkLst>
             <pc:docMk/>
             <pc:sldMk cId="3204610422" sldId="301"/>
@@ -1315,7 +1355,7 @@
           </ac:spMkLst>
         </pc:spChg>
         <pc:spChg chg="mod">
-          <ac:chgData name="Mike Liang" userId="a4ba47076be7b4ad" providerId="LiveId" clId="{27CE8788-593A-452B-9F57-261E2FC1E8BB}" dt="2022-05-22T07:09:53.502" v="1960" actId="2711"/>
+          <ac:chgData name="Mike Liang" userId="a4ba47076be7b4ad" providerId="LiveId" clId="{27CE8788-593A-452B-9F57-261E2FC1E8BB}" dt="2022-06-04T13:30:25.509" v="2226" actId="403"/>
           <ac:spMkLst>
             <pc:docMk/>
             <pc:sldMk cId="3204610422" sldId="301"/>
@@ -1323,7 +1363,7 @@
           </ac:spMkLst>
         </pc:spChg>
         <pc:spChg chg="mod">
-          <ac:chgData name="Mike Liang" userId="a4ba47076be7b4ad" providerId="LiveId" clId="{27CE8788-593A-452B-9F57-261E2FC1E8BB}" dt="2022-05-22T07:06:20.215" v="1868" actId="14100"/>
+          <ac:chgData name="Mike Liang" userId="a4ba47076be7b4ad" providerId="LiveId" clId="{27CE8788-593A-452B-9F57-261E2FC1E8BB}" dt="2022-06-04T13:28:44.668" v="2222" actId="1076"/>
           <ac:spMkLst>
             <pc:docMk/>
             <pc:sldMk cId="3204610422" sldId="301"/>
@@ -1331,7 +1371,7 @@
           </ac:spMkLst>
         </pc:spChg>
         <pc:spChg chg="mod">
-          <ac:chgData name="Mike Liang" userId="a4ba47076be7b4ad" providerId="LiveId" clId="{27CE8788-593A-452B-9F57-261E2FC1E8BB}" dt="2022-05-22T07:09:57.389" v="1961" actId="2711"/>
+          <ac:chgData name="Mike Liang" userId="a4ba47076be7b4ad" providerId="LiveId" clId="{27CE8788-593A-452B-9F57-261E2FC1E8BB}" dt="2022-06-04T13:30:25.509" v="2226" actId="403"/>
           <ac:spMkLst>
             <pc:docMk/>
             <pc:sldMk cId="3204610422" sldId="301"/>
@@ -1339,7 +1379,7 @@
           </ac:spMkLst>
         </pc:spChg>
         <pc:spChg chg="mod">
-          <ac:chgData name="Mike Liang" userId="a4ba47076be7b4ad" providerId="LiveId" clId="{27CE8788-593A-452B-9F57-261E2FC1E8BB}" dt="2022-05-22T07:10:43.328" v="1983" actId="1037"/>
+          <ac:chgData name="Mike Liang" userId="a4ba47076be7b4ad" providerId="LiveId" clId="{27CE8788-593A-452B-9F57-261E2FC1E8BB}" dt="2022-06-04T13:30:41.279" v="2232" actId="113"/>
           <ac:spMkLst>
             <pc:docMk/>
             <pc:sldMk cId="3204610422" sldId="301"/>
@@ -1347,11 +1387,27 @@
           </ac:spMkLst>
         </pc:spChg>
         <pc:spChg chg="mod">
-          <ac:chgData name="Mike Liang" userId="a4ba47076be7b4ad" providerId="LiveId" clId="{27CE8788-593A-452B-9F57-261E2FC1E8BB}" dt="2022-05-22T07:10:23.425" v="1971" actId="1035"/>
+          <ac:chgData name="Mike Liang" userId="a4ba47076be7b4ad" providerId="LiveId" clId="{27CE8788-593A-452B-9F57-261E2FC1E8BB}" dt="2022-06-04T13:30:41.279" v="2232" actId="113"/>
           <ac:spMkLst>
             <pc:docMk/>
             <pc:sldMk cId="3204610422" sldId="301"/>
             <ac:spMk id="28" creationId="{AB659491-369F-45DD-95A8-F2C10763126F}"/>
+          </ac:spMkLst>
+        </pc:spChg>
+        <pc:spChg chg="mod">
+          <ac:chgData name="Mike Liang" userId="a4ba47076be7b4ad" providerId="LiveId" clId="{27CE8788-593A-452B-9F57-261E2FC1E8BB}" dt="2022-06-04T13:28:44.668" v="2222" actId="1076"/>
+          <ac:spMkLst>
+            <pc:docMk/>
+            <pc:sldMk cId="3204610422" sldId="301"/>
+            <ac:spMk id="29" creationId="{82B511E5-AF8D-47C8-B267-2C0513EF0F96}"/>
+          </ac:spMkLst>
+        </pc:spChg>
+        <pc:spChg chg="mod">
+          <ac:chgData name="Mike Liang" userId="a4ba47076be7b4ad" providerId="LiveId" clId="{27CE8788-593A-452B-9F57-261E2FC1E8BB}" dt="2022-06-04T13:28:44.668" v="2222" actId="1076"/>
+          <ac:spMkLst>
+            <pc:docMk/>
+            <pc:sldMk cId="3204610422" sldId="301"/>
+            <ac:spMk id="30" creationId="{E53B1296-78C9-4BF6-9F48-707B0A63FD03}"/>
           </ac:spMkLst>
         </pc:spChg>
         <pc:spChg chg="add del mod">
@@ -1363,15 +1419,23 @@
           </ac:spMkLst>
         </pc:spChg>
         <pc:spChg chg="mod">
-          <ac:chgData name="Mike Liang" userId="a4ba47076be7b4ad" providerId="LiveId" clId="{27CE8788-593A-452B-9F57-261E2FC1E8BB}" dt="2022-05-22T07:09:39.300" v="1956" actId="1038"/>
+          <ac:chgData name="Mike Liang" userId="a4ba47076be7b4ad" providerId="LiveId" clId="{27CE8788-593A-452B-9F57-261E2FC1E8BB}" dt="2022-06-04T13:30:25.509" v="2226" actId="403"/>
           <ac:spMkLst>
             <pc:docMk/>
             <pc:sldMk cId="3204610422" sldId="301"/>
             <ac:spMk id="42" creationId="{22CE26F3-B71F-41A7-9CDB-58B80A3398A4}"/>
           </ac:spMkLst>
         </pc:spChg>
+        <pc:picChg chg="mod">
+          <ac:chgData name="Mike Liang" userId="a4ba47076be7b4ad" providerId="LiveId" clId="{27CE8788-593A-452B-9F57-261E2FC1E8BB}" dt="2022-06-04T13:28:44.668" v="2222" actId="1076"/>
+          <ac:picMkLst>
+            <pc:docMk/>
+            <pc:sldMk cId="3204610422" sldId="301"/>
+            <ac:picMk id="3" creationId="{FB608AEF-5477-4830-B945-6F8A96DDE280}"/>
+          </ac:picMkLst>
+        </pc:picChg>
         <pc:cxnChg chg="mod">
-          <ac:chgData name="Mike Liang" userId="a4ba47076be7b4ad" providerId="LiveId" clId="{27CE8788-593A-452B-9F57-261E2FC1E8BB}" dt="2022-05-22T07:09:49.348" v="1959" actId="14100"/>
+          <ac:chgData name="Mike Liang" userId="a4ba47076be7b4ad" providerId="LiveId" clId="{27CE8788-593A-452B-9F57-261E2FC1E8BB}" dt="2022-06-04T13:30:25.509" v="2226" actId="403"/>
           <ac:cxnSpMkLst>
             <pc:docMk/>
             <pc:sldMk cId="3204610422" sldId="301"/>
@@ -1379,7 +1443,7 @@
           </ac:cxnSpMkLst>
         </pc:cxnChg>
         <pc:cxnChg chg="mod">
-          <ac:chgData name="Mike Liang" userId="a4ba47076be7b4ad" providerId="LiveId" clId="{27CE8788-593A-452B-9F57-261E2FC1E8BB}" dt="2022-05-22T07:06:45.892" v="1870" actId="14100"/>
+          <ac:chgData name="Mike Liang" userId="a4ba47076be7b4ad" providerId="LiveId" clId="{27CE8788-593A-452B-9F57-261E2FC1E8BB}" dt="2022-06-04T13:30:25.509" v="2226" actId="403"/>
           <ac:cxnSpMkLst>
             <pc:docMk/>
             <pc:sldMk cId="3204610422" sldId="301"/>
@@ -1387,13 +1451,20 @@
           </ac:cxnSpMkLst>
         </pc:cxnChg>
         <pc:cxnChg chg="mod">
-          <ac:chgData name="Mike Liang" userId="a4ba47076be7b4ad" providerId="LiveId" clId="{27CE8788-593A-452B-9F57-261E2FC1E8BB}" dt="2022-05-22T07:09:39.300" v="1956" actId="1038"/>
+          <ac:chgData name="Mike Liang" userId="a4ba47076be7b4ad" providerId="LiveId" clId="{27CE8788-593A-452B-9F57-261E2FC1E8BB}" dt="2022-06-04T13:30:25.509" v="2226" actId="403"/>
           <ac:cxnSpMkLst>
             <pc:docMk/>
             <pc:sldMk cId="3204610422" sldId="301"/>
             <ac:cxnSpMk id="37" creationId="{8516B85C-1C1E-454F-B0E8-98F041348555}"/>
           </ac:cxnSpMkLst>
         </pc:cxnChg>
+      </pc:sldChg>
+      <pc:sldChg chg="add del ord">
+        <pc:chgData name="Mike Liang" userId="a4ba47076be7b4ad" providerId="LiveId" clId="{27CE8788-593A-452B-9F57-261E2FC1E8BB}" dt="2022-06-04T13:28:38.509" v="2221" actId="2696"/>
+        <pc:sldMkLst>
+          <pc:docMk/>
+          <pc:sldMk cId="4108349773" sldId="302"/>
+        </pc:sldMkLst>
       </pc:sldChg>
     </pc:docChg>
   </pc:docChgLst>
@@ -1482,7 +1553,7 @@
           <a:p>
             <a:fld id="{484972FE-F591-4D94-B556-3B00138EDB82}" type="datetimeFigureOut">
               <a:rPr lang="en-US" smtClean="0"/>
-              <a:t>5/22/2022</a:t>
+              <a:t>6/4/2022</a:t>
             </a:fld>
             <a:endParaRPr lang="en-US"/>
           </a:p>
@@ -1977,7 +2048,7 @@
           <a:p>
             <a:fld id="{4DA09656-46F4-4146-A27D-7000B1141342}" type="datetimeFigureOut">
               <a:rPr lang="en-US" smtClean="0"/>
-              <a:t>5/22/2022</a:t>
+              <a:t>6/4/2022</a:t>
             </a:fld>
             <a:endParaRPr lang="en-US"/>
           </a:p>
@@ -2175,7 +2246,7 @@
           <a:p>
             <a:fld id="{4DA09656-46F4-4146-A27D-7000B1141342}" type="datetimeFigureOut">
               <a:rPr lang="en-US" smtClean="0"/>
-              <a:t>5/22/2022</a:t>
+              <a:t>6/4/2022</a:t>
             </a:fld>
             <a:endParaRPr lang="en-US"/>
           </a:p>
@@ -2383,7 +2454,7 @@
           <a:p>
             <a:fld id="{4DA09656-46F4-4146-A27D-7000B1141342}" type="datetimeFigureOut">
               <a:rPr lang="en-US" smtClean="0"/>
-              <a:t>5/22/2022</a:t>
+              <a:t>6/4/2022</a:t>
             </a:fld>
             <a:endParaRPr lang="en-US"/>
           </a:p>
@@ -2581,7 +2652,7 @@
           <a:p>
             <a:fld id="{4DA09656-46F4-4146-A27D-7000B1141342}" type="datetimeFigureOut">
               <a:rPr lang="en-US" smtClean="0"/>
-              <a:t>5/22/2022</a:t>
+              <a:t>6/4/2022</a:t>
             </a:fld>
             <a:endParaRPr lang="en-US"/>
           </a:p>
@@ -2856,7 +2927,7 @@
           <a:p>
             <a:fld id="{4DA09656-46F4-4146-A27D-7000B1141342}" type="datetimeFigureOut">
               <a:rPr lang="en-US" smtClean="0"/>
-              <a:t>5/22/2022</a:t>
+              <a:t>6/4/2022</a:t>
             </a:fld>
             <a:endParaRPr lang="en-US"/>
           </a:p>
@@ -3121,7 +3192,7 @@
           <a:p>
             <a:fld id="{4DA09656-46F4-4146-A27D-7000B1141342}" type="datetimeFigureOut">
               <a:rPr lang="en-US" smtClean="0"/>
-              <a:t>5/22/2022</a:t>
+              <a:t>6/4/2022</a:t>
             </a:fld>
             <a:endParaRPr lang="en-US"/>
           </a:p>
@@ -3533,7 +3604,7 @@
           <a:p>
             <a:fld id="{4DA09656-46F4-4146-A27D-7000B1141342}" type="datetimeFigureOut">
               <a:rPr lang="en-US" smtClean="0"/>
-              <a:t>5/22/2022</a:t>
+              <a:t>6/4/2022</a:t>
             </a:fld>
             <a:endParaRPr lang="en-US"/>
           </a:p>
@@ -3674,7 +3745,7 @@
           <a:p>
             <a:fld id="{4DA09656-46F4-4146-A27D-7000B1141342}" type="datetimeFigureOut">
               <a:rPr lang="en-US" smtClean="0"/>
-              <a:t>5/22/2022</a:t>
+              <a:t>6/4/2022</a:t>
             </a:fld>
             <a:endParaRPr lang="en-US"/>
           </a:p>
@@ -3787,7 +3858,7 @@
           <a:p>
             <a:fld id="{4DA09656-46F4-4146-A27D-7000B1141342}" type="datetimeFigureOut">
               <a:rPr lang="en-US" smtClean="0"/>
-              <a:t>5/22/2022</a:t>
+              <a:t>6/4/2022</a:t>
             </a:fld>
             <a:endParaRPr lang="en-US"/>
           </a:p>
@@ -4098,7 +4169,7 @@
           <a:p>
             <a:fld id="{4DA09656-46F4-4146-A27D-7000B1141342}" type="datetimeFigureOut">
               <a:rPr lang="en-US" smtClean="0"/>
-              <a:t>5/22/2022</a:t>
+              <a:t>6/4/2022</a:t>
             </a:fld>
             <a:endParaRPr lang="en-US"/>
           </a:p>
@@ -4386,7 +4457,7 @@
           <a:p>
             <a:fld id="{4DA09656-46F4-4146-A27D-7000B1141342}" type="datetimeFigureOut">
               <a:rPr lang="en-US" smtClean="0"/>
-              <a:t>5/22/2022</a:t>
+              <a:t>6/4/2022</a:t>
             </a:fld>
             <a:endParaRPr lang="en-US"/>
           </a:p>
@@ -4627,7 +4698,7 @@
           <a:p>
             <a:fld id="{4DA09656-46F4-4146-A27D-7000B1141342}" type="datetimeFigureOut">
               <a:rPr lang="en-US" smtClean="0"/>
-              <a:t>5/22/2022</a:t>
+              <a:t>6/4/2022</a:t>
             </a:fld>
             <a:endParaRPr lang="en-US"/>
           </a:p>
@@ -5058,12 +5129,20 @@
         </p:nvSpPr>
         <p:spPr>
           <a:xfrm>
-            <a:off x="6171169" y="143429"/>
+            <a:off x="6171169" y="291357"/>
             <a:ext cx="1681655" cy="430411"/>
           </a:xfrm>
           <a:prstGeom prst="roundRect">
             <a:avLst/>
           </a:prstGeom>
+          <a:solidFill>
+            <a:srgbClr val="D7EDFC"/>
+          </a:solidFill>
+          <a:ln>
+            <a:solidFill>
+              <a:srgbClr val="D0E7F6"/>
+            </a:solidFill>
+          </a:ln>
         </p:spPr>
         <p:style>
           <a:lnRef idx="2">
@@ -5087,7 +5166,14 @@
           <a:p>
             <a:pPr algn="ctr"/>
             <a:r>
-              <a:rPr lang="en-US" sz="2800" dirty="0"/>
+              <a:rPr kumimoji="1" lang="en-US" sz="2000" dirty="0">
+                <a:solidFill>
+                  <a:schemeClr val="tx1"/>
+                </a:solidFill>
+                <a:latin typeface="Segoe UI" panose="020B0502040204020203" pitchFamily="34" charset="0"/>
+                <a:ea typeface="Microsoft YaHei" panose="020B0503020204020204" pitchFamily="34" charset="-122"/>
+                <a:cs typeface="Segoe UI" panose="020B0502040204020203" pitchFamily="34" charset="0"/>
+              </a:rPr>
               <a:t>1D CNN</a:t>
             </a:r>
           </a:p>
@@ -5107,12 +5193,20 @@
         </p:nvSpPr>
         <p:spPr>
           <a:xfrm>
-            <a:off x="6171169" y="639088"/>
+            <a:off x="6171169" y="787016"/>
             <a:ext cx="1681655" cy="430411"/>
           </a:xfrm>
           <a:prstGeom prst="roundRect">
             <a:avLst/>
           </a:prstGeom>
+          <a:solidFill>
+            <a:srgbClr val="D7EDFC"/>
+          </a:solidFill>
+          <a:ln>
+            <a:solidFill>
+              <a:srgbClr val="D0E7F6"/>
+            </a:solidFill>
+          </a:ln>
         </p:spPr>
         <p:style>
           <a:lnRef idx="2">
@@ -5136,7 +5230,14 @@
           <a:p>
             <a:pPr algn="ctr"/>
             <a:r>
-              <a:rPr lang="en-US" sz="2800" dirty="0"/>
+              <a:rPr kumimoji="1" lang="en-US" sz="2000" dirty="0">
+                <a:solidFill>
+                  <a:schemeClr val="tx1"/>
+                </a:solidFill>
+                <a:latin typeface="Segoe UI" panose="020B0502040204020203" pitchFamily="34" charset="0"/>
+                <a:ea typeface="Microsoft YaHei" panose="020B0503020204020204" pitchFamily="34" charset="-122"/>
+                <a:cs typeface="Segoe UI" panose="020B0502040204020203" pitchFamily="34" charset="0"/>
+              </a:rPr>
               <a:t>1D CNN</a:t>
             </a:r>
           </a:p>
@@ -5156,12 +5257,20 @@
         </p:nvSpPr>
         <p:spPr>
           <a:xfrm>
-            <a:off x="6171169" y="1134747"/>
+            <a:off x="6171169" y="1282675"/>
             <a:ext cx="1681655" cy="430411"/>
           </a:xfrm>
           <a:prstGeom prst="roundRect">
             <a:avLst/>
           </a:prstGeom>
+          <a:solidFill>
+            <a:srgbClr val="D7EDFC"/>
+          </a:solidFill>
+          <a:ln>
+            <a:solidFill>
+              <a:srgbClr val="D0E7F6"/>
+            </a:solidFill>
+          </a:ln>
         </p:spPr>
         <p:style>
           <a:lnRef idx="2">
@@ -5185,7 +5294,14 @@
           <a:p>
             <a:pPr algn="ctr"/>
             <a:r>
-              <a:rPr lang="en-US" sz="2800" dirty="0"/>
+              <a:rPr kumimoji="1" lang="en-US" sz="2000" dirty="0">
+                <a:solidFill>
+                  <a:schemeClr val="tx1"/>
+                </a:solidFill>
+                <a:latin typeface="Segoe UI" panose="020B0502040204020203" pitchFamily="34" charset="0"/>
+                <a:ea typeface="Microsoft YaHei" panose="020B0503020204020204" pitchFamily="34" charset="-122"/>
+                <a:cs typeface="Segoe UI" panose="020B0502040204020203" pitchFamily="34" charset="0"/>
+              </a:rPr>
               <a:t>1D CNN</a:t>
             </a:r>
           </a:p>
@@ -5205,12 +5321,20 @@
         </p:nvSpPr>
         <p:spPr>
           <a:xfrm>
-            <a:off x="6703479" y="1696156"/>
+            <a:off x="6703479" y="1844084"/>
             <a:ext cx="458995" cy="430412"/>
           </a:xfrm>
           <a:prstGeom prst="ellipse">
             <a:avLst/>
           </a:prstGeom>
+          <a:solidFill>
+            <a:srgbClr val="D7EDFC"/>
+          </a:solidFill>
+          <a:ln>
+            <a:solidFill>
+              <a:srgbClr val="D0E7F6"/>
+            </a:solidFill>
+          </a:ln>
         </p:spPr>
         <p:style>
           <a:lnRef idx="2">
@@ -5233,7 +5357,13 @@
           <a:lstStyle/>
           <a:p>
             <a:pPr algn="ctr"/>
-            <a:endParaRPr lang="en-US"/>
+            <a:endParaRPr kumimoji="1" lang="en-US">
+              <a:solidFill>
+                <a:schemeClr val="tx1"/>
+              </a:solidFill>
+              <a:latin typeface="Microsoft YaHei" panose="020B0503020204020204" pitchFamily="34" charset="-122"/>
+              <a:ea typeface="Microsoft YaHei" panose="020B0503020204020204" pitchFamily="34" charset="-122"/>
+            </a:endParaRPr>
           </a:p>
         </p:txBody>
       </p:sp>
@@ -5251,12 +5381,20 @@
         </p:nvSpPr>
         <p:spPr>
           <a:xfrm>
-            <a:off x="6703479" y="2227699"/>
+            <a:off x="6703479" y="2375627"/>
             <a:ext cx="458995" cy="430412"/>
           </a:xfrm>
           <a:prstGeom prst="ellipse">
             <a:avLst/>
           </a:prstGeom>
+          <a:solidFill>
+            <a:srgbClr val="D7EDFC"/>
+          </a:solidFill>
+          <a:ln>
+            <a:solidFill>
+              <a:srgbClr val="D0E7F6"/>
+            </a:solidFill>
+          </a:ln>
         </p:spPr>
         <p:style>
           <a:lnRef idx="2">
@@ -5279,7 +5417,13 @@
           <a:lstStyle/>
           <a:p>
             <a:pPr algn="ctr"/>
-            <a:endParaRPr lang="en-US"/>
+            <a:endParaRPr kumimoji="1" lang="en-US">
+              <a:solidFill>
+                <a:schemeClr val="tx1"/>
+              </a:solidFill>
+              <a:latin typeface="Microsoft YaHei" panose="020B0503020204020204" pitchFamily="34" charset="-122"/>
+              <a:ea typeface="Microsoft YaHei" panose="020B0503020204020204" pitchFamily="34" charset="-122"/>
+            </a:endParaRPr>
           </a:p>
         </p:txBody>
       </p:sp>
@@ -5297,12 +5441,20 @@
         </p:nvSpPr>
         <p:spPr>
           <a:xfrm>
-            <a:off x="6703479" y="2744374"/>
+            <a:off x="6703479" y="2892302"/>
             <a:ext cx="458995" cy="430412"/>
           </a:xfrm>
           <a:prstGeom prst="ellipse">
             <a:avLst/>
           </a:prstGeom>
+          <a:solidFill>
+            <a:srgbClr val="D7EDFC"/>
+          </a:solidFill>
+          <a:ln>
+            <a:solidFill>
+              <a:srgbClr val="D0E7F6"/>
+            </a:solidFill>
+          </a:ln>
         </p:spPr>
         <p:style>
           <a:lnRef idx="2">
@@ -5325,7 +5477,13 @@
           <a:lstStyle/>
           <a:p>
             <a:pPr algn="ctr"/>
-            <a:endParaRPr lang="en-US"/>
+            <a:endParaRPr kumimoji="1" lang="en-US">
+              <a:solidFill>
+                <a:schemeClr val="tx1"/>
+              </a:solidFill>
+              <a:latin typeface="Microsoft YaHei" panose="020B0503020204020204" pitchFamily="34" charset="-122"/>
+              <a:ea typeface="Microsoft YaHei" panose="020B0503020204020204" pitchFamily="34" charset="-122"/>
+            </a:endParaRPr>
           </a:p>
         </p:txBody>
       </p:sp>
@@ -5343,12 +5501,20 @@
         </p:nvSpPr>
         <p:spPr>
           <a:xfrm>
-            <a:off x="8903989" y="785140"/>
+            <a:off x="8903989" y="933068"/>
             <a:ext cx="458995" cy="430412"/>
           </a:xfrm>
           <a:prstGeom prst="ellipse">
             <a:avLst/>
           </a:prstGeom>
+          <a:solidFill>
+            <a:srgbClr val="D7EDFC"/>
+          </a:solidFill>
+          <a:ln>
+            <a:solidFill>
+              <a:srgbClr val="D0E7F6"/>
+            </a:solidFill>
+          </a:ln>
         </p:spPr>
         <p:style>
           <a:lnRef idx="2">
@@ -5371,7 +5537,13 @@
           <a:lstStyle/>
           <a:p>
             <a:pPr algn="ctr"/>
-            <a:endParaRPr lang="en-US"/>
+            <a:endParaRPr kumimoji="1" lang="en-US">
+              <a:solidFill>
+                <a:schemeClr val="tx1"/>
+              </a:solidFill>
+              <a:latin typeface="Microsoft YaHei" panose="020B0503020204020204" pitchFamily="34" charset="-122"/>
+              <a:ea typeface="Microsoft YaHei" panose="020B0503020204020204" pitchFamily="34" charset="-122"/>
+            </a:endParaRPr>
           </a:p>
         </p:txBody>
       </p:sp>
@@ -5389,12 +5561,20 @@
         </p:nvSpPr>
         <p:spPr>
           <a:xfrm>
-            <a:off x="8903989" y="1316683"/>
+            <a:off x="8903989" y="1464611"/>
             <a:ext cx="458995" cy="430412"/>
           </a:xfrm>
           <a:prstGeom prst="ellipse">
             <a:avLst/>
           </a:prstGeom>
+          <a:solidFill>
+            <a:srgbClr val="D7EDFC"/>
+          </a:solidFill>
+          <a:ln>
+            <a:solidFill>
+              <a:srgbClr val="D0E7F6"/>
+            </a:solidFill>
+          </a:ln>
         </p:spPr>
         <p:style>
           <a:lnRef idx="2">
@@ -5417,7 +5597,13 @@
           <a:lstStyle/>
           <a:p>
             <a:pPr algn="ctr"/>
-            <a:endParaRPr lang="en-US"/>
+            <a:endParaRPr kumimoji="1" lang="en-US">
+              <a:solidFill>
+                <a:schemeClr val="tx1"/>
+              </a:solidFill>
+              <a:latin typeface="Microsoft YaHei" panose="020B0503020204020204" pitchFamily="34" charset="-122"/>
+              <a:ea typeface="Microsoft YaHei" panose="020B0503020204020204" pitchFamily="34" charset="-122"/>
+            </a:endParaRPr>
           </a:p>
         </p:txBody>
       </p:sp>
@@ -5435,12 +5621,20 @@
         </p:nvSpPr>
         <p:spPr>
           <a:xfrm>
-            <a:off x="8903989" y="2240862"/>
+            <a:off x="8903989" y="2388790"/>
             <a:ext cx="458995" cy="430412"/>
           </a:xfrm>
           <a:prstGeom prst="ellipse">
             <a:avLst/>
           </a:prstGeom>
+          <a:solidFill>
+            <a:srgbClr val="D7EDFC"/>
+          </a:solidFill>
+          <a:ln>
+            <a:solidFill>
+              <a:srgbClr val="D0E7F6"/>
+            </a:solidFill>
+          </a:ln>
         </p:spPr>
         <p:style>
           <a:lnRef idx="2">
@@ -5463,7 +5657,13 @@
           <a:lstStyle/>
           <a:p>
             <a:pPr algn="ctr"/>
-            <a:endParaRPr lang="en-US"/>
+            <a:endParaRPr kumimoji="1" lang="en-US">
+              <a:solidFill>
+                <a:schemeClr val="tx1"/>
+              </a:solidFill>
+              <a:latin typeface="Microsoft YaHei" panose="020B0503020204020204" pitchFamily="34" charset="-122"/>
+              <a:ea typeface="Microsoft YaHei" panose="020B0503020204020204" pitchFamily="34" charset="-122"/>
+            </a:endParaRPr>
           </a:p>
         </p:txBody>
       </p:sp>
@@ -5484,13 +5684,17 @@
         </p:nvCxnSpPr>
         <p:spPr>
           <a:xfrm>
-            <a:off x="7852824" y="358635"/>
+            <a:off x="7852824" y="506563"/>
             <a:ext cx="1051165" cy="641711"/>
           </a:xfrm>
           <a:prstGeom prst="line">
             <a:avLst/>
           </a:prstGeom>
-          <a:ln w="25400"/>
+          <a:ln w="25400">
+            <a:solidFill>
+              <a:srgbClr val="D8DAE4"/>
+            </a:solidFill>
+          </a:ln>
         </p:spPr>
         <p:style>
           <a:lnRef idx="1">
@@ -5525,13 +5729,17 @@
         </p:nvCxnSpPr>
         <p:spPr>
           <a:xfrm>
-            <a:off x="7852824" y="854294"/>
+            <a:off x="7852824" y="1002222"/>
             <a:ext cx="1051165" cy="146052"/>
           </a:xfrm>
           <a:prstGeom prst="line">
             <a:avLst/>
           </a:prstGeom>
-          <a:ln w="25400"/>
+          <a:ln w="25400">
+            <a:solidFill>
+              <a:srgbClr val="D8DAE4"/>
+            </a:solidFill>
+          </a:ln>
         </p:spPr>
         <p:style>
           <a:lnRef idx="1">
@@ -5562,12 +5770,20 @@
         </p:nvSpPr>
         <p:spPr>
           <a:xfrm>
-            <a:off x="10186509" y="707339"/>
+            <a:off x="10186509" y="855267"/>
             <a:ext cx="458995" cy="430412"/>
           </a:xfrm>
           <a:prstGeom prst="ellipse">
             <a:avLst/>
           </a:prstGeom>
+          <a:solidFill>
+            <a:srgbClr val="D7EDFC"/>
+          </a:solidFill>
+          <a:ln>
+            <a:solidFill>
+              <a:srgbClr val="D0E7F6"/>
+            </a:solidFill>
+          </a:ln>
         </p:spPr>
         <p:style>
           <a:lnRef idx="2">
@@ -5590,7 +5806,13 @@
           <a:lstStyle/>
           <a:p>
             <a:pPr algn="ctr"/>
-            <a:endParaRPr lang="en-US"/>
+            <a:endParaRPr kumimoji="1" lang="en-US">
+              <a:solidFill>
+                <a:schemeClr val="tx1"/>
+              </a:solidFill>
+              <a:latin typeface="Microsoft YaHei" panose="020B0503020204020204" pitchFamily="34" charset="-122"/>
+              <a:ea typeface="Microsoft YaHei" panose="020B0503020204020204" pitchFamily="34" charset="-122"/>
+            </a:endParaRPr>
           </a:p>
         </p:txBody>
       </p:sp>
@@ -5608,12 +5830,20 @@
         </p:nvSpPr>
         <p:spPr>
           <a:xfrm>
-            <a:off x="10186509" y="1238882"/>
+            <a:off x="10186509" y="1386810"/>
             <a:ext cx="458995" cy="430412"/>
           </a:xfrm>
           <a:prstGeom prst="ellipse">
             <a:avLst/>
           </a:prstGeom>
+          <a:solidFill>
+            <a:srgbClr val="D7EDFC"/>
+          </a:solidFill>
+          <a:ln>
+            <a:solidFill>
+              <a:srgbClr val="D0E7F6"/>
+            </a:solidFill>
+          </a:ln>
         </p:spPr>
         <p:style>
           <a:lnRef idx="2">
@@ -5636,7 +5866,13 @@
           <a:lstStyle/>
           <a:p>
             <a:pPr algn="ctr"/>
-            <a:endParaRPr lang="en-US"/>
+            <a:endParaRPr kumimoji="1" lang="en-US">
+              <a:solidFill>
+                <a:schemeClr val="tx1"/>
+              </a:solidFill>
+              <a:latin typeface="Microsoft YaHei" panose="020B0503020204020204" pitchFamily="34" charset="-122"/>
+              <a:ea typeface="Microsoft YaHei" panose="020B0503020204020204" pitchFamily="34" charset="-122"/>
+            </a:endParaRPr>
           </a:p>
         </p:txBody>
       </p:sp>
@@ -5654,12 +5890,20 @@
         </p:nvSpPr>
         <p:spPr>
           <a:xfrm>
-            <a:off x="10186509" y="2272390"/>
+            <a:off x="10186509" y="2420318"/>
             <a:ext cx="458995" cy="430412"/>
           </a:xfrm>
           <a:prstGeom prst="ellipse">
             <a:avLst/>
           </a:prstGeom>
+          <a:solidFill>
+            <a:srgbClr val="D7EDFC"/>
+          </a:solidFill>
+          <a:ln>
+            <a:solidFill>
+              <a:srgbClr val="D0E7F6"/>
+            </a:solidFill>
+          </a:ln>
         </p:spPr>
         <p:style>
           <a:lnRef idx="2">
@@ -5682,7 +5926,13 @@
           <a:lstStyle/>
           <a:p>
             <a:pPr algn="ctr"/>
-            <a:endParaRPr lang="en-US"/>
+            <a:endParaRPr kumimoji="1" lang="en-US">
+              <a:solidFill>
+                <a:schemeClr val="tx1"/>
+              </a:solidFill>
+              <a:latin typeface="Microsoft YaHei" panose="020B0503020204020204" pitchFamily="34" charset="-122"/>
+              <a:ea typeface="Microsoft YaHei" panose="020B0503020204020204" pitchFamily="34" charset="-122"/>
+            </a:endParaRPr>
           </a:p>
         </p:txBody>
       </p:sp>
@@ -5700,12 +5950,20 @@
         </p:nvSpPr>
         <p:spPr>
           <a:xfrm>
-            <a:off x="10186509" y="1755102"/>
+            <a:off x="10186509" y="1903030"/>
             <a:ext cx="458995" cy="430412"/>
           </a:xfrm>
           <a:prstGeom prst="ellipse">
             <a:avLst/>
           </a:prstGeom>
+          <a:solidFill>
+            <a:srgbClr val="D7EDFC"/>
+          </a:solidFill>
+          <a:ln>
+            <a:solidFill>
+              <a:srgbClr val="D0E7F6"/>
+            </a:solidFill>
+          </a:ln>
         </p:spPr>
         <p:style>
           <a:lnRef idx="2">
@@ -5728,7 +5986,13 @@
           <a:lstStyle/>
           <a:p>
             <a:pPr algn="ctr"/>
-            <a:endParaRPr lang="en-US"/>
+            <a:endParaRPr kumimoji="1" lang="en-US">
+              <a:solidFill>
+                <a:schemeClr val="tx1"/>
+              </a:solidFill>
+              <a:latin typeface="Microsoft YaHei" panose="020B0503020204020204" pitchFamily="34" charset="-122"/>
+              <a:ea typeface="Microsoft YaHei" panose="020B0503020204020204" pitchFamily="34" charset="-122"/>
+            </a:endParaRPr>
           </a:p>
         </p:txBody>
       </p:sp>
@@ -5750,13 +6014,17 @@
         </p:nvCxnSpPr>
         <p:spPr>
           <a:xfrm flipV="1">
-            <a:off x="9362984" y="922545"/>
+            <a:off x="9362984" y="1070473"/>
             <a:ext cx="823525" cy="77801"/>
           </a:xfrm>
           <a:prstGeom prst="line">
             <a:avLst/>
           </a:prstGeom>
-          <a:ln w="25400"/>
+          <a:ln w="25400">
+            <a:solidFill>
+              <a:srgbClr val="D8DAE4"/>
+            </a:solidFill>
+          </a:ln>
         </p:spPr>
         <p:style>
           <a:lnRef idx="1">
@@ -5791,13 +6059,17 @@
         </p:nvCxnSpPr>
         <p:spPr>
           <a:xfrm flipV="1">
-            <a:off x="9362984" y="922545"/>
+            <a:off x="9362984" y="1070473"/>
             <a:ext cx="823525" cy="609344"/>
           </a:xfrm>
           <a:prstGeom prst="line">
             <a:avLst/>
           </a:prstGeom>
-          <a:ln w="25400"/>
+          <a:ln w="25400">
+            <a:solidFill>
+              <a:srgbClr val="D8DAE4"/>
+            </a:solidFill>
+          </a:ln>
         </p:spPr>
         <p:style>
           <a:lnRef idx="1">
@@ -5832,13 +6104,17 @@
         </p:nvCxnSpPr>
         <p:spPr>
           <a:xfrm flipV="1">
-            <a:off x="9362984" y="922545"/>
+            <a:off x="9362984" y="1070473"/>
             <a:ext cx="823525" cy="1533523"/>
           </a:xfrm>
           <a:prstGeom prst="line">
             <a:avLst/>
           </a:prstGeom>
-          <a:ln w="25400"/>
+          <a:ln w="25400">
+            <a:solidFill>
+              <a:srgbClr val="D8DAE4"/>
+            </a:solidFill>
+          </a:ln>
         </p:spPr>
         <p:style>
           <a:lnRef idx="1">
@@ -5873,13 +6149,17 @@
         </p:nvCxnSpPr>
         <p:spPr>
           <a:xfrm flipV="1">
-            <a:off x="7852824" y="1000346"/>
+            <a:off x="7852824" y="1148274"/>
             <a:ext cx="1051165" cy="349607"/>
           </a:xfrm>
           <a:prstGeom prst="line">
             <a:avLst/>
           </a:prstGeom>
-          <a:ln w="25400"/>
+          <a:ln w="25400">
+            <a:solidFill>
+              <a:srgbClr val="D8DAE4"/>
+            </a:solidFill>
+          </a:ln>
         </p:spPr>
         <p:style>
           <a:lnRef idx="1">
@@ -5914,13 +6194,17 @@
         </p:nvCxnSpPr>
         <p:spPr>
           <a:xfrm flipV="1">
-            <a:off x="7162474" y="1000346"/>
+            <a:off x="7162474" y="1148274"/>
             <a:ext cx="1741515" cy="911016"/>
           </a:xfrm>
           <a:prstGeom prst="line">
             <a:avLst/>
           </a:prstGeom>
-          <a:ln w="25400"/>
+          <a:ln w="25400">
+            <a:solidFill>
+              <a:srgbClr val="D8DAE4"/>
+            </a:solidFill>
+          </a:ln>
         </p:spPr>
         <p:style>
           <a:lnRef idx="1">
@@ -5955,13 +6239,17 @@
         </p:nvCxnSpPr>
         <p:spPr>
           <a:xfrm flipV="1">
-            <a:off x="7162474" y="1000346"/>
+            <a:off x="7162474" y="1148274"/>
             <a:ext cx="1741515" cy="1442559"/>
           </a:xfrm>
           <a:prstGeom prst="line">
             <a:avLst/>
           </a:prstGeom>
-          <a:ln w="25400"/>
+          <a:ln w="25400">
+            <a:solidFill>
+              <a:srgbClr val="D8DAE4"/>
+            </a:solidFill>
+          </a:ln>
         </p:spPr>
         <p:style>
           <a:lnRef idx="1">
@@ -5996,13 +6284,17 @@
         </p:nvCxnSpPr>
         <p:spPr>
           <a:xfrm flipV="1">
-            <a:off x="7162474" y="1000346"/>
+            <a:off x="7162474" y="1148274"/>
             <a:ext cx="1741515" cy="1959234"/>
           </a:xfrm>
           <a:prstGeom prst="line">
             <a:avLst/>
           </a:prstGeom>
-          <a:ln w="25400"/>
+          <a:ln w="25400">
+            <a:solidFill>
+              <a:srgbClr val="D8DAE4"/>
+            </a:solidFill>
+          </a:ln>
         </p:spPr>
         <p:style>
           <a:lnRef idx="1">
@@ -6037,13 +6329,17 @@
         </p:nvCxnSpPr>
         <p:spPr>
           <a:xfrm>
-            <a:off x="7852824" y="358635"/>
+            <a:off x="7852824" y="506563"/>
             <a:ext cx="1051165" cy="1173254"/>
           </a:xfrm>
           <a:prstGeom prst="line">
             <a:avLst/>
           </a:prstGeom>
-          <a:ln w="25400"/>
+          <a:ln w="25400">
+            <a:solidFill>
+              <a:srgbClr val="D8DAE4"/>
+            </a:solidFill>
+          </a:ln>
         </p:spPr>
         <p:style>
           <a:lnRef idx="1">
@@ -6078,13 +6374,17 @@
         </p:nvCxnSpPr>
         <p:spPr>
           <a:xfrm>
-            <a:off x="7852824" y="854294"/>
+            <a:off x="7852824" y="1002222"/>
             <a:ext cx="1051165" cy="677595"/>
           </a:xfrm>
           <a:prstGeom prst="line">
             <a:avLst/>
           </a:prstGeom>
-          <a:ln w="25400"/>
+          <a:ln w="25400">
+            <a:solidFill>
+              <a:srgbClr val="D8DAE4"/>
+            </a:solidFill>
+          </a:ln>
         </p:spPr>
         <p:style>
           <a:lnRef idx="1">
@@ -6119,13 +6419,17 @@
         </p:nvCxnSpPr>
         <p:spPr>
           <a:xfrm>
-            <a:off x="7852824" y="1349953"/>
+            <a:off x="7852824" y="1497881"/>
             <a:ext cx="1051165" cy="181936"/>
           </a:xfrm>
           <a:prstGeom prst="line">
             <a:avLst/>
           </a:prstGeom>
-          <a:ln w="25400"/>
+          <a:ln w="25400">
+            <a:solidFill>
+              <a:srgbClr val="D8DAE4"/>
+            </a:solidFill>
+          </a:ln>
         </p:spPr>
         <p:style>
           <a:lnRef idx="1">
@@ -6160,13 +6464,17 @@
         </p:nvCxnSpPr>
         <p:spPr>
           <a:xfrm flipV="1">
-            <a:off x="7162474" y="1531889"/>
+            <a:off x="7162474" y="1679817"/>
             <a:ext cx="1741515" cy="1427691"/>
           </a:xfrm>
           <a:prstGeom prst="line">
             <a:avLst/>
           </a:prstGeom>
-          <a:ln w="25400"/>
+          <a:ln w="25400">
+            <a:solidFill>
+              <a:srgbClr val="D8DAE4"/>
+            </a:solidFill>
+          </a:ln>
         </p:spPr>
         <p:style>
           <a:lnRef idx="1">
@@ -6201,13 +6509,17 @@
         </p:nvCxnSpPr>
         <p:spPr>
           <a:xfrm flipV="1">
-            <a:off x="7162474" y="1531889"/>
+            <a:off x="7162474" y="1679817"/>
             <a:ext cx="1741515" cy="911016"/>
           </a:xfrm>
           <a:prstGeom prst="line">
             <a:avLst/>
           </a:prstGeom>
-          <a:ln w="25400"/>
+          <a:ln w="25400">
+            <a:solidFill>
+              <a:srgbClr val="D8DAE4"/>
+            </a:solidFill>
+          </a:ln>
         </p:spPr>
         <p:style>
           <a:lnRef idx="1">
@@ -6242,13 +6554,17 @@
         </p:nvCxnSpPr>
         <p:spPr>
           <a:xfrm flipV="1">
-            <a:off x="7162474" y="1531889"/>
+            <a:off x="7162474" y="1679817"/>
             <a:ext cx="1741515" cy="379473"/>
           </a:xfrm>
           <a:prstGeom prst="line">
             <a:avLst/>
           </a:prstGeom>
-          <a:ln w="25400"/>
+          <a:ln w="25400">
+            <a:solidFill>
+              <a:srgbClr val="D8DAE4"/>
+            </a:solidFill>
+          </a:ln>
         </p:spPr>
         <p:style>
           <a:lnRef idx="1">
@@ -6283,13 +6599,17 @@
         </p:nvCxnSpPr>
         <p:spPr>
           <a:xfrm flipV="1">
-            <a:off x="7162474" y="2456068"/>
+            <a:off x="7162474" y="2603996"/>
             <a:ext cx="1741515" cy="503512"/>
           </a:xfrm>
           <a:prstGeom prst="line">
             <a:avLst/>
           </a:prstGeom>
-          <a:ln w="25400"/>
+          <a:ln w="25400">
+            <a:solidFill>
+              <a:srgbClr val="D8DAE4"/>
+            </a:solidFill>
+          </a:ln>
         </p:spPr>
         <p:style>
           <a:lnRef idx="1">
@@ -6324,13 +6644,17 @@
         </p:nvCxnSpPr>
         <p:spPr>
           <a:xfrm>
-            <a:off x="7162474" y="2442905"/>
+            <a:off x="7162474" y="2590833"/>
             <a:ext cx="1741515" cy="13163"/>
           </a:xfrm>
           <a:prstGeom prst="line">
             <a:avLst/>
           </a:prstGeom>
-          <a:ln w="25400"/>
+          <a:ln w="25400">
+            <a:solidFill>
+              <a:srgbClr val="D8DAE4"/>
+            </a:solidFill>
+          </a:ln>
         </p:spPr>
         <p:style>
           <a:lnRef idx="1">
@@ -6365,13 +6689,17 @@
         </p:nvCxnSpPr>
         <p:spPr>
           <a:xfrm>
-            <a:off x="7162474" y="1911362"/>
+            <a:off x="7162474" y="2059290"/>
             <a:ext cx="1741515" cy="544706"/>
           </a:xfrm>
           <a:prstGeom prst="line">
             <a:avLst/>
           </a:prstGeom>
-          <a:ln w="25400"/>
+          <a:ln w="25400">
+            <a:solidFill>
+              <a:srgbClr val="D8DAE4"/>
+            </a:solidFill>
+          </a:ln>
         </p:spPr>
         <p:style>
           <a:lnRef idx="1">
@@ -6406,13 +6734,17 @@
         </p:nvCxnSpPr>
         <p:spPr>
           <a:xfrm>
-            <a:off x="7852824" y="1349953"/>
+            <a:off x="7852824" y="1497881"/>
             <a:ext cx="1051165" cy="1106115"/>
           </a:xfrm>
           <a:prstGeom prst="line">
             <a:avLst/>
           </a:prstGeom>
-          <a:ln w="25400"/>
+          <a:ln w="25400">
+            <a:solidFill>
+              <a:srgbClr val="D8DAE4"/>
+            </a:solidFill>
+          </a:ln>
         </p:spPr>
         <p:style>
           <a:lnRef idx="1">
@@ -6447,13 +6779,17 @@
         </p:nvCxnSpPr>
         <p:spPr>
           <a:xfrm>
-            <a:off x="7852824" y="854294"/>
+            <a:off x="7852824" y="1002222"/>
             <a:ext cx="1051165" cy="1601774"/>
           </a:xfrm>
           <a:prstGeom prst="line">
             <a:avLst/>
           </a:prstGeom>
-          <a:ln w="25400"/>
+          <a:ln w="25400">
+            <a:solidFill>
+              <a:srgbClr val="D8DAE4"/>
+            </a:solidFill>
+          </a:ln>
         </p:spPr>
         <p:style>
           <a:lnRef idx="1">
@@ -6488,13 +6824,17 @@
         </p:nvCxnSpPr>
         <p:spPr>
           <a:xfrm>
-            <a:off x="7852824" y="358635"/>
+            <a:off x="7852824" y="506563"/>
             <a:ext cx="1051165" cy="2097433"/>
           </a:xfrm>
           <a:prstGeom prst="line">
             <a:avLst/>
           </a:prstGeom>
-          <a:ln w="25400"/>
+          <a:ln w="25400">
+            <a:solidFill>
+              <a:srgbClr val="D8DAE4"/>
+            </a:solidFill>
+          </a:ln>
         </p:spPr>
         <p:style>
           <a:lnRef idx="1">
@@ -6529,13 +6869,17 @@
         </p:nvCxnSpPr>
         <p:spPr>
           <a:xfrm>
-            <a:off x="9362984" y="1000346"/>
+            <a:off x="9362984" y="1148274"/>
             <a:ext cx="823525" cy="453742"/>
           </a:xfrm>
           <a:prstGeom prst="line">
             <a:avLst/>
           </a:prstGeom>
-          <a:ln w="25400"/>
+          <a:ln w="25400">
+            <a:solidFill>
+              <a:srgbClr val="D8DAE4"/>
+            </a:solidFill>
+          </a:ln>
         </p:spPr>
         <p:style>
           <a:lnRef idx="1">
@@ -6570,13 +6914,17 @@
         </p:nvCxnSpPr>
         <p:spPr>
           <a:xfrm flipV="1">
-            <a:off x="9362984" y="1454088"/>
+            <a:off x="9362984" y="1602016"/>
             <a:ext cx="823525" cy="77801"/>
           </a:xfrm>
           <a:prstGeom prst="line">
             <a:avLst/>
           </a:prstGeom>
-          <a:ln w="25400"/>
+          <a:ln w="25400">
+            <a:solidFill>
+              <a:srgbClr val="D8DAE4"/>
+            </a:solidFill>
+          </a:ln>
         </p:spPr>
         <p:style>
           <a:lnRef idx="1">
@@ -6611,13 +6959,17 @@
         </p:nvCxnSpPr>
         <p:spPr>
           <a:xfrm flipV="1">
-            <a:off x="9362984" y="1454088"/>
+            <a:off x="9362984" y="1602016"/>
             <a:ext cx="823525" cy="1001980"/>
           </a:xfrm>
           <a:prstGeom prst="line">
             <a:avLst/>
           </a:prstGeom>
-          <a:ln w="25400"/>
+          <a:ln w="25400">
+            <a:solidFill>
+              <a:srgbClr val="D8DAE4"/>
+            </a:solidFill>
+          </a:ln>
         </p:spPr>
         <p:style>
           <a:lnRef idx="1">
@@ -6652,13 +7004,17 @@
         </p:nvCxnSpPr>
         <p:spPr>
           <a:xfrm flipV="1">
-            <a:off x="9362984" y="1970308"/>
+            <a:off x="9362984" y="2118236"/>
             <a:ext cx="823525" cy="485760"/>
           </a:xfrm>
           <a:prstGeom prst="line">
             <a:avLst/>
           </a:prstGeom>
-          <a:ln w="25400"/>
+          <a:ln w="25400">
+            <a:solidFill>
+              <a:srgbClr val="D8DAE4"/>
+            </a:solidFill>
+          </a:ln>
         </p:spPr>
         <p:style>
           <a:lnRef idx="1">
@@ -6693,13 +7049,17 @@
         </p:nvCxnSpPr>
         <p:spPr>
           <a:xfrm>
-            <a:off x="9362984" y="1531889"/>
+            <a:off x="9362984" y="1679817"/>
             <a:ext cx="823525" cy="438419"/>
           </a:xfrm>
           <a:prstGeom prst="line">
             <a:avLst/>
           </a:prstGeom>
-          <a:ln w="25400"/>
+          <a:ln w="25400">
+            <a:solidFill>
+              <a:srgbClr val="D8DAE4"/>
+            </a:solidFill>
+          </a:ln>
         </p:spPr>
         <p:style>
           <a:lnRef idx="1">
@@ -6734,13 +7094,17 @@
         </p:nvCxnSpPr>
         <p:spPr>
           <a:xfrm>
-            <a:off x="9362984" y="1000346"/>
+            <a:off x="9362984" y="1148274"/>
             <a:ext cx="823525" cy="969962"/>
           </a:xfrm>
           <a:prstGeom prst="line">
             <a:avLst/>
           </a:prstGeom>
-          <a:ln w="25400"/>
+          <a:ln w="25400">
+            <a:solidFill>
+              <a:srgbClr val="D8DAE4"/>
+            </a:solidFill>
+          </a:ln>
         </p:spPr>
         <p:style>
           <a:lnRef idx="1">
@@ -6775,13 +7139,17 @@
         </p:nvCxnSpPr>
         <p:spPr>
           <a:xfrm>
-            <a:off x="9362984" y="2456068"/>
+            <a:off x="9362984" y="2603996"/>
             <a:ext cx="823525" cy="31528"/>
           </a:xfrm>
           <a:prstGeom prst="line">
             <a:avLst/>
           </a:prstGeom>
-          <a:ln w="25400"/>
+          <a:ln w="25400">
+            <a:solidFill>
+              <a:srgbClr val="D8DAE4"/>
+            </a:solidFill>
+          </a:ln>
         </p:spPr>
         <p:style>
           <a:lnRef idx="1">
@@ -6816,13 +7184,17 @@
         </p:nvCxnSpPr>
         <p:spPr>
           <a:xfrm>
-            <a:off x="9362984" y="1531889"/>
+            <a:off x="9362984" y="1679817"/>
             <a:ext cx="823525" cy="955707"/>
           </a:xfrm>
           <a:prstGeom prst="line">
             <a:avLst/>
           </a:prstGeom>
-          <a:ln w="25400"/>
+          <a:ln w="25400">
+            <a:solidFill>
+              <a:srgbClr val="D8DAE4"/>
+            </a:solidFill>
+          </a:ln>
         </p:spPr>
         <p:style>
           <a:lnRef idx="1">
@@ -6850,20 +7222,24 @@
           </p:cNvPr>
           <p:cNvCxnSpPr>
             <a:cxnSpLocks/>
-            <a:stCxn id="15" idx="7"/>
+            <a:stCxn id="15" idx="6"/>
             <a:endCxn id="31" idx="2"/>
           </p:cNvCxnSpPr>
           <p:nvPr/>
         </p:nvCxnSpPr>
         <p:spPr>
           <a:xfrm>
-            <a:off x="9295766" y="848172"/>
-            <a:ext cx="890743" cy="1639424"/>
+            <a:off x="9362984" y="1148274"/>
+            <a:ext cx="823525" cy="1487250"/>
           </a:xfrm>
           <a:prstGeom prst="line">
             <a:avLst/>
           </a:prstGeom>
-          <a:ln w="25400"/>
+          <a:ln w="25400">
+            <a:solidFill>
+              <a:srgbClr val="D8DAE4"/>
+            </a:solidFill>
+          </a:ln>
         </p:spPr>
         <p:style>
           <a:lnRef idx="1">
@@ -6882,7 +7258,7 @@
       </p:cxnSp>
       <p:sp>
         <p:nvSpPr>
-          <p:cNvPr id="147" name="Rectangle 146">
+          <p:cNvPr id="147" name="Rectangle: Rounded Corners 146">
             <a:extLst>
               <a:ext uri="{FF2B5EF4-FFF2-40B4-BE49-F238E27FC236}">
                 <a16:creationId xmlns:a16="http://schemas.microsoft.com/office/drawing/2014/main" id="{30D71809-6784-7604-E69B-DC95A2D91986}"/>
@@ -6894,12 +7270,18 @@
         </p:nvSpPr>
         <p:spPr>
           <a:xfrm>
-            <a:off x="859536" y="638663"/>
-            <a:ext cx="3273552" cy="890186"/>
-          </a:xfrm>
-          <a:prstGeom prst="rect">
-            <a:avLst/>
-          </a:prstGeom>
+            <a:off x="859536" y="786591"/>
+            <a:ext cx="3108960" cy="822960"/>
+          </a:xfrm>
+          <a:prstGeom prst="roundRect">
+            <a:avLst/>
+          </a:prstGeom>
+          <a:solidFill>
+            <a:srgbClr val="38B2FD"/>
+          </a:solidFill>
+          <a:ln w="15875">
+            <a:noFill/>
+          </a:ln>
         </p:spPr>
         <p:style>
           <a:lnRef idx="2">
@@ -6923,36 +7305,74 @@
           <a:p>
             <a:pPr algn="ctr"/>
             <a:r>
-              <a:rPr lang="zh-CN" altLang="en-US" sz="2400" dirty="0"/>
+              <a:rPr kumimoji="1" lang="zh-CN" altLang="en-US" sz="2000" dirty="0">
+                <a:solidFill>
+                  <a:schemeClr val="bg1"/>
+                </a:solidFill>
+                <a:latin typeface="Microsoft YaHei" panose="020B0503020204020204" pitchFamily="34" charset="-122"/>
+                <a:ea typeface="Microsoft YaHei" panose="020B0503020204020204" pitchFamily="34" charset="-122"/>
+                <a:cs typeface="Segoe UI Semibold" panose="020B0502040204020203" pitchFamily="34" charset="0"/>
+              </a:rPr>
               <a:t>之前 </a:t>
             </a:r>
             <a:r>
-              <a:rPr lang="en-US" altLang="zh-CN" sz="2400" i="1" dirty="0"/>
-              <a:t>k</a:t>
+              <a:rPr kumimoji="1" lang="en-US" altLang="zh-CN" sz="2000" dirty="0">
+                <a:solidFill>
+                  <a:schemeClr val="bg1"/>
+                </a:solidFill>
+                <a:latin typeface="Microsoft YaHei" panose="020B0503020204020204" pitchFamily="34" charset="-122"/>
+                <a:ea typeface="Microsoft YaHei" panose="020B0503020204020204" pitchFamily="34" charset="-122"/>
+                <a:cs typeface="Segoe UI Semibold" panose="020B0502040204020203" pitchFamily="34" charset="0"/>
+              </a:rPr>
+              <a:t>k </a:t>
             </a:r>
             <a:r>
-              <a:rPr lang="en-US" altLang="zh-CN" sz="2400" dirty="0"/>
-              <a:t> </a:t>
-            </a:r>
-            <a:r>
-              <a:rPr lang="zh-CN" altLang="en-US" sz="2400" dirty="0"/>
+              <a:rPr kumimoji="1" lang="zh-CN" altLang="en-US" sz="2000" dirty="0">
+                <a:solidFill>
+                  <a:schemeClr val="bg1"/>
+                </a:solidFill>
+                <a:latin typeface="Microsoft YaHei" panose="020B0503020204020204" pitchFamily="34" charset="-122"/>
+                <a:ea typeface="Microsoft YaHei" panose="020B0503020204020204" pitchFamily="34" charset="-122"/>
+                <a:cs typeface="Segoe UI Semibold" panose="020B0502040204020203" pitchFamily="34" charset="0"/>
+              </a:rPr>
               <a:t>个流块的</a:t>
             </a:r>
-            <a:endParaRPr lang="en-US" altLang="zh-CN" sz="2400" dirty="0"/>
+            <a:endParaRPr kumimoji="1" lang="en-US" altLang="zh-CN" sz="2000" dirty="0">
+              <a:solidFill>
+                <a:schemeClr val="bg1"/>
+              </a:solidFill>
+              <a:latin typeface="Microsoft YaHei" panose="020B0503020204020204" pitchFamily="34" charset="-122"/>
+              <a:ea typeface="Microsoft YaHei" panose="020B0503020204020204" pitchFamily="34" charset="-122"/>
+              <a:cs typeface="Segoe UI Semibold" panose="020B0502040204020203" pitchFamily="34" charset="0"/>
+            </a:endParaRPr>
           </a:p>
           <a:p>
             <a:pPr algn="ctr"/>
             <a:r>
-              <a:rPr lang="zh-CN" altLang="en-US" sz="2400" dirty="0"/>
+              <a:rPr kumimoji="1" lang="zh-CN" altLang="en-US" sz="2000" dirty="0">
+                <a:solidFill>
+                  <a:schemeClr val="bg1"/>
+                </a:solidFill>
+                <a:latin typeface="Microsoft YaHei" panose="020B0503020204020204" pitchFamily="34" charset="-122"/>
+                <a:ea typeface="Microsoft YaHei" panose="020B0503020204020204" pitchFamily="34" charset="-122"/>
+                <a:cs typeface="Segoe UI Semibold" panose="020B0502040204020203" pitchFamily="34" charset="0"/>
+              </a:rPr>
               <a:t>平均网路吞吐量</a:t>
             </a:r>
-            <a:endParaRPr lang="en-US" sz="2400" dirty="0"/>
+            <a:endParaRPr kumimoji="1" lang="en-US" sz="2000" dirty="0">
+              <a:solidFill>
+                <a:schemeClr val="bg1"/>
+              </a:solidFill>
+              <a:latin typeface="Microsoft YaHei" panose="020B0503020204020204" pitchFamily="34" charset="-122"/>
+              <a:ea typeface="Microsoft YaHei" panose="020B0503020204020204" pitchFamily="34" charset="-122"/>
+              <a:cs typeface="Segoe UI Semibold" panose="020B0502040204020203" pitchFamily="34" charset="0"/>
+            </a:endParaRPr>
           </a:p>
         </p:txBody>
       </p:sp>
       <p:sp>
         <p:nvSpPr>
-          <p:cNvPr id="149" name="Rectangle 148">
+          <p:cNvPr id="149" name="Rectangle: Rounded Corners 148">
             <a:extLst>
               <a:ext uri="{FF2B5EF4-FFF2-40B4-BE49-F238E27FC236}">
                 <a16:creationId xmlns:a16="http://schemas.microsoft.com/office/drawing/2014/main" id="{F7787651-A36D-F579-38BE-798105A68397}"/>
@@ -6964,12 +7384,18 @@
         </p:nvSpPr>
         <p:spPr>
           <a:xfrm>
-            <a:off x="859536" y="1613832"/>
-            <a:ext cx="3273552" cy="890186"/>
-          </a:xfrm>
-          <a:prstGeom prst="rect">
-            <a:avLst/>
-          </a:prstGeom>
+            <a:off x="859536" y="1761760"/>
+            <a:ext cx="3108960" cy="822960"/>
+          </a:xfrm>
+          <a:prstGeom prst="roundRect">
+            <a:avLst/>
+          </a:prstGeom>
+          <a:solidFill>
+            <a:srgbClr val="38B2FD"/>
+          </a:solidFill>
+          <a:ln w="15875">
+            <a:noFill/>
+          </a:ln>
         </p:spPr>
         <p:style>
           <a:lnRef idx="2">
@@ -6993,36 +7419,74 @@
           <a:p>
             <a:pPr algn="ctr"/>
             <a:r>
-              <a:rPr lang="zh-CN" altLang="en-US" sz="2400" dirty="0"/>
+              <a:rPr kumimoji="1" lang="zh-CN" altLang="en-US" sz="2000" dirty="0">
+                <a:solidFill>
+                  <a:schemeClr val="bg1"/>
+                </a:solidFill>
+                <a:latin typeface="Microsoft YaHei" panose="020B0503020204020204" pitchFamily="34" charset="-122"/>
+                <a:ea typeface="Microsoft YaHei" panose="020B0503020204020204" pitchFamily="34" charset="-122"/>
+                <a:cs typeface="Segoe UI Semibold" panose="020B0502040204020203" pitchFamily="34" charset="0"/>
+              </a:rPr>
               <a:t>之前 </a:t>
             </a:r>
             <a:r>
-              <a:rPr lang="en-US" altLang="zh-CN" sz="2400" i="1" dirty="0"/>
-              <a:t>k</a:t>
+              <a:rPr kumimoji="1" lang="en-US" altLang="zh-CN" sz="2000" dirty="0">
+                <a:solidFill>
+                  <a:schemeClr val="bg1"/>
+                </a:solidFill>
+                <a:latin typeface="Microsoft YaHei" panose="020B0503020204020204" pitchFamily="34" charset="-122"/>
+                <a:ea typeface="Microsoft YaHei" panose="020B0503020204020204" pitchFamily="34" charset="-122"/>
+                <a:cs typeface="Segoe UI Semibold" panose="020B0502040204020203" pitchFamily="34" charset="0"/>
+              </a:rPr>
+              <a:t>k </a:t>
             </a:r>
             <a:r>
-              <a:rPr lang="en-US" altLang="zh-CN" sz="2400" dirty="0"/>
-              <a:t> </a:t>
-            </a:r>
-            <a:r>
-              <a:rPr lang="zh-CN" altLang="en-US" sz="2400" dirty="0"/>
+              <a:rPr kumimoji="1" lang="zh-CN" altLang="en-US" sz="2000" dirty="0">
+                <a:solidFill>
+                  <a:schemeClr val="bg1"/>
+                </a:solidFill>
+                <a:latin typeface="Microsoft YaHei" panose="020B0503020204020204" pitchFamily="34" charset="-122"/>
+                <a:ea typeface="Microsoft YaHei" panose="020B0503020204020204" pitchFamily="34" charset="-122"/>
+                <a:cs typeface="Segoe UI Semibold" panose="020B0502040204020203" pitchFamily="34" charset="0"/>
+              </a:rPr>
               <a:t>个流块的</a:t>
             </a:r>
-            <a:endParaRPr lang="en-US" altLang="zh-CN" sz="2400" dirty="0"/>
+            <a:endParaRPr kumimoji="1" lang="en-US" altLang="zh-CN" sz="2000" dirty="0">
+              <a:solidFill>
+                <a:schemeClr val="bg1"/>
+              </a:solidFill>
+              <a:latin typeface="Microsoft YaHei" panose="020B0503020204020204" pitchFamily="34" charset="-122"/>
+              <a:ea typeface="Microsoft YaHei" panose="020B0503020204020204" pitchFamily="34" charset="-122"/>
+              <a:cs typeface="Segoe UI Semibold" panose="020B0502040204020203" pitchFamily="34" charset="0"/>
+            </a:endParaRPr>
           </a:p>
           <a:p>
             <a:pPr algn="ctr"/>
             <a:r>
-              <a:rPr lang="zh-CN" altLang="en-US" sz="2400" dirty="0"/>
+              <a:rPr kumimoji="1" lang="zh-CN" altLang="en-US" sz="2000" dirty="0">
+                <a:solidFill>
+                  <a:schemeClr val="bg1"/>
+                </a:solidFill>
+                <a:latin typeface="Microsoft YaHei" panose="020B0503020204020204" pitchFamily="34" charset="-122"/>
+                <a:ea typeface="Microsoft YaHei" panose="020B0503020204020204" pitchFamily="34" charset="-122"/>
+                <a:cs typeface="Segoe UI Semibold" panose="020B0502040204020203" pitchFamily="34" charset="0"/>
+              </a:rPr>
               <a:t>下载时间</a:t>
             </a:r>
-            <a:endParaRPr lang="en-US" sz="2400" dirty="0"/>
+            <a:endParaRPr kumimoji="1" lang="en-US" sz="2000" dirty="0">
+              <a:solidFill>
+                <a:schemeClr val="bg1"/>
+              </a:solidFill>
+              <a:latin typeface="Microsoft YaHei" panose="020B0503020204020204" pitchFamily="34" charset="-122"/>
+              <a:ea typeface="Microsoft YaHei" panose="020B0503020204020204" pitchFamily="34" charset="-122"/>
+              <a:cs typeface="Segoe UI Semibold" panose="020B0502040204020203" pitchFamily="34" charset="0"/>
+            </a:endParaRPr>
           </a:p>
         </p:txBody>
       </p:sp>
       <p:sp>
         <p:nvSpPr>
-          <p:cNvPr id="151" name="Rectangle 150">
+          <p:cNvPr id="151" name="Rectangle: Rounded Corners 150">
             <a:extLst>
               <a:ext uri="{FF2B5EF4-FFF2-40B4-BE49-F238E27FC236}">
                 <a16:creationId xmlns:a16="http://schemas.microsoft.com/office/drawing/2014/main" id="{935CF3BB-D7C9-E0AD-6457-E669BB5CA7BA}"/>
@@ -7034,12 +7498,18 @@
         </p:nvSpPr>
         <p:spPr>
           <a:xfrm>
-            <a:off x="859536" y="2584823"/>
-            <a:ext cx="3273552" cy="890186"/>
-          </a:xfrm>
-          <a:prstGeom prst="rect">
-            <a:avLst/>
-          </a:prstGeom>
+            <a:off x="859536" y="2732751"/>
+            <a:ext cx="3108960" cy="822960"/>
+          </a:xfrm>
+          <a:prstGeom prst="roundRect">
+            <a:avLst/>
+          </a:prstGeom>
+          <a:solidFill>
+            <a:srgbClr val="38B2FD"/>
+          </a:solidFill>
+          <a:ln w="15875">
+            <a:noFill/>
+          </a:ln>
         </p:spPr>
         <p:style>
           <a:lnRef idx="2">
@@ -7063,28 +7533,52 @@
           <a:p>
             <a:pPr algn="ctr"/>
             <a:r>
-              <a:rPr lang="zh-CN" altLang="en-US" sz="2400" dirty="0"/>
+              <a:rPr kumimoji="1" lang="zh-CN" altLang="en-US" sz="2000" dirty="0">
+                <a:solidFill>
+                  <a:schemeClr val="bg1"/>
+                </a:solidFill>
+                <a:latin typeface="Microsoft YaHei" panose="020B0503020204020204" pitchFamily="34" charset="-122"/>
+                <a:ea typeface="Microsoft YaHei" panose="020B0503020204020204" pitchFamily="34" charset="-122"/>
+                <a:cs typeface="Segoe UI Semibold" panose="020B0502040204020203" pitchFamily="34" charset="0"/>
+              </a:rPr>
               <a:t>下一个流块可选的</a:t>
             </a:r>
-            <a:endParaRPr lang="en-US" altLang="zh-CN" sz="2400"/>
+            <a:endParaRPr kumimoji="1" lang="en-US" altLang="zh-CN" sz="2000" dirty="0">
+              <a:solidFill>
+                <a:schemeClr val="bg1"/>
+              </a:solidFill>
+              <a:latin typeface="Microsoft YaHei" panose="020B0503020204020204" pitchFamily="34" charset="-122"/>
+              <a:ea typeface="Microsoft YaHei" panose="020B0503020204020204" pitchFamily="34" charset="-122"/>
+              <a:cs typeface="Segoe UI Semibold" panose="020B0502040204020203" pitchFamily="34" charset="0"/>
+            </a:endParaRPr>
           </a:p>
           <a:p>
             <a:pPr algn="ctr"/>
             <a:r>
-              <a:rPr lang="zh-CN" altLang="en-US" sz="2400"/>
-              <a:t>码</a:t>
+              <a:rPr kumimoji="1" lang="zh-CN" altLang="en-US" sz="2000" dirty="0">
+                <a:solidFill>
+                  <a:schemeClr val="bg1"/>
+                </a:solidFill>
+                <a:latin typeface="Microsoft YaHei" panose="020B0503020204020204" pitchFamily="34" charset="-122"/>
+                <a:ea typeface="Microsoft YaHei" panose="020B0503020204020204" pitchFamily="34" charset="-122"/>
+                <a:cs typeface="Segoe UI Semibold" panose="020B0502040204020203" pitchFamily="34" charset="0"/>
+              </a:rPr>
+              <a:t>码率对应的下载大小</a:t>
             </a:r>
-            <a:r>
-              <a:rPr lang="zh-CN" altLang="en-US" sz="2400" dirty="0"/>
-              <a:t>率对应的下载大小</a:t>
-            </a:r>
-            <a:endParaRPr lang="en-US" sz="2400" dirty="0"/>
+            <a:endParaRPr kumimoji="1" lang="en-US" sz="2000" dirty="0">
+              <a:solidFill>
+                <a:schemeClr val="bg1"/>
+              </a:solidFill>
+              <a:latin typeface="Microsoft YaHei" panose="020B0503020204020204" pitchFamily="34" charset="-122"/>
+              <a:ea typeface="Microsoft YaHei" panose="020B0503020204020204" pitchFamily="34" charset="-122"/>
+              <a:cs typeface="Segoe UI Semibold" panose="020B0502040204020203" pitchFamily="34" charset="0"/>
+            </a:endParaRPr>
           </a:p>
         </p:txBody>
       </p:sp>
       <p:sp>
         <p:nvSpPr>
-          <p:cNvPr id="153" name="Rectangle 152">
+          <p:cNvPr id="153" name="Rectangle: Rounded Corners 152">
             <a:extLst>
               <a:ext uri="{FF2B5EF4-FFF2-40B4-BE49-F238E27FC236}">
                 <a16:creationId xmlns:a16="http://schemas.microsoft.com/office/drawing/2014/main" id="{74EED2FF-8189-8B34-EC07-72B3C7927CAE}"/>
@@ -7096,12 +7590,18 @@
         </p:nvSpPr>
         <p:spPr>
           <a:xfrm>
-            <a:off x="859536" y="3550679"/>
-            <a:ext cx="3273552" cy="890186"/>
-          </a:xfrm>
-          <a:prstGeom prst="rect">
-            <a:avLst/>
-          </a:prstGeom>
+            <a:off x="859536" y="3698607"/>
+            <a:ext cx="3108960" cy="822960"/>
+          </a:xfrm>
+          <a:prstGeom prst="roundRect">
+            <a:avLst/>
+          </a:prstGeom>
+          <a:solidFill>
+            <a:srgbClr val="38B2FD"/>
+          </a:solidFill>
+          <a:ln w="15875">
+            <a:noFill/>
+          </a:ln>
         </p:spPr>
         <p:style>
           <a:lnRef idx="2">
@@ -7125,16 +7625,30 @@
           <a:p>
             <a:pPr algn="ctr"/>
             <a:r>
-              <a:rPr lang="zh-CN" altLang="en-US" sz="2400" dirty="0"/>
+              <a:rPr kumimoji="1" lang="zh-CN" altLang="en-US" sz="2000" dirty="0">
+                <a:solidFill>
+                  <a:schemeClr val="bg1"/>
+                </a:solidFill>
+                <a:latin typeface="Microsoft YaHei" panose="020B0503020204020204" pitchFamily="34" charset="-122"/>
+                <a:ea typeface="Microsoft YaHei" panose="020B0503020204020204" pitchFamily="34" charset="-122"/>
+                <a:cs typeface="Segoe UI Semibold" panose="020B0502040204020203" pitchFamily="34" charset="0"/>
+              </a:rPr>
               <a:t>当前缓存的大小</a:t>
             </a:r>
-            <a:endParaRPr lang="en-US" sz="2400" dirty="0"/>
+            <a:endParaRPr kumimoji="1" lang="en-US" sz="2000" dirty="0">
+              <a:solidFill>
+                <a:schemeClr val="bg1"/>
+              </a:solidFill>
+              <a:latin typeface="Microsoft YaHei" panose="020B0503020204020204" pitchFamily="34" charset="-122"/>
+              <a:ea typeface="Microsoft YaHei" panose="020B0503020204020204" pitchFamily="34" charset="-122"/>
+              <a:cs typeface="Segoe UI Semibold" panose="020B0502040204020203" pitchFamily="34" charset="0"/>
+            </a:endParaRPr>
           </a:p>
         </p:txBody>
       </p:sp>
       <p:sp>
         <p:nvSpPr>
-          <p:cNvPr id="155" name="Rectangle 154">
+          <p:cNvPr id="155" name="Rectangle: Rounded Corners 154">
             <a:extLst>
               <a:ext uri="{FF2B5EF4-FFF2-40B4-BE49-F238E27FC236}">
                 <a16:creationId xmlns:a16="http://schemas.microsoft.com/office/drawing/2014/main" id="{787CBCA5-15B2-CE4B-DA4F-D4F216D221AE}"/>
@@ -7146,12 +7660,18 @@
         </p:nvSpPr>
         <p:spPr>
           <a:xfrm>
-            <a:off x="859536" y="4525848"/>
-            <a:ext cx="3273552" cy="890186"/>
-          </a:xfrm>
-          <a:prstGeom prst="rect">
-            <a:avLst/>
-          </a:prstGeom>
+            <a:off x="859536" y="4673776"/>
+            <a:ext cx="3108960" cy="822960"/>
+          </a:xfrm>
+          <a:prstGeom prst="roundRect">
+            <a:avLst/>
+          </a:prstGeom>
+          <a:solidFill>
+            <a:srgbClr val="38B2FD"/>
+          </a:solidFill>
+          <a:ln w="15875">
+            <a:noFill/>
+          </a:ln>
         </p:spPr>
         <p:style>
           <a:lnRef idx="2">
@@ -7175,16 +7695,30 @@
           <a:p>
             <a:pPr algn="ctr"/>
             <a:r>
-              <a:rPr lang="zh-CN" altLang="en-US" sz="2400" dirty="0"/>
+              <a:rPr kumimoji="1" lang="zh-CN" altLang="en-US" sz="2000" dirty="0">
+                <a:solidFill>
+                  <a:schemeClr val="bg1"/>
+                </a:solidFill>
+                <a:latin typeface="Microsoft YaHei" panose="020B0503020204020204" pitchFamily="34" charset="-122"/>
+                <a:ea typeface="Microsoft YaHei" panose="020B0503020204020204" pitchFamily="34" charset="-122"/>
+                <a:cs typeface="Segoe UI Semibold" panose="020B0502040204020203" pitchFamily="34" charset="0"/>
+              </a:rPr>
               <a:t>剩余未下载的流块数量</a:t>
             </a:r>
-            <a:endParaRPr lang="en-US" sz="2400" dirty="0"/>
+            <a:endParaRPr kumimoji="1" lang="en-US" sz="2000" dirty="0">
+              <a:solidFill>
+                <a:schemeClr val="bg1"/>
+              </a:solidFill>
+              <a:latin typeface="Microsoft YaHei" panose="020B0503020204020204" pitchFamily="34" charset="-122"/>
+              <a:ea typeface="Microsoft YaHei" panose="020B0503020204020204" pitchFamily="34" charset="-122"/>
+              <a:cs typeface="Segoe UI Semibold" panose="020B0502040204020203" pitchFamily="34" charset="0"/>
+            </a:endParaRPr>
           </a:p>
         </p:txBody>
       </p:sp>
       <p:sp>
         <p:nvSpPr>
-          <p:cNvPr id="157" name="Rectangle 156">
+          <p:cNvPr id="157" name="Rectangle: Rounded Corners 156">
             <a:extLst>
               <a:ext uri="{FF2B5EF4-FFF2-40B4-BE49-F238E27FC236}">
                 <a16:creationId xmlns:a16="http://schemas.microsoft.com/office/drawing/2014/main" id="{24083453-C6F6-B9A7-4E3F-D08DFEB81081}"/>
@@ -7196,12 +7730,18 @@
         </p:nvSpPr>
         <p:spPr>
           <a:xfrm>
-            <a:off x="859536" y="5485659"/>
-            <a:ext cx="3273552" cy="890186"/>
-          </a:xfrm>
-          <a:prstGeom prst="rect">
-            <a:avLst/>
-          </a:prstGeom>
+            <a:off x="859536" y="5633587"/>
+            <a:ext cx="3108960" cy="822960"/>
+          </a:xfrm>
+          <a:prstGeom prst="roundRect">
+            <a:avLst/>
+          </a:prstGeom>
+          <a:solidFill>
+            <a:srgbClr val="38B2FD"/>
+          </a:solidFill>
+          <a:ln w="15875">
+            <a:noFill/>
+          </a:ln>
         </p:spPr>
         <p:style>
           <a:lnRef idx="2">
@@ -7225,10 +7765,24 @@
           <a:p>
             <a:pPr algn="ctr"/>
             <a:r>
-              <a:rPr lang="zh-CN" altLang="en-US" sz="2400" dirty="0"/>
+              <a:rPr kumimoji="1" lang="zh-CN" altLang="en-US" sz="2000" dirty="0">
+                <a:solidFill>
+                  <a:schemeClr val="bg1"/>
+                </a:solidFill>
+                <a:latin typeface="Microsoft YaHei" panose="020B0503020204020204" pitchFamily="34" charset="-122"/>
+                <a:ea typeface="Microsoft YaHei" panose="020B0503020204020204" pitchFamily="34" charset="-122"/>
+                <a:cs typeface="Segoe UI Semibold" panose="020B0502040204020203" pitchFamily="34" charset="0"/>
+              </a:rPr>
               <a:t>上一个流块的码率</a:t>
             </a:r>
-            <a:endParaRPr lang="en-US" sz="2400" dirty="0"/>
+            <a:endParaRPr kumimoji="1" lang="en-US" sz="2000" dirty="0">
+              <a:solidFill>
+                <a:schemeClr val="bg1"/>
+              </a:solidFill>
+              <a:latin typeface="Microsoft YaHei" panose="020B0503020204020204" pitchFamily="34" charset="-122"/>
+              <a:ea typeface="Microsoft YaHei" panose="020B0503020204020204" pitchFamily="34" charset="-122"/>
+              <a:cs typeface="Segoe UI Semibold" panose="020B0502040204020203" pitchFamily="34" charset="0"/>
+            </a:endParaRPr>
           </a:p>
         </p:txBody>
       </p:sp>
@@ -7250,13 +7804,16 @@
         </p:nvCxnSpPr>
         <p:spPr>
           <a:xfrm flipV="1">
-            <a:off x="4133088" y="358635"/>
-            <a:ext cx="2038081" cy="725121"/>
+            <a:off x="3968496" y="506563"/>
+            <a:ext cx="2202673" cy="691508"/>
           </a:xfrm>
           <a:prstGeom prst="line">
             <a:avLst/>
           </a:prstGeom>
           <a:ln w="25400">
+            <a:solidFill>
+              <a:srgbClr val="65768A"/>
+            </a:solidFill>
             <a:tailEnd type="triangle" w="lg" len="lg"/>
           </a:ln>
         </p:spPr>
@@ -7293,13 +7850,16 @@
         </p:nvCxnSpPr>
         <p:spPr>
           <a:xfrm flipV="1">
-            <a:off x="4133088" y="854294"/>
-            <a:ext cx="2038081" cy="1204631"/>
+            <a:off x="3968496" y="1002222"/>
+            <a:ext cx="2202673" cy="1171018"/>
           </a:xfrm>
           <a:prstGeom prst="line">
             <a:avLst/>
           </a:prstGeom>
           <a:ln w="25400">
+            <a:solidFill>
+              <a:srgbClr val="65768A"/>
+            </a:solidFill>
             <a:tailEnd type="triangle" w="lg" len="lg"/>
           </a:ln>
         </p:spPr>
@@ -7336,13 +7896,16 @@
         </p:nvCxnSpPr>
         <p:spPr>
           <a:xfrm flipV="1">
-            <a:off x="4133088" y="1349953"/>
-            <a:ext cx="2038081" cy="1679963"/>
+            <a:off x="3968496" y="1497881"/>
+            <a:ext cx="2202673" cy="1646350"/>
           </a:xfrm>
           <a:prstGeom prst="line">
             <a:avLst/>
           </a:prstGeom>
           <a:ln w="25400">
+            <a:solidFill>
+              <a:srgbClr val="65768A"/>
+            </a:solidFill>
             <a:tailEnd type="triangle" w="lg" len="lg"/>
           </a:ln>
         </p:spPr>
@@ -7379,13 +7942,16 @@
         </p:nvCxnSpPr>
         <p:spPr>
           <a:xfrm flipV="1">
-            <a:off x="4133088" y="1911362"/>
-            <a:ext cx="2570391" cy="2084410"/>
+            <a:off x="3968496" y="2059290"/>
+            <a:ext cx="2734983" cy="2050797"/>
           </a:xfrm>
           <a:prstGeom prst="line">
             <a:avLst/>
           </a:prstGeom>
           <a:ln w="25400">
+            <a:solidFill>
+              <a:srgbClr val="65768A"/>
+            </a:solidFill>
             <a:tailEnd type="triangle" w="lg" len="lg"/>
           </a:ln>
         </p:spPr>
@@ -7422,13 +7988,16 @@
         </p:nvCxnSpPr>
         <p:spPr>
           <a:xfrm flipV="1">
-            <a:off x="4133088" y="2442905"/>
-            <a:ext cx="2570391" cy="2528036"/>
+            <a:off x="3968496" y="2590833"/>
+            <a:ext cx="2734983" cy="2494423"/>
           </a:xfrm>
           <a:prstGeom prst="line">
             <a:avLst/>
           </a:prstGeom>
           <a:ln w="25400">
+            <a:solidFill>
+              <a:srgbClr val="65768A"/>
+            </a:solidFill>
             <a:tailEnd type="triangle" w="lg" len="lg"/>
           </a:ln>
         </p:spPr>
@@ -7465,13 +8034,16 @@
         </p:nvCxnSpPr>
         <p:spPr>
           <a:xfrm flipV="1">
-            <a:off x="4133088" y="2959580"/>
-            <a:ext cx="2570391" cy="2971172"/>
+            <a:off x="3968496" y="3107508"/>
+            <a:ext cx="2734983" cy="2937559"/>
           </a:xfrm>
           <a:prstGeom prst="line">
             <a:avLst/>
           </a:prstGeom>
           <a:ln w="25400">
+            <a:solidFill>
+              <a:srgbClr val="65768A"/>
+            </a:solidFill>
             <a:tailEnd type="triangle" w="lg" len="lg"/>
           </a:ln>
         </p:spPr>
@@ -7504,12 +8076,20 @@
         </p:nvSpPr>
         <p:spPr>
           <a:xfrm>
-            <a:off x="6161055" y="3616349"/>
+            <a:off x="6161055" y="3764277"/>
             <a:ext cx="1681655" cy="430411"/>
           </a:xfrm>
           <a:prstGeom prst="roundRect">
             <a:avLst/>
           </a:prstGeom>
+          <a:solidFill>
+            <a:srgbClr val="D7EDFC"/>
+          </a:solidFill>
+          <a:ln>
+            <a:solidFill>
+              <a:srgbClr val="D0E7F6"/>
+            </a:solidFill>
+          </a:ln>
         </p:spPr>
         <p:style>
           <a:lnRef idx="2">
@@ -7533,7 +8113,14 @@
           <a:p>
             <a:pPr algn="ctr"/>
             <a:r>
-              <a:rPr lang="en-US" sz="2800" dirty="0"/>
+              <a:rPr kumimoji="1" lang="en-US" sz="2000" dirty="0">
+                <a:solidFill>
+                  <a:schemeClr val="tx1"/>
+                </a:solidFill>
+                <a:latin typeface="Segoe UI" panose="020B0502040204020203" pitchFamily="34" charset="0"/>
+                <a:ea typeface="Microsoft YaHei" panose="020B0503020204020204" pitchFamily="34" charset="-122"/>
+                <a:cs typeface="Segoe UI" panose="020B0502040204020203" pitchFamily="34" charset="0"/>
+              </a:rPr>
               <a:t>1D CNN</a:t>
             </a:r>
           </a:p>
@@ -7553,12 +8140,20 @@
         </p:nvSpPr>
         <p:spPr>
           <a:xfrm>
-            <a:off x="6161055" y="4112008"/>
+            <a:off x="6161055" y="4259936"/>
             <a:ext cx="1681655" cy="430411"/>
           </a:xfrm>
           <a:prstGeom prst="roundRect">
             <a:avLst/>
           </a:prstGeom>
+          <a:solidFill>
+            <a:srgbClr val="D7EDFC"/>
+          </a:solidFill>
+          <a:ln>
+            <a:solidFill>
+              <a:srgbClr val="D0E7F6"/>
+            </a:solidFill>
+          </a:ln>
         </p:spPr>
         <p:style>
           <a:lnRef idx="2">
@@ -7582,7 +8177,14 @@
           <a:p>
             <a:pPr algn="ctr"/>
             <a:r>
-              <a:rPr lang="en-US" sz="2800" dirty="0"/>
+              <a:rPr kumimoji="1" lang="en-US" sz="2000" dirty="0">
+                <a:solidFill>
+                  <a:schemeClr val="tx1"/>
+                </a:solidFill>
+                <a:latin typeface="Segoe UI" panose="020B0502040204020203" pitchFamily="34" charset="0"/>
+                <a:ea typeface="Microsoft YaHei" panose="020B0503020204020204" pitchFamily="34" charset="-122"/>
+                <a:cs typeface="Segoe UI" panose="020B0502040204020203" pitchFamily="34" charset="0"/>
+              </a:rPr>
               <a:t>1D CNN</a:t>
             </a:r>
           </a:p>
@@ -7602,12 +8204,20 @@
         </p:nvSpPr>
         <p:spPr>
           <a:xfrm>
-            <a:off x="6161055" y="4607667"/>
+            <a:off x="6161055" y="4755595"/>
             <a:ext cx="1681655" cy="430411"/>
           </a:xfrm>
           <a:prstGeom prst="roundRect">
             <a:avLst/>
           </a:prstGeom>
+          <a:solidFill>
+            <a:srgbClr val="D7EDFC"/>
+          </a:solidFill>
+          <a:ln>
+            <a:solidFill>
+              <a:srgbClr val="D0E7F6"/>
+            </a:solidFill>
+          </a:ln>
         </p:spPr>
         <p:style>
           <a:lnRef idx="2">
@@ -7631,7 +8241,14 @@
           <a:p>
             <a:pPr algn="ctr"/>
             <a:r>
-              <a:rPr lang="en-US" sz="2800" dirty="0"/>
+              <a:rPr kumimoji="1" lang="en-US" sz="2000" dirty="0">
+                <a:solidFill>
+                  <a:schemeClr val="tx1"/>
+                </a:solidFill>
+                <a:latin typeface="Segoe UI" panose="020B0502040204020203" pitchFamily="34" charset="0"/>
+                <a:ea typeface="Microsoft YaHei" panose="020B0503020204020204" pitchFamily="34" charset="-122"/>
+                <a:cs typeface="Segoe UI" panose="020B0502040204020203" pitchFamily="34" charset="0"/>
+              </a:rPr>
               <a:t>1D CNN</a:t>
             </a:r>
           </a:p>
@@ -7651,12 +8268,20 @@
         </p:nvSpPr>
         <p:spPr>
           <a:xfrm>
-            <a:off x="6693365" y="5169076"/>
+            <a:off x="6693365" y="5317004"/>
             <a:ext cx="458995" cy="430412"/>
           </a:xfrm>
           <a:prstGeom prst="ellipse">
             <a:avLst/>
           </a:prstGeom>
+          <a:solidFill>
+            <a:srgbClr val="D7EDFC"/>
+          </a:solidFill>
+          <a:ln>
+            <a:solidFill>
+              <a:srgbClr val="D0E7F6"/>
+            </a:solidFill>
+          </a:ln>
         </p:spPr>
         <p:style>
           <a:lnRef idx="2">
@@ -7679,7 +8304,13 @@
           <a:lstStyle/>
           <a:p>
             <a:pPr algn="ctr"/>
-            <a:endParaRPr lang="en-US"/>
+            <a:endParaRPr kumimoji="1" lang="en-US">
+              <a:solidFill>
+                <a:schemeClr val="tx1"/>
+              </a:solidFill>
+              <a:latin typeface="Microsoft YaHei" panose="020B0503020204020204" pitchFamily="34" charset="-122"/>
+              <a:ea typeface="Microsoft YaHei" panose="020B0503020204020204" pitchFamily="34" charset="-122"/>
+            </a:endParaRPr>
           </a:p>
         </p:txBody>
       </p:sp>
@@ -7697,12 +8328,20 @@
         </p:nvSpPr>
         <p:spPr>
           <a:xfrm>
-            <a:off x="6693365" y="5700619"/>
+            <a:off x="6693365" y="5848547"/>
             <a:ext cx="458995" cy="430412"/>
           </a:xfrm>
           <a:prstGeom prst="ellipse">
             <a:avLst/>
           </a:prstGeom>
+          <a:solidFill>
+            <a:srgbClr val="D7EDFC"/>
+          </a:solidFill>
+          <a:ln>
+            <a:solidFill>
+              <a:srgbClr val="D0E7F6"/>
+            </a:solidFill>
+          </a:ln>
         </p:spPr>
         <p:style>
           <a:lnRef idx="2">
@@ -7725,7 +8364,13 @@
           <a:lstStyle/>
           <a:p>
             <a:pPr algn="ctr"/>
-            <a:endParaRPr lang="en-US"/>
+            <a:endParaRPr kumimoji="1" lang="en-US">
+              <a:solidFill>
+                <a:schemeClr val="tx1"/>
+              </a:solidFill>
+              <a:latin typeface="Microsoft YaHei" panose="020B0503020204020204" pitchFamily="34" charset="-122"/>
+              <a:ea typeface="Microsoft YaHei" panose="020B0503020204020204" pitchFamily="34" charset="-122"/>
+            </a:endParaRPr>
           </a:p>
         </p:txBody>
       </p:sp>
@@ -7743,12 +8388,20 @@
         </p:nvSpPr>
         <p:spPr>
           <a:xfrm>
-            <a:off x="6693365" y="6217294"/>
+            <a:off x="6693365" y="6365222"/>
             <a:ext cx="458995" cy="430412"/>
           </a:xfrm>
           <a:prstGeom prst="ellipse">
             <a:avLst/>
           </a:prstGeom>
+          <a:solidFill>
+            <a:srgbClr val="D7EDFC"/>
+          </a:solidFill>
+          <a:ln>
+            <a:solidFill>
+              <a:srgbClr val="D0E7F6"/>
+            </a:solidFill>
+          </a:ln>
         </p:spPr>
         <p:style>
           <a:lnRef idx="2">
@@ -7771,7 +8424,13 @@
           <a:lstStyle/>
           <a:p>
             <a:pPr algn="ctr"/>
-            <a:endParaRPr lang="en-US"/>
+            <a:endParaRPr kumimoji="1" lang="en-US">
+              <a:solidFill>
+                <a:schemeClr val="tx1"/>
+              </a:solidFill>
+              <a:latin typeface="Microsoft YaHei" panose="020B0503020204020204" pitchFamily="34" charset="-122"/>
+              <a:ea typeface="Microsoft YaHei" panose="020B0503020204020204" pitchFamily="34" charset="-122"/>
+            </a:endParaRPr>
           </a:p>
         </p:txBody>
       </p:sp>
@@ -7789,12 +8448,20 @@
         </p:nvSpPr>
         <p:spPr>
           <a:xfrm>
-            <a:off x="8893875" y="4277937"/>
+            <a:off x="8893875" y="4425865"/>
             <a:ext cx="458995" cy="430412"/>
           </a:xfrm>
           <a:prstGeom prst="ellipse">
             <a:avLst/>
           </a:prstGeom>
+          <a:solidFill>
+            <a:srgbClr val="D7EDFC"/>
+          </a:solidFill>
+          <a:ln>
+            <a:solidFill>
+              <a:srgbClr val="D0E7F6"/>
+            </a:solidFill>
+          </a:ln>
         </p:spPr>
         <p:style>
           <a:lnRef idx="2">
@@ -7817,7 +8484,13 @@
           <a:lstStyle/>
           <a:p>
             <a:pPr algn="ctr"/>
-            <a:endParaRPr lang="en-US"/>
+            <a:endParaRPr kumimoji="1" lang="en-US">
+              <a:solidFill>
+                <a:schemeClr val="tx1"/>
+              </a:solidFill>
+              <a:latin typeface="Microsoft YaHei" panose="020B0503020204020204" pitchFamily="34" charset="-122"/>
+              <a:ea typeface="Microsoft YaHei" panose="020B0503020204020204" pitchFamily="34" charset="-122"/>
+            </a:endParaRPr>
           </a:p>
         </p:txBody>
       </p:sp>
@@ -7835,12 +8508,20 @@
         </p:nvSpPr>
         <p:spPr>
           <a:xfrm>
-            <a:off x="8893875" y="4809480"/>
+            <a:off x="8893875" y="4957408"/>
             <a:ext cx="458995" cy="430412"/>
           </a:xfrm>
           <a:prstGeom prst="ellipse">
             <a:avLst/>
           </a:prstGeom>
+          <a:solidFill>
+            <a:srgbClr val="D7EDFC"/>
+          </a:solidFill>
+          <a:ln>
+            <a:solidFill>
+              <a:srgbClr val="D0E7F6"/>
+            </a:solidFill>
+          </a:ln>
         </p:spPr>
         <p:style>
           <a:lnRef idx="2">
@@ -7863,7 +8544,13 @@
           <a:lstStyle/>
           <a:p>
             <a:pPr algn="ctr"/>
-            <a:endParaRPr lang="en-US"/>
+            <a:endParaRPr kumimoji="1" lang="en-US">
+              <a:solidFill>
+                <a:schemeClr val="tx1"/>
+              </a:solidFill>
+              <a:latin typeface="Microsoft YaHei" panose="020B0503020204020204" pitchFamily="34" charset="-122"/>
+              <a:ea typeface="Microsoft YaHei" panose="020B0503020204020204" pitchFamily="34" charset="-122"/>
+            </a:endParaRPr>
           </a:p>
         </p:txBody>
       </p:sp>
@@ -7881,12 +8568,20 @@
         </p:nvSpPr>
         <p:spPr>
           <a:xfrm>
-            <a:off x="8893875" y="5733659"/>
+            <a:off x="8893875" y="5881587"/>
             <a:ext cx="458995" cy="430412"/>
           </a:xfrm>
           <a:prstGeom prst="ellipse">
             <a:avLst/>
           </a:prstGeom>
+          <a:solidFill>
+            <a:srgbClr val="D7EDFC"/>
+          </a:solidFill>
+          <a:ln>
+            <a:solidFill>
+              <a:srgbClr val="D0E7F6"/>
+            </a:solidFill>
+          </a:ln>
         </p:spPr>
         <p:style>
           <a:lnRef idx="2">
@@ -7909,7 +8604,13 @@
           <a:lstStyle/>
           <a:p>
             <a:pPr algn="ctr"/>
-            <a:endParaRPr lang="en-US"/>
+            <a:endParaRPr kumimoji="1" lang="en-US">
+              <a:solidFill>
+                <a:schemeClr val="tx1"/>
+              </a:solidFill>
+              <a:latin typeface="Microsoft YaHei" panose="020B0503020204020204" pitchFamily="34" charset="-122"/>
+              <a:ea typeface="Microsoft YaHei" panose="020B0503020204020204" pitchFamily="34" charset="-122"/>
+            </a:endParaRPr>
           </a:p>
         </p:txBody>
       </p:sp>
@@ -7931,13 +8632,17 @@
         </p:nvCxnSpPr>
         <p:spPr>
           <a:xfrm>
-            <a:off x="7842710" y="3831555"/>
+            <a:off x="7842710" y="3979483"/>
             <a:ext cx="1051165" cy="661588"/>
           </a:xfrm>
           <a:prstGeom prst="line">
             <a:avLst/>
           </a:prstGeom>
-          <a:ln w="25400"/>
+          <a:ln w="25400">
+            <a:solidFill>
+              <a:srgbClr val="D8DAE4"/>
+            </a:solidFill>
+          </a:ln>
         </p:spPr>
         <p:style>
           <a:lnRef idx="1">
@@ -7972,13 +8677,17 @@
         </p:nvCxnSpPr>
         <p:spPr>
           <a:xfrm>
-            <a:off x="7842710" y="4327214"/>
+            <a:off x="7842710" y="4475142"/>
             <a:ext cx="1051165" cy="165929"/>
           </a:xfrm>
           <a:prstGeom prst="line">
             <a:avLst/>
           </a:prstGeom>
-          <a:ln w="25400"/>
+          <a:ln w="25400">
+            <a:solidFill>
+              <a:srgbClr val="D8DAE4"/>
+            </a:solidFill>
+          </a:ln>
         </p:spPr>
         <p:style>
           <a:lnRef idx="1">
@@ -8009,12 +8718,20 @@
         </p:nvSpPr>
         <p:spPr>
           <a:xfrm>
-            <a:off x="10176395" y="4200136"/>
+            <a:off x="10176395" y="4348064"/>
             <a:ext cx="458995" cy="430412"/>
           </a:xfrm>
           <a:prstGeom prst="ellipse">
             <a:avLst/>
           </a:prstGeom>
+          <a:solidFill>
+            <a:srgbClr val="D7EDFC"/>
+          </a:solidFill>
+          <a:ln>
+            <a:solidFill>
+              <a:srgbClr val="D0E7F6"/>
+            </a:solidFill>
+          </a:ln>
         </p:spPr>
         <p:style>
           <a:lnRef idx="2">
@@ -8037,7 +8754,13 @@
           <a:lstStyle/>
           <a:p>
             <a:pPr algn="ctr"/>
-            <a:endParaRPr lang="en-US"/>
+            <a:endParaRPr kumimoji="1" lang="en-US">
+              <a:solidFill>
+                <a:schemeClr val="tx1"/>
+              </a:solidFill>
+              <a:latin typeface="Microsoft YaHei" panose="020B0503020204020204" pitchFamily="34" charset="-122"/>
+              <a:ea typeface="Microsoft YaHei" panose="020B0503020204020204" pitchFamily="34" charset="-122"/>
+            </a:endParaRPr>
           </a:p>
         </p:txBody>
       </p:sp>
@@ -8055,12 +8778,20 @@
         </p:nvSpPr>
         <p:spPr>
           <a:xfrm>
-            <a:off x="10176395" y="4731679"/>
+            <a:off x="10176395" y="4879607"/>
             <a:ext cx="458995" cy="430412"/>
           </a:xfrm>
           <a:prstGeom prst="ellipse">
             <a:avLst/>
           </a:prstGeom>
+          <a:solidFill>
+            <a:srgbClr val="D7EDFC"/>
+          </a:solidFill>
+          <a:ln>
+            <a:solidFill>
+              <a:srgbClr val="D0E7F6"/>
+            </a:solidFill>
+          </a:ln>
         </p:spPr>
         <p:style>
           <a:lnRef idx="2">
@@ -8083,7 +8814,13 @@
           <a:lstStyle/>
           <a:p>
             <a:pPr algn="ctr"/>
-            <a:endParaRPr lang="en-US"/>
+            <a:endParaRPr kumimoji="1" lang="en-US">
+              <a:solidFill>
+                <a:schemeClr val="tx1"/>
+              </a:solidFill>
+              <a:latin typeface="Microsoft YaHei" panose="020B0503020204020204" pitchFamily="34" charset="-122"/>
+              <a:ea typeface="Microsoft YaHei" panose="020B0503020204020204" pitchFamily="34" charset="-122"/>
+            </a:endParaRPr>
           </a:p>
         </p:txBody>
       </p:sp>
@@ -8101,12 +8838,20 @@
         </p:nvSpPr>
         <p:spPr>
           <a:xfrm>
-            <a:off x="10176395" y="5765187"/>
+            <a:off x="10176395" y="5913115"/>
             <a:ext cx="458995" cy="430412"/>
           </a:xfrm>
           <a:prstGeom prst="ellipse">
             <a:avLst/>
           </a:prstGeom>
+          <a:solidFill>
+            <a:srgbClr val="D7EDFC"/>
+          </a:solidFill>
+          <a:ln>
+            <a:solidFill>
+              <a:srgbClr val="D0E7F6"/>
+            </a:solidFill>
+          </a:ln>
         </p:spPr>
         <p:style>
           <a:lnRef idx="2">
@@ -8129,7 +8874,13 @@
           <a:lstStyle/>
           <a:p>
             <a:pPr algn="ctr"/>
-            <a:endParaRPr lang="en-US"/>
+            <a:endParaRPr kumimoji="1" lang="en-US">
+              <a:solidFill>
+                <a:schemeClr val="tx1"/>
+              </a:solidFill>
+              <a:latin typeface="Microsoft YaHei" panose="020B0503020204020204" pitchFamily="34" charset="-122"/>
+              <a:ea typeface="Microsoft YaHei" panose="020B0503020204020204" pitchFamily="34" charset="-122"/>
+            </a:endParaRPr>
           </a:p>
         </p:txBody>
       </p:sp>
@@ -8147,12 +8898,20 @@
         </p:nvSpPr>
         <p:spPr>
           <a:xfrm>
-            <a:off x="10176395" y="5247899"/>
+            <a:off x="10176395" y="5395827"/>
             <a:ext cx="458995" cy="430412"/>
           </a:xfrm>
           <a:prstGeom prst="ellipse">
             <a:avLst/>
           </a:prstGeom>
+          <a:solidFill>
+            <a:srgbClr val="D7EDFC"/>
+          </a:solidFill>
+          <a:ln>
+            <a:solidFill>
+              <a:srgbClr val="D0E7F6"/>
+            </a:solidFill>
+          </a:ln>
         </p:spPr>
         <p:style>
           <a:lnRef idx="2">
@@ -8175,7 +8934,13 @@
           <a:lstStyle/>
           <a:p>
             <a:pPr algn="ctr"/>
-            <a:endParaRPr lang="en-US"/>
+            <a:endParaRPr kumimoji="1" lang="en-US">
+              <a:solidFill>
+                <a:schemeClr val="tx1"/>
+              </a:solidFill>
+              <a:latin typeface="Microsoft YaHei" panose="020B0503020204020204" pitchFamily="34" charset="-122"/>
+              <a:ea typeface="Microsoft YaHei" panose="020B0503020204020204" pitchFamily="34" charset="-122"/>
+            </a:endParaRPr>
           </a:p>
         </p:txBody>
       </p:sp>
@@ -8197,13 +8962,17 @@
         </p:nvCxnSpPr>
         <p:spPr>
           <a:xfrm flipV="1">
-            <a:off x="9352870" y="4415342"/>
+            <a:off x="9352870" y="4563270"/>
             <a:ext cx="823525" cy="77801"/>
           </a:xfrm>
           <a:prstGeom prst="line">
             <a:avLst/>
           </a:prstGeom>
-          <a:ln w="25400"/>
+          <a:ln w="25400">
+            <a:solidFill>
+              <a:srgbClr val="D8DAE4"/>
+            </a:solidFill>
+          </a:ln>
         </p:spPr>
         <p:style>
           <a:lnRef idx="1">
@@ -8238,13 +9007,17 @@
         </p:nvCxnSpPr>
         <p:spPr>
           <a:xfrm flipV="1">
-            <a:off x="9352870" y="4415342"/>
+            <a:off x="9352870" y="4563270"/>
             <a:ext cx="823525" cy="609344"/>
           </a:xfrm>
           <a:prstGeom prst="line">
             <a:avLst/>
           </a:prstGeom>
-          <a:ln w="25400"/>
+          <a:ln w="25400">
+            <a:solidFill>
+              <a:srgbClr val="D8DAE4"/>
+            </a:solidFill>
+          </a:ln>
         </p:spPr>
         <p:style>
           <a:lnRef idx="1">
@@ -8279,13 +9052,17 @@
         </p:nvCxnSpPr>
         <p:spPr>
           <a:xfrm flipV="1">
-            <a:off x="9352870" y="4415342"/>
+            <a:off x="9352870" y="4563270"/>
             <a:ext cx="823525" cy="1533523"/>
           </a:xfrm>
           <a:prstGeom prst="line">
             <a:avLst/>
           </a:prstGeom>
-          <a:ln w="25400"/>
+          <a:ln w="25400">
+            <a:solidFill>
+              <a:srgbClr val="D8DAE4"/>
+            </a:solidFill>
+          </a:ln>
         </p:spPr>
         <p:style>
           <a:lnRef idx="1">
@@ -8320,13 +9097,17 @@
         </p:nvCxnSpPr>
         <p:spPr>
           <a:xfrm flipV="1">
-            <a:off x="7842710" y="4493143"/>
+            <a:off x="7842710" y="4641071"/>
             <a:ext cx="1051165" cy="329730"/>
           </a:xfrm>
           <a:prstGeom prst="line">
             <a:avLst/>
           </a:prstGeom>
-          <a:ln w="25400"/>
+          <a:ln w="25400">
+            <a:solidFill>
+              <a:srgbClr val="D8DAE4"/>
+            </a:solidFill>
+          </a:ln>
         </p:spPr>
         <p:style>
           <a:lnRef idx="1">
@@ -8361,13 +9142,17 @@
         </p:nvCxnSpPr>
         <p:spPr>
           <a:xfrm flipV="1">
-            <a:off x="7152360" y="4493143"/>
+            <a:off x="7152360" y="4641071"/>
             <a:ext cx="1741515" cy="891139"/>
           </a:xfrm>
           <a:prstGeom prst="line">
             <a:avLst/>
           </a:prstGeom>
-          <a:ln w="25400"/>
+          <a:ln w="25400">
+            <a:solidFill>
+              <a:srgbClr val="D8DAE4"/>
+            </a:solidFill>
+          </a:ln>
         </p:spPr>
         <p:style>
           <a:lnRef idx="1">
@@ -8402,13 +9187,17 @@
         </p:nvCxnSpPr>
         <p:spPr>
           <a:xfrm flipV="1">
-            <a:off x="7152360" y="4493143"/>
+            <a:off x="7152360" y="4641071"/>
             <a:ext cx="1741515" cy="1422682"/>
           </a:xfrm>
           <a:prstGeom prst="line">
             <a:avLst/>
           </a:prstGeom>
-          <a:ln w="25400"/>
+          <a:ln w="25400">
+            <a:solidFill>
+              <a:srgbClr val="D8DAE4"/>
+            </a:solidFill>
+          </a:ln>
         </p:spPr>
         <p:style>
           <a:lnRef idx="1">
@@ -8443,13 +9232,17 @@
         </p:nvCxnSpPr>
         <p:spPr>
           <a:xfrm flipV="1">
-            <a:off x="7152360" y="4493143"/>
+            <a:off x="7152360" y="4641071"/>
             <a:ext cx="1741515" cy="1939357"/>
           </a:xfrm>
           <a:prstGeom prst="line">
             <a:avLst/>
           </a:prstGeom>
-          <a:ln w="25400"/>
+          <a:ln w="25400">
+            <a:solidFill>
+              <a:srgbClr val="D8DAE4"/>
+            </a:solidFill>
+          </a:ln>
         </p:spPr>
         <p:style>
           <a:lnRef idx="1">
@@ -8484,13 +9277,17 @@
         </p:nvCxnSpPr>
         <p:spPr>
           <a:xfrm>
-            <a:off x="7842710" y="3831555"/>
+            <a:off x="7842710" y="3979483"/>
             <a:ext cx="1051165" cy="1193131"/>
           </a:xfrm>
           <a:prstGeom prst="line">
             <a:avLst/>
           </a:prstGeom>
-          <a:ln w="25400"/>
+          <a:ln w="25400">
+            <a:solidFill>
+              <a:srgbClr val="D8DAE4"/>
+            </a:solidFill>
+          </a:ln>
         </p:spPr>
         <p:style>
           <a:lnRef idx="1">
@@ -8525,13 +9322,17 @@
         </p:nvCxnSpPr>
         <p:spPr>
           <a:xfrm>
-            <a:off x="7842710" y="4327214"/>
+            <a:off x="7842710" y="4475142"/>
             <a:ext cx="1051165" cy="697472"/>
           </a:xfrm>
           <a:prstGeom prst="line">
             <a:avLst/>
           </a:prstGeom>
-          <a:ln w="25400"/>
+          <a:ln w="25400">
+            <a:solidFill>
+              <a:srgbClr val="D8DAE4"/>
+            </a:solidFill>
+          </a:ln>
         </p:spPr>
         <p:style>
           <a:lnRef idx="1">
@@ -8566,13 +9367,17 @@
         </p:nvCxnSpPr>
         <p:spPr>
           <a:xfrm>
-            <a:off x="7842710" y="4822873"/>
+            <a:off x="7842710" y="4970801"/>
             <a:ext cx="1051165" cy="201813"/>
           </a:xfrm>
           <a:prstGeom prst="line">
             <a:avLst/>
           </a:prstGeom>
-          <a:ln w="25400"/>
+          <a:ln w="25400">
+            <a:solidFill>
+              <a:srgbClr val="D8DAE4"/>
+            </a:solidFill>
+          </a:ln>
         </p:spPr>
         <p:style>
           <a:lnRef idx="1">
@@ -8607,13 +9412,17 @@
         </p:nvCxnSpPr>
         <p:spPr>
           <a:xfrm flipV="1">
-            <a:off x="7152360" y="5024686"/>
+            <a:off x="7152360" y="5172614"/>
             <a:ext cx="1741515" cy="1407814"/>
           </a:xfrm>
           <a:prstGeom prst="line">
             <a:avLst/>
           </a:prstGeom>
-          <a:ln w="25400"/>
+          <a:ln w="25400">
+            <a:solidFill>
+              <a:srgbClr val="D8DAE4"/>
+            </a:solidFill>
+          </a:ln>
         </p:spPr>
         <p:style>
           <a:lnRef idx="1">
@@ -8648,13 +9457,17 @@
         </p:nvCxnSpPr>
         <p:spPr>
           <a:xfrm flipV="1">
-            <a:off x="7152360" y="5024686"/>
+            <a:off x="7152360" y="5172614"/>
             <a:ext cx="1741515" cy="891139"/>
           </a:xfrm>
           <a:prstGeom prst="line">
             <a:avLst/>
           </a:prstGeom>
-          <a:ln w="25400"/>
+          <a:ln w="25400">
+            <a:solidFill>
+              <a:srgbClr val="D8DAE4"/>
+            </a:solidFill>
+          </a:ln>
         </p:spPr>
         <p:style>
           <a:lnRef idx="1">
@@ -8689,13 +9502,17 @@
         </p:nvCxnSpPr>
         <p:spPr>
           <a:xfrm flipV="1">
-            <a:off x="7152360" y="5024686"/>
+            <a:off x="7152360" y="5172614"/>
             <a:ext cx="1741515" cy="359596"/>
           </a:xfrm>
           <a:prstGeom prst="line">
             <a:avLst/>
           </a:prstGeom>
-          <a:ln w="25400"/>
+          <a:ln w="25400">
+            <a:solidFill>
+              <a:srgbClr val="D8DAE4"/>
+            </a:solidFill>
+          </a:ln>
         </p:spPr>
         <p:style>
           <a:lnRef idx="1">
@@ -8730,13 +9547,17 @@
         </p:nvCxnSpPr>
         <p:spPr>
           <a:xfrm flipV="1">
-            <a:off x="7152360" y="5948865"/>
+            <a:off x="7152360" y="6096793"/>
             <a:ext cx="1741515" cy="483635"/>
           </a:xfrm>
           <a:prstGeom prst="line">
             <a:avLst/>
           </a:prstGeom>
-          <a:ln w="25400"/>
+          <a:ln w="25400">
+            <a:solidFill>
+              <a:srgbClr val="D8DAE4"/>
+            </a:solidFill>
+          </a:ln>
         </p:spPr>
         <p:style>
           <a:lnRef idx="1">
@@ -8771,13 +9592,17 @@
         </p:nvCxnSpPr>
         <p:spPr>
           <a:xfrm>
-            <a:off x="7152360" y="5915825"/>
+            <a:off x="7152360" y="6063753"/>
             <a:ext cx="1741515" cy="33040"/>
           </a:xfrm>
           <a:prstGeom prst="line">
             <a:avLst/>
           </a:prstGeom>
-          <a:ln w="25400"/>
+          <a:ln w="25400">
+            <a:solidFill>
+              <a:srgbClr val="D8DAE4"/>
+            </a:solidFill>
+          </a:ln>
         </p:spPr>
         <p:style>
           <a:lnRef idx="1">
@@ -8812,13 +9637,17 @@
         </p:nvCxnSpPr>
         <p:spPr>
           <a:xfrm>
-            <a:off x="7152360" y="5384282"/>
+            <a:off x="7152360" y="5532210"/>
             <a:ext cx="1741515" cy="564583"/>
           </a:xfrm>
           <a:prstGeom prst="line">
             <a:avLst/>
           </a:prstGeom>
-          <a:ln w="25400"/>
+          <a:ln w="25400">
+            <a:solidFill>
+              <a:srgbClr val="D8DAE4"/>
+            </a:solidFill>
+          </a:ln>
         </p:spPr>
         <p:style>
           <a:lnRef idx="1">
@@ -8853,13 +9682,17 @@
         </p:nvCxnSpPr>
         <p:spPr>
           <a:xfrm>
-            <a:off x="7842710" y="4822873"/>
+            <a:off x="7842710" y="4970801"/>
             <a:ext cx="1051165" cy="1125992"/>
           </a:xfrm>
           <a:prstGeom prst="line">
             <a:avLst/>
           </a:prstGeom>
-          <a:ln w="25400"/>
+          <a:ln w="25400">
+            <a:solidFill>
+              <a:srgbClr val="D8DAE4"/>
+            </a:solidFill>
+          </a:ln>
         </p:spPr>
         <p:style>
           <a:lnRef idx="1">
@@ -8894,13 +9727,17 @@
         </p:nvCxnSpPr>
         <p:spPr>
           <a:xfrm>
-            <a:off x="7842710" y="4327214"/>
+            <a:off x="7842710" y="4475142"/>
             <a:ext cx="1051165" cy="1621651"/>
           </a:xfrm>
           <a:prstGeom prst="line">
             <a:avLst/>
           </a:prstGeom>
-          <a:ln w="25400"/>
+          <a:ln w="25400">
+            <a:solidFill>
+              <a:srgbClr val="D8DAE4"/>
+            </a:solidFill>
+          </a:ln>
         </p:spPr>
         <p:style>
           <a:lnRef idx="1">
@@ -8935,13 +9772,17 @@
         </p:nvCxnSpPr>
         <p:spPr>
           <a:xfrm>
-            <a:off x="7842710" y="3831555"/>
+            <a:off x="7842710" y="3979483"/>
             <a:ext cx="1051165" cy="2117310"/>
           </a:xfrm>
           <a:prstGeom prst="line">
             <a:avLst/>
           </a:prstGeom>
-          <a:ln w="25400"/>
+          <a:ln w="25400">
+            <a:solidFill>
+              <a:srgbClr val="D8DAE4"/>
+            </a:solidFill>
+          </a:ln>
         </p:spPr>
         <p:style>
           <a:lnRef idx="1">
@@ -8976,13 +9817,17 @@
         </p:nvCxnSpPr>
         <p:spPr>
           <a:xfrm>
-            <a:off x="9352870" y="4493143"/>
+            <a:off x="9352870" y="4641071"/>
             <a:ext cx="823525" cy="453742"/>
           </a:xfrm>
           <a:prstGeom prst="line">
             <a:avLst/>
           </a:prstGeom>
-          <a:ln w="25400"/>
+          <a:ln w="25400">
+            <a:solidFill>
+              <a:srgbClr val="D8DAE4"/>
+            </a:solidFill>
+          </a:ln>
         </p:spPr>
         <p:style>
           <a:lnRef idx="1">
@@ -9017,13 +9862,17 @@
         </p:nvCxnSpPr>
         <p:spPr>
           <a:xfrm flipV="1">
-            <a:off x="9352870" y="4946885"/>
+            <a:off x="9352870" y="5094813"/>
             <a:ext cx="823525" cy="77801"/>
           </a:xfrm>
           <a:prstGeom prst="line">
             <a:avLst/>
           </a:prstGeom>
-          <a:ln w="25400"/>
+          <a:ln w="25400">
+            <a:solidFill>
+              <a:srgbClr val="D8DAE4"/>
+            </a:solidFill>
+          </a:ln>
         </p:spPr>
         <p:style>
           <a:lnRef idx="1">
@@ -9058,13 +9907,17 @@
         </p:nvCxnSpPr>
         <p:spPr>
           <a:xfrm flipV="1">
-            <a:off x="9352870" y="4946885"/>
+            <a:off x="9352870" y="5094813"/>
             <a:ext cx="823525" cy="1001980"/>
           </a:xfrm>
           <a:prstGeom prst="line">
             <a:avLst/>
           </a:prstGeom>
-          <a:ln w="25400"/>
+          <a:ln w="25400">
+            <a:solidFill>
+              <a:srgbClr val="D8DAE4"/>
+            </a:solidFill>
+          </a:ln>
         </p:spPr>
         <p:style>
           <a:lnRef idx="1">
@@ -9099,13 +9952,17 @@
         </p:nvCxnSpPr>
         <p:spPr>
           <a:xfrm flipV="1">
-            <a:off x="9352870" y="5463105"/>
+            <a:off x="9352870" y="5611033"/>
             <a:ext cx="823525" cy="485760"/>
           </a:xfrm>
           <a:prstGeom prst="line">
             <a:avLst/>
           </a:prstGeom>
-          <a:ln w="25400"/>
+          <a:ln w="25400">
+            <a:solidFill>
+              <a:srgbClr val="D8DAE4"/>
+            </a:solidFill>
+          </a:ln>
         </p:spPr>
         <p:style>
           <a:lnRef idx="1">
@@ -9140,13 +9997,17 @@
         </p:nvCxnSpPr>
         <p:spPr>
           <a:xfrm>
-            <a:off x="9352870" y="5024686"/>
+            <a:off x="9352870" y="5172614"/>
             <a:ext cx="823525" cy="438419"/>
           </a:xfrm>
           <a:prstGeom prst="line">
             <a:avLst/>
           </a:prstGeom>
-          <a:ln w="25400"/>
+          <a:ln w="25400">
+            <a:solidFill>
+              <a:srgbClr val="D8DAE4"/>
+            </a:solidFill>
+          </a:ln>
         </p:spPr>
         <p:style>
           <a:lnRef idx="1">
@@ -9181,13 +10042,17 @@
         </p:nvCxnSpPr>
         <p:spPr>
           <a:xfrm>
-            <a:off x="9352870" y="4493143"/>
+            <a:off x="9352870" y="4641071"/>
             <a:ext cx="823525" cy="969962"/>
           </a:xfrm>
           <a:prstGeom prst="line">
             <a:avLst/>
           </a:prstGeom>
-          <a:ln w="25400"/>
+          <a:ln w="25400">
+            <a:solidFill>
+              <a:srgbClr val="D8DAE4"/>
+            </a:solidFill>
+          </a:ln>
         </p:spPr>
         <p:style>
           <a:lnRef idx="1">
@@ -9222,13 +10087,17 @@
         </p:nvCxnSpPr>
         <p:spPr>
           <a:xfrm>
-            <a:off x="9352870" y="5948865"/>
+            <a:off x="9352870" y="6096793"/>
             <a:ext cx="823525" cy="31528"/>
           </a:xfrm>
           <a:prstGeom prst="line">
             <a:avLst/>
           </a:prstGeom>
-          <a:ln w="25400"/>
+          <a:ln w="25400">
+            <a:solidFill>
+              <a:srgbClr val="D8DAE4"/>
+            </a:solidFill>
+          </a:ln>
         </p:spPr>
         <p:style>
           <a:lnRef idx="1">
@@ -9263,13 +10132,17 @@
         </p:nvCxnSpPr>
         <p:spPr>
           <a:xfrm>
-            <a:off x="9352870" y="5024686"/>
+            <a:off x="9352870" y="5172614"/>
             <a:ext cx="823525" cy="955707"/>
           </a:xfrm>
           <a:prstGeom prst="line">
             <a:avLst/>
           </a:prstGeom>
-          <a:ln w="25400"/>
+          <a:ln w="25400">
+            <a:solidFill>
+              <a:srgbClr val="D8DAE4"/>
+            </a:solidFill>
+          </a:ln>
         </p:spPr>
         <p:style>
           <a:lnRef idx="1">
@@ -9297,20 +10170,24 @@
           </p:cNvPr>
           <p:cNvCxnSpPr>
             <a:cxnSpLocks/>
-            <a:stCxn id="201" idx="7"/>
+            <a:stCxn id="201" idx="6"/>
             <a:endCxn id="215" idx="2"/>
           </p:cNvCxnSpPr>
           <p:nvPr/>
         </p:nvCxnSpPr>
         <p:spPr>
           <a:xfrm>
-            <a:off x="9285652" y="4340969"/>
-            <a:ext cx="890743" cy="1639424"/>
+            <a:off x="9352870" y="4641071"/>
+            <a:ext cx="823525" cy="1487250"/>
           </a:xfrm>
           <a:prstGeom prst="line">
             <a:avLst/>
           </a:prstGeom>
-          <a:ln w="25400"/>
+          <a:ln w="25400">
+            <a:solidFill>
+              <a:srgbClr val="D8DAE4"/>
+            </a:solidFill>
+          </a:ln>
         </p:spPr>
         <p:style>
           <a:lnRef idx="1">
@@ -9345,13 +10222,16 @@
         </p:nvCxnSpPr>
         <p:spPr>
           <a:xfrm>
-            <a:off x="4133088" y="5930752"/>
-            <a:ext cx="2560277" cy="501748"/>
+            <a:off x="3968496" y="6045067"/>
+            <a:ext cx="2724869" cy="535361"/>
           </a:xfrm>
           <a:prstGeom prst="line">
             <a:avLst/>
           </a:prstGeom>
           <a:ln w="25400">
+            <a:solidFill>
+              <a:srgbClr val="65768A"/>
+            </a:solidFill>
             <a:tailEnd type="triangle" w="lg" len="lg"/>
           </a:ln>
         </p:spPr>
@@ -9388,13 +10268,16 @@
         </p:nvCxnSpPr>
         <p:spPr>
           <a:xfrm>
-            <a:off x="4133088" y="4970941"/>
-            <a:ext cx="2560277" cy="944884"/>
+            <a:off x="3968496" y="5085256"/>
+            <a:ext cx="2724869" cy="978497"/>
           </a:xfrm>
           <a:prstGeom prst="line">
             <a:avLst/>
           </a:prstGeom>
           <a:ln w="25400">
+            <a:solidFill>
+              <a:srgbClr val="65768A"/>
+            </a:solidFill>
             <a:tailEnd type="triangle" w="lg" len="lg"/>
           </a:ln>
         </p:spPr>
@@ -9431,13 +10314,16 @@
         </p:nvCxnSpPr>
         <p:spPr>
           <a:xfrm>
-            <a:off x="4133088" y="3995772"/>
-            <a:ext cx="2560277" cy="1388510"/>
+            <a:off x="3968496" y="4110087"/>
+            <a:ext cx="2724869" cy="1422123"/>
           </a:xfrm>
           <a:prstGeom prst="line">
             <a:avLst/>
           </a:prstGeom>
           <a:ln w="25400">
+            <a:solidFill>
+              <a:srgbClr val="65768A"/>
+            </a:solidFill>
             <a:tailEnd type="triangle" w="lg" len="lg"/>
           </a:ln>
         </p:spPr>
@@ -9474,13 +10360,16 @@
         </p:nvCxnSpPr>
         <p:spPr>
           <a:xfrm>
-            <a:off x="4133088" y="3029916"/>
-            <a:ext cx="2027967" cy="1792957"/>
+            <a:off x="3968496" y="3144231"/>
+            <a:ext cx="2192559" cy="1826570"/>
           </a:xfrm>
           <a:prstGeom prst="line">
             <a:avLst/>
           </a:prstGeom>
           <a:ln w="25400">
+            <a:solidFill>
+              <a:srgbClr val="65768A"/>
+            </a:solidFill>
             <a:tailEnd type="triangle" w="lg" len="lg"/>
           </a:ln>
         </p:spPr>
@@ -9517,13 +10406,16 @@
         </p:nvCxnSpPr>
         <p:spPr>
           <a:xfrm>
-            <a:off x="4133088" y="2058925"/>
-            <a:ext cx="2027967" cy="2268289"/>
+            <a:off x="3968496" y="2173240"/>
+            <a:ext cx="2192559" cy="2301902"/>
           </a:xfrm>
           <a:prstGeom prst="line">
             <a:avLst/>
           </a:prstGeom>
           <a:ln w="25400">
+            <a:solidFill>
+              <a:srgbClr val="65768A"/>
+            </a:solidFill>
             <a:tailEnd type="triangle" w="lg" len="lg"/>
           </a:ln>
         </p:spPr>
@@ -9560,13 +10452,16 @@
         </p:nvCxnSpPr>
         <p:spPr>
           <a:xfrm>
-            <a:off x="4133088" y="1083756"/>
-            <a:ext cx="2027967" cy="2747799"/>
+            <a:off x="3968496" y="1198071"/>
+            <a:ext cx="2192559" cy="2781412"/>
           </a:xfrm>
           <a:prstGeom prst="line">
             <a:avLst/>
           </a:prstGeom>
           <a:ln w="25400">
+            <a:solidFill>
+              <a:srgbClr val="65768A"/>
+            </a:solidFill>
             <a:tailEnd type="triangle" w="lg" len="lg"/>
           </a:ln>
         </p:spPr>
@@ -9599,7 +10494,7 @@
         </p:nvSpPr>
         <p:spPr>
           <a:xfrm>
-            <a:off x="859536" y="29816"/>
+            <a:off x="859536" y="177744"/>
             <a:ext cx="3273552" cy="537957"/>
           </a:xfrm>
           <a:prstGeom prst="rect">
@@ -9632,17 +10527,21 @@
           <a:p>
             <a:pPr algn="ctr"/>
             <a:r>
-              <a:rPr lang="zh-CN" altLang="en-US" sz="3600" b="1" dirty="0">
+              <a:rPr lang="zh-CN" altLang="en-US" sz="2800" b="1" dirty="0">
                 <a:solidFill>
                   <a:schemeClr val="tx1"/>
                 </a:solidFill>
+                <a:latin typeface="Microsoft YaHei" panose="020B0503020204020204" pitchFamily="34" charset="-122"/>
+                <a:ea typeface="Microsoft YaHei" panose="020B0503020204020204" pitchFamily="34" charset="-122"/>
               </a:rPr>
               <a:t>状态</a:t>
             </a:r>
-            <a:endParaRPr lang="en-US" sz="3600" b="1" dirty="0">
+            <a:endParaRPr lang="en-US" sz="2800" b="1" dirty="0">
               <a:solidFill>
                 <a:schemeClr val="tx1"/>
               </a:solidFill>
+              <a:latin typeface="Microsoft YaHei" panose="020B0503020204020204" pitchFamily="34" charset="-122"/>
+              <a:ea typeface="Microsoft YaHei" panose="020B0503020204020204" pitchFamily="34" charset="-122"/>
             </a:endParaRPr>
           </a:p>
         </p:txBody>
@@ -9661,7 +10560,7 @@
         </p:nvSpPr>
         <p:spPr>
           <a:xfrm>
-            <a:off x="7648876" y="142726"/>
+            <a:off x="7648876" y="290654"/>
             <a:ext cx="3273552" cy="537957"/>
           </a:xfrm>
           <a:prstGeom prst="rect">
@@ -9694,17 +10593,23 @@
           <a:p>
             <a:pPr algn="ctr"/>
             <a:r>
-              <a:rPr lang="en-US" altLang="zh-CN" sz="3600" b="1" dirty="0">
+              <a:rPr lang="en-US" altLang="zh-CN" sz="2800" b="1" dirty="0">
                 <a:solidFill>
                   <a:schemeClr val="tx1"/>
                 </a:solidFill>
+                <a:latin typeface="Segoe UI" panose="020B0502040204020203" pitchFamily="34" charset="0"/>
+                <a:ea typeface="Microsoft YaHei" panose="020B0503020204020204" pitchFamily="34" charset="-122"/>
+                <a:cs typeface="Segoe UI" panose="020B0502040204020203" pitchFamily="34" charset="0"/>
               </a:rPr>
               <a:t>Actor</a:t>
             </a:r>
-            <a:endParaRPr lang="en-US" sz="3600" b="1" dirty="0">
+            <a:endParaRPr lang="en-US" sz="2800" b="1" dirty="0">
               <a:solidFill>
                 <a:schemeClr val="tx1"/>
               </a:solidFill>
+              <a:latin typeface="Segoe UI" panose="020B0502040204020203" pitchFamily="34" charset="0"/>
+              <a:ea typeface="Microsoft YaHei" panose="020B0503020204020204" pitchFamily="34" charset="-122"/>
+              <a:cs typeface="Segoe UI" panose="020B0502040204020203" pitchFamily="34" charset="0"/>
             </a:endParaRPr>
           </a:p>
         </p:txBody>
@@ -9723,7 +10628,7 @@
         </p:nvSpPr>
         <p:spPr>
           <a:xfrm>
-            <a:off x="7645181" y="3624094"/>
+            <a:off x="7645181" y="3772022"/>
             <a:ext cx="3273552" cy="537957"/>
           </a:xfrm>
           <a:prstGeom prst="rect">
@@ -9756,17 +10661,23 @@
           <a:p>
             <a:pPr algn="ctr"/>
             <a:r>
-              <a:rPr lang="en-US" altLang="zh-CN" sz="3600" b="1" dirty="0">
+              <a:rPr lang="en-US" altLang="zh-CN" sz="2800" b="1" dirty="0">
                 <a:solidFill>
                   <a:schemeClr val="tx1"/>
                 </a:solidFill>
+                <a:latin typeface="Segoe UI" panose="020B0502040204020203" pitchFamily="34" charset="0"/>
+                <a:ea typeface="Segoe UI Black" panose="020B0A02040204020203" pitchFamily="34" charset="0"/>
+                <a:cs typeface="Segoe UI" panose="020B0502040204020203" pitchFamily="34" charset="0"/>
               </a:rPr>
               <a:t>Critic</a:t>
             </a:r>
-            <a:endParaRPr lang="en-US" sz="3600" b="1" dirty="0">
+            <a:endParaRPr lang="en-US" sz="2800" b="1" dirty="0">
               <a:solidFill>
                 <a:schemeClr val="tx1"/>
               </a:solidFill>
+              <a:latin typeface="Segoe UI" panose="020B0502040204020203" pitchFamily="34" charset="0"/>
+              <a:ea typeface="Segoe UI Black" panose="020B0A02040204020203" pitchFamily="34" charset="0"/>
+              <a:cs typeface="Segoe UI" panose="020B0502040204020203" pitchFamily="34" charset="0"/>
             </a:endParaRPr>
           </a:p>
         </p:txBody>
@@ -9815,12 +10726,18 @@
         </p:nvSpPr>
         <p:spPr>
           <a:xfrm>
-            <a:off x="4027391" y="1075758"/>
+            <a:off x="5197284" y="1855694"/>
             <a:ext cx="1277471" cy="591671"/>
           </a:xfrm>
           <a:prstGeom prst="roundRect">
             <a:avLst/>
           </a:prstGeom>
+          <a:solidFill>
+            <a:srgbClr val="38B2FD"/>
+          </a:solidFill>
+          <a:ln w="15875">
+            <a:noFill/>
+          </a:ln>
         </p:spPr>
         <p:style>
           <a:lnRef idx="2">
@@ -9844,19 +10761,34 @@
           <a:p>
             <a:pPr algn="ctr"/>
             <a:r>
-              <a:rPr lang="zh-CN" altLang="en-US" sz="2000" b="1" dirty="0">
-                <a:latin typeface="DengXian (Body)"/>
+              <a:rPr kumimoji="1" lang="zh-CN" altLang="en-US" sz="2000" dirty="0">
+                <a:solidFill>
+                  <a:schemeClr val="bg1"/>
+                </a:solidFill>
+                <a:latin typeface="Microsoft YaHei" panose="020B0503020204020204" pitchFamily="34" charset="-122"/>
+                <a:ea typeface="Microsoft YaHei" panose="020B0503020204020204" pitchFamily="34" charset="-122"/>
+                <a:cs typeface="Segoe UI Semibold" panose="020B0502040204020203" pitchFamily="34" charset="0"/>
               </a:rPr>
               <a:t>模型 </a:t>
             </a:r>
             <a:r>
-              <a:rPr lang="en-US" altLang="zh-CN" sz="2000" b="1" dirty="0">
-                <a:latin typeface="DengXian (Body)"/>
+              <a:rPr kumimoji="1" lang="en-US" altLang="zh-CN" sz="2000" dirty="0">
+                <a:solidFill>
+                  <a:schemeClr val="bg1"/>
+                </a:solidFill>
+                <a:latin typeface="Microsoft YaHei" panose="020B0503020204020204" pitchFamily="34" charset="-122"/>
+                <a:ea typeface="Microsoft YaHei" panose="020B0503020204020204" pitchFamily="34" charset="-122"/>
+                <a:cs typeface="Segoe UI Semibold" panose="020B0502040204020203" pitchFamily="34" charset="0"/>
               </a:rPr>
               <a:t>1.1</a:t>
             </a:r>
-            <a:endParaRPr lang="en-US" sz="2000" b="1" dirty="0">
-              <a:latin typeface="DengXian (Body)"/>
+            <a:endParaRPr kumimoji="1" lang="en-US" sz="2000" dirty="0">
+              <a:solidFill>
+                <a:schemeClr val="bg1"/>
+              </a:solidFill>
+              <a:latin typeface="Microsoft YaHei" panose="020B0503020204020204" pitchFamily="34" charset="-122"/>
+              <a:ea typeface="Microsoft YaHei" panose="020B0503020204020204" pitchFamily="34" charset="-122"/>
+              <a:cs typeface="Segoe UI Semibold" panose="020B0502040204020203" pitchFamily="34" charset="0"/>
             </a:endParaRPr>
           </a:p>
         </p:txBody>
@@ -9875,12 +10807,18 @@
         </p:nvSpPr>
         <p:spPr>
           <a:xfrm>
-            <a:off x="2317377" y="2176169"/>
+            <a:off x="3487270" y="2956105"/>
             <a:ext cx="1277471" cy="591671"/>
           </a:xfrm>
           <a:prstGeom prst="roundRect">
             <a:avLst/>
           </a:prstGeom>
+          <a:solidFill>
+            <a:srgbClr val="38B2FD"/>
+          </a:solidFill>
+          <a:ln w="15875">
+            <a:noFill/>
+          </a:ln>
         </p:spPr>
         <p:style>
           <a:lnRef idx="2">
@@ -9904,19 +10842,34 @@
           <a:p>
             <a:pPr algn="ctr"/>
             <a:r>
-              <a:rPr lang="zh-CN" altLang="en-US" sz="2000" b="1" dirty="0">
-                <a:latin typeface="DengXian (Body)"/>
+              <a:rPr kumimoji="1" lang="zh-CN" altLang="en-US" sz="2000" dirty="0">
+                <a:solidFill>
+                  <a:schemeClr val="bg1"/>
+                </a:solidFill>
+                <a:latin typeface="Microsoft YaHei" panose="020B0503020204020204" pitchFamily="34" charset="-122"/>
+                <a:ea typeface="Microsoft YaHei" panose="020B0503020204020204" pitchFamily="34" charset="-122"/>
+                <a:cs typeface="Segoe UI Semibold" panose="020B0502040204020203" pitchFamily="34" charset="0"/>
               </a:rPr>
               <a:t>模型 </a:t>
             </a:r>
             <a:r>
-              <a:rPr lang="en-US" altLang="zh-CN" sz="2000" b="1" dirty="0">
-                <a:latin typeface="DengXian (Body)"/>
+              <a:rPr kumimoji="1" lang="en-US" altLang="zh-CN" sz="2000" dirty="0">
+                <a:solidFill>
+                  <a:schemeClr val="bg1"/>
+                </a:solidFill>
+                <a:latin typeface="Microsoft YaHei" panose="020B0503020204020204" pitchFamily="34" charset="-122"/>
+                <a:ea typeface="Microsoft YaHei" panose="020B0503020204020204" pitchFamily="34" charset="-122"/>
+                <a:cs typeface="Segoe UI Semibold" panose="020B0502040204020203" pitchFamily="34" charset="0"/>
               </a:rPr>
               <a:t>2.1</a:t>
             </a:r>
-            <a:endParaRPr lang="en-US" sz="2000" b="1" dirty="0">
-              <a:latin typeface="DengXian (Body)"/>
+            <a:endParaRPr kumimoji="1" lang="en-US" sz="2000" dirty="0">
+              <a:solidFill>
+                <a:schemeClr val="bg1"/>
+              </a:solidFill>
+              <a:latin typeface="Microsoft YaHei" panose="020B0503020204020204" pitchFamily="34" charset="-122"/>
+              <a:ea typeface="Microsoft YaHei" panose="020B0503020204020204" pitchFamily="34" charset="-122"/>
+              <a:cs typeface="Segoe UI Semibold" panose="020B0502040204020203" pitchFamily="34" charset="0"/>
             </a:endParaRPr>
           </a:p>
         </p:txBody>
@@ -9935,12 +10888,18 @@
         </p:nvSpPr>
         <p:spPr>
           <a:xfrm>
-            <a:off x="5831541" y="2176169"/>
+            <a:off x="7001434" y="2956105"/>
             <a:ext cx="1277471" cy="591671"/>
           </a:xfrm>
           <a:prstGeom prst="roundRect">
             <a:avLst/>
           </a:prstGeom>
+          <a:solidFill>
+            <a:srgbClr val="38B2FD"/>
+          </a:solidFill>
+          <a:ln w="15875">
+            <a:noFill/>
+          </a:ln>
         </p:spPr>
         <p:style>
           <a:lnRef idx="2">
@@ -9964,19 +10923,34 @@
           <a:p>
             <a:pPr algn="ctr"/>
             <a:r>
-              <a:rPr lang="zh-CN" altLang="en-US" sz="2000" b="1" dirty="0">
-                <a:latin typeface="DengXian (Body)"/>
+              <a:rPr kumimoji="1" lang="zh-CN" altLang="en-US" sz="2000" dirty="0">
+                <a:solidFill>
+                  <a:schemeClr val="bg1"/>
+                </a:solidFill>
+                <a:latin typeface="Microsoft YaHei" panose="020B0503020204020204" pitchFamily="34" charset="-122"/>
+                <a:ea typeface="Microsoft YaHei" panose="020B0503020204020204" pitchFamily="34" charset="-122"/>
+                <a:cs typeface="Segoe UI Semibold" panose="020B0502040204020203" pitchFamily="34" charset="0"/>
               </a:rPr>
               <a:t>模型 </a:t>
             </a:r>
             <a:r>
-              <a:rPr lang="en-US" altLang="zh-CN" sz="2000" b="1" dirty="0">
-                <a:latin typeface="DengXian (Body)"/>
+              <a:rPr kumimoji="1" lang="en-US" altLang="zh-CN" sz="2000" dirty="0">
+                <a:solidFill>
+                  <a:schemeClr val="bg1"/>
+                </a:solidFill>
+                <a:latin typeface="Microsoft YaHei" panose="020B0503020204020204" pitchFamily="34" charset="-122"/>
+                <a:ea typeface="Microsoft YaHei" panose="020B0503020204020204" pitchFamily="34" charset="-122"/>
+                <a:cs typeface="Segoe UI Semibold" panose="020B0502040204020203" pitchFamily="34" charset="0"/>
               </a:rPr>
               <a:t>2.2</a:t>
             </a:r>
-            <a:endParaRPr lang="en-US" sz="2000" b="1" dirty="0">
-              <a:latin typeface="DengXian (Body)"/>
+            <a:endParaRPr kumimoji="1" lang="en-US" sz="2000" dirty="0">
+              <a:solidFill>
+                <a:schemeClr val="bg1"/>
+              </a:solidFill>
+              <a:latin typeface="Microsoft YaHei" panose="020B0503020204020204" pitchFamily="34" charset="-122"/>
+              <a:ea typeface="Microsoft YaHei" panose="020B0503020204020204" pitchFamily="34" charset="-122"/>
+              <a:cs typeface="Segoe UI Semibold" panose="020B0502040204020203" pitchFamily="34" charset="0"/>
             </a:endParaRPr>
           </a:p>
         </p:txBody>
@@ -9999,7 +10973,7 @@
         </p:nvCxnSpPr>
         <p:spPr>
           <a:xfrm>
-            <a:off x="4666127" y="1667429"/>
+            <a:off x="5836020" y="2447365"/>
             <a:ext cx="1804150" cy="508740"/>
           </a:xfrm>
           <a:prstGeom prst="line">
@@ -10007,7 +10981,7 @@
           </a:prstGeom>
           <a:ln w="25400">
             <a:solidFill>
-              <a:schemeClr val="tx1"/>
+              <a:srgbClr val="65768A"/>
             </a:solidFill>
             <a:tailEnd type="triangle" w="lg" len="lg"/>
           </a:ln>
@@ -10045,13 +11019,16 @@
         </p:nvCxnSpPr>
         <p:spPr>
           <a:xfrm flipH="1">
-            <a:off x="2956113" y="1667429"/>
+            <a:off x="4126006" y="2447365"/>
             <a:ext cx="1710014" cy="508740"/>
           </a:xfrm>
           <a:prstGeom prst="line">
             <a:avLst/>
           </a:prstGeom>
           <a:ln w="25400">
+            <a:solidFill>
+              <a:srgbClr val="D8DAE4"/>
+            </a:solidFill>
             <a:tailEnd type="triangle" w="lg" len="lg"/>
           </a:ln>
         </p:spPr>
@@ -10085,13 +11062,13 @@
           <p:nvPr>
             <p:extLst>
               <p:ext uri="{D42A27DB-BD31-4B8C-83A1-F6EECF244321}">
-                <p14:modId xmlns:p14="http://schemas.microsoft.com/office/powerpoint/2010/main" val="146065348"/>
+                <p14:modId xmlns:p14="http://schemas.microsoft.com/office/powerpoint/2010/main" val="894061526"/>
               </p:ext>
             </p:extLst>
           </p:nvPr>
         </p:nvGraphicFramePr>
         <p:xfrm>
-          <a:off x="5346690" y="1366517"/>
+          <a:off x="6516583" y="2146453"/>
           <a:ext cx="3457392" cy="304800"/>
         </p:xfrm>
         <a:graphic>
@@ -10166,12 +11143,22 @@
                     <a:p>
                       <a:pPr algn="ctr"/>
                       <a:r>
-                        <a:rPr lang="en-US" sz="1400" b="0" i="1" dirty="0"/>
+                        <a:rPr lang="en-US" sz="1400" b="0" i="1" dirty="0">
+                          <a:solidFill>
+                            <a:schemeClr val="tx1"/>
+                          </a:solidFill>
+                          <a:latin typeface="Segoe UI" panose="020B0502040204020203" pitchFamily="34" charset="0"/>
+                          <a:cs typeface="Segoe UI" panose="020B0502040204020203" pitchFamily="34" charset="0"/>
+                        </a:rPr>
                         <a:t>1</a:t>
                       </a:r>
                     </a:p>
                   </a:txBody>
-                  <a:tcPr anchor="ctr"/>
+                  <a:tcPr anchor="ctr">
+                    <a:solidFill>
+                      <a:srgbClr val="D7EDFC"/>
+                    </a:solidFill>
+                  </a:tcPr>
                 </a:tc>
                 <a:tc>
                   <a:txBody>
@@ -10180,12 +11167,22 @@
                     <a:p>
                       <a:pPr algn="ctr"/>
                       <a:r>
-                        <a:rPr lang="en-US" sz="1400" b="0" i="1" dirty="0"/>
+                        <a:rPr lang="en-US" sz="1400" b="0" i="1" dirty="0">
+                          <a:solidFill>
+                            <a:schemeClr val="tx1"/>
+                          </a:solidFill>
+                          <a:latin typeface="Segoe UI" panose="020B0502040204020203" pitchFamily="34" charset="0"/>
+                          <a:cs typeface="Segoe UI" panose="020B0502040204020203" pitchFamily="34" charset="0"/>
+                        </a:rPr>
                         <a:t>2</a:t>
                       </a:r>
                     </a:p>
                   </a:txBody>
-                  <a:tcPr anchor="ctr"/>
+                  <a:tcPr anchor="ctr">
+                    <a:solidFill>
+                      <a:srgbClr val="D7EDFC"/>
+                    </a:solidFill>
+                  </a:tcPr>
                 </a:tc>
                 <a:tc>
                   <a:txBody>
@@ -10194,12 +11191,22 @@
                     <a:p>
                       <a:pPr algn="ctr"/>
                       <a:r>
-                        <a:rPr lang="en-US" sz="1400" b="0" i="1" dirty="0"/>
+                        <a:rPr lang="en-US" sz="1400" b="0" i="1" dirty="0">
+                          <a:solidFill>
+                            <a:schemeClr val="tx1"/>
+                          </a:solidFill>
+                          <a:latin typeface="Segoe UI" panose="020B0502040204020203" pitchFamily="34" charset="0"/>
+                          <a:cs typeface="Segoe UI" panose="020B0502040204020203" pitchFamily="34" charset="0"/>
+                        </a:rPr>
                         <a:t>3</a:t>
                       </a:r>
                     </a:p>
                   </a:txBody>
-                  <a:tcPr anchor="ctr"/>
+                  <a:tcPr anchor="ctr">
+                    <a:solidFill>
+                      <a:srgbClr val="D7EDFC"/>
+                    </a:solidFill>
+                  </a:tcPr>
                 </a:tc>
                 <a:tc>
                   <a:txBody>
@@ -10208,12 +11215,22 @@
                     <a:p>
                       <a:pPr algn="ctr"/>
                       <a:r>
-                        <a:rPr lang="en-US" sz="1400" b="0" i="1" dirty="0"/>
+                        <a:rPr lang="en-US" sz="1400" b="0" i="1" dirty="0">
+                          <a:solidFill>
+                            <a:schemeClr val="tx1"/>
+                          </a:solidFill>
+                          <a:latin typeface="Segoe UI" panose="020B0502040204020203" pitchFamily="34" charset="0"/>
+                          <a:cs typeface="Segoe UI" panose="020B0502040204020203" pitchFamily="34" charset="0"/>
+                        </a:rPr>
                         <a:t>4</a:t>
                       </a:r>
                     </a:p>
                   </a:txBody>
-                  <a:tcPr anchor="ctr"/>
+                  <a:tcPr anchor="ctr">
+                    <a:solidFill>
+                      <a:srgbClr val="D7EDFC"/>
+                    </a:solidFill>
+                  </a:tcPr>
                 </a:tc>
                 <a:tc>
                   <a:txBody>
@@ -10222,12 +11239,22 @@
                     <a:p>
                       <a:pPr algn="ctr"/>
                       <a:r>
-                        <a:rPr lang="en-US" sz="1400" b="0" i="1" dirty="0"/>
+                        <a:rPr lang="en-US" sz="1400" b="0" i="1" dirty="0">
+                          <a:solidFill>
+                            <a:schemeClr val="tx1"/>
+                          </a:solidFill>
+                          <a:latin typeface="Segoe UI" panose="020B0502040204020203" pitchFamily="34" charset="0"/>
+                          <a:cs typeface="Segoe UI" panose="020B0502040204020203" pitchFamily="34" charset="0"/>
+                        </a:rPr>
                         <a:t>5</a:t>
                       </a:r>
                     </a:p>
                   </a:txBody>
-                  <a:tcPr anchor="ctr"/>
+                  <a:tcPr anchor="ctr">
+                    <a:solidFill>
+                      <a:srgbClr val="D7EDFC"/>
+                    </a:solidFill>
+                  </a:tcPr>
                 </a:tc>
                 <a:tc>
                   <a:txBody>
@@ -10236,12 +11263,22 @@
                     <a:p>
                       <a:pPr algn="ctr"/>
                       <a:r>
-                        <a:rPr lang="en-US" sz="1400" b="0" i="1" dirty="0"/>
+                        <a:rPr lang="en-US" sz="1400" b="0" i="1" dirty="0">
+                          <a:solidFill>
+                            <a:schemeClr val="tx1"/>
+                          </a:solidFill>
+                          <a:latin typeface="Segoe UI" panose="020B0502040204020203" pitchFamily="34" charset="0"/>
+                          <a:cs typeface="Segoe UI" panose="020B0502040204020203" pitchFamily="34" charset="0"/>
+                        </a:rPr>
                         <a:t>6</a:t>
                       </a:r>
                     </a:p>
                   </a:txBody>
-                  <a:tcPr anchor="ctr"/>
+                  <a:tcPr anchor="ctr">
+                    <a:solidFill>
+                      <a:srgbClr val="D7EDFC"/>
+                    </a:solidFill>
+                  </a:tcPr>
                 </a:tc>
                 <a:tc>
                   <a:txBody>
@@ -10250,12 +11287,22 @@
                     <a:p>
                       <a:pPr algn="ctr"/>
                       <a:r>
-                        <a:rPr lang="en-US" sz="1400" b="0" i="1" dirty="0"/>
+                        <a:rPr lang="en-US" sz="1400" b="0" i="1" dirty="0">
+                          <a:solidFill>
+                            <a:schemeClr val="tx1"/>
+                          </a:solidFill>
+                          <a:latin typeface="Segoe UI" panose="020B0502040204020203" pitchFamily="34" charset="0"/>
+                          <a:cs typeface="Segoe UI" panose="020B0502040204020203" pitchFamily="34" charset="0"/>
+                        </a:rPr>
                         <a:t>7</a:t>
                       </a:r>
                     </a:p>
                   </a:txBody>
-                  <a:tcPr anchor="ctr"/>
+                  <a:tcPr anchor="ctr">
+                    <a:solidFill>
+                      <a:srgbClr val="D7EDFC"/>
+                    </a:solidFill>
+                  </a:tcPr>
                 </a:tc>
                 <a:tc>
                   <a:txBody>
@@ -10264,12 +11311,22 @@
                     <a:p>
                       <a:pPr algn="ctr"/>
                       <a:r>
-                        <a:rPr lang="en-US" sz="1400" b="0" i="1" dirty="0"/>
+                        <a:rPr lang="en-US" sz="1400" b="0" i="1" dirty="0">
+                          <a:solidFill>
+                            <a:schemeClr val="tx1"/>
+                          </a:solidFill>
+                          <a:latin typeface="Segoe UI" panose="020B0502040204020203" pitchFamily="34" charset="0"/>
+                          <a:cs typeface="Segoe UI" panose="020B0502040204020203" pitchFamily="34" charset="0"/>
+                        </a:rPr>
                         <a:t>8</a:t>
                       </a:r>
                     </a:p>
                   </a:txBody>
-                  <a:tcPr anchor="ctr"/>
+                  <a:tcPr anchor="ctr">
+                    <a:solidFill>
+                      <a:srgbClr val="D7EDFC"/>
+                    </a:solidFill>
+                  </a:tcPr>
                 </a:tc>
                 <a:extLst>
                   <a:ext uri="{0D108BD9-81ED-4DB2-BD59-A6C34878D82A}">
@@ -10296,13 +11353,13 @@
           <p:nvPr>
             <p:extLst>
               <p:ext uri="{D42A27DB-BD31-4B8C-83A1-F6EECF244321}">
-                <p14:modId xmlns:p14="http://schemas.microsoft.com/office/powerpoint/2010/main" val="3542257816"/>
+                <p14:modId xmlns:p14="http://schemas.microsoft.com/office/powerpoint/2010/main" val="967292971"/>
               </p:ext>
             </p:extLst>
           </p:nvPr>
         </p:nvGraphicFramePr>
         <p:xfrm>
-          <a:off x="7149348" y="2473655"/>
+          <a:off x="8319241" y="3253591"/>
           <a:ext cx="1728696" cy="304800"/>
         </p:xfrm>
         <a:graphic>
@@ -10349,12 +11406,22 @@
                     <a:p>
                       <a:pPr algn="ctr"/>
                       <a:r>
-                        <a:rPr lang="en-US" sz="1400" b="0" i="1" dirty="0"/>
+                        <a:rPr lang="en-US" sz="1400" b="0" i="1" dirty="0">
+                          <a:solidFill>
+                            <a:schemeClr val="tx1"/>
+                          </a:solidFill>
+                          <a:latin typeface="Segoe UI" panose="020B0502040204020203" pitchFamily="34" charset="0"/>
+                          <a:cs typeface="Segoe UI" panose="020B0502040204020203" pitchFamily="34" charset="0"/>
+                        </a:rPr>
                         <a:t>5</a:t>
                       </a:r>
                     </a:p>
                   </a:txBody>
-                  <a:tcPr anchor="ctr"/>
+                  <a:tcPr anchor="ctr">
+                    <a:solidFill>
+                      <a:srgbClr val="D7EDFC"/>
+                    </a:solidFill>
+                  </a:tcPr>
                 </a:tc>
                 <a:tc>
                   <a:txBody>
@@ -10363,12 +11430,22 @@
                     <a:p>
                       <a:pPr algn="ctr"/>
                       <a:r>
-                        <a:rPr lang="en-US" sz="1400" b="0" i="1" dirty="0"/>
+                        <a:rPr lang="en-US" sz="1400" b="0" i="1" dirty="0">
+                          <a:solidFill>
+                            <a:schemeClr val="tx1"/>
+                          </a:solidFill>
+                          <a:latin typeface="Segoe UI" panose="020B0502040204020203" pitchFamily="34" charset="0"/>
+                          <a:cs typeface="Segoe UI" panose="020B0502040204020203" pitchFamily="34" charset="0"/>
+                        </a:rPr>
                         <a:t>6</a:t>
                       </a:r>
                     </a:p>
                   </a:txBody>
-                  <a:tcPr anchor="ctr"/>
+                  <a:tcPr anchor="ctr">
+                    <a:solidFill>
+                      <a:srgbClr val="D7EDFC"/>
+                    </a:solidFill>
+                  </a:tcPr>
                 </a:tc>
                 <a:tc>
                   <a:txBody>
@@ -10377,12 +11454,22 @@
                     <a:p>
                       <a:pPr algn="ctr"/>
                       <a:r>
-                        <a:rPr lang="en-US" sz="1400" b="0" i="1" dirty="0"/>
+                        <a:rPr lang="en-US" sz="1400" b="0" i="1" dirty="0">
+                          <a:solidFill>
+                            <a:schemeClr val="tx1"/>
+                          </a:solidFill>
+                          <a:latin typeface="Segoe UI" panose="020B0502040204020203" pitchFamily="34" charset="0"/>
+                          <a:cs typeface="Segoe UI" panose="020B0502040204020203" pitchFamily="34" charset="0"/>
+                        </a:rPr>
                         <a:t>7</a:t>
                       </a:r>
                     </a:p>
                   </a:txBody>
-                  <a:tcPr anchor="ctr"/>
+                  <a:tcPr anchor="ctr">
+                    <a:solidFill>
+                      <a:srgbClr val="D7EDFC"/>
+                    </a:solidFill>
+                  </a:tcPr>
                 </a:tc>
                 <a:tc>
                   <a:txBody>
@@ -10391,12 +11478,22 @@
                     <a:p>
                       <a:pPr algn="ctr"/>
                       <a:r>
-                        <a:rPr lang="en-US" sz="1400" b="0" i="1" dirty="0"/>
+                        <a:rPr lang="en-US" sz="1400" b="0" i="1" dirty="0">
+                          <a:solidFill>
+                            <a:schemeClr val="tx1"/>
+                          </a:solidFill>
+                          <a:latin typeface="Segoe UI" panose="020B0502040204020203" pitchFamily="34" charset="0"/>
+                          <a:cs typeface="Segoe UI" panose="020B0502040204020203" pitchFamily="34" charset="0"/>
+                        </a:rPr>
                         <a:t>8</a:t>
                       </a:r>
                     </a:p>
                   </a:txBody>
-                  <a:tcPr anchor="ctr"/>
+                  <a:tcPr anchor="ctr">
+                    <a:solidFill>
+                      <a:srgbClr val="D7EDFC"/>
+                    </a:solidFill>
+                  </a:tcPr>
                 </a:tc>
                 <a:extLst>
                   <a:ext uri="{0D108BD9-81ED-4DB2-BD59-A6C34878D82A}">
@@ -10423,13 +11520,13 @@
           <p:nvPr>
             <p:extLst>
               <p:ext uri="{D42A27DB-BD31-4B8C-83A1-F6EECF244321}">
-                <p14:modId xmlns:p14="http://schemas.microsoft.com/office/powerpoint/2010/main" val="820281024"/>
+                <p14:modId xmlns:p14="http://schemas.microsoft.com/office/powerpoint/2010/main" val="3141317414"/>
               </p:ext>
             </p:extLst>
           </p:nvPr>
         </p:nvGraphicFramePr>
         <p:xfrm>
-          <a:off x="3644151" y="2473655"/>
+          <a:off x="4814044" y="3253591"/>
           <a:ext cx="1728696" cy="304800"/>
         </p:xfrm>
         <a:graphic>
@@ -10476,12 +11573,22 @@
                     <a:p>
                       <a:pPr algn="ctr"/>
                       <a:r>
-                        <a:rPr lang="en-US" sz="1400" b="0" i="1" dirty="0"/>
+                        <a:rPr lang="en-US" sz="1400" b="0" i="1" dirty="0">
+                          <a:solidFill>
+                            <a:schemeClr val="tx1"/>
+                          </a:solidFill>
+                          <a:latin typeface="Segoe UI" panose="020B0502040204020203" pitchFamily="34" charset="0"/>
+                          <a:cs typeface="Segoe UI" panose="020B0502040204020203" pitchFamily="34" charset="0"/>
+                        </a:rPr>
                         <a:t>1</a:t>
                       </a:r>
                     </a:p>
                   </a:txBody>
-                  <a:tcPr anchor="ctr"/>
+                  <a:tcPr anchor="ctr">
+                    <a:solidFill>
+                      <a:srgbClr val="D7EDFC"/>
+                    </a:solidFill>
+                  </a:tcPr>
                 </a:tc>
                 <a:tc>
                   <a:txBody>
@@ -10490,12 +11597,22 @@
                     <a:p>
                       <a:pPr algn="ctr"/>
                       <a:r>
-                        <a:rPr lang="en-US" sz="1400" b="0" i="1" dirty="0"/>
+                        <a:rPr lang="en-US" sz="1400" b="0" i="1" dirty="0">
+                          <a:solidFill>
+                            <a:schemeClr val="tx1"/>
+                          </a:solidFill>
+                          <a:latin typeface="Segoe UI" panose="020B0502040204020203" pitchFamily="34" charset="0"/>
+                          <a:cs typeface="Segoe UI" panose="020B0502040204020203" pitchFamily="34" charset="0"/>
+                        </a:rPr>
                         <a:t>2</a:t>
                       </a:r>
                     </a:p>
                   </a:txBody>
-                  <a:tcPr anchor="ctr"/>
+                  <a:tcPr anchor="ctr">
+                    <a:solidFill>
+                      <a:srgbClr val="D7EDFC"/>
+                    </a:solidFill>
+                  </a:tcPr>
                 </a:tc>
                 <a:tc>
                   <a:txBody>
@@ -10504,12 +11621,22 @@
                     <a:p>
                       <a:pPr algn="ctr"/>
                       <a:r>
-                        <a:rPr lang="en-US" sz="1400" b="0" i="1" dirty="0"/>
+                        <a:rPr lang="en-US" sz="1400" b="0" i="1" dirty="0">
+                          <a:solidFill>
+                            <a:schemeClr val="tx1"/>
+                          </a:solidFill>
+                          <a:latin typeface="Segoe UI" panose="020B0502040204020203" pitchFamily="34" charset="0"/>
+                          <a:cs typeface="Segoe UI" panose="020B0502040204020203" pitchFamily="34" charset="0"/>
+                        </a:rPr>
                         <a:t>3</a:t>
                       </a:r>
                     </a:p>
                   </a:txBody>
-                  <a:tcPr anchor="ctr"/>
+                  <a:tcPr anchor="ctr">
+                    <a:solidFill>
+                      <a:srgbClr val="D7EDFC"/>
+                    </a:solidFill>
+                  </a:tcPr>
                 </a:tc>
                 <a:tc>
                   <a:txBody>
@@ -10518,12 +11645,22 @@
                     <a:p>
                       <a:pPr algn="ctr"/>
                       <a:r>
-                        <a:rPr lang="en-US" sz="1400" b="0" i="1" dirty="0"/>
+                        <a:rPr lang="en-US" sz="1400" b="0" i="1" dirty="0">
+                          <a:solidFill>
+                            <a:schemeClr val="tx1"/>
+                          </a:solidFill>
+                          <a:latin typeface="Segoe UI" panose="020B0502040204020203" pitchFamily="34" charset="0"/>
+                          <a:cs typeface="Segoe UI" panose="020B0502040204020203" pitchFamily="34" charset="0"/>
+                        </a:rPr>
                         <a:t>4</a:t>
                       </a:r>
                     </a:p>
                   </a:txBody>
-                  <a:tcPr anchor="ctr"/>
+                  <a:tcPr anchor="ctr">
+                    <a:solidFill>
+                      <a:srgbClr val="D7EDFC"/>
+                    </a:solidFill>
+                  </a:tcPr>
                 </a:tc>
                 <a:extLst>
                   <a:ext uri="{0D108BD9-81ED-4DB2-BD59-A6C34878D82A}">
@@ -10549,12 +11686,18 @@
         </p:nvSpPr>
         <p:spPr>
           <a:xfrm>
-            <a:off x="1228166" y="3400483"/>
+            <a:off x="2398059" y="4180419"/>
             <a:ext cx="1277471" cy="591671"/>
           </a:xfrm>
           <a:prstGeom prst="roundRect">
             <a:avLst/>
           </a:prstGeom>
+          <a:solidFill>
+            <a:srgbClr val="38B2FD"/>
+          </a:solidFill>
+          <a:ln w="15875">
+            <a:noFill/>
+          </a:ln>
         </p:spPr>
         <p:style>
           <a:lnRef idx="2">
@@ -10578,19 +11721,34 @@
           <a:p>
             <a:pPr algn="ctr"/>
             <a:r>
-              <a:rPr lang="zh-CN" altLang="en-US" sz="2000" b="1" dirty="0">
-                <a:latin typeface="DengXian (Body)"/>
+              <a:rPr kumimoji="1" lang="zh-CN" altLang="en-US" sz="2000" dirty="0">
+                <a:solidFill>
+                  <a:schemeClr val="bg1"/>
+                </a:solidFill>
+                <a:latin typeface="Microsoft YaHei" panose="020B0503020204020204" pitchFamily="34" charset="-122"/>
+                <a:ea typeface="Microsoft YaHei" panose="020B0503020204020204" pitchFamily="34" charset="-122"/>
+                <a:cs typeface="Segoe UI Semibold" panose="020B0502040204020203" pitchFamily="34" charset="0"/>
               </a:rPr>
               <a:t>模型 </a:t>
             </a:r>
             <a:r>
-              <a:rPr lang="en-US" altLang="zh-CN" sz="2000" b="1" dirty="0">
-                <a:latin typeface="DengXian (Body)"/>
+              <a:rPr kumimoji="1" lang="en-US" altLang="zh-CN" sz="2000" dirty="0">
+                <a:solidFill>
+                  <a:schemeClr val="bg1"/>
+                </a:solidFill>
+                <a:latin typeface="Microsoft YaHei" panose="020B0503020204020204" pitchFamily="34" charset="-122"/>
+                <a:ea typeface="Microsoft YaHei" panose="020B0503020204020204" pitchFamily="34" charset="-122"/>
+                <a:cs typeface="Segoe UI Semibold" panose="020B0502040204020203" pitchFamily="34" charset="0"/>
               </a:rPr>
               <a:t>3.1</a:t>
             </a:r>
-            <a:endParaRPr lang="en-US" sz="2000" b="1" dirty="0">
-              <a:latin typeface="DengXian (Body)"/>
+            <a:endParaRPr kumimoji="1" lang="en-US" sz="2000" dirty="0">
+              <a:solidFill>
+                <a:schemeClr val="bg1"/>
+              </a:solidFill>
+              <a:latin typeface="Microsoft YaHei" panose="020B0503020204020204" pitchFamily="34" charset="-122"/>
+              <a:ea typeface="Microsoft YaHei" panose="020B0503020204020204" pitchFamily="34" charset="-122"/>
+              <a:cs typeface="Segoe UI Semibold" panose="020B0502040204020203" pitchFamily="34" charset="0"/>
             </a:endParaRPr>
           </a:p>
         </p:txBody>
@@ -10609,12 +11767,18 @@
         </p:nvSpPr>
         <p:spPr>
           <a:xfrm>
-            <a:off x="4040839" y="3400483"/>
+            <a:off x="5210732" y="4180419"/>
             <a:ext cx="1277471" cy="591671"/>
           </a:xfrm>
           <a:prstGeom prst="roundRect">
             <a:avLst/>
           </a:prstGeom>
+          <a:solidFill>
+            <a:srgbClr val="38B2FD"/>
+          </a:solidFill>
+          <a:ln w="15875">
+            <a:noFill/>
+          </a:ln>
         </p:spPr>
         <p:style>
           <a:lnRef idx="2">
@@ -10638,19 +11802,34 @@
           <a:p>
             <a:pPr algn="ctr"/>
             <a:r>
-              <a:rPr lang="zh-CN" altLang="en-US" sz="2000" b="1" dirty="0">
-                <a:latin typeface="DengXian (Body)"/>
+              <a:rPr kumimoji="1" lang="zh-CN" altLang="en-US" sz="2000" dirty="0">
+                <a:solidFill>
+                  <a:schemeClr val="bg1"/>
+                </a:solidFill>
+                <a:latin typeface="Microsoft YaHei" panose="020B0503020204020204" pitchFamily="34" charset="-122"/>
+                <a:ea typeface="Microsoft YaHei" panose="020B0503020204020204" pitchFamily="34" charset="-122"/>
+                <a:cs typeface="Segoe UI Semibold" panose="020B0502040204020203" pitchFamily="34" charset="0"/>
               </a:rPr>
               <a:t>模型 </a:t>
             </a:r>
             <a:r>
-              <a:rPr lang="en-US" altLang="zh-CN" sz="2000" b="1" dirty="0">
-                <a:latin typeface="DengXian (Body)"/>
+              <a:rPr kumimoji="1" lang="en-US" altLang="zh-CN" sz="2000" dirty="0">
+                <a:solidFill>
+                  <a:schemeClr val="bg1"/>
+                </a:solidFill>
+                <a:latin typeface="Microsoft YaHei" panose="020B0503020204020204" pitchFamily="34" charset="-122"/>
+                <a:ea typeface="Microsoft YaHei" panose="020B0503020204020204" pitchFamily="34" charset="-122"/>
+                <a:cs typeface="Segoe UI Semibold" panose="020B0502040204020203" pitchFamily="34" charset="0"/>
               </a:rPr>
               <a:t>3.2</a:t>
             </a:r>
-            <a:endParaRPr lang="en-US" sz="2000" b="1" dirty="0">
-              <a:latin typeface="DengXian (Body)"/>
+            <a:endParaRPr kumimoji="1" lang="en-US" sz="2000" dirty="0">
+              <a:solidFill>
+                <a:schemeClr val="bg1"/>
+              </a:solidFill>
+              <a:latin typeface="Microsoft YaHei" panose="020B0503020204020204" pitchFamily="34" charset="-122"/>
+              <a:ea typeface="Microsoft YaHei" panose="020B0503020204020204" pitchFamily="34" charset="-122"/>
+              <a:cs typeface="Segoe UI Semibold" panose="020B0502040204020203" pitchFamily="34" charset="0"/>
             </a:endParaRPr>
           </a:p>
         </p:txBody>
@@ -10669,12 +11848,18 @@
         </p:nvSpPr>
         <p:spPr>
           <a:xfrm>
-            <a:off x="7050739" y="3400483"/>
+            <a:off x="8220632" y="4180419"/>
             <a:ext cx="1277471" cy="591671"/>
           </a:xfrm>
           <a:prstGeom prst="roundRect">
             <a:avLst/>
           </a:prstGeom>
+          <a:solidFill>
+            <a:srgbClr val="38B2FD"/>
+          </a:solidFill>
+          <a:ln w="15875">
+            <a:noFill/>
+          </a:ln>
         </p:spPr>
         <p:style>
           <a:lnRef idx="2">
@@ -10698,19 +11883,34 @@
           <a:p>
             <a:pPr algn="ctr"/>
             <a:r>
-              <a:rPr lang="zh-CN" altLang="en-US" sz="2000" b="1" dirty="0">
-                <a:latin typeface="DengXian (Body)"/>
+              <a:rPr kumimoji="1" lang="zh-CN" altLang="en-US" sz="2000" dirty="0">
+                <a:solidFill>
+                  <a:schemeClr val="bg1"/>
+                </a:solidFill>
+                <a:latin typeface="Microsoft YaHei" panose="020B0503020204020204" pitchFamily="34" charset="-122"/>
+                <a:ea typeface="Microsoft YaHei" panose="020B0503020204020204" pitchFamily="34" charset="-122"/>
+                <a:cs typeface="Segoe UI Semibold" panose="020B0502040204020203" pitchFamily="34" charset="0"/>
               </a:rPr>
               <a:t>模型 </a:t>
             </a:r>
             <a:r>
-              <a:rPr lang="en-US" altLang="zh-CN" sz="2000" b="1" dirty="0">
-                <a:latin typeface="DengXian (Body)"/>
+              <a:rPr kumimoji="1" lang="en-US" altLang="zh-CN" sz="2000" dirty="0">
+                <a:solidFill>
+                  <a:schemeClr val="bg1"/>
+                </a:solidFill>
+                <a:latin typeface="Microsoft YaHei" panose="020B0503020204020204" pitchFamily="34" charset="-122"/>
+                <a:ea typeface="Microsoft YaHei" panose="020B0503020204020204" pitchFamily="34" charset="-122"/>
+                <a:cs typeface="Segoe UI Semibold" panose="020B0502040204020203" pitchFamily="34" charset="0"/>
               </a:rPr>
               <a:t>3.3</a:t>
             </a:r>
-            <a:endParaRPr lang="en-US" sz="2000" b="1" dirty="0">
-              <a:latin typeface="DengXian (Body)"/>
+            <a:endParaRPr kumimoji="1" lang="en-US" sz="2000" dirty="0">
+              <a:solidFill>
+                <a:schemeClr val="bg1"/>
+              </a:solidFill>
+              <a:latin typeface="Microsoft YaHei" panose="020B0503020204020204" pitchFamily="34" charset="-122"/>
+              <a:ea typeface="Microsoft YaHei" panose="020B0503020204020204" pitchFamily="34" charset="-122"/>
+              <a:cs typeface="Segoe UI Semibold" panose="020B0502040204020203" pitchFamily="34" charset="0"/>
             </a:endParaRPr>
           </a:p>
         </p:txBody>
@@ -10733,13 +11933,16 @@
         </p:nvCxnSpPr>
         <p:spPr>
           <a:xfrm>
-            <a:off x="6470277" y="2767840"/>
+            <a:off x="7640170" y="3547776"/>
             <a:ext cx="1219198" cy="632643"/>
           </a:xfrm>
           <a:prstGeom prst="line">
             <a:avLst/>
           </a:prstGeom>
           <a:ln w="25400">
+            <a:solidFill>
+              <a:srgbClr val="D8DAE4"/>
+            </a:solidFill>
             <a:tailEnd type="triangle" w="lg" len="lg"/>
           </a:ln>
         </p:spPr>
@@ -10776,7 +11979,7 @@
         </p:nvCxnSpPr>
         <p:spPr>
           <a:xfrm flipH="1">
-            <a:off x="4679575" y="2767840"/>
+            <a:off x="5849468" y="3547776"/>
             <a:ext cx="1790702" cy="632643"/>
           </a:xfrm>
           <a:prstGeom prst="line">
@@ -10784,7 +11987,7 @@
           </a:prstGeom>
           <a:ln w="25400">
             <a:solidFill>
-              <a:schemeClr val="tx1"/>
+              <a:srgbClr val="65768A"/>
             </a:solidFill>
             <a:tailEnd type="triangle" w="lg" len="lg"/>
           </a:ln>
@@ -10822,13 +12025,16 @@
         </p:nvCxnSpPr>
         <p:spPr>
           <a:xfrm>
-            <a:off x="2956113" y="2767840"/>
+            <a:off x="4126006" y="3547776"/>
             <a:ext cx="1723462" cy="632643"/>
           </a:xfrm>
           <a:prstGeom prst="line">
             <a:avLst/>
           </a:prstGeom>
           <a:ln w="25400">
+            <a:solidFill>
+              <a:srgbClr val="D8DAE4"/>
+            </a:solidFill>
             <a:tailEnd type="triangle" w="lg" len="lg"/>
           </a:ln>
         </p:spPr>
@@ -10865,13 +12071,16 @@
         </p:nvCxnSpPr>
         <p:spPr>
           <a:xfrm flipH="1">
-            <a:off x="1866902" y="2767840"/>
+            <a:off x="3036795" y="3547776"/>
             <a:ext cx="1089211" cy="632643"/>
           </a:xfrm>
           <a:prstGeom prst="line">
             <a:avLst/>
           </a:prstGeom>
           <a:ln w="25400">
+            <a:solidFill>
+              <a:srgbClr val="D8DAE4"/>
+            </a:solidFill>
             <a:tailEnd type="triangle" w="lg" len="lg"/>
           </a:ln>
         </p:spPr>
@@ -10905,13 +12114,13 @@
           <p:nvPr>
             <p:extLst>
               <p:ext uri="{D42A27DB-BD31-4B8C-83A1-F6EECF244321}">
-                <p14:modId xmlns:p14="http://schemas.microsoft.com/office/powerpoint/2010/main" val="3168072351"/>
+                <p14:modId xmlns:p14="http://schemas.microsoft.com/office/powerpoint/2010/main" val="3012387805"/>
               </p:ext>
             </p:extLst>
           </p:nvPr>
         </p:nvGraphicFramePr>
         <p:xfrm>
-          <a:off x="5362007" y="3683947"/>
+          <a:off x="6531900" y="4463883"/>
           <a:ext cx="1296522" cy="304800"/>
         </p:xfrm>
         <a:graphic>
@@ -10951,12 +12160,22 @@
                     <a:p>
                       <a:pPr algn="ctr"/>
                       <a:r>
-                        <a:rPr lang="en-US" sz="1400" b="0" i="1" dirty="0"/>
+                        <a:rPr lang="en-US" sz="1400" b="0" i="1" dirty="0">
+                          <a:solidFill>
+                            <a:schemeClr val="tx1"/>
+                          </a:solidFill>
+                          <a:latin typeface="Segoe UI" panose="020B0502040204020203" pitchFamily="34" charset="0"/>
+                          <a:cs typeface="Segoe UI" panose="020B0502040204020203" pitchFamily="34" charset="0"/>
+                        </a:rPr>
                         <a:t>4</a:t>
                       </a:r>
                     </a:p>
                   </a:txBody>
-                  <a:tcPr anchor="ctr"/>
+                  <a:tcPr anchor="ctr">
+                    <a:solidFill>
+                      <a:srgbClr val="D7EDFC"/>
+                    </a:solidFill>
+                  </a:tcPr>
                 </a:tc>
                 <a:tc>
                   <a:txBody>
@@ -10965,12 +12184,22 @@
                     <a:p>
                       <a:pPr algn="ctr"/>
                       <a:r>
-                        <a:rPr lang="en-US" sz="1400" b="0" i="1" dirty="0"/>
+                        <a:rPr lang="en-US" sz="1400" b="0" i="1" dirty="0">
+                          <a:solidFill>
+                            <a:schemeClr val="tx1"/>
+                          </a:solidFill>
+                          <a:latin typeface="Segoe UI" panose="020B0502040204020203" pitchFamily="34" charset="0"/>
+                          <a:cs typeface="Segoe UI" panose="020B0502040204020203" pitchFamily="34" charset="0"/>
+                        </a:rPr>
                         <a:t>5</a:t>
                       </a:r>
                     </a:p>
                   </a:txBody>
-                  <a:tcPr anchor="ctr"/>
+                  <a:tcPr anchor="ctr">
+                    <a:solidFill>
+                      <a:srgbClr val="D7EDFC"/>
+                    </a:solidFill>
+                  </a:tcPr>
                 </a:tc>
                 <a:tc>
                   <a:txBody>
@@ -10979,12 +12208,22 @@
                     <a:p>
                       <a:pPr algn="ctr"/>
                       <a:r>
-                        <a:rPr lang="en-US" sz="1400" b="0" i="1" dirty="0"/>
+                        <a:rPr lang="en-US" sz="1400" b="0" i="1" dirty="0">
+                          <a:solidFill>
+                            <a:schemeClr val="tx1"/>
+                          </a:solidFill>
+                          <a:latin typeface="Segoe UI" panose="020B0502040204020203" pitchFamily="34" charset="0"/>
+                          <a:cs typeface="Segoe UI" panose="020B0502040204020203" pitchFamily="34" charset="0"/>
+                        </a:rPr>
                         <a:t>6</a:t>
                       </a:r>
                     </a:p>
                   </a:txBody>
-                  <a:tcPr anchor="ctr"/>
+                  <a:tcPr anchor="ctr">
+                    <a:solidFill>
+                      <a:srgbClr val="D7EDFC"/>
+                    </a:solidFill>
+                  </a:tcPr>
                 </a:tc>
                 <a:extLst>
                   <a:ext uri="{0D108BD9-81ED-4DB2-BD59-A6C34878D82A}">
@@ -11011,13 +12250,13 @@
           <p:nvPr>
             <p:extLst>
               <p:ext uri="{D42A27DB-BD31-4B8C-83A1-F6EECF244321}">
-                <p14:modId xmlns:p14="http://schemas.microsoft.com/office/powerpoint/2010/main" val="1470405773"/>
+                <p14:modId xmlns:p14="http://schemas.microsoft.com/office/powerpoint/2010/main" val="3684807355"/>
               </p:ext>
             </p:extLst>
           </p:nvPr>
         </p:nvGraphicFramePr>
         <p:xfrm>
-          <a:off x="8371911" y="3683947"/>
+          <a:off x="9541804" y="4463883"/>
           <a:ext cx="864348" cy="304800"/>
         </p:xfrm>
         <a:graphic>
@@ -11050,12 +12289,22 @@
                     <a:p>
                       <a:pPr algn="ctr"/>
                       <a:r>
-                        <a:rPr lang="en-US" sz="1400" b="0" i="1" dirty="0"/>
+                        <a:rPr lang="en-US" sz="1400" b="0" i="1" dirty="0">
+                          <a:solidFill>
+                            <a:schemeClr val="tx1"/>
+                          </a:solidFill>
+                          <a:latin typeface="Segoe UI" panose="020B0502040204020203" pitchFamily="34" charset="0"/>
+                          <a:cs typeface="Segoe UI" panose="020B0502040204020203" pitchFamily="34" charset="0"/>
+                        </a:rPr>
                         <a:t>7</a:t>
                       </a:r>
                     </a:p>
                   </a:txBody>
-                  <a:tcPr anchor="ctr"/>
+                  <a:tcPr anchor="ctr">
+                    <a:solidFill>
+                      <a:srgbClr val="D7EDFC"/>
+                    </a:solidFill>
+                  </a:tcPr>
                 </a:tc>
                 <a:tc>
                   <a:txBody>
@@ -11064,12 +12313,22 @@
                     <a:p>
                       <a:pPr algn="ctr"/>
                       <a:r>
-                        <a:rPr lang="en-US" sz="1400" b="0" i="1" dirty="0"/>
+                        <a:rPr lang="en-US" sz="1400" b="0" i="1" dirty="0">
+                          <a:solidFill>
+                            <a:schemeClr val="tx1"/>
+                          </a:solidFill>
+                          <a:latin typeface="Segoe UI" panose="020B0502040204020203" pitchFamily="34" charset="0"/>
+                          <a:cs typeface="Segoe UI" panose="020B0502040204020203" pitchFamily="34" charset="0"/>
+                        </a:rPr>
                         <a:t>8</a:t>
                       </a:r>
                     </a:p>
                   </a:txBody>
-                  <a:tcPr anchor="ctr"/>
+                  <a:tcPr anchor="ctr">
+                    <a:solidFill>
+                      <a:srgbClr val="D7EDFC"/>
+                    </a:solidFill>
+                  </a:tcPr>
                 </a:tc>
                 <a:extLst>
                   <a:ext uri="{0D108BD9-81ED-4DB2-BD59-A6C34878D82A}">
@@ -11096,13 +12355,13 @@
           <p:nvPr>
             <p:extLst>
               <p:ext uri="{D42A27DB-BD31-4B8C-83A1-F6EECF244321}">
-                <p14:modId xmlns:p14="http://schemas.microsoft.com/office/powerpoint/2010/main" val="3597046182"/>
+                <p14:modId xmlns:p14="http://schemas.microsoft.com/office/powerpoint/2010/main" val="1299629124"/>
               </p:ext>
             </p:extLst>
           </p:nvPr>
         </p:nvGraphicFramePr>
         <p:xfrm>
-          <a:off x="2556052" y="3683800"/>
+          <a:off x="3725945" y="4463736"/>
           <a:ext cx="1296522" cy="304800"/>
         </p:xfrm>
         <a:graphic>
@@ -11142,12 +12401,22 @@
                     <a:p>
                       <a:pPr algn="ctr"/>
                       <a:r>
-                        <a:rPr lang="en-US" sz="1400" b="0" i="1" dirty="0"/>
+                        <a:rPr lang="en-US" sz="1400" b="0" i="1" dirty="0">
+                          <a:solidFill>
+                            <a:schemeClr val="tx1"/>
+                          </a:solidFill>
+                          <a:latin typeface="Segoe UI" panose="020B0502040204020203" pitchFamily="34" charset="0"/>
+                          <a:cs typeface="Segoe UI" panose="020B0502040204020203" pitchFamily="34" charset="0"/>
+                        </a:rPr>
                         <a:t>1</a:t>
                       </a:r>
                     </a:p>
                   </a:txBody>
-                  <a:tcPr anchor="ctr"/>
+                  <a:tcPr anchor="ctr">
+                    <a:solidFill>
+                      <a:srgbClr val="D7EDFC"/>
+                    </a:solidFill>
+                  </a:tcPr>
                 </a:tc>
                 <a:tc>
                   <a:txBody>
@@ -11156,12 +12425,22 @@
                     <a:p>
                       <a:pPr algn="ctr"/>
                       <a:r>
-                        <a:rPr lang="en-US" sz="1400" b="0" i="1" dirty="0"/>
+                        <a:rPr lang="en-US" sz="1400" b="0" i="1" dirty="0">
+                          <a:solidFill>
+                            <a:schemeClr val="tx1"/>
+                          </a:solidFill>
+                          <a:latin typeface="Segoe UI" panose="020B0502040204020203" pitchFamily="34" charset="0"/>
+                          <a:cs typeface="Segoe UI" panose="020B0502040204020203" pitchFamily="34" charset="0"/>
+                        </a:rPr>
                         <a:t>2</a:t>
                       </a:r>
                     </a:p>
                   </a:txBody>
-                  <a:tcPr anchor="ctr"/>
+                  <a:tcPr anchor="ctr">
+                    <a:solidFill>
+                      <a:srgbClr val="D7EDFC"/>
+                    </a:solidFill>
+                  </a:tcPr>
                 </a:tc>
                 <a:tc>
                   <a:txBody>
@@ -11170,12 +12449,22 @@
                     <a:p>
                       <a:pPr algn="ctr"/>
                       <a:r>
-                        <a:rPr lang="en-US" sz="1400" b="0" i="1" dirty="0"/>
+                        <a:rPr lang="en-US" sz="1400" b="0" i="1" dirty="0">
+                          <a:solidFill>
+                            <a:schemeClr val="tx1"/>
+                          </a:solidFill>
+                          <a:latin typeface="Segoe UI" panose="020B0502040204020203" pitchFamily="34" charset="0"/>
+                          <a:cs typeface="Segoe UI" panose="020B0502040204020203" pitchFamily="34" charset="0"/>
+                        </a:rPr>
                         <a:t>3</a:t>
                       </a:r>
                     </a:p>
                   </a:txBody>
-                  <a:tcPr anchor="ctr"/>
+                  <a:tcPr anchor="ctr">
+                    <a:solidFill>
+                      <a:srgbClr val="D7EDFC"/>
+                    </a:solidFill>
+                  </a:tcPr>
                 </a:tc>
                 <a:extLst>
                   <a:ext uri="{0D108BD9-81ED-4DB2-BD59-A6C34878D82A}">
@@ -11201,7 +12490,7 @@
         </p:nvSpPr>
         <p:spPr>
           <a:xfrm>
-            <a:off x="5232386" y="1055598"/>
+            <a:off x="6402279" y="1835534"/>
             <a:ext cx="1512797" cy="307777"/>
           </a:xfrm>
           <a:prstGeom prst="rect">
@@ -11217,12 +12506,14 @@
           <a:p>
             <a:r>
               <a:rPr lang="zh-CN" altLang="en-US" sz="1400" i="1" dirty="0">
-                <a:latin typeface="DengXian (Body)"/>
+                <a:latin typeface="Microsoft YaHei" panose="020B0503020204020204" pitchFamily="34" charset="-122"/>
+                <a:ea typeface="Microsoft YaHei" panose="020B0503020204020204" pitchFamily="34" charset="-122"/>
               </a:rPr>
               <a:t>可能的位置：</a:t>
             </a:r>
             <a:endParaRPr lang="en-US" sz="1400" i="1" dirty="0">
-              <a:latin typeface="DengXian (Body)"/>
+              <a:latin typeface="Microsoft YaHei" panose="020B0503020204020204" pitchFamily="34" charset="-122"/>
+              <a:ea typeface="Microsoft YaHei" panose="020B0503020204020204" pitchFamily="34" charset="-122"/>
             </a:endParaRPr>
           </a:p>
         </p:txBody>
@@ -11241,7 +12532,7 @@
         </p:nvSpPr>
         <p:spPr>
           <a:xfrm>
-            <a:off x="5261159" y="3364275"/>
+            <a:off x="6431052" y="4144211"/>
             <a:ext cx="1512797" cy="307777"/>
           </a:xfrm>
           <a:prstGeom prst="rect">
@@ -11257,12 +12548,14 @@
           <a:p>
             <a:r>
               <a:rPr lang="zh-CN" altLang="en-US" sz="1400" i="1" dirty="0">
-                <a:latin typeface="DengXian (Body)"/>
+                <a:latin typeface="Microsoft YaHei" panose="020B0503020204020204" pitchFamily="34" charset="-122"/>
+                <a:ea typeface="Microsoft YaHei" panose="020B0503020204020204" pitchFamily="34" charset="-122"/>
               </a:rPr>
               <a:t>可能的位置：</a:t>
             </a:r>
             <a:endParaRPr lang="en-US" sz="1400" i="1" dirty="0">
-              <a:latin typeface="DengXian (Body)"/>
+              <a:latin typeface="Microsoft YaHei" panose="020B0503020204020204" pitchFamily="34" charset="-122"/>
+              <a:ea typeface="Microsoft YaHei" panose="020B0503020204020204" pitchFamily="34" charset="-122"/>
             </a:endParaRPr>
           </a:p>
         </p:txBody>
@@ -11281,7 +12574,7 @@
         </p:nvSpPr>
         <p:spPr>
           <a:xfrm>
-            <a:off x="7042148" y="2169599"/>
+            <a:off x="8212041" y="2949535"/>
             <a:ext cx="1512797" cy="307777"/>
           </a:xfrm>
           <a:prstGeom prst="rect">
@@ -11297,12 +12590,14 @@
           <a:p>
             <a:r>
               <a:rPr lang="zh-CN" altLang="en-US" sz="1400" i="1" dirty="0">
-                <a:latin typeface="DengXian (Body)"/>
+                <a:latin typeface="Microsoft YaHei" panose="020B0503020204020204" pitchFamily="34" charset="-122"/>
+                <a:ea typeface="Microsoft YaHei" panose="020B0503020204020204" pitchFamily="34" charset="-122"/>
               </a:rPr>
               <a:t>可能的位置：</a:t>
             </a:r>
             <a:endParaRPr lang="en-US" sz="1400" i="1" dirty="0">
-              <a:latin typeface="DengXian (Body)"/>
+              <a:latin typeface="Microsoft YaHei" panose="020B0503020204020204" pitchFamily="34" charset="-122"/>
+              <a:ea typeface="Microsoft YaHei" panose="020B0503020204020204" pitchFamily="34" charset="-122"/>
             </a:endParaRPr>
           </a:p>
         </p:txBody>
@@ -11321,7 +12616,7 @@
         </p:nvSpPr>
         <p:spPr>
           <a:xfrm>
-            <a:off x="8269937" y="3371801"/>
+            <a:off x="9439830" y="4151737"/>
             <a:ext cx="1151967" cy="307777"/>
           </a:xfrm>
           <a:prstGeom prst="rect">
@@ -11337,12 +12632,14 @@
           <a:p>
             <a:r>
               <a:rPr lang="zh-CN" altLang="en-US" sz="1400" i="1" dirty="0">
-                <a:latin typeface="DengXian (Body)"/>
+                <a:latin typeface="Microsoft YaHei" panose="020B0503020204020204" pitchFamily="34" charset="-122"/>
+                <a:ea typeface="Microsoft YaHei" panose="020B0503020204020204" pitchFamily="34" charset="-122"/>
               </a:rPr>
               <a:t>可能的位置：</a:t>
             </a:r>
             <a:endParaRPr lang="en-US" sz="1400" i="1" dirty="0">
-              <a:latin typeface="DengXian (Body)"/>
+              <a:latin typeface="Microsoft YaHei" panose="020B0503020204020204" pitchFamily="34" charset="-122"/>
+              <a:ea typeface="Microsoft YaHei" panose="020B0503020204020204" pitchFamily="34" charset="-122"/>
             </a:endParaRPr>
           </a:p>
         </p:txBody>
@@ -11361,7 +12658,7 @@
         </p:nvSpPr>
         <p:spPr>
           <a:xfrm>
-            <a:off x="3550757" y="2180366"/>
+            <a:off x="4720650" y="2960302"/>
             <a:ext cx="1512797" cy="307777"/>
           </a:xfrm>
           <a:prstGeom prst="rect">
@@ -11377,12 +12674,14 @@
           <a:p>
             <a:r>
               <a:rPr lang="zh-CN" altLang="en-US" sz="1400" i="1" dirty="0">
-                <a:latin typeface="DengXian (Body)"/>
+                <a:latin typeface="Microsoft YaHei" panose="020B0503020204020204" pitchFamily="34" charset="-122"/>
+                <a:ea typeface="Microsoft YaHei" panose="020B0503020204020204" pitchFamily="34" charset="-122"/>
               </a:rPr>
               <a:t>可能的位置：</a:t>
             </a:r>
             <a:endParaRPr lang="en-US" sz="1400" i="1" dirty="0">
-              <a:latin typeface="DengXian (Body)"/>
+              <a:latin typeface="Microsoft YaHei" panose="020B0503020204020204" pitchFamily="34" charset="-122"/>
+              <a:ea typeface="Microsoft YaHei" panose="020B0503020204020204" pitchFamily="34" charset="-122"/>
             </a:endParaRPr>
           </a:p>
         </p:txBody>
@@ -11401,7 +12700,7 @@
         </p:nvSpPr>
         <p:spPr>
           <a:xfrm>
-            <a:off x="2458565" y="3362626"/>
+            <a:off x="3628458" y="4142562"/>
             <a:ext cx="1512797" cy="307777"/>
           </a:xfrm>
           <a:prstGeom prst="rect">
@@ -11417,12 +12716,14 @@
           <a:p>
             <a:r>
               <a:rPr lang="zh-CN" altLang="en-US" sz="1400" i="1" dirty="0">
-                <a:latin typeface="DengXian (Body)"/>
+                <a:latin typeface="Microsoft YaHei" panose="020B0503020204020204" pitchFamily="34" charset="-122"/>
+                <a:ea typeface="Microsoft YaHei" panose="020B0503020204020204" pitchFamily="34" charset="-122"/>
               </a:rPr>
               <a:t>可能的位置：</a:t>
             </a:r>
             <a:endParaRPr lang="en-US" sz="1400" i="1" dirty="0">
-              <a:latin typeface="DengXian (Body)"/>
+              <a:latin typeface="Microsoft YaHei" panose="020B0503020204020204" pitchFamily="34" charset="-122"/>
+              <a:ea typeface="Microsoft YaHei" panose="020B0503020204020204" pitchFamily="34" charset="-122"/>
             </a:endParaRPr>
           </a:p>
         </p:txBody>
@@ -11445,7 +12746,7 @@
         </p:nvCxnSpPr>
         <p:spPr>
           <a:xfrm>
-            <a:off x="4679575" y="3992154"/>
+            <a:off x="5849468" y="4772090"/>
             <a:ext cx="4113" cy="317619"/>
           </a:xfrm>
           <a:prstGeom prst="line">
@@ -11453,7 +12754,7 @@
           </a:prstGeom>
           <a:ln w="25400">
             <a:solidFill>
-              <a:schemeClr val="tx1"/>
+              <a:srgbClr val="65768A"/>
             </a:solidFill>
             <a:tailEnd type="triangle" w="lg" len="lg"/>
           </a:ln>
@@ -11487,7 +12788,7 @@
         </p:nvSpPr>
         <p:spPr>
           <a:xfrm>
-            <a:off x="3927289" y="4309773"/>
+            <a:off x="5097182" y="5089709"/>
             <a:ext cx="1512797" cy="400110"/>
           </a:xfrm>
           <a:prstGeom prst="rect">
@@ -11504,12 +12805,14 @@
             <a:pPr algn="ctr"/>
             <a:r>
               <a:rPr lang="zh-CN" altLang="en-US" sz="2000" b="1" dirty="0">
-                <a:latin typeface="DengXian (Body)"/>
+                <a:latin typeface="Microsoft YaHei" panose="020B0503020204020204" pitchFamily="34" charset="-122"/>
+                <a:ea typeface="Microsoft YaHei" panose="020B0503020204020204" pitchFamily="34" charset="-122"/>
               </a:rPr>
               <a:t>位置的预测</a:t>
             </a:r>
             <a:endParaRPr lang="en-US" sz="2000" b="1" dirty="0">
-              <a:latin typeface="DengXian (Body)"/>
+              <a:latin typeface="Microsoft YaHei" panose="020B0503020204020204" pitchFamily="34" charset="-122"/>
+              <a:ea typeface="Microsoft YaHei" panose="020B0503020204020204" pitchFamily="34" charset="-122"/>
             </a:endParaRPr>
           </a:p>
         </p:txBody>
@@ -11528,7 +12831,7 @@
         </p:nvSpPr>
         <p:spPr>
           <a:xfrm>
-            <a:off x="3907117" y="394055"/>
+            <a:off x="5077010" y="1173991"/>
             <a:ext cx="1512797" cy="400110"/>
           </a:xfrm>
           <a:prstGeom prst="rect">
@@ -11545,12 +12848,14 @@
             <a:pPr algn="ctr"/>
             <a:r>
               <a:rPr lang="zh-CN" altLang="en-US" sz="2000" b="1" dirty="0">
-                <a:latin typeface="DengXian (Body)"/>
+                <a:latin typeface="Microsoft YaHei" panose="020B0503020204020204" pitchFamily="34" charset="-122"/>
+                <a:ea typeface="Microsoft YaHei" panose="020B0503020204020204" pitchFamily="34" charset="-122"/>
               </a:rPr>
               <a:t>搜索的键值</a:t>
             </a:r>
             <a:endParaRPr lang="en-US" sz="2000" b="1" dirty="0">
-              <a:latin typeface="DengXian (Body)"/>
+              <a:latin typeface="Microsoft YaHei" panose="020B0503020204020204" pitchFamily="34" charset="-122"/>
+              <a:ea typeface="Microsoft YaHei" panose="020B0503020204020204" pitchFamily="34" charset="-122"/>
             </a:endParaRPr>
           </a:p>
         </p:txBody>
@@ -11573,7 +12878,7 @@
         </p:nvCxnSpPr>
         <p:spPr>
           <a:xfrm>
-            <a:off x="4663516" y="794165"/>
+            <a:off x="5833409" y="1574101"/>
             <a:ext cx="2611" cy="281593"/>
           </a:xfrm>
           <a:prstGeom prst="line">
@@ -11581,7 +12886,7 @@
           </a:prstGeom>
           <a:ln w="25400">
             <a:solidFill>
-              <a:schemeClr val="tx1"/>
+              <a:srgbClr val="65768A"/>
             </a:solidFill>
             <a:tailEnd type="triangle" w="lg" len="lg"/>
           </a:ln>
@@ -11658,7 +12963,7 @@
         </p:blipFill>
         <p:spPr>
           <a:xfrm>
-            <a:off x="2467926" y="2451766"/>
+            <a:off x="3510073" y="2458489"/>
             <a:ext cx="4372186" cy="2779515"/>
           </a:xfrm>
           <a:prstGeom prst="rect">
@@ -11680,7 +12985,7 @@
         </p:nvSpPr>
         <p:spPr>
           <a:xfrm>
-            <a:off x="5071252" y="3175155"/>
+            <a:off x="6113399" y="3181878"/>
             <a:ext cx="182880" cy="182880"/>
           </a:xfrm>
           <a:prstGeom prst="ellipse">
@@ -11737,7 +13042,7 @@
         </p:nvSpPr>
         <p:spPr>
           <a:xfrm>
-            <a:off x="5251606" y="3114796"/>
+            <a:off x="6293753" y="3121519"/>
             <a:ext cx="182880" cy="182880"/>
           </a:xfrm>
           <a:prstGeom prst="ellipse">
@@ -11794,7 +13099,7 @@
         </p:nvSpPr>
         <p:spPr>
           <a:xfrm>
-            <a:off x="5450629" y="3193946"/>
+            <a:off x="6492776" y="3200669"/>
             <a:ext cx="182880" cy="182880"/>
           </a:xfrm>
           <a:prstGeom prst="ellipse">
@@ -11851,7 +13156,7 @@
         </p:nvSpPr>
         <p:spPr>
           <a:xfrm>
-            <a:off x="3768785" y="4272005"/>
+            <a:off x="4810932" y="4278728"/>
             <a:ext cx="182880" cy="182880"/>
           </a:xfrm>
           <a:prstGeom prst="ellipse">
@@ -11908,7 +13213,7 @@
         </p:nvSpPr>
         <p:spPr>
           <a:xfrm>
-            <a:off x="3141025" y="3538385"/>
+            <a:off x="4183172" y="3545108"/>
             <a:ext cx="182880" cy="182880"/>
           </a:xfrm>
           <a:prstGeom prst="ellipse">
@@ -11965,7 +13270,7 @@
         </p:nvSpPr>
         <p:spPr>
           <a:xfrm>
-            <a:off x="6504226" y="3524190"/>
+            <a:off x="7546373" y="3530913"/>
             <a:ext cx="205184" cy="182880"/>
           </a:xfrm>
           <a:prstGeom prst="rect">
@@ -12013,8 +13318,8 @@
         </p:nvSpPr>
         <p:spPr>
           <a:xfrm>
-            <a:off x="7186702" y="2761104"/>
-            <a:ext cx="2320370" cy="923330"/>
+            <a:off x="8228849" y="2767827"/>
+            <a:ext cx="2320370" cy="1323439"/>
           </a:xfrm>
           <a:prstGeom prst="rect">
             <a:avLst/>
@@ -12030,44 +13335,32 @@
           <a:lstStyle/>
           <a:p>
             <a:r>
-              <a:rPr lang="zh-TW" altLang="en-US" b="1" dirty="0">
-                <a:solidFill>
-                  <a:srgbClr val="FF0000"/>
-                </a:solidFill>
-                <a:latin typeface="DengXian" panose="02010600030101010101" pitchFamily="2" charset="-122"/>
-                <a:ea typeface="DengXian" panose="02010600030101010101" pitchFamily="2" charset="-122"/>
+              <a:rPr lang="zh-TW" altLang="en-US" sz="2000" b="1" dirty="0">
+                <a:latin typeface="Microsoft YaHei" panose="020B0503020204020204" pitchFamily="34" charset="-122"/>
+                <a:ea typeface="Microsoft YaHei" panose="020B0503020204020204" pitchFamily="34" charset="-122"/>
                 <a:cs typeface="Segoe UI" panose="020B0502040204020203" pitchFamily="34" charset="0"/>
               </a:rPr>
               <a:t>探索</a:t>
             </a:r>
             <a:r>
-              <a:rPr lang="en-US" b="1" dirty="0">
-                <a:solidFill>
-                  <a:srgbClr val="FF0000"/>
-                </a:solidFill>
-                <a:latin typeface="DengXian" panose="02010600030101010101" pitchFamily="2" charset="-122"/>
-                <a:ea typeface="DengXian" panose="02010600030101010101" pitchFamily="2" charset="-122"/>
+              <a:rPr lang="en-US" sz="2000" b="1" dirty="0">
+                <a:latin typeface="Microsoft YaHei" panose="020B0503020204020204" pitchFamily="34" charset="-122"/>
+                <a:ea typeface="Microsoft YaHei" panose="020B0503020204020204" pitchFamily="34" charset="-122"/>
                 <a:cs typeface="Segoe UI" panose="020B0502040204020203" pitchFamily="34" charset="0"/>
               </a:rPr>
               <a:t>: </a:t>
             </a:r>
             <a:r>
-              <a:rPr lang="zh-CN" altLang="en-US" dirty="0">
-                <a:solidFill>
-                  <a:srgbClr val="FF0000"/>
-                </a:solidFill>
-                <a:latin typeface="DengXian" panose="02010600030101010101" pitchFamily="2" charset="-122"/>
-                <a:ea typeface="DengXian" panose="02010600030101010101" pitchFamily="2" charset="-122"/>
+              <a:rPr lang="zh-CN" altLang="en-US" sz="2000" dirty="0">
+                <a:latin typeface="Microsoft YaHei" panose="020B0503020204020204" pitchFamily="34" charset="-122"/>
+                <a:ea typeface="Microsoft YaHei" panose="020B0503020204020204" pitchFamily="34" charset="-122"/>
                 <a:cs typeface="Segoe UI" panose="020B0502040204020203" pitchFamily="34" charset="0"/>
               </a:rPr>
               <a:t>选择现在不确定但未来可能会有高收益的点来采样</a:t>
             </a:r>
-            <a:endParaRPr lang="en-US" dirty="0">
-              <a:solidFill>
-                <a:srgbClr val="FF0000"/>
-              </a:solidFill>
-              <a:latin typeface="DengXian" panose="02010600030101010101" pitchFamily="2" charset="-122"/>
-              <a:ea typeface="DengXian" panose="02010600030101010101" pitchFamily="2" charset="-122"/>
+            <a:endParaRPr lang="en-US" sz="2000" dirty="0">
+              <a:latin typeface="Microsoft YaHei" panose="020B0503020204020204" pitchFamily="34" charset="-122"/>
+              <a:ea typeface="Microsoft YaHei" panose="020B0503020204020204" pitchFamily="34" charset="-122"/>
               <a:cs typeface="Segoe UI" panose="020B0502040204020203" pitchFamily="34" charset="0"/>
             </a:endParaRPr>
           </a:p>
@@ -12091,16 +13384,18 @@
         </p:nvCxnSpPr>
         <p:spPr>
           <a:xfrm flipV="1">
-            <a:off x="6709410" y="3222769"/>
-            <a:ext cx="477292" cy="392861"/>
+            <a:off x="7751557" y="3429547"/>
+            <a:ext cx="477292" cy="192806"/>
           </a:xfrm>
           <a:prstGeom prst="line">
             <a:avLst/>
           </a:prstGeom>
-          <a:ln w="19050">
+          <a:ln w="25400">
             <a:solidFill>
-              <a:srgbClr val="FF0000"/>
+              <a:srgbClr val="65768A"/>
             </a:solidFill>
+            <a:headEnd type="triangle" w="lg" len="lg"/>
+            <a:tailEnd type="none" w="lg" len="lg"/>
           </a:ln>
         </p:spPr>
         <p:style>
@@ -12132,7 +13427,7 @@
         </p:nvSpPr>
         <p:spPr>
           <a:xfrm>
-            <a:off x="3912115" y="4094014"/>
+            <a:off x="4954262" y="4100737"/>
             <a:ext cx="205184" cy="182880"/>
           </a:xfrm>
           <a:prstGeom prst="rect">
@@ -12180,8 +13475,8 @@
         </p:nvSpPr>
         <p:spPr>
           <a:xfrm>
-            <a:off x="993011" y="1754346"/>
-            <a:ext cx="4983413" cy="369332"/>
+            <a:off x="2035158" y="1761069"/>
+            <a:ext cx="4983413" cy="400110"/>
           </a:xfrm>
           <a:prstGeom prst="rect">
             <a:avLst/>
@@ -12197,44 +13492,32 @@
           <a:lstStyle/>
           <a:p>
             <a:r>
-              <a:rPr lang="zh-CN" altLang="en-US" b="1" dirty="0">
-                <a:solidFill>
-                  <a:srgbClr val="FF0000"/>
-                </a:solidFill>
-                <a:latin typeface="DengXian" panose="02010600030101010101" pitchFamily="2" charset="-122"/>
-                <a:ea typeface="DengXian" panose="02010600030101010101" pitchFamily="2" charset="-122"/>
+              <a:rPr lang="zh-CN" altLang="en-US" sz="2000" b="1" dirty="0">
+                <a:latin typeface="Microsoft YaHei" panose="020B0503020204020204" pitchFamily="34" charset="-122"/>
+                <a:ea typeface="Microsoft YaHei" panose="020B0503020204020204" pitchFamily="34" charset="-122"/>
                 <a:cs typeface="Segoe UI" panose="020B0502040204020203" pitchFamily="34" charset="0"/>
               </a:rPr>
               <a:t>利用</a:t>
             </a:r>
             <a:r>
-              <a:rPr lang="en-US" b="1" dirty="0">
-                <a:solidFill>
-                  <a:srgbClr val="FF0000"/>
-                </a:solidFill>
-                <a:latin typeface="DengXian" panose="02010600030101010101" pitchFamily="2" charset="-122"/>
-                <a:ea typeface="DengXian" panose="02010600030101010101" pitchFamily="2" charset="-122"/>
+              <a:rPr lang="en-US" sz="2000" b="1" dirty="0">
+                <a:latin typeface="Microsoft YaHei" panose="020B0503020204020204" pitchFamily="34" charset="-122"/>
+                <a:ea typeface="Microsoft YaHei" panose="020B0503020204020204" pitchFamily="34" charset="-122"/>
                 <a:cs typeface="Segoe UI" panose="020B0502040204020203" pitchFamily="34" charset="0"/>
               </a:rPr>
               <a:t>: </a:t>
             </a:r>
             <a:r>
-              <a:rPr lang="zh-CN" altLang="en-US" dirty="0">
-                <a:solidFill>
-                  <a:srgbClr val="FF0000"/>
-                </a:solidFill>
-                <a:latin typeface="DengXian" panose="02010600030101010101" pitchFamily="2" charset="-122"/>
-                <a:ea typeface="DengXian" panose="02010600030101010101" pitchFamily="2" charset="-122"/>
+              <a:rPr lang="zh-CN" altLang="en-US" sz="2000" dirty="0">
+                <a:latin typeface="Microsoft YaHei" panose="020B0503020204020204" pitchFamily="34" charset="-122"/>
+                <a:ea typeface="Microsoft YaHei" panose="020B0503020204020204" pitchFamily="34" charset="-122"/>
                 <a:cs typeface="Segoe UI" panose="020B0502040204020203" pitchFamily="34" charset="0"/>
               </a:rPr>
               <a:t>选择现在可能最佳的点来采样</a:t>
             </a:r>
-            <a:endParaRPr lang="en-US" dirty="0">
-              <a:solidFill>
-                <a:srgbClr val="FF0000"/>
-              </a:solidFill>
-              <a:latin typeface="DengXian" panose="02010600030101010101" pitchFamily="2" charset="-122"/>
-              <a:ea typeface="DengXian" panose="02010600030101010101" pitchFamily="2" charset="-122"/>
+            <a:endParaRPr lang="en-US" sz="2000" dirty="0">
+              <a:latin typeface="Microsoft YaHei" panose="020B0503020204020204" pitchFamily="34" charset="-122"/>
+              <a:ea typeface="Microsoft YaHei" panose="020B0503020204020204" pitchFamily="34" charset="-122"/>
               <a:cs typeface="Segoe UI" panose="020B0502040204020203" pitchFamily="34" charset="0"/>
             </a:endParaRPr>
           </a:p>
@@ -12258,16 +13541,18 @@
         </p:nvCxnSpPr>
         <p:spPr>
           <a:xfrm flipH="1" flipV="1">
-            <a:off x="3484718" y="2123678"/>
-            <a:ext cx="529989" cy="2153216"/>
+            <a:off x="4526865" y="2161179"/>
+            <a:ext cx="529989" cy="2122438"/>
           </a:xfrm>
           <a:prstGeom prst="line">
             <a:avLst/>
           </a:prstGeom>
-          <a:ln w="19050">
+          <a:ln w="25400">
             <a:solidFill>
-              <a:srgbClr val="FF0000"/>
+              <a:srgbClr val="65768A"/>
             </a:solidFill>
+            <a:headEnd type="triangle" w="lg" len="lg"/>
+            <a:tailEnd type="none" w="lg" len="lg"/>
           </a:ln>
         </p:spPr>
         <p:style>
@@ -12299,7 +13584,7 @@
         </p:nvSpPr>
         <p:spPr>
           <a:xfrm>
-            <a:off x="2555882" y="5587577"/>
+            <a:off x="3598029" y="5594300"/>
             <a:ext cx="4264058" cy="369332"/>
           </a:xfrm>
           <a:prstGeom prst="rect">
@@ -12315,14 +13600,22 @@
           <a:p>
             <a:pPr algn="ctr"/>
             <a:r>
-              <a:rPr lang="zh-CN" altLang="en-US" b="1" dirty="0">
-                <a:latin typeface="+mn-ea"/>
+              <a:rPr lang="zh-CN" altLang="en-US" dirty="0">
+                <a:solidFill>
+                  <a:srgbClr val="384151"/>
+                </a:solidFill>
+                <a:latin typeface="Microsoft YaHei" panose="020B0503020204020204" pitchFamily="34" charset="-122"/>
+                <a:ea typeface="Microsoft YaHei" panose="020B0503020204020204" pitchFamily="34" charset="-122"/>
                 <a:cs typeface="Segoe UI" panose="020B0502040204020203" pitchFamily="34" charset="0"/>
               </a:rPr>
               <a:t>系统参数值</a:t>
             </a:r>
-            <a:endParaRPr lang="en-US" b="1" dirty="0">
-              <a:latin typeface="+mn-ea"/>
+            <a:endParaRPr lang="en-US" dirty="0">
+              <a:solidFill>
+                <a:srgbClr val="384151"/>
+              </a:solidFill>
+              <a:latin typeface="Microsoft YaHei" panose="020B0503020204020204" pitchFamily="34" charset="-122"/>
+              <a:ea typeface="Microsoft YaHei" panose="020B0503020204020204" pitchFamily="34" charset="-122"/>
               <a:cs typeface="Segoe UI" panose="020B0502040204020203" pitchFamily="34" charset="0"/>
             </a:endParaRPr>
           </a:p>
@@ -12342,7 +13635,7 @@
         </p:nvSpPr>
         <p:spPr>
           <a:xfrm>
-            <a:off x="1172190" y="3324415"/>
+            <a:off x="2247957" y="3331138"/>
             <a:ext cx="731936" cy="923330"/>
           </a:xfrm>
           <a:prstGeom prst="rect">
@@ -12357,40 +13650,64 @@
           <a:lstStyle/>
           <a:p>
             <a:r>
-              <a:rPr lang="zh-CN" altLang="en-US" b="1" dirty="0">
-                <a:latin typeface="+mn-ea"/>
+              <a:rPr lang="zh-CN" altLang="en-US" dirty="0">
+                <a:solidFill>
+                  <a:srgbClr val="384151"/>
+                </a:solidFill>
+                <a:latin typeface="Microsoft YaHei" panose="020B0503020204020204" pitchFamily="34" charset="-122"/>
+                <a:ea typeface="Microsoft YaHei" panose="020B0503020204020204" pitchFamily="34" charset="-122"/>
                 <a:cs typeface="Segoe UI" panose="020B0502040204020203" pitchFamily="34" charset="0"/>
               </a:rPr>
               <a:t>系统</a:t>
             </a:r>
-            <a:endParaRPr lang="en-US" altLang="zh-CN" b="1" dirty="0">
-              <a:latin typeface="+mn-ea"/>
+            <a:endParaRPr lang="en-US" altLang="zh-CN" dirty="0">
+              <a:solidFill>
+                <a:srgbClr val="384151"/>
+              </a:solidFill>
+              <a:latin typeface="Microsoft YaHei" panose="020B0503020204020204" pitchFamily="34" charset="-122"/>
+              <a:ea typeface="Microsoft YaHei" panose="020B0503020204020204" pitchFamily="34" charset="-122"/>
               <a:cs typeface="Segoe UI" panose="020B0502040204020203" pitchFamily="34" charset="0"/>
             </a:endParaRPr>
           </a:p>
           <a:p>
             <a:r>
-              <a:rPr lang="zh-CN" altLang="en-US" b="1" dirty="0">
-                <a:latin typeface="+mn-ea"/>
+              <a:rPr lang="zh-CN" altLang="en-US" dirty="0">
+                <a:solidFill>
+                  <a:srgbClr val="384151"/>
+                </a:solidFill>
+                <a:latin typeface="Microsoft YaHei" panose="020B0503020204020204" pitchFamily="34" charset="-122"/>
+                <a:ea typeface="Microsoft YaHei" panose="020B0503020204020204" pitchFamily="34" charset="-122"/>
                 <a:cs typeface="Segoe UI" panose="020B0502040204020203" pitchFamily="34" charset="0"/>
               </a:rPr>
               <a:t>性能</a:t>
             </a:r>
-            <a:endParaRPr lang="en-US" altLang="zh-CN" b="1" dirty="0">
-              <a:latin typeface="+mn-ea"/>
+            <a:endParaRPr lang="en-US" altLang="zh-CN" dirty="0">
+              <a:solidFill>
+                <a:srgbClr val="384151"/>
+              </a:solidFill>
+              <a:latin typeface="Microsoft YaHei" panose="020B0503020204020204" pitchFamily="34" charset="-122"/>
+              <a:ea typeface="Microsoft YaHei" panose="020B0503020204020204" pitchFamily="34" charset="-122"/>
               <a:cs typeface="Segoe UI" panose="020B0502040204020203" pitchFamily="34" charset="0"/>
             </a:endParaRPr>
           </a:p>
           <a:p>
             <a:r>
-              <a:rPr lang="zh-CN" altLang="en-US" b="1" dirty="0">
-                <a:latin typeface="+mn-ea"/>
+              <a:rPr lang="zh-CN" altLang="en-US" dirty="0">
+                <a:solidFill>
+                  <a:srgbClr val="384151"/>
+                </a:solidFill>
+                <a:latin typeface="Microsoft YaHei" panose="020B0503020204020204" pitchFamily="34" charset="-122"/>
+                <a:ea typeface="Microsoft YaHei" panose="020B0503020204020204" pitchFamily="34" charset="-122"/>
                 <a:cs typeface="Segoe UI" panose="020B0502040204020203" pitchFamily="34" charset="0"/>
               </a:rPr>
               <a:t>指标</a:t>
             </a:r>
-            <a:endParaRPr lang="en-US" b="1" dirty="0">
-              <a:latin typeface="+mn-ea"/>
+            <a:endParaRPr lang="en-US" dirty="0">
+              <a:solidFill>
+                <a:srgbClr val="384151"/>
+              </a:solidFill>
+              <a:latin typeface="Microsoft YaHei" panose="020B0503020204020204" pitchFamily="34" charset="-122"/>
+              <a:ea typeface="Microsoft YaHei" panose="020B0503020204020204" pitchFamily="34" charset="-122"/>
               <a:cs typeface="Segoe UI" panose="020B0502040204020203" pitchFamily="34" charset="0"/>
             </a:endParaRPr>
           </a:p>
@@ -12410,7 +13727,7 @@
         </p:nvSpPr>
         <p:spPr>
           <a:xfrm>
-            <a:off x="2576054" y="5275651"/>
+            <a:off x="3618201" y="5282374"/>
             <a:ext cx="4264058" cy="307777"/>
           </a:xfrm>
           <a:prstGeom prst="rect">
@@ -12458,7 +13775,7 @@
         </p:nvSpPr>
         <p:spPr>
           <a:xfrm>
-            <a:off x="1733117" y="2408903"/>
+            <a:off x="2775264" y="2415626"/>
             <a:ext cx="681097" cy="2800767"/>
           </a:xfrm>
           <a:prstGeom prst="rect">
@@ -12597,16 +13914,18 @@
         </p:nvCxnSpPr>
         <p:spPr>
           <a:xfrm flipV="1">
-            <a:off x="5343046" y="2080517"/>
-            <a:ext cx="719102" cy="1034279"/>
+            <a:off x="6385193" y="2118017"/>
+            <a:ext cx="719102" cy="1003502"/>
           </a:xfrm>
           <a:prstGeom prst="line">
             <a:avLst/>
           </a:prstGeom>
-          <a:ln w="19050">
+          <a:ln w="25400">
             <a:solidFill>
-              <a:srgbClr val="FF0000"/>
+              <a:srgbClr val="65768A"/>
             </a:solidFill>
+            <a:headEnd type="triangle" w="lg" len="lg"/>
+            <a:tailEnd type="none" w="lg" len="lg"/>
           </a:ln>
         </p:spPr>
         <p:style>
@@ -12638,8 +13957,8 @@
         </p:nvSpPr>
         <p:spPr>
           <a:xfrm>
-            <a:off x="6062148" y="1757351"/>
-            <a:ext cx="3283550" cy="646331"/>
+            <a:off x="7104295" y="1764074"/>
+            <a:ext cx="3283550" cy="707886"/>
           </a:xfrm>
           <a:prstGeom prst="rect">
             <a:avLst/>
@@ -12655,44 +13974,32 @@
           <a:lstStyle/>
           <a:p>
             <a:r>
-              <a:rPr lang="zh-TW" altLang="en-US" b="1" dirty="0">
-                <a:solidFill>
-                  <a:srgbClr val="FF0000"/>
-                </a:solidFill>
-                <a:latin typeface="DengXian" panose="02010600030101010101" pitchFamily="2" charset="-122"/>
-                <a:ea typeface="DengXian" panose="02010600030101010101" pitchFamily="2" charset="-122"/>
+              <a:rPr lang="zh-TW" altLang="en-US" sz="2000" b="1" dirty="0">
+                <a:latin typeface="Microsoft YaHei" panose="020B0503020204020204" pitchFamily="34" charset="-122"/>
+                <a:ea typeface="Microsoft YaHei" panose="020B0503020204020204" pitchFamily="34" charset="-122"/>
                 <a:cs typeface="Segoe UI" panose="020B0502040204020203" pitchFamily="34" charset="0"/>
               </a:rPr>
               <a:t>重采样</a:t>
             </a:r>
             <a:r>
-              <a:rPr lang="en-US" b="1" dirty="0">
-                <a:solidFill>
-                  <a:srgbClr val="FF0000"/>
-                </a:solidFill>
-                <a:latin typeface="DengXian" panose="02010600030101010101" pitchFamily="2" charset="-122"/>
-                <a:ea typeface="DengXian" panose="02010600030101010101" pitchFamily="2" charset="-122"/>
+              <a:rPr lang="en-US" sz="2000" b="1" dirty="0">
+                <a:latin typeface="Microsoft YaHei" panose="020B0503020204020204" pitchFamily="34" charset="-122"/>
+                <a:ea typeface="Microsoft YaHei" panose="020B0503020204020204" pitchFamily="34" charset="-122"/>
                 <a:cs typeface="Segoe UI" panose="020B0502040204020203" pitchFamily="34" charset="0"/>
               </a:rPr>
               <a:t>: </a:t>
             </a:r>
             <a:r>
-              <a:rPr lang="zh-CN" altLang="en-US" dirty="0">
-                <a:solidFill>
-                  <a:srgbClr val="FF0000"/>
-                </a:solidFill>
-                <a:latin typeface="DengXian" panose="02010600030101010101" pitchFamily="2" charset="-122"/>
-                <a:ea typeface="DengXian" panose="02010600030101010101" pitchFamily="2" charset="-122"/>
+              <a:rPr lang="zh-CN" altLang="en-US" sz="2000" dirty="0">
+                <a:latin typeface="Microsoft YaHei" panose="020B0503020204020204" pitchFamily="34" charset="-122"/>
+                <a:ea typeface="Microsoft YaHei" panose="020B0503020204020204" pitchFamily="34" charset="-122"/>
                 <a:cs typeface="Segoe UI" panose="020B0502040204020203" pitchFamily="34" charset="0"/>
               </a:rPr>
               <a:t>选择有可能有噪声或异常值的点来重新采样</a:t>
             </a:r>
-            <a:endParaRPr lang="en-US" dirty="0">
-              <a:solidFill>
-                <a:srgbClr val="FF0000"/>
-              </a:solidFill>
-              <a:latin typeface="DengXian" panose="02010600030101010101" pitchFamily="2" charset="-122"/>
-              <a:ea typeface="DengXian" panose="02010600030101010101" pitchFamily="2" charset="-122"/>
+            <a:endParaRPr lang="en-US" sz="2000" dirty="0">
+              <a:latin typeface="Microsoft YaHei" panose="020B0503020204020204" pitchFamily="34" charset="-122"/>
+              <a:ea typeface="Microsoft YaHei" panose="020B0503020204020204" pitchFamily="34" charset="-122"/>
               <a:cs typeface="Segoe UI" panose="020B0502040204020203" pitchFamily="34" charset="0"/>
             </a:endParaRPr>
           </a:p>
